--- a/final_drafts/final_ppt.pptx
+++ b/final_drafts/final_ppt.pptx
@@ -5,51 +5,54 @@
     <p:sldMasterId id="2147483653" r:id="rId1"/>
   </p:sldMasterIdLst>
   <p:notesMasterIdLst>
-    <p:notesMasterId r:id="rId15"/>
+    <p:notesMasterId r:id="rId18"/>
   </p:notesMasterIdLst>
   <p:sldIdLst>
     <p:sldId id="256" r:id="rId2"/>
-    <p:sldId id="257" r:id="rId3"/>
-    <p:sldId id="258" r:id="rId4"/>
-    <p:sldId id="259" r:id="rId5"/>
-    <p:sldId id="270" r:id="rId6"/>
-    <p:sldId id="271" r:id="rId7"/>
-    <p:sldId id="264" r:id="rId8"/>
-    <p:sldId id="272" r:id="rId9"/>
-    <p:sldId id="273" r:id="rId10"/>
-    <p:sldId id="263" r:id="rId11"/>
-    <p:sldId id="274" r:id="rId12"/>
-    <p:sldId id="267" r:id="rId13"/>
-    <p:sldId id="276" r:id="rId14"/>
+    <p:sldId id="258" r:id="rId3"/>
+    <p:sldId id="278" r:id="rId4"/>
+    <p:sldId id="257" r:id="rId5"/>
+    <p:sldId id="259" r:id="rId6"/>
+    <p:sldId id="270" r:id="rId7"/>
+    <p:sldId id="271" r:id="rId8"/>
+    <p:sldId id="264" r:id="rId9"/>
+    <p:sldId id="272" r:id="rId10"/>
+    <p:sldId id="273" r:id="rId11"/>
+    <p:sldId id="263" r:id="rId12"/>
+    <p:sldId id="274" r:id="rId13"/>
+    <p:sldId id="279" r:id="rId14"/>
+    <p:sldId id="277" r:id="rId15"/>
+    <p:sldId id="267" r:id="rId16"/>
+    <p:sldId id="276" r:id="rId17"/>
   </p:sldIdLst>
   <p:sldSz cx="18288000" cy="10287000"/>
   <p:notesSz cx="6858000" cy="9144000"/>
   <p:embeddedFontLst>
     <p:embeddedFont>
       <p:font typeface="Gill Sans MT" panose="020B0502020104020203" pitchFamily="34" charset="0"/>
-      <p:regular r:id="rId16"/>
-      <p:bold r:id="rId17"/>
-      <p:italic r:id="rId18"/>
-      <p:boldItalic r:id="rId19"/>
+      <p:regular r:id="rId19"/>
+      <p:bold r:id="rId20"/>
+      <p:italic r:id="rId21"/>
+      <p:boldItalic r:id="rId22"/>
     </p:embeddedFont>
     <p:embeddedFont>
       <p:font typeface="Inter" panose="020B0604020202020204" charset="0"/>
-      <p:regular r:id="rId20"/>
-      <p:bold r:id="rId21"/>
-      <p:italic r:id="rId22"/>
-      <p:boldItalic r:id="rId23"/>
+      <p:regular r:id="rId23"/>
+      <p:bold r:id="rId24"/>
+      <p:italic r:id="rId25"/>
+      <p:boldItalic r:id="rId26"/>
     </p:embeddedFont>
     <p:embeddedFont>
       <p:font typeface="Inter ExtraBold" panose="020B0604020202020204" charset="0"/>
-      <p:bold r:id="rId24"/>
-      <p:boldItalic r:id="rId25"/>
+      <p:bold r:id="rId27"/>
+      <p:boldItalic r:id="rId28"/>
     </p:embeddedFont>
     <p:embeddedFont>
       <p:font typeface="Inter SemiBold" panose="020B0604020202020204" charset="0"/>
-      <p:regular r:id="rId26"/>
-      <p:bold r:id="rId27"/>
-      <p:italic r:id="rId28"/>
-      <p:boldItalic r:id="rId29"/>
+      <p:regular r:id="rId29"/>
+      <p:bold r:id="rId30"/>
+      <p:italic r:id="rId31"/>
+      <p:boldItalic r:id="rId32"/>
     </p:embeddedFont>
   </p:embeddedFontLst>
   <p:defaultTextStyle>
@@ -298,4309 +301,6 @@
     </p:ext>
   </p:extLst>
 </p:presentation>
-</file>
-
-<file path=ppt/diagrams/colors1.xml><?xml version="1.0" encoding="utf-8"?>
-<dgm:colorsDef xmlns:dgm="http://schemas.openxmlformats.org/drawingml/2006/diagram" xmlns:a="http://schemas.openxmlformats.org/drawingml/2006/main" uniqueId="urn:microsoft.com/office/officeart/2005/8/colors/accent1_2">
-  <dgm:title val=""/>
-  <dgm:desc val=""/>
-  <dgm:catLst>
-    <dgm:cat type="accent1" pri="11200"/>
-  </dgm:catLst>
-  <dgm:styleLbl name="node0">
-    <dgm:fillClrLst meth="repeat">
-      <a:schemeClr val="accent1"/>
-    </dgm:fillClrLst>
-    <dgm:linClrLst meth="repeat">
-      <a:schemeClr val="lt1"/>
-    </dgm:linClrLst>
-    <dgm:effectClrLst/>
-    <dgm:txLinClrLst/>
-    <dgm:txFillClrLst/>
-    <dgm:txEffectClrLst/>
-  </dgm:styleLbl>
-  <dgm:styleLbl name="alignNode1">
-    <dgm:fillClrLst meth="repeat">
-      <a:schemeClr val="accent1"/>
-    </dgm:fillClrLst>
-    <dgm:linClrLst meth="repeat">
-      <a:schemeClr val="accent1"/>
-    </dgm:linClrLst>
-    <dgm:effectClrLst/>
-    <dgm:txLinClrLst/>
-    <dgm:txFillClrLst/>
-    <dgm:txEffectClrLst/>
-  </dgm:styleLbl>
-  <dgm:styleLbl name="node1">
-    <dgm:fillClrLst meth="repeat">
-      <a:schemeClr val="accent1"/>
-    </dgm:fillClrLst>
-    <dgm:linClrLst meth="repeat">
-      <a:schemeClr val="lt1"/>
-    </dgm:linClrLst>
-    <dgm:effectClrLst/>
-    <dgm:txLinClrLst/>
-    <dgm:txFillClrLst/>
-    <dgm:txEffectClrLst/>
-  </dgm:styleLbl>
-  <dgm:styleLbl name="lnNode1">
-    <dgm:fillClrLst meth="repeat">
-      <a:schemeClr val="accent1"/>
-    </dgm:fillClrLst>
-    <dgm:linClrLst meth="repeat">
-      <a:schemeClr val="lt1"/>
-    </dgm:linClrLst>
-    <dgm:effectClrLst/>
-    <dgm:txLinClrLst/>
-    <dgm:txFillClrLst/>
-    <dgm:txEffectClrLst/>
-  </dgm:styleLbl>
-  <dgm:styleLbl name="vennNode1">
-    <dgm:fillClrLst meth="repeat">
-      <a:schemeClr val="accent1">
-        <a:alpha val="50000"/>
-      </a:schemeClr>
-    </dgm:fillClrLst>
-    <dgm:linClrLst meth="repeat">
-      <a:schemeClr val="lt1"/>
-    </dgm:linClrLst>
-    <dgm:effectClrLst/>
-    <dgm:txLinClrLst/>
-    <dgm:txFillClrLst/>
-    <dgm:txEffectClrLst/>
-  </dgm:styleLbl>
-  <dgm:styleLbl name="node2">
-    <dgm:fillClrLst meth="repeat">
-      <a:schemeClr val="accent1"/>
-    </dgm:fillClrLst>
-    <dgm:linClrLst meth="repeat">
-      <a:schemeClr val="lt1"/>
-    </dgm:linClrLst>
-    <dgm:effectClrLst/>
-    <dgm:txLinClrLst/>
-    <dgm:txFillClrLst/>
-    <dgm:txEffectClrLst/>
-  </dgm:styleLbl>
-  <dgm:styleLbl name="node3">
-    <dgm:fillClrLst meth="repeat">
-      <a:schemeClr val="accent1"/>
-    </dgm:fillClrLst>
-    <dgm:linClrLst meth="repeat">
-      <a:schemeClr val="lt1"/>
-    </dgm:linClrLst>
-    <dgm:effectClrLst/>
-    <dgm:txLinClrLst/>
-    <dgm:txFillClrLst/>
-    <dgm:txEffectClrLst/>
-  </dgm:styleLbl>
-  <dgm:styleLbl name="node4">
-    <dgm:fillClrLst meth="repeat">
-      <a:schemeClr val="accent1"/>
-    </dgm:fillClrLst>
-    <dgm:linClrLst meth="repeat">
-      <a:schemeClr val="lt1"/>
-    </dgm:linClrLst>
-    <dgm:effectClrLst/>
-    <dgm:txLinClrLst/>
-    <dgm:txFillClrLst/>
-    <dgm:txEffectClrLst/>
-  </dgm:styleLbl>
-  <dgm:styleLbl name="fgImgPlace1">
-    <dgm:fillClrLst meth="repeat">
-      <a:schemeClr val="accent1">
-        <a:tint val="50000"/>
-      </a:schemeClr>
-    </dgm:fillClrLst>
-    <dgm:linClrLst meth="repeat">
-      <a:schemeClr val="lt1"/>
-    </dgm:linClrLst>
-    <dgm:effectClrLst/>
-    <dgm:txLinClrLst/>
-    <dgm:txFillClrLst meth="repeat">
-      <a:schemeClr val="lt1"/>
-    </dgm:txFillClrLst>
-    <dgm:txEffectClrLst/>
-  </dgm:styleLbl>
-  <dgm:styleLbl name="alignImgPlace1">
-    <dgm:fillClrLst meth="repeat">
-      <a:schemeClr val="accent1">
-        <a:tint val="50000"/>
-      </a:schemeClr>
-    </dgm:fillClrLst>
-    <dgm:linClrLst meth="repeat">
-      <a:schemeClr val="lt1"/>
-    </dgm:linClrLst>
-    <dgm:effectClrLst/>
-    <dgm:txLinClrLst/>
-    <dgm:txFillClrLst meth="repeat">
-      <a:schemeClr val="lt1"/>
-    </dgm:txFillClrLst>
-    <dgm:txEffectClrLst/>
-  </dgm:styleLbl>
-  <dgm:styleLbl name="bgImgPlace1">
-    <dgm:fillClrLst meth="repeat">
-      <a:schemeClr val="accent1">
-        <a:tint val="50000"/>
-      </a:schemeClr>
-    </dgm:fillClrLst>
-    <dgm:linClrLst meth="repeat">
-      <a:schemeClr val="lt1"/>
-    </dgm:linClrLst>
-    <dgm:effectClrLst/>
-    <dgm:txLinClrLst/>
-    <dgm:txFillClrLst meth="repeat">
-      <a:schemeClr val="lt1"/>
-    </dgm:txFillClrLst>
-    <dgm:txEffectClrLst/>
-  </dgm:styleLbl>
-  <dgm:styleLbl name="sibTrans2D1">
-    <dgm:fillClrLst meth="repeat">
-      <a:schemeClr val="accent1">
-        <a:tint val="60000"/>
-      </a:schemeClr>
-    </dgm:fillClrLst>
-    <dgm:linClrLst meth="repeat">
-      <a:schemeClr val="accent1">
-        <a:tint val="60000"/>
-      </a:schemeClr>
-    </dgm:linClrLst>
-    <dgm:effectClrLst/>
-    <dgm:txLinClrLst/>
-    <dgm:txFillClrLst/>
-    <dgm:txEffectClrLst/>
-  </dgm:styleLbl>
-  <dgm:styleLbl name="fgSibTrans2D1">
-    <dgm:fillClrLst meth="repeat">
-      <a:schemeClr val="accent1">
-        <a:tint val="60000"/>
-      </a:schemeClr>
-    </dgm:fillClrLst>
-    <dgm:linClrLst meth="repeat">
-      <a:schemeClr val="accent1">
-        <a:tint val="60000"/>
-      </a:schemeClr>
-    </dgm:linClrLst>
-    <dgm:effectClrLst/>
-    <dgm:txLinClrLst/>
-    <dgm:txFillClrLst/>
-    <dgm:txEffectClrLst/>
-  </dgm:styleLbl>
-  <dgm:styleLbl name="bgSibTrans2D1">
-    <dgm:fillClrLst meth="repeat">
-      <a:schemeClr val="accent1">
-        <a:tint val="60000"/>
-      </a:schemeClr>
-    </dgm:fillClrLst>
-    <dgm:linClrLst meth="repeat">
-      <a:schemeClr val="accent1">
-        <a:tint val="60000"/>
-      </a:schemeClr>
-    </dgm:linClrLst>
-    <dgm:effectClrLst/>
-    <dgm:txLinClrLst/>
-    <dgm:txFillClrLst/>
-    <dgm:txEffectClrLst/>
-  </dgm:styleLbl>
-  <dgm:styleLbl name="sibTrans1D1">
-    <dgm:fillClrLst meth="repeat">
-      <a:schemeClr val="accent1"/>
-    </dgm:fillClrLst>
-    <dgm:linClrLst meth="repeat">
-      <a:schemeClr val="accent1"/>
-    </dgm:linClrLst>
-    <dgm:effectClrLst/>
-    <dgm:txLinClrLst/>
-    <dgm:txFillClrLst meth="repeat">
-      <a:schemeClr val="tx1"/>
-    </dgm:txFillClrLst>
-    <dgm:txEffectClrLst/>
-  </dgm:styleLbl>
-  <dgm:styleLbl name="callout">
-    <dgm:fillClrLst meth="repeat">
-      <a:schemeClr val="accent1"/>
-    </dgm:fillClrLst>
-    <dgm:linClrLst meth="repeat">
-      <a:schemeClr val="accent1">
-        <a:tint val="50000"/>
-      </a:schemeClr>
-    </dgm:linClrLst>
-    <dgm:effectClrLst/>
-    <dgm:txLinClrLst/>
-    <dgm:txFillClrLst meth="repeat">
-      <a:schemeClr val="tx1"/>
-    </dgm:txFillClrLst>
-    <dgm:txEffectClrLst/>
-  </dgm:styleLbl>
-  <dgm:styleLbl name="asst0">
-    <dgm:fillClrLst meth="repeat">
-      <a:schemeClr val="accent1"/>
-    </dgm:fillClrLst>
-    <dgm:linClrLst meth="repeat">
-      <a:schemeClr val="lt1"/>
-    </dgm:linClrLst>
-    <dgm:effectClrLst/>
-    <dgm:txLinClrLst/>
-    <dgm:txFillClrLst/>
-    <dgm:txEffectClrLst/>
-  </dgm:styleLbl>
-  <dgm:styleLbl name="asst1">
-    <dgm:fillClrLst meth="repeat">
-      <a:schemeClr val="accent1"/>
-    </dgm:fillClrLst>
-    <dgm:linClrLst meth="repeat">
-      <a:schemeClr val="lt1"/>
-    </dgm:linClrLst>
-    <dgm:effectClrLst/>
-    <dgm:txLinClrLst/>
-    <dgm:txFillClrLst/>
-    <dgm:txEffectClrLst/>
-  </dgm:styleLbl>
-  <dgm:styleLbl name="asst2">
-    <dgm:fillClrLst meth="repeat">
-      <a:schemeClr val="accent1"/>
-    </dgm:fillClrLst>
-    <dgm:linClrLst meth="repeat">
-      <a:schemeClr val="lt1"/>
-    </dgm:linClrLst>
-    <dgm:effectClrLst/>
-    <dgm:txLinClrLst/>
-    <dgm:txFillClrLst/>
-    <dgm:txEffectClrLst/>
-  </dgm:styleLbl>
-  <dgm:styleLbl name="asst3">
-    <dgm:fillClrLst meth="repeat">
-      <a:schemeClr val="accent1"/>
-    </dgm:fillClrLst>
-    <dgm:linClrLst meth="repeat">
-      <a:schemeClr val="lt1"/>
-    </dgm:linClrLst>
-    <dgm:effectClrLst/>
-    <dgm:txLinClrLst/>
-    <dgm:txFillClrLst/>
-    <dgm:txEffectClrLst/>
-  </dgm:styleLbl>
-  <dgm:styleLbl name="asst4">
-    <dgm:fillClrLst meth="repeat">
-      <a:schemeClr val="accent1"/>
-    </dgm:fillClrLst>
-    <dgm:linClrLst meth="repeat">
-      <a:schemeClr val="lt1"/>
-    </dgm:linClrLst>
-    <dgm:effectClrLst/>
-    <dgm:txLinClrLst/>
-    <dgm:txFillClrLst/>
-    <dgm:txEffectClrLst/>
-  </dgm:styleLbl>
-  <dgm:styleLbl name="parChTrans2D1">
-    <dgm:fillClrLst meth="repeat">
-      <a:schemeClr val="accent1">
-        <a:tint val="60000"/>
-      </a:schemeClr>
-    </dgm:fillClrLst>
-    <dgm:linClrLst meth="repeat">
-      <a:schemeClr val="accent1">
-        <a:tint val="60000"/>
-      </a:schemeClr>
-    </dgm:linClrLst>
-    <dgm:effectClrLst/>
-    <dgm:txLinClrLst/>
-    <dgm:txFillClrLst meth="repeat">
-      <a:schemeClr val="lt1"/>
-    </dgm:txFillClrLst>
-    <dgm:txEffectClrLst/>
-  </dgm:styleLbl>
-  <dgm:styleLbl name="parChTrans2D2">
-    <dgm:fillClrLst meth="repeat">
-      <a:schemeClr val="accent1"/>
-    </dgm:fillClrLst>
-    <dgm:linClrLst meth="repeat">
-      <a:schemeClr val="accent1"/>
-    </dgm:linClrLst>
-    <dgm:effectClrLst/>
-    <dgm:txLinClrLst/>
-    <dgm:txFillClrLst meth="repeat">
-      <a:schemeClr val="lt1"/>
-    </dgm:txFillClrLst>
-    <dgm:txEffectClrLst/>
-  </dgm:styleLbl>
-  <dgm:styleLbl name="parChTrans2D3">
-    <dgm:fillClrLst meth="repeat">
-      <a:schemeClr val="accent1"/>
-    </dgm:fillClrLst>
-    <dgm:linClrLst meth="repeat">
-      <a:schemeClr val="accent1"/>
-    </dgm:linClrLst>
-    <dgm:effectClrLst/>
-    <dgm:txLinClrLst/>
-    <dgm:txFillClrLst meth="repeat">
-      <a:schemeClr val="lt1"/>
-    </dgm:txFillClrLst>
-    <dgm:txEffectClrLst/>
-  </dgm:styleLbl>
-  <dgm:styleLbl name="parChTrans2D4">
-    <dgm:fillClrLst meth="repeat">
-      <a:schemeClr val="accent1"/>
-    </dgm:fillClrLst>
-    <dgm:linClrLst meth="repeat">
-      <a:schemeClr val="accent1"/>
-    </dgm:linClrLst>
-    <dgm:effectClrLst/>
-    <dgm:txLinClrLst/>
-    <dgm:txFillClrLst meth="repeat">
-      <a:schemeClr val="lt1"/>
-    </dgm:txFillClrLst>
-    <dgm:txEffectClrLst/>
-  </dgm:styleLbl>
-  <dgm:styleLbl name="parChTrans1D1">
-    <dgm:fillClrLst meth="repeat">
-      <a:schemeClr val="accent1"/>
-    </dgm:fillClrLst>
-    <dgm:linClrLst meth="repeat">
-      <a:schemeClr val="accent1">
-        <a:shade val="60000"/>
-      </a:schemeClr>
-    </dgm:linClrLst>
-    <dgm:effectClrLst/>
-    <dgm:txLinClrLst/>
-    <dgm:txFillClrLst meth="repeat">
-      <a:schemeClr val="tx1"/>
-    </dgm:txFillClrLst>
-    <dgm:txEffectClrLst/>
-  </dgm:styleLbl>
-  <dgm:styleLbl name="parChTrans1D2">
-    <dgm:fillClrLst meth="repeat">
-      <a:schemeClr val="accent1"/>
-    </dgm:fillClrLst>
-    <dgm:linClrLst meth="repeat">
-      <a:schemeClr val="accent1">
-        <a:shade val="60000"/>
-      </a:schemeClr>
-    </dgm:linClrLst>
-    <dgm:effectClrLst/>
-    <dgm:txLinClrLst/>
-    <dgm:txFillClrLst meth="repeat">
-      <a:schemeClr val="tx1"/>
-    </dgm:txFillClrLst>
-    <dgm:txEffectClrLst/>
-  </dgm:styleLbl>
-  <dgm:styleLbl name="parChTrans1D3">
-    <dgm:fillClrLst meth="repeat">
-      <a:schemeClr val="accent1"/>
-    </dgm:fillClrLst>
-    <dgm:linClrLst meth="repeat">
-      <a:schemeClr val="accent1">
-        <a:shade val="80000"/>
-      </a:schemeClr>
-    </dgm:linClrLst>
-    <dgm:effectClrLst/>
-    <dgm:txLinClrLst/>
-    <dgm:txFillClrLst meth="repeat">
-      <a:schemeClr val="tx1"/>
-    </dgm:txFillClrLst>
-    <dgm:txEffectClrLst/>
-  </dgm:styleLbl>
-  <dgm:styleLbl name="parChTrans1D4">
-    <dgm:fillClrLst meth="repeat">
-      <a:schemeClr val="accent1"/>
-    </dgm:fillClrLst>
-    <dgm:linClrLst meth="repeat">
-      <a:schemeClr val="accent1">
-        <a:shade val="80000"/>
-      </a:schemeClr>
-    </dgm:linClrLst>
-    <dgm:effectClrLst/>
-    <dgm:txLinClrLst/>
-    <dgm:txFillClrLst meth="repeat">
-      <a:schemeClr val="tx1"/>
-    </dgm:txFillClrLst>
-    <dgm:txEffectClrLst/>
-  </dgm:styleLbl>
-  <dgm:styleLbl name="fgAcc1">
-    <dgm:fillClrLst meth="repeat">
-      <a:schemeClr val="lt1">
-        <a:alpha val="90000"/>
-      </a:schemeClr>
-    </dgm:fillClrLst>
-    <dgm:linClrLst meth="repeat">
-      <a:schemeClr val="accent1"/>
-    </dgm:linClrLst>
-    <dgm:effectClrLst/>
-    <dgm:txLinClrLst/>
-    <dgm:txFillClrLst meth="repeat">
-      <a:schemeClr val="dk1"/>
-    </dgm:txFillClrLst>
-    <dgm:txEffectClrLst/>
-  </dgm:styleLbl>
-  <dgm:styleLbl name="conFgAcc1">
-    <dgm:fillClrLst meth="repeat">
-      <a:schemeClr val="lt1">
-        <a:alpha val="90000"/>
-      </a:schemeClr>
-    </dgm:fillClrLst>
-    <dgm:linClrLst meth="repeat">
-      <a:schemeClr val="accent1"/>
-    </dgm:linClrLst>
-    <dgm:effectClrLst/>
-    <dgm:txLinClrLst/>
-    <dgm:txFillClrLst meth="repeat">
-      <a:schemeClr val="dk1"/>
-    </dgm:txFillClrLst>
-    <dgm:txEffectClrLst/>
-  </dgm:styleLbl>
-  <dgm:styleLbl name="alignAcc1">
-    <dgm:fillClrLst meth="repeat">
-      <a:schemeClr val="lt1">
-        <a:alpha val="90000"/>
-      </a:schemeClr>
-    </dgm:fillClrLst>
-    <dgm:linClrLst meth="repeat">
-      <a:schemeClr val="accent1"/>
-    </dgm:linClrLst>
-    <dgm:effectClrLst/>
-    <dgm:txLinClrLst/>
-    <dgm:txFillClrLst meth="repeat">
-      <a:schemeClr val="dk1"/>
-    </dgm:txFillClrLst>
-    <dgm:txEffectClrLst/>
-  </dgm:styleLbl>
-  <dgm:styleLbl name="trAlignAcc1">
-    <dgm:fillClrLst meth="repeat">
-      <a:schemeClr val="lt1">
-        <a:alpha val="40000"/>
-      </a:schemeClr>
-    </dgm:fillClrLst>
-    <dgm:linClrLst meth="repeat">
-      <a:schemeClr val="accent1"/>
-    </dgm:linClrLst>
-    <dgm:effectClrLst/>
-    <dgm:txLinClrLst/>
-    <dgm:txFillClrLst meth="repeat">
-      <a:schemeClr val="dk1"/>
-    </dgm:txFillClrLst>
-    <dgm:txEffectClrLst/>
-  </dgm:styleLbl>
-  <dgm:styleLbl name="bgAcc1">
-    <dgm:fillClrLst meth="repeat">
-      <a:schemeClr val="lt1">
-        <a:alpha val="90000"/>
-      </a:schemeClr>
-    </dgm:fillClrLst>
-    <dgm:linClrLst meth="repeat">
-      <a:schemeClr val="accent1"/>
-    </dgm:linClrLst>
-    <dgm:effectClrLst/>
-    <dgm:txLinClrLst/>
-    <dgm:txFillClrLst meth="repeat">
-      <a:schemeClr val="dk1"/>
-    </dgm:txFillClrLst>
-    <dgm:txEffectClrLst/>
-  </dgm:styleLbl>
-  <dgm:styleLbl name="solidFgAcc1">
-    <dgm:fillClrLst meth="repeat">
-      <a:schemeClr val="lt1"/>
-    </dgm:fillClrLst>
-    <dgm:linClrLst meth="repeat">
-      <a:schemeClr val="accent1"/>
-    </dgm:linClrLst>
-    <dgm:effectClrLst/>
-    <dgm:txLinClrLst/>
-    <dgm:txFillClrLst meth="repeat">
-      <a:schemeClr val="dk1"/>
-    </dgm:txFillClrLst>
-    <dgm:txEffectClrLst/>
-  </dgm:styleLbl>
-  <dgm:styleLbl name="solidAlignAcc1">
-    <dgm:fillClrLst meth="repeat">
-      <a:schemeClr val="lt1"/>
-    </dgm:fillClrLst>
-    <dgm:linClrLst meth="repeat">
-      <a:schemeClr val="accent1"/>
-    </dgm:linClrLst>
-    <dgm:effectClrLst/>
-    <dgm:txLinClrLst/>
-    <dgm:txFillClrLst meth="repeat">
-      <a:schemeClr val="dk1"/>
-    </dgm:txFillClrLst>
-    <dgm:txEffectClrLst/>
-  </dgm:styleLbl>
-  <dgm:styleLbl name="solidBgAcc1">
-    <dgm:fillClrLst meth="repeat">
-      <a:schemeClr val="lt1"/>
-    </dgm:fillClrLst>
-    <dgm:linClrLst meth="repeat">
-      <a:schemeClr val="accent1"/>
-    </dgm:linClrLst>
-    <dgm:effectClrLst/>
-    <dgm:txLinClrLst/>
-    <dgm:txFillClrLst meth="repeat">
-      <a:schemeClr val="dk1"/>
-    </dgm:txFillClrLst>
-    <dgm:txEffectClrLst/>
-  </dgm:styleLbl>
-  <dgm:styleLbl name="fgAccFollowNode1">
-    <dgm:fillClrLst meth="repeat">
-      <a:schemeClr val="accent1">
-        <a:alpha val="90000"/>
-        <a:tint val="40000"/>
-      </a:schemeClr>
-    </dgm:fillClrLst>
-    <dgm:linClrLst meth="repeat">
-      <a:schemeClr val="accent1">
-        <a:alpha val="90000"/>
-        <a:tint val="40000"/>
-      </a:schemeClr>
-    </dgm:linClrLst>
-    <dgm:effectClrLst/>
-    <dgm:txLinClrLst/>
-    <dgm:txFillClrLst meth="repeat">
-      <a:schemeClr val="dk1"/>
-    </dgm:txFillClrLst>
-    <dgm:txEffectClrLst/>
-  </dgm:styleLbl>
-  <dgm:styleLbl name="alignAccFollowNode1">
-    <dgm:fillClrLst meth="repeat">
-      <a:schemeClr val="accent1">
-        <a:alpha val="90000"/>
-        <a:tint val="40000"/>
-      </a:schemeClr>
-    </dgm:fillClrLst>
-    <dgm:linClrLst meth="repeat">
-      <a:schemeClr val="accent1">
-        <a:alpha val="90000"/>
-        <a:tint val="40000"/>
-      </a:schemeClr>
-    </dgm:linClrLst>
-    <dgm:effectClrLst/>
-    <dgm:txLinClrLst/>
-    <dgm:txFillClrLst meth="repeat">
-      <a:schemeClr val="dk1"/>
-    </dgm:txFillClrLst>
-    <dgm:txEffectClrLst/>
-  </dgm:styleLbl>
-  <dgm:styleLbl name="bgAccFollowNode1">
-    <dgm:fillClrLst meth="repeat">
-      <a:schemeClr val="accent1">
-        <a:alpha val="90000"/>
-        <a:tint val="40000"/>
-      </a:schemeClr>
-    </dgm:fillClrLst>
-    <dgm:linClrLst meth="repeat">
-      <a:schemeClr val="accent1">
-        <a:alpha val="90000"/>
-        <a:tint val="40000"/>
-      </a:schemeClr>
-    </dgm:linClrLst>
-    <dgm:effectClrLst/>
-    <dgm:txLinClrLst/>
-    <dgm:txFillClrLst meth="repeat">
-      <a:schemeClr val="dk1"/>
-    </dgm:txFillClrLst>
-    <dgm:txEffectClrLst/>
-  </dgm:styleLbl>
-  <dgm:styleLbl name="fgAcc0">
-    <dgm:fillClrLst meth="repeat">
-      <a:schemeClr val="lt1">
-        <a:alpha val="90000"/>
-      </a:schemeClr>
-    </dgm:fillClrLst>
-    <dgm:linClrLst meth="repeat">
-      <a:schemeClr val="accent1"/>
-    </dgm:linClrLst>
-    <dgm:effectClrLst/>
-    <dgm:txLinClrLst/>
-    <dgm:txFillClrLst meth="repeat">
-      <a:schemeClr val="dk1"/>
-    </dgm:txFillClrLst>
-    <dgm:txEffectClrLst/>
-  </dgm:styleLbl>
-  <dgm:styleLbl name="fgAcc2">
-    <dgm:fillClrLst meth="repeat">
-      <a:schemeClr val="lt1">
-        <a:alpha val="90000"/>
-      </a:schemeClr>
-    </dgm:fillClrLst>
-    <dgm:linClrLst meth="repeat">
-      <a:schemeClr val="accent1"/>
-    </dgm:linClrLst>
-    <dgm:effectClrLst/>
-    <dgm:txLinClrLst/>
-    <dgm:txFillClrLst meth="repeat">
-      <a:schemeClr val="dk1"/>
-    </dgm:txFillClrLst>
-    <dgm:txEffectClrLst/>
-  </dgm:styleLbl>
-  <dgm:styleLbl name="fgAcc3">
-    <dgm:fillClrLst meth="repeat">
-      <a:schemeClr val="lt1">
-        <a:alpha val="90000"/>
-      </a:schemeClr>
-    </dgm:fillClrLst>
-    <dgm:linClrLst meth="repeat">
-      <a:schemeClr val="accent1"/>
-    </dgm:linClrLst>
-    <dgm:effectClrLst/>
-    <dgm:txLinClrLst/>
-    <dgm:txFillClrLst meth="repeat">
-      <a:schemeClr val="dk1"/>
-    </dgm:txFillClrLst>
-    <dgm:txEffectClrLst/>
-  </dgm:styleLbl>
-  <dgm:styleLbl name="fgAcc4">
-    <dgm:fillClrLst meth="repeat">
-      <a:schemeClr val="lt1">
-        <a:alpha val="90000"/>
-      </a:schemeClr>
-    </dgm:fillClrLst>
-    <dgm:linClrLst meth="repeat">
-      <a:schemeClr val="accent1"/>
-    </dgm:linClrLst>
-    <dgm:effectClrLst/>
-    <dgm:txLinClrLst/>
-    <dgm:txFillClrLst meth="repeat">
-      <a:schemeClr val="dk1"/>
-    </dgm:txFillClrLst>
-    <dgm:txEffectClrLst/>
-  </dgm:styleLbl>
-  <dgm:styleLbl name="bgShp">
-    <dgm:fillClrLst meth="repeat">
-      <a:schemeClr val="accent1">
-        <a:tint val="40000"/>
-      </a:schemeClr>
-    </dgm:fillClrLst>
-    <dgm:linClrLst meth="repeat">
-      <a:schemeClr val="accent1"/>
-    </dgm:linClrLst>
-    <dgm:effectClrLst/>
-    <dgm:txLinClrLst/>
-    <dgm:txFillClrLst meth="repeat">
-      <a:schemeClr val="dk1"/>
-    </dgm:txFillClrLst>
-    <dgm:txEffectClrLst/>
-  </dgm:styleLbl>
-  <dgm:styleLbl name="dkBgShp">
-    <dgm:fillClrLst meth="repeat">
-      <a:schemeClr val="accent1">
-        <a:shade val="80000"/>
-      </a:schemeClr>
-    </dgm:fillClrLst>
-    <dgm:linClrLst meth="repeat">
-      <a:schemeClr val="accent1"/>
-    </dgm:linClrLst>
-    <dgm:effectClrLst/>
-    <dgm:txLinClrLst/>
-    <dgm:txFillClrLst meth="repeat">
-      <a:schemeClr val="lt1"/>
-    </dgm:txFillClrLst>
-    <dgm:txEffectClrLst/>
-  </dgm:styleLbl>
-  <dgm:styleLbl name="trBgShp">
-    <dgm:fillClrLst meth="repeat">
-      <a:schemeClr val="accent1">
-        <a:tint val="50000"/>
-        <a:alpha val="40000"/>
-      </a:schemeClr>
-    </dgm:fillClrLst>
-    <dgm:linClrLst meth="repeat">
-      <a:schemeClr val="accent1"/>
-    </dgm:linClrLst>
-    <dgm:effectClrLst/>
-    <dgm:txLinClrLst/>
-    <dgm:txFillClrLst meth="repeat">
-      <a:schemeClr val="lt1"/>
-    </dgm:txFillClrLst>
-    <dgm:txEffectClrLst/>
-  </dgm:styleLbl>
-  <dgm:styleLbl name="fgShp">
-    <dgm:fillClrLst meth="repeat">
-      <a:schemeClr val="accent1">
-        <a:tint val="60000"/>
-      </a:schemeClr>
-    </dgm:fillClrLst>
-    <dgm:linClrLst meth="repeat">
-      <a:schemeClr val="lt1"/>
-    </dgm:linClrLst>
-    <dgm:effectClrLst/>
-    <dgm:txLinClrLst/>
-    <dgm:txFillClrLst meth="repeat">
-      <a:schemeClr val="dk1"/>
-    </dgm:txFillClrLst>
-    <dgm:txEffectClrLst/>
-  </dgm:styleLbl>
-  <dgm:styleLbl name="revTx">
-    <dgm:fillClrLst meth="repeat">
-      <a:schemeClr val="lt1">
-        <a:alpha val="0"/>
-      </a:schemeClr>
-    </dgm:fillClrLst>
-    <dgm:linClrLst meth="repeat">
-      <a:schemeClr val="dk1">
-        <a:alpha val="0"/>
-      </a:schemeClr>
-    </dgm:linClrLst>
-    <dgm:effectClrLst/>
-    <dgm:txLinClrLst/>
-    <dgm:txFillClrLst meth="repeat">
-      <a:schemeClr val="tx1"/>
-    </dgm:txFillClrLst>
-    <dgm:txEffectClrLst/>
-  </dgm:styleLbl>
-</dgm:colorsDef>
-</file>
-
-<file path=ppt/diagrams/data1.xml><?xml version="1.0" encoding="utf-8"?>
-<dgm:dataModel xmlns:dgm="http://schemas.openxmlformats.org/drawingml/2006/diagram" xmlns:a="http://schemas.openxmlformats.org/drawingml/2006/main">
-  <dgm:ptLst>
-    <dgm:pt modelId="{544CA0A5-DCD3-4661-BF38-1A4F49A2BDF0}" type="doc">
-      <dgm:prSet loTypeId="urn:microsoft.com/office/officeart/2008/layout/VerticalCurvedList" loCatId="list" qsTypeId="urn:microsoft.com/office/officeart/2005/8/quickstyle/3d3" qsCatId="3D" csTypeId="urn:microsoft.com/office/officeart/2005/8/colors/accent1_2" csCatId="accent1" phldr="1"/>
-      <dgm:spPr/>
-      <dgm:t>
-        <a:bodyPr/>
-        <a:lstStyle/>
-        <a:p>
-          <a:endParaRPr lang="en-IN"/>
-        </a:p>
-      </dgm:t>
-    </dgm:pt>
-    <dgm:pt modelId="{F8A06E58-BF0B-4C63-9D8D-09A75625B11B}">
-      <dgm:prSet phldrT="[Text]" phldr="0"/>
-      <dgm:spPr/>
-      <dgm:t>
-        <a:bodyPr/>
-        <a:lstStyle/>
-        <a:p>
-          <a:r>
-            <a:rPr lang="en-US" dirty="0"/>
-            <a:t>Dashboard Deployment</a:t>
-          </a:r>
-          <a:endParaRPr lang="en-IN" dirty="0"/>
-        </a:p>
-      </dgm:t>
-    </dgm:pt>
-    <dgm:pt modelId="{84558E2A-3B1C-4A98-AB10-C7DE35A17E03}" type="parTrans" cxnId="{20E75271-C728-4FA6-88CF-2F83E56A2B8A}">
-      <dgm:prSet/>
-      <dgm:spPr/>
-      <dgm:t>
-        <a:bodyPr/>
-        <a:lstStyle/>
-        <a:p>
-          <a:endParaRPr lang="en-IN"/>
-        </a:p>
-      </dgm:t>
-    </dgm:pt>
-    <dgm:pt modelId="{9240F8B2-87F8-4D84-9FD3-4E24BE4297B4}" type="sibTrans" cxnId="{20E75271-C728-4FA6-88CF-2F83E56A2B8A}">
-      <dgm:prSet/>
-      <dgm:spPr/>
-      <dgm:t>
-        <a:bodyPr/>
-        <a:lstStyle/>
-        <a:p>
-          <a:endParaRPr lang="en-IN"/>
-        </a:p>
-      </dgm:t>
-    </dgm:pt>
-    <dgm:pt modelId="{24541D46-B733-40ED-8E83-6776E3401ECF}">
-      <dgm:prSet/>
-      <dgm:spPr/>
-      <dgm:t>
-        <a:bodyPr/>
-        <a:lstStyle/>
-        <a:p>
-          <a:r>
-            <a:rPr lang="en-US" dirty="0"/>
-            <a:t>Model Building</a:t>
-          </a:r>
-          <a:endParaRPr lang="en-IN" dirty="0"/>
-        </a:p>
-      </dgm:t>
-    </dgm:pt>
-    <dgm:pt modelId="{43197670-56EC-4B1E-B7A3-9A8168444C2D}" type="parTrans" cxnId="{AC7B4E96-3E4C-4E28-B514-0C74A0AE2374}">
-      <dgm:prSet/>
-      <dgm:spPr/>
-      <dgm:t>
-        <a:bodyPr/>
-        <a:lstStyle/>
-        <a:p>
-          <a:endParaRPr lang="en-IN"/>
-        </a:p>
-      </dgm:t>
-    </dgm:pt>
-    <dgm:pt modelId="{E07E6DC4-628C-43A5-8D04-86857DC3A22A}" type="sibTrans" cxnId="{AC7B4E96-3E4C-4E28-B514-0C74A0AE2374}">
-      <dgm:prSet/>
-      <dgm:spPr/>
-      <dgm:t>
-        <a:bodyPr/>
-        <a:lstStyle/>
-        <a:p>
-          <a:endParaRPr lang="en-IN"/>
-        </a:p>
-      </dgm:t>
-    </dgm:pt>
-    <dgm:pt modelId="{A29AE841-6E29-49FE-A813-3DC65027226C}">
-      <dgm:prSet phldrT="[Text]" phldr="0"/>
-      <dgm:spPr/>
-      <dgm:t>
-        <a:bodyPr/>
-        <a:lstStyle/>
-        <a:p>
-          <a:r>
-            <a:rPr lang="en-US" dirty="0"/>
-            <a:t>Model Evaluation</a:t>
-          </a:r>
-          <a:endParaRPr lang="en-IN" dirty="0"/>
-        </a:p>
-      </dgm:t>
-    </dgm:pt>
-    <dgm:pt modelId="{E551AF67-FB77-488A-9CEE-BC579EBB7D24}" type="sibTrans" cxnId="{39AF149F-F5EF-4EE1-B36C-3EFFC256426E}">
-      <dgm:prSet/>
-      <dgm:spPr/>
-      <dgm:t>
-        <a:bodyPr/>
-        <a:lstStyle/>
-        <a:p>
-          <a:endParaRPr lang="en-IN"/>
-        </a:p>
-      </dgm:t>
-    </dgm:pt>
-    <dgm:pt modelId="{A8E30AD7-C804-45E1-90F7-B9CA168B343E}" type="parTrans" cxnId="{39AF149F-F5EF-4EE1-B36C-3EFFC256426E}">
-      <dgm:prSet/>
-      <dgm:spPr/>
-      <dgm:t>
-        <a:bodyPr/>
-        <a:lstStyle/>
-        <a:p>
-          <a:endParaRPr lang="en-IN"/>
-        </a:p>
-      </dgm:t>
-    </dgm:pt>
-    <dgm:pt modelId="{C37DFCEB-7B4F-487C-9A57-AADECD0C9325}">
-      <dgm:prSet phldrT="[Text]" phldr="0"/>
-      <dgm:spPr/>
-      <dgm:t>
-        <a:bodyPr/>
-        <a:lstStyle/>
-        <a:p>
-          <a:r>
-            <a:rPr lang="en-US" dirty="0"/>
-            <a:t>Preprocessing</a:t>
-          </a:r>
-          <a:endParaRPr lang="en-IN" dirty="0"/>
-        </a:p>
-      </dgm:t>
-    </dgm:pt>
-    <dgm:pt modelId="{89A6C725-435F-4DD8-AB52-7A5F513F2FCA}" type="sibTrans" cxnId="{57E38145-19E1-40DF-BDE6-0E8A5333122B}">
-      <dgm:prSet/>
-      <dgm:spPr/>
-      <dgm:t>
-        <a:bodyPr/>
-        <a:lstStyle/>
-        <a:p>
-          <a:endParaRPr lang="en-IN"/>
-        </a:p>
-      </dgm:t>
-    </dgm:pt>
-    <dgm:pt modelId="{0E489652-0323-4DD9-B999-92728B4583FD}" type="parTrans" cxnId="{57E38145-19E1-40DF-BDE6-0E8A5333122B}">
-      <dgm:prSet/>
-      <dgm:spPr/>
-      <dgm:t>
-        <a:bodyPr/>
-        <a:lstStyle/>
-        <a:p>
-          <a:endParaRPr lang="en-IN"/>
-        </a:p>
-      </dgm:t>
-    </dgm:pt>
-    <dgm:pt modelId="{BD918A1C-C938-4EB4-8A08-D2B99EB60FDE}" type="pres">
-      <dgm:prSet presAssocID="{544CA0A5-DCD3-4661-BF38-1A4F49A2BDF0}" presName="Name0" presStyleCnt="0">
-        <dgm:presLayoutVars>
-          <dgm:chMax val="7"/>
-          <dgm:chPref val="7"/>
-          <dgm:dir/>
-        </dgm:presLayoutVars>
-      </dgm:prSet>
-      <dgm:spPr/>
-    </dgm:pt>
-    <dgm:pt modelId="{BDBD783B-FE88-4160-BC97-30B515165964}" type="pres">
-      <dgm:prSet presAssocID="{544CA0A5-DCD3-4661-BF38-1A4F49A2BDF0}" presName="Name1" presStyleCnt="0"/>
-      <dgm:spPr/>
-    </dgm:pt>
-    <dgm:pt modelId="{86CE7A45-F6F1-4AB7-8A89-DE00840515C5}" type="pres">
-      <dgm:prSet presAssocID="{544CA0A5-DCD3-4661-BF38-1A4F49A2BDF0}" presName="cycle" presStyleCnt="0"/>
-      <dgm:spPr/>
-    </dgm:pt>
-    <dgm:pt modelId="{BE278FD5-8C6D-439A-826A-A48A40441D4D}" type="pres">
-      <dgm:prSet presAssocID="{544CA0A5-DCD3-4661-BF38-1A4F49A2BDF0}" presName="srcNode" presStyleLbl="node1" presStyleIdx="0" presStyleCnt="4"/>
-      <dgm:spPr/>
-    </dgm:pt>
-    <dgm:pt modelId="{3FCF07D0-177E-403A-8F71-66CE5A524797}" type="pres">
-      <dgm:prSet presAssocID="{544CA0A5-DCD3-4661-BF38-1A4F49A2BDF0}" presName="conn" presStyleLbl="parChTrans1D2" presStyleIdx="0" presStyleCnt="1"/>
-      <dgm:spPr/>
-    </dgm:pt>
-    <dgm:pt modelId="{DA9B24F3-8334-479F-A8E4-5A6BECC0B13E}" type="pres">
-      <dgm:prSet presAssocID="{544CA0A5-DCD3-4661-BF38-1A4F49A2BDF0}" presName="extraNode" presStyleLbl="node1" presStyleIdx="0" presStyleCnt="4"/>
-      <dgm:spPr/>
-    </dgm:pt>
-    <dgm:pt modelId="{A740DF65-B4C5-4F2D-96FC-E75FCFBF9D7D}" type="pres">
-      <dgm:prSet presAssocID="{544CA0A5-DCD3-4661-BF38-1A4F49A2BDF0}" presName="dstNode" presStyleLbl="node1" presStyleIdx="0" presStyleCnt="4"/>
-      <dgm:spPr/>
-    </dgm:pt>
-    <dgm:pt modelId="{FC831FE0-2637-494F-B96B-4E2BF1823F62}" type="pres">
-      <dgm:prSet presAssocID="{C37DFCEB-7B4F-487C-9A57-AADECD0C9325}" presName="text_1" presStyleLbl="node1" presStyleIdx="0" presStyleCnt="4">
-        <dgm:presLayoutVars>
-          <dgm:bulletEnabled val="1"/>
-        </dgm:presLayoutVars>
-      </dgm:prSet>
-      <dgm:spPr/>
-    </dgm:pt>
-    <dgm:pt modelId="{345A8FA5-955B-454F-8B8A-5E09F746CA06}" type="pres">
-      <dgm:prSet presAssocID="{C37DFCEB-7B4F-487C-9A57-AADECD0C9325}" presName="accent_1" presStyleCnt="0"/>
-      <dgm:spPr/>
-    </dgm:pt>
-    <dgm:pt modelId="{DB31F6DA-B6F5-4183-AB9E-62A572CE4E48}" type="pres">
-      <dgm:prSet presAssocID="{C37DFCEB-7B4F-487C-9A57-AADECD0C9325}" presName="accentRepeatNode" presStyleLbl="solidFgAcc1" presStyleIdx="0" presStyleCnt="4"/>
-      <dgm:spPr>
-        <a:blipFill rotWithShape="0">
-          <a:blip xmlns:r="http://schemas.openxmlformats.org/officeDocument/2006/relationships" r:embed="rId1"/>
-          <a:stretch>
-            <a:fillRect/>
-          </a:stretch>
-        </a:blipFill>
-      </dgm:spPr>
-    </dgm:pt>
-    <dgm:pt modelId="{21ED3E2E-FD6E-4E4F-AE55-E17ED05D5BE3}" type="pres">
-      <dgm:prSet presAssocID="{24541D46-B733-40ED-8E83-6776E3401ECF}" presName="text_2" presStyleLbl="node1" presStyleIdx="1" presStyleCnt="4">
-        <dgm:presLayoutVars>
-          <dgm:bulletEnabled val="1"/>
-        </dgm:presLayoutVars>
-      </dgm:prSet>
-      <dgm:spPr/>
-    </dgm:pt>
-    <dgm:pt modelId="{0DF89D22-D0DB-4A93-A978-07A3D871B2FD}" type="pres">
-      <dgm:prSet presAssocID="{24541D46-B733-40ED-8E83-6776E3401ECF}" presName="accent_2" presStyleCnt="0"/>
-      <dgm:spPr/>
-    </dgm:pt>
-    <dgm:pt modelId="{89236780-273D-4B54-89AB-F3471C80880A}" type="pres">
-      <dgm:prSet presAssocID="{24541D46-B733-40ED-8E83-6776E3401ECF}" presName="accentRepeatNode" presStyleLbl="solidFgAcc1" presStyleIdx="1" presStyleCnt="4"/>
-      <dgm:spPr>
-        <a:blipFill rotWithShape="0">
-          <a:blip xmlns:r="http://schemas.openxmlformats.org/officeDocument/2006/relationships" r:embed="rId2"/>
-          <a:stretch>
-            <a:fillRect t="3000"/>
-          </a:stretch>
-        </a:blipFill>
-      </dgm:spPr>
-    </dgm:pt>
-    <dgm:pt modelId="{78209049-E25E-48AD-A9F8-2C4D1CAF4C4A}" type="pres">
-      <dgm:prSet presAssocID="{A29AE841-6E29-49FE-A813-3DC65027226C}" presName="text_3" presStyleLbl="node1" presStyleIdx="2" presStyleCnt="4">
-        <dgm:presLayoutVars>
-          <dgm:bulletEnabled val="1"/>
-        </dgm:presLayoutVars>
-      </dgm:prSet>
-      <dgm:spPr/>
-    </dgm:pt>
-    <dgm:pt modelId="{BAF9624C-05B6-40A6-BAB5-B4989B608728}" type="pres">
-      <dgm:prSet presAssocID="{A29AE841-6E29-49FE-A813-3DC65027226C}" presName="accent_3" presStyleCnt="0"/>
-      <dgm:spPr/>
-    </dgm:pt>
-    <dgm:pt modelId="{B620E5A2-4441-45B5-A5DE-E881A30B2559}" type="pres">
-      <dgm:prSet presAssocID="{A29AE841-6E29-49FE-A813-3DC65027226C}" presName="accentRepeatNode" presStyleLbl="solidFgAcc1" presStyleIdx="2" presStyleCnt="4"/>
-      <dgm:spPr>
-        <a:blipFill rotWithShape="0">
-          <a:blip xmlns:r="http://schemas.openxmlformats.org/officeDocument/2006/relationships" r:embed="rId3"/>
-          <a:stretch>
-            <a:fillRect/>
-          </a:stretch>
-        </a:blipFill>
-      </dgm:spPr>
-    </dgm:pt>
-    <dgm:pt modelId="{17401103-193A-439E-A518-AE0A56796F68}" type="pres">
-      <dgm:prSet presAssocID="{F8A06E58-BF0B-4C63-9D8D-09A75625B11B}" presName="text_4" presStyleLbl="node1" presStyleIdx="3" presStyleCnt="4">
-        <dgm:presLayoutVars>
-          <dgm:bulletEnabled val="1"/>
-        </dgm:presLayoutVars>
-      </dgm:prSet>
-      <dgm:spPr/>
-    </dgm:pt>
-    <dgm:pt modelId="{396CC8FF-1126-40D7-A810-C24D288653E8}" type="pres">
-      <dgm:prSet presAssocID="{F8A06E58-BF0B-4C63-9D8D-09A75625B11B}" presName="accent_4" presStyleCnt="0"/>
-      <dgm:spPr/>
-    </dgm:pt>
-    <dgm:pt modelId="{2EAADD20-261E-46EC-B720-D72A7F36CEDB}" type="pres">
-      <dgm:prSet presAssocID="{F8A06E58-BF0B-4C63-9D8D-09A75625B11B}" presName="accentRepeatNode" presStyleLbl="solidFgAcc1" presStyleIdx="3" presStyleCnt="4"/>
-      <dgm:spPr>
-        <a:blipFill dpi="0" rotWithShape="0">
-          <a:blip xmlns:r="http://schemas.openxmlformats.org/officeDocument/2006/relationships" r:embed="rId4"/>
-          <a:srcRect/>
-          <a:stretch>
-            <a:fillRect/>
-          </a:stretch>
-        </a:blipFill>
-        <a:ln>
-          <a:noFill/>
-        </a:ln>
-      </dgm:spPr>
-    </dgm:pt>
-  </dgm:ptLst>
-  <dgm:cxnLst>
-    <dgm:cxn modelId="{15FAB23C-B198-4A1C-B382-6B62186034B6}" type="presOf" srcId="{A29AE841-6E29-49FE-A813-3DC65027226C}" destId="{78209049-E25E-48AD-A9F8-2C4D1CAF4C4A}" srcOrd="0" destOrd="0" presId="urn:microsoft.com/office/officeart/2008/layout/VerticalCurvedList"/>
-    <dgm:cxn modelId="{2D23DB40-E148-419F-A2D3-1FB6E0CD95D9}" type="presOf" srcId="{24541D46-B733-40ED-8E83-6776E3401ECF}" destId="{21ED3E2E-FD6E-4E4F-AE55-E17ED05D5BE3}" srcOrd="0" destOrd="0" presId="urn:microsoft.com/office/officeart/2008/layout/VerticalCurvedList"/>
-    <dgm:cxn modelId="{57E38145-19E1-40DF-BDE6-0E8A5333122B}" srcId="{544CA0A5-DCD3-4661-BF38-1A4F49A2BDF0}" destId="{C37DFCEB-7B4F-487C-9A57-AADECD0C9325}" srcOrd="0" destOrd="0" parTransId="{0E489652-0323-4DD9-B999-92728B4583FD}" sibTransId="{89A6C725-435F-4DD8-AB52-7A5F513F2FCA}"/>
-    <dgm:cxn modelId="{20E75271-C728-4FA6-88CF-2F83E56A2B8A}" srcId="{544CA0A5-DCD3-4661-BF38-1A4F49A2BDF0}" destId="{F8A06E58-BF0B-4C63-9D8D-09A75625B11B}" srcOrd="3" destOrd="0" parTransId="{84558E2A-3B1C-4A98-AB10-C7DE35A17E03}" sibTransId="{9240F8B2-87F8-4D84-9FD3-4E24BE4297B4}"/>
-    <dgm:cxn modelId="{A0C50A74-3721-439B-86CB-C21C8E9B3ED1}" type="presOf" srcId="{89A6C725-435F-4DD8-AB52-7A5F513F2FCA}" destId="{3FCF07D0-177E-403A-8F71-66CE5A524797}" srcOrd="0" destOrd="0" presId="urn:microsoft.com/office/officeart/2008/layout/VerticalCurvedList"/>
-    <dgm:cxn modelId="{C7A53B78-7D30-471B-8424-4F0BE1C57E7D}" type="presOf" srcId="{544CA0A5-DCD3-4661-BF38-1A4F49A2BDF0}" destId="{BD918A1C-C938-4EB4-8A08-D2B99EB60FDE}" srcOrd="0" destOrd="0" presId="urn:microsoft.com/office/officeart/2008/layout/VerticalCurvedList"/>
-    <dgm:cxn modelId="{AC7B4E96-3E4C-4E28-B514-0C74A0AE2374}" srcId="{544CA0A5-DCD3-4661-BF38-1A4F49A2BDF0}" destId="{24541D46-B733-40ED-8E83-6776E3401ECF}" srcOrd="1" destOrd="0" parTransId="{43197670-56EC-4B1E-B7A3-9A8168444C2D}" sibTransId="{E07E6DC4-628C-43A5-8D04-86857DC3A22A}"/>
-    <dgm:cxn modelId="{1603689A-FE1B-436E-A84F-6733EA3359AD}" type="presOf" srcId="{C37DFCEB-7B4F-487C-9A57-AADECD0C9325}" destId="{FC831FE0-2637-494F-B96B-4E2BF1823F62}" srcOrd="0" destOrd="0" presId="urn:microsoft.com/office/officeart/2008/layout/VerticalCurvedList"/>
-    <dgm:cxn modelId="{39AF149F-F5EF-4EE1-B36C-3EFFC256426E}" srcId="{544CA0A5-DCD3-4661-BF38-1A4F49A2BDF0}" destId="{A29AE841-6E29-49FE-A813-3DC65027226C}" srcOrd="2" destOrd="0" parTransId="{A8E30AD7-C804-45E1-90F7-B9CA168B343E}" sibTransId="{E551AF67-FB77-488A-9CEE-BC579EBB7D24}"/>
-    <dgm:cxn modelId="{5215EEBD-8F7B-4060-9646-55A9A8FC0265}" type="presOf" srcId="{F8A06E58-BF0B-4C63-9D8D-09A75625B11B}" destId="{17401103-193A-439E-A518-AE0A56796F68}" srcOrd="0" destOrd="0" presId="urn:microsoft.com/office/officeart/2008/layout/VerticalCurvedList"/>
-    <dgm:cxn modelId="{7FF8131F-8875-46FE-B0DB-330275C528F5}" type="presParOf" srcId="{BD918A1C-C938-4EB4-8A08-D2B99EB60FDE}" destId="{BDBD783B-FE88-4160-BC97-30B515165964}" srcOrd="0" destOrd="0" presId="urn:microsoft.com/office/officeart/2008/layout/VerticalCurvedList"/>
-    <dgm:cxn modelId="{F8B9CDEB-93AA-4C85-BEE8-E7AD1DEA16F2}" type="presParOf" srcId="{BDBD783B-FE88-4160-BC97-30B515165964}" destId="{86CE7A45-F6F1-4AB7-8A89-DE00840515C5}" srcOrd="0" destOrd="0" presId="urn:microsoft.com/office/officeart/2008/layout/VerticalCurvedList"/>
-    <dgm:cxn modelId="{01005F4E-9448-42A5-A82A-047CC0F83094}" type="presParOf" srcId="{86CE7A45-F6F1-4AB7-8A89-DE00840515C5}" destId="{BE278FD5-8C6D-439A-826A-A48A40441D4D}" srcOrd="0" destOrd="0" presId="urn:microsoft.com/office/officeart/2008/layout/VerticalCurvedList"/>
-    <dgm:cxn modelId="{35851E31-BA12-44EB-A9FF-F5A777FD2965}" type="presParOf" srcId="{86CE7A45-F6F1-4AB7-8A89-DE00840515C5}" destId="{3FCF07D0-177E-403A-8F71-66CE5A524797}" srcOrd="1" destOrd="0" presId="urn:microsoft.com/office/officeart/2008/layout/VerticalCurvedList"/>
-    <dgm:cxn modelId="{EBC6C55B-5501-4C9A-BD7A-E3F6DE361DCD}" type="presParOf" srcId="{86CE7A45-F6F1-4AB7-8A89-DE00840515C5}" destId="{DA9B24F3-8334-479F-A8E4-5A6BECC0B13E}" srcOrd="2" destOrd="0" presId="urn:microsoft.com/office/officeart/2008/layout/VerticalCurvedList"/>
-    <dgm:cxn modelId="{E5E79035-51A5-4BBD-BD4B-5CE97E5BBC0B}" type="presParOf" srcId="{86CE7A45-F6F1-4AB7-8A89-DE00840515C5}" destId="{A740DF65-B4C5-4F2D-96FC-E75FCFBF9D7D}" srcOrd="3" destOrd="0" presId="urn:microsoft.com/office/officeart/2008/layout/VerticalCurvedList"/>
-    <dgm:cxn modelId="{FA2614B4-26A1-458C-89C5-10707825671A}" type="presParOf" srcId="{BDBD783B-FE88-4160-BC97-30B515165964}" destId="{FC831FE0-2637-494F-B96B-4E2BF1823F62}" srcOrd="1" destOrd="0" presId="urn:microsoft.com/office/officeart/2008/layout/VerticalCurvedList"/>
-    <dgm:cxn modelId="{3933B2D7-53B2-494D-99F1-1785C4772A46}" type="presParOf" srcId="{BDBD783B-FE88-4160-BC97-30B515165964}" destId="{345A8FA5-955B-454F-8B8A-5E09F746CA06}" srcOrd="2" destOrd="0" presId="urn:microsoft.com/office/officeart/2008/layout/VerticalCurvedList"/>
-    <dgm:cxn modelId="{C20FE122-DCDE-4D8A-BB00-3CB76077FE2C}" type="presParOf" srcId="{345A8FA5-955B-454F-8B8A-5E09F746CA06}" destId="{DB31F6DA-B6F5-4183-AB9E-62A572CE4E48}" srcOrd="0" destOrd="0" presId="urn:microsoft.com/office/officeart/2008/layout/VerticalCurvedList"/>
-    <dgm:cxn modelId="{A6EC2676-0220-4230-9A66-4E90B9CE8277}" type="presParOf" srcId="{BDBD783B-FE88-4160-BC97-30B515165964}" destId="{21ED3E2E-FD6E-4E4F-AE55-E17ED05D5BE3}" srcOrd="3" destOrd="0" presId="urn:microsoft.com/office/officeart/2008/layout/VerticalCurvedList"/>
-    <dgm:cxn modelId="{FF08DCC0-C1CF-42E7-A867-ED759F51647F}" type="presParOf" srcId="{BDBD783B-FE88-4160-BC97-30B515165964}" destId="{0DF89D22-D0DB-4A93-A978-07A3D871B2FD}" srcOrd="4" destOrd="0" presId="urn:microsoft.com/office/officeart/2008/layout/VerticalCurvedList"/>
-    <dgm:cxn modelId="{86E8419E-016E-4327-882F-5731FF4C38E3}" type="presParOf" srcId="{0DF89D22-D0DB-4A93-A978-07A3D871B2FD}" destId="{89236780-273D-4B54-89AB-F3471C80880A}" srcOrd="0" destOrd="0" presId="urn:microsoft.com/office/officeart/2008/layout/VerticalCurvedList"/>
-    <dgm:cxn modelId="{83E6005A-F3D5-491E-B605-883484BC4663}" type="presParOf" srcId="{BDBD783B-FE88-4160-BC97-30B515165964}" destId="{78209049-E25E-48AD-A9F8-2C4D1CAF4C4A}" srcOrd="5" destOrd="0" presId="urn:microsoft.com/office/officeart/2008/layout/VerticalCurvedList"/>
-    <dgm:cxn modelId="{3E05CCAC-3438-48CE-B63D-BC1D3609396A}" type="presParOf" srcId="{BDBD783B-FE88-4160-BC97-30B515165964}" destId="{BAF9624C-05B6-40A6-BAB5-B4989B608728}" srcOrd="6" destOrd="0" presId="urn:microsoft.com/office/officeart/2008/layout/VerticalCurvedList"/>
-    <dgm:cxn modelId="{D2C0DBD7-B039-4C8C-8C4C-AE7BDCA166C5}" type="presParOf" srcId="{BAF9624C-05B6-40A6-BAB5-B4989B608728}" destId="{B620E5A2-4441-45B5-A5DE-E881A30B2559}" srcOrd="0" destOrd="0" presId="urn:microsoft.com/office/officeart/2008/layout/VerticalCurvedList"/>
-    <dgm:cxn modelId="{5E108462-3EA9-43A9-B291-D776C8BEE039}" type="presParOf" srcId="{BDBD783B-FE88-4160-BC97-30B515165964}" destId="{17401103-193A-439E-A518-AE0A56796F68}" srcOrd="7" destOrd="0" presId="urn:microsoft.com/office/officeart/2008/layout/VerticalCurvedList"/>
-    <dgm:cxn modelId="{D8B9E6DB-C495-4533-8873-13D82E54F798}" type="presParOf" srcId="{BDBD783B-FE88-4160-BC97-30B515165964}" destId="{396CC8FF-1126-40D7-A810-C24D288653E8}" srcOrd="8" destOrd="0" presId="urn:microsoft.com/office/officeart/2008/layout/VerticalCurvedList"/>
-    <dgm:cxn modelId="{A0F96A40-A281-407F-8100-24F31DE295B3}" type="presParOf" srcId="{396CC8FF-1126-40D7-A810-C24D288653E8}" destId="{2EAADD20-261E-46EC-B720-D72A7F36CEDB}" srcOrd="0" destOrd="0" presId="urn:microsoft.com/office/officeart/2008/layout/VerticalCurvedList"/>
-  </dgm:cxnLst>
-  <dgm:bg/>
-  <dgm:whole/>
-  <dgm:extLst>
-    <a:ext uri="http://schemas.microsoft.com/office/drawing/2008/diagram">
-      <dsp:dataModelExt xmlns:dsp="http://schemas.microsoft.com/office/drawing/2008/diagram" relId="rId7" minVer="http://schemas.openxmlformats.org/drawingml/2006/diagram"/>
-    </a:ext>
-  </dgm:extLst>
-</dgm:dataModel>
-</file>
-
-<file path=ppt/diagrams/drawing1.xml><?xml version="1.0" encoding="utf-8"?>
-<dsp:drawing xmlns:dgm="http://schemas.openxmlformats.org/drawingml/2006/diagram" xmlns:dsp="http://schemas.microsoft.com/office/drawing/2008/diagram" xmlns:a="http://schemas.openxmlformats.org/drawingml/2006/main">
-  <dsp:spTree>
-    <dsp:nvGrpSpPr>
-      <dsp:cNvPr id="0" name=""/>
-      <dsp:cNvGrpSpPr/>
-    </dsp:nvGrpSpPr>
-    <dsp:grpSpPr/>
-    <dsp:sp modelId="{3FCF07D0-177E-403A-8F71-66CE5A524797}">
-      <dsp:nvSpPr>
-        <dsp:cNvPr id="0" name=""/>
-        <dsp:cNvSpPr/>
-      </dsp:nvSpPr>
-      <dsp:spPr>
-        <a:xfrm>
-          <a:off x="-9192271" y="-1403415"/>
-          <a:ext cx="10934832" cy="10934832"/>
-        </a:xfrm>
-        <a:prstGeom prst="blockArc">
-          <a:avLst>
-            <a:gd name="adj1" fmla="val 18900000"/>
-            <a:gd name="adj2" fmla="val 2700000"/>
-            <a:gd name="adj3" fmla="val 198"/>
-          </a:avLst>
-        </a:prstGeom>
-        <a:noFill/>
-        <a:ln w="25400" cap="flat" cmpd="sng" algn="ctr">
-          <a:solidFill>
-            <a:schemeClr val="accent1">
-              <a:shade val="60000"/>
-              <a:hueOff val="0"/>
-              <a:satOff val="0"/>
-              <a:lumOff val="0"/>
-              <a:alphaOff val="0"/>
-            </a:schemeClr>
-          </a:solidFill>
-          <a:prstDash val="solid"/>
-        </a:ln>
-        <a:effectLst/>
-        <a:scene3d>
-          <a:camera prst="orthographicFront">
-            <a:rot lat="0" lon="0" rev="0"/>
-          </a:camera>
-          <a:lightRig rig="contrasting" dir="t">
-            <a:rot lat="0" lon="0" rev="1200000"/>
-          </a:lightRig>
-        </a:scene3d>
-        <a:sp3d z="-110000"/>
-      </dsp:spPr>
-      <dsp:style>
-        <a:lnRef idx="2">
-          <a:scrgbClr r="0" g="0" b="0"/>
-        </a:lnRef>
-        <a:fillRef idx="0">
-          <a:scrgbClr r="0" g="0" b="0"/>
-        </a:fillRef>
-        <a:effectRef idx="0">
-          <a:scrgbClr r="0" g="0" b="0"/>
-        </a:effectRef>
-        <a:fontRef idx="minor"/>
-      </dsp:style>
-    </dsp:sp>
-    <dsp:sp modelId="{FC831FE0-2637-494F-B96B-4E2BF1823F62}">
-      <dsp:nvSpPr>
-        <dsp:cNvPr id="0" name=""/>
-        <dsp:cNvSpPr/>
-      </dsp:nvSpPr>
-      <dsp:spPr>
-        <a:xfrm>
-          <a:off x="911257" y="624880"/>
-          <a:ext cx="11161369" cy="1250411"/>
-        </a:xfrm>
-        <a:prstGeom prst="rect">
-          <a:avLst/>
-        </a:prstGeom>
-        <a:solidFill>
-          <a:schemeClr val="accent1">
-            <a:hueOff val="0"/>
-            <a:satOff val="0"/>
-            <a:lumOff val="0"/>
-            <a:alphaOff val="0"/>
-          </a:schemeClr>
-        </a:solidFill>
-        <a:ln>
-          <a:noFill/>
-        </a:ln>
-        <a:effectLst>
-          <a:outerShdw blurRad="40000" dist="23000" dir="5400000" rotWithShape="0">
-            <a:srgbClr val="000000">
-              <a:alpha val="35000"/>
-            </a:srgbClr>
-          </a:outerShdw>
-        </a:effectLst>
-        <a:scene3d>
-          <a:camera prst="orthographicFront">
-            <a:rot lat="0" lon="0" rev="0"/>
-          </a:camera>
-          <a:lightRig rig="contrasting" dir="t">
-            <a:rot lat="0" lon="0" rev="1200000"/>
-          </a:lightRig>
-        </a:scene3d>
-        <a:sp3d contourW="19050" prstMaterial="metal">
-          <a:bevelT w="88900" h="203200"/>
-          <a:bevelB w="165100" h="254000"/>
-        </a:sp3d>
-      </dsp:spPr>
-      <dsp:style>
-        <a:lnRef idx="0">
-          <a:scrgbClr r="0" g="0" b="0"/>
-        </a:lnRef>
-        <a:fillRef idx="1">
-          <a:scrgbClr r="0" g="0" b="0"/>
-        </a:fillRef>
-        <a:effectRef idx="2">
-          <a:scrgbClr r="0" g="0" b="0"/>
-        </a:effectRef>
-        <a:fontRef idx="minor">
-          <a:schemeClr val="lt1"/>
-        </a:fontRef>
-      </dsp:style>
-      <dsp:txBody>
-        <a:bodyPr spcFirstLastPara="0" vert="horz" wrap="square" lIns="992514" tIns="165100" rIns="165100" bIns="165100" numCol="1" spcCol="1270" anchor="ctr" anchorCtr="0">
-          <a:noAutofit/>
-        </a:bodyPr>
-        <a:lstStyle/>
-        <a:p>
-          <a:pPr marL="0" lvl="0" indent="0" algn="l" defTabSz="2889250">
-            <a:lnSpc>
-              <a:spcPct val="90000"/>
-            </a:lnSpc>
-            <a:spcBef>
-              <a:spcPct val="0"/>
-            </a:spcBef>
-            <a:spcAft>
-              <a:spcPct val="35000"/>
-            </a:spcAft>
-            <a:buNone/>
-          </a:pPr>
-          <a:r>
-            <a:rPr lang="en-US" sz="6500" kern="1200" dirty="0"/>
-            <a:t>Preprocessing</a:t>
-          </a:r>
-          <a:endParaRPr lang="en-IN" sz="6500" kern="1200" dirty="0"/>
-        </a:p>
-      </dsp:txBody>
-      <dsp:txXfrm>
-        <a:off x="911257" y="624880"/>
-        <a:ext cx="11161369" cy="1250411"/>
-      </dsp:txXfrm>
-    </dsp:sp>
-    <dsp:sp modelId="{DB31F6DA-B6F5-4183-AB9E-62A572CE4E48}">
-      <dsp:nvSpPr>
-        <dsp:cNvPr id="0" name=""/>
-        <dsp:cNvSpPr/>
-      </dsp:nvSpPr>
-      <dsp:spPr>
-        <a:xfrm>
-          <a:off x="129750" y="468579"/>
-          <a:ext cx="1563014" cy="1563014"/>
-        </a:xfrm>
-        <a:prstGeom prst="ellipse">
-          <a:avLst/>
-        </a:prstGeom>
-        <a:blipFill rotWithShape="0">
-          <a:blip xmlns:r="http://schemas.openxmlformats.org/officeDocument/2006/relationships" r:embed="rId1"/>
-          <a:stretch>
-            <a:fillRect/>
-          </a:stretch>
-        </a:blipFill>
-        <a:ln>
-          <a:noFill/>
-        </a:ln>
-        <a:effectLst/>
-        <a:scene3d>
-          <a:camera prst="orthographicFront">
-            <a:rot lat="0" lon="0" rev="0"/>
-          </a:camera>
-          <a:lightRig rig="contrasting" dir="t">
-            <a:rot lat="0" lon="0" rev="1200000"/>
-          </a:lightRig>
-        </a:scene3d>
-        <a:sp3d z="300000" contourW="12700" prstMaterial="flat">
-          <a:bevelT w="177800" h="254000"/>
-          <a:bevelB w="152400"/>
-        </a:sp3d>
-      </dsp:spPr>
-      <dsp:style>
-        <a:lnRef idx="0">
-          <a:scrgbClr r="0" g="0" b="0"/>
-        </a:lnRef>
-        <a:fillRef idx="1">
-          <a:scrgbClr r="0" g="0" b="0"/>
-        </a:fillRef>
-        <a:effectRef idx="0">
-          <a:scrgbClr r="0" g="0" b="0"/>
-        </a:effectRef>
-        <a:fontRef idx="minor"/>
-      </dsp:style>
-    </dsp:sp>
-    <dsp:sp modelId="{21ED3E2E-FD6E-4E4F-AE55-E17ED05D5BE3}">
-      <dsp:nvSpPr>
-        <dsp:cNvPr id="0" name=""/>
-        <dsp:cNvSpPr/>
-      </dsp:nvSpPr>
-      <dsp:spPr>
-        <a:xfrm>
-          <a:off x="1628146" y="2500823"/>
-          <a:ext cx="10444480" cy="1250411"/>
-        </a:xfrm>
-        <a:prstGeom prst="rect">
-          <a:avLst/>
-        </a:prstGeom>
-        <a:solidFill>
-          <a:schemeClr val="accent1">
-            <a:hueOff val="0"/>
-            <a:satOff val="0"/>
-            <a:lumOff val="0"/>
-            <a:alphaOff val="0"/>
-          </a:schemeClr>
-        </a:solidFill>
-        <a:ln>
-          <a:noFill/>
-        </a:ln>
-        <a:effectLst>
-          <a:outerShdw blurRad="40000" dist="23000" dir="5400000" rotWithShape="0">
-            <a:srgbClr val="000000">
-              <a:alpha val="35000"/>
-            </a:srgbClr>
-          </a:outerShdw>
-        </a:effectLst>
-        <a:scene3d>
-          <a:camera prst="orthographicFront">
-            <a:rot lat="0" lon="0" rev="0"/>
-          </a:camera>
-          <a:lightRig rig="contrasting" dir="t">
-            <a:rot lat="0" lon="0" rev="1200000"/>
-          </a:lightRig>
-        </a:scene3d>
-        <a:sp3d contourW="19050" prstMaterial="metal">
-          <a:bevelT w="88900" h="203200"/>
-          <a:bevelB w="165100" h="254000"/>
-        </a:sp3d>
-      </dsp:spPr>
-      <dsp:style>
-        <a:lnRef idx="0">
-          <a:scrgbClr r="0" g="0" b="0"/>
-        </a:lnRef>
-        <a:fillRef idx="1">
-          <a:scrgbClr r="0" g="0" b="0"/>
-        </a:fillRef>
-        <a:effectRef idx="2">
-          <a:scrgbClr r="0" g="0" b="0"/>
-        </a:effectRef>
-        <a:fontRef idx="minor">
-          <a:schemeClr val="lt1"/>
-        </a:fontRef>
-      </dsp:style>
-      <dsp:txBody>
-        <a:bodyPr spcFirstLastPara="0" vert="horz" wrap="square" lIns="992514" tIns="165100" rIns="165100" bIns="165100" numCol="1" spcCol="1270" anchor="ctr" anchorCtr="0">
-          <a:noAutofit/>
-        </a:bodyPr>
-        <a:lstStyle/>
-        <a:p>
-          <a:pPr marL="0" lvl="0" indent="0" algn="l" defTabSz="2889250">
-            <a:lnSpc>
-              <a:spcPct val="90000"/>
-            </a:lnSpc>
-            <a:spcBef>
-              <a:spcPct val="0"/>
-            </a:spcBef>
-            <a:spcAft>
-              <a:spcPct val="35000"/>
-            </a:spcAft>
-            <a:buNone/>
-          </a:pPr>
-          <a:r>
-            <a:rPr lang="en-US" sz="6500" kern="1200" dirty="0"/>
-            <a:t>Model Building</a:t>
-          </a:r>
-          <a:endParaRPr lang="en-IN" sz="6500" kern="1200" dirty="0"/>
-        </a:p>
-      </dsp:txBody>
-      <dsp:txXfrm>
-        <a:off x="1628146" y="2500823"/>
-        <a:ext cx="10444480" cy="1250411"/>
-      </dsp:txXfrm>
-    </dsp:sp>
-    <dsp:sp modelId="{89236780-273D-4B54-89AB-F3471C80880A}">
-      <dsp:nvSpPr>
-        <dsp:cNvPr id="0" name=""/>
-        <dsp:cNvSpPr/>
-      </dsp:nvSpPr>
-      <dsp:spPr>
-        <a:xfrm>
-          <a:off x="846639" y="2344521"/>
-          <a:ext cx="1563014" cy="1563014"/>
-        </a:xfrm>
-        <a:prstGeom prst="ellipse">
-          <a:avLst/>
-        </a:prstGeom>
-        <a:blipFill rotWithShape="0">
-          <a:blip xmlns:r="http://schemas.openxmlformats.org/officeDocument/2006/relationships" r:embed="rId2"/>
-          <a:stretch>
-            <a:fillRect t="3000"/>
-          </a:stretch>
-        </a:blipFill>
-        <a:ln>
-          <a:noFill/>
-        </a:ln>
-        <a:effectLst/>
-        <a:scene3d>
-          <a:camera prst="orthographicFront">
-            <a:rot lat="0" lon="0" rev="0"/>
-          </a:camera>
-          <a:lightRig rig="contrasting" dir="t">
-            <a:rot lat="0" lon="0" rev="1200000"/>
-          </a:lightRig>
-        </a:scene3d>
-        <a:sp3d z="300000" contourW="12700" prstMaterial="flat">
-          <a:bevelT w="177800" h="254000"/>
-          <a:bevelB w="152400"/>
-        </a:sp3d>
-      </dsp:spPr>
-      <dsp:style>
-        <a:lnRef idx="0">
-          <a:scrgbClr r="0" g="0" b="0"/>
-        </a:lnRef>
-        <a:fillRef idx="1">
-          <a:scrgbClr r="0" g="0" b="0"/>
-        </a:fillRef>
-        <a:effectRef idx="0">
-          <a:scrgbClr r="0" g="0" b="0"/>
-        </a:effectRef>
-        <a:fontRef idx="minor"/>
-      </dsp:style>
-    </dsp:sp>
-    <dsp:sp modelId="{78209049-E25E-48AD-A9F8-2C4D1CAF4C4A}">
-      <dsp:nvSpPr>
-        <dsp:cNvPr id="0" name=""/>
-        <dsp:cNvSpPr/>
-      </dsp:nvSpPr>
-      <dsp:spPr>
-        <a:xfrm>
-          <a:off x="1628146" y="4376765"/>
-          <a:ext cx="10444480" cy="1250411"/>
-        </a:xfrm>
-        <a:prstGeom prst="rect">
-          <a:avLst/>
-        </a:prstGeom>
-        <a:solidFill>
-          <a:schemeClr val="accent1">
-            <a:hueOff val="0"/>
-            <a:satOff val="0"/>
-            <a:lumOff val="0"/>
-            <a:alphaOff val="0"/>
-          </a:schemeClr>
-        </a:solidFill>
-        <a:ln>
-          <a:noFill/>
-        </a:ln>
-        <a:effectLst>
-          <a:outerShdw blurRad="40000" dist="23000" dir="5400000" rotWithShape="0">
-            <a:srgbClr val="000000">
-              <a:alpha val="35000"/>
-            </a:srgbClr>
-          </a:outerShdw>
-        </a:effectLst>
-        <a:scene3d>
-          <a:camera prst="orthographicFront">
-            <a:rot lat="0" lon="0" rev="0"/>
-          </a:camera>
-          <a:lightRig rig="contrasting" dir="t">
-            <a:rot lat="0" lon="0" rev="1200000"/>
-          </a:lightRig>
-        </a:scene3d>
-        <a:sp3d contourW="19050" prstMaterial="metal">
-          <a:bevelT w="88900" h="203200"/>
-          <a:bevelB w="165100" h="254000"/>
-        </a:sp3d>
-      </dsp:spPr>
-      <dsp:style>
-        <a:lnRef idx="0">
-          <a:scrgbClr r="0" g="0" b="0"/>
-        </a:lnRef>
-        <a:fillRef idx="1">
-          <a:scrgbClr r="0" g="0" b="0"/>
-        </a:fillRef>
-        <a:effectRef idx="2">
-          <a:scrgbClr r="0" g="0" b="0"/>
-        </a:effectRef>
-        <a:fontRef idx="minor">
-          <a:schemeClr val="lt1"/>
-        </a:fontRef>
-      </dsp:style>
-      <dsp:txBody>
-        <a:bodyPr spcFirstLastPara="0" vert="horz" wrap="square" lIns="992514" tIns="165100" rIns="165100" bIns="165100" numCol="1" spcCol="1270" anchor="ctr" anchorCtr="0">
-          <a:noAutofit/>
-        </a:bodyPr>
-        <a:lstStyle/>
-        <a:p>
-          <a:pPr marL="0" lvl="0" indent="0" algn="l" defTabSz="2889250">
-            <a:lnSpc>
-              <a:spcPct val="90000"/>
-            </a:lnSpc>
-            <a:spcBef>
-              <a:spcPct val="0"/>
-            </a:spcBef>
-            <a:spcAft>
-              <a:spcPct val="35000"/>
-            </a:spcAft>
-            <a:buNone/>
-          </a:pPr>
-          <a:r>
-            <a:rPr lang="en-US" sz="6500" kern="1200" dirty="0"/>
-            <a:t>Model Evaluation</a:t>
-          </a:r>
-          <a:endParaRPr lang="en-IN" sz="6500" kern="1200" dirty="0"/>
-        </a:p>
-      </dsp:txBody>
-      <dsp:txXfrm>
-        <a:off x="1628146" y="4376765"/>
-        <a:ext cx="10444480" cy="1250411"/>
-      </dsp:txXfrm>
-    </dsp:sp>
-    <dsp:sp modelId="{B620E5A2-4441-45B5-A5DE-E881A30B2559}">
-      <dsp:nvSpPr>
-        <dsp:cNvPr id="0" name=""/>
-        <dsp:cNvSpPr/>
-      </dsp:nvSpPr>
-      <dsp:spPr>
-        <a:xfrm>
-          <a:off x="846639" y="4220464"/>
-          <a:ext cx="1563014" cy="1563014"/>
-        </a:xfrm>
-        <a:prstGeom prst="ellipse">
-          <a:avLst/>
-        </a:prstGeom>
-        <a:blipFill rotWithShape="0">
-          <a:blip xmlns:r="http://schemas.openxmlformats.org/officeDocument/2006/relationships" r:embed="rId3"/>
-          <a:stretch>
-            <a:fillRect/>
-          </a:stretch>
-        </a:blipFill>
-        <a:ln>
-          <a:noFill/>
-        </a:ln>
-        <a:effectLst/>
-        <a:scene3d>
-          <a:camera prst="orthographicFront">
-            <a:rot lat="0" lon="0" rev="0"/>
-          </a:camera>
-          <a:lightRig rig="contrasting" dir="t">
-            <a:rot lat="0" lon="0" rev="1200000"/>
-          </a:lightRig>
-        </a:scene3d>
-        <a:sp3d z="300000" contourW="12700" prstMaterial="flat">
-          <a:bevelT w="177800" h="254000"/>
-          <a:bevelB w="152400"/>
-        </a:sp3d>
-      </dsp:spPr>
-      <dsp:style>
-        <a:lnRef idx="0">
-          <a:scrgbClr r="0" g="0" b="0"/>
-        </a:lnRef>
-        <a:fillRef idx="1">
-          <a:scrgbClr r="0" g="0" b="0"/>
-        </a:fillRef>
-        <a:effectRef idx="0">
-          <a:scrgbClr r="0" g="0" b="0"/>
-        </a:effectRef>
-        <a:fontRef idx="minor"/>
-      </dsp:style>
-    </dsp:sp>
-    <dsp:sp modelId="{17401103-193A-439E-A518-AE0A56796F68}">
-      <dsp:nvSpPr>
-        <dsp:cNvPr id="0" name=""/>
-        <dsp:cNvSpPr/>
-      </dsp:nvSpPr>
-      <dsp:spPr>
-        <a:xfrm>
-          <a:off x="911257" y="6252707"/>
-          <a:ext cx="11161369" cy="1250411"/>
-        </a:xfrm>
-        <a:prstGeom prst="rect">
-          <a:avLst/>
-        </a:prstGeom>
-        <a:solidFill>
-          <a:schemeClr val="accent1">
-            <a:hueOff val="0"/>
-            <a:satOff val="0"/>
-            <a:lumOff val="0"/>
-            <a:alphaOff val="0"/>
-          </a:schemeClr>
-        </a:solidFill>
-        <a:ln>
-          <a:noFill/>
-        </a:ln>
-        <a:effectLst>
-          <a:outerShdw blurRad="40000" dist="23000" dir="5400000" rotWithShape="0">
-            <a:srgbClr val="000000">
-              <a:alpha val="35000"/>
-            </a:srgbClr>
-          </a:outerShdw>
-        </a:effectLst>
-        <a:scene3d>
-          <a:camera prst="orthographicFront">
-            <a:rot lat="0" lon="0" rev="0"/>
-          </a:camera>
-          <a:lightRig rig="contrasting" dir="t">
-            <a:rot lat="0" lon="0" rev="1200000"/>
-          </a:lightRig>
-        </a:scene3d>
-        <a:sp3d contourW="19050" prstMaterial="metal">
-          <a:bevelT w="88900" h="203200"/>
-          <a:bevelB w="165100" h="254000"/>
-        </a:sp3d>
-      </dsp:spPr>
-      <dsp:style>
-        <a:lnRef idx="0">
-          <a:scrgbClr r="0" g="0" b="0"/>
-        </a:lnRef>
-        <a:fillRef idx="1">
-          <a:scrgbClr r="0" g="0" b="0"/>
-        </a:fillRef>
-        <a:effectRef idx="2">
-          <a:scrgbClr r="0" g="0" b="0"/>
-        </a:effectRef>
-        <a:fontRef idx="minor">
-          <a:schemeClr val="lt1"/>
-        </a:fontRef>
-      </dsp:style>
-      <dsp:txBody>
-        <a:bodyPr spcFirstLastPara="0" vert="horz" wrap="square" lIns="992514" tIns="165100" rIns="165100" bIns="165100" numCol="1" spcCol="1270" anchor="ctr" anchorCtr="0">
-          <a:noAutofit/>
-        </a:bodyPr>
-        <a:lstStyle/>
-        <a:p>
-          <a:pPr marL="0" lvl="0" indent="0" algn="l" defTabSz="2889250">
-            <a:lnSpc>
-              <a:spcPct val="90000"/>
-            </a:lnSpc>
-            <a:spcBef>
-              <a:spcPct val="0"/>
-            </a:spcBef>
-            <a:spcAft>
-              <a:spcPct val="35000"/>
-            </a:spcAft>
-            <a:buNone/>
-          </a:pPr>
-          <a:r>
-            <a:rPr lang="en-US" sz="6500" kern="1200" dirty="0"/>
-            <a:t>Dashboard Deployment</a:t>
-          </a:r>
-          <a:endParaRPr lang="en-IN" sz="6500" kern="1200" dirty="0"/>
-        </a:p>
-      </dsp:txBody>
-      <dsp:txXfrm>
-        <a:off x="911257" y="6252707"/>
-        <a:ext cx="11161369" cy="1250411"/>
-      </dsp:txXfrm>
-    </dsp:sp>
-    <dsp:sp modelId="{2EAADD20-261E-46EC-B720-D72A7F36CEDB}">
-      <dsp:nvSpPr>
-        <dsp:cNvPr id="0" name=""/>
-        <dsp:cNvSpPr/>
-      </dsp:nvSpPr>
-      <dsp:spPr>
-        <a:xfrm>
-          <a:off x="129750" y="6096406"/>
-          <a:ext cx="1563014" cy="1563014"/>
-        </a:xfrm>
-        <a:prstGeom prst="ellipse">
-          <a:avLst/>
-        </a:prstGeom>
-        <a:blipFill dpi="0" rotWithShape="0">
-          <a:blip xmlns:r="http://schemas.openxmlformats.org/officeDocument/2006/relationships" r:embed="rId4"/>
-          <a:srcRect/>
-          <a:stretch>
-            <a:fillRect/>
-          </a:stretch>
-        </a:blipFill>
-        <a:ln>
-          <a:noFill/>
-        </a:ln>
-        <a:effectLst/>
-        <a:scene3d>
-          <a:camera prst="orthographicFront">
-            <a:rot lat="0" lon="0" rev="0"/>
-          </a:camera>
-          <a:lightRig rig="contrasting" dir="t">
-            <a:rot lat="0" lon="0" rev="1200000"/>
-          </a:lightRig>
-        </a:scene3d>
-        <a:sp3d z="300000" contourW="12700" prstMaterial="flat">
-          <a:bevelT w="177800" h="254000"/>
-          <a:bevelB w="152400"/>
-        </a:sp3d>
-      </dsp:spPr>
-      <dsp:style>
-        <a:lnRef idx="0">
-          <a:scrgbClr r="0" g="0" b="0"/>
-        </a:lnRef>
-        <a:fillRef idx="1">
-          <a:scrgbClr r="0" g="0" b="0"/>
-        </a:fillRef>
-        <a:effectRef idx="0">
-          <a:scrgbClr r="0" g="0" b="0"/>
-        </a:effectRef>
-        <a:fontRef idx="minor"/>
-      </dsp:style>
-    </dsp:sp>
-  </dsp:spTree>
-</dsp:drawing>
-</file>
-
-<file path=ppt/diagrams/layout1.xml><?xml version="1.0" encoding="utf-8"?>
-<dgm:layoutDef xmlns:dgm="http://schemas.openxmlformats.org/drawingml/2006/diagram" xmlns:a="http://schemas.openxmlformats.org/drawingml/2006/main" uniqueId="urn:microsoft.com/office/officeart/2008/layout/VerticalCurvedList">
-  <dgm:title val=""/>
-  <dgm:desc val=""/>
-  <dgm:catLst>
-    <dgm:cat type="list" pri="20000"/>
-  </dgm:catLst>
-  <dgm:sampData>
-    <dgm:dataModel>
-      <dgm:ptLst>
-        <dgm:pt modelId="0" type="doc"/>
-        <dgm:pt modelId="1">
-          <dgm:prSet phldr="1"/>
-        </dgm:pt>
-        <dgm:pt modelId="2">
-          <dgm:prSet phldr="1"/>
-        </dgm:pt>
-        <dgm:pt modelId="3">
-          <dgm:prSet phldr="1"/>
-        </dgm:pt>
-      </dgm:ptLst>
-      <dgm:cxnLst>
-        <dgm:cxn modelId="4" srcId="0" destId="1" srcOrd="0" destOrd="0"/>
-        <dgm:cxn modelId="5" srcId="0" destId="2" srcOrd="1" destOrd="0"/>
-        <dgm:cxn modelId="6" srcId="0" destId="3" srcOrd="2" destOrd="0"/>
-      </dgm:cxnLst>
-      <dgm:bg/>
-      <dgm:whole/>
-    </dgm:dataModel>
-  </dgm:sampData>
-  <dgm:styleData>
-    <dgm:dataModel>
-      <dgm:ptLst>
-        <dgm:pt modelId="0" type="doc"/>
-        <dgm:pt modelId="1">
-          <dgm:prSet phldr="1"/>
-        </dgm:pt>
-        <dgm:pt modelId="2">
-          <dgm:prSet phldr="1"/>
-        </dgm:pt>
-      </dgm:ptLst>
-      <dgm:cxnLst>
-        <dgm:cxn modelId="3" srcId="0" destId="1" srcOrd="0" destOrd="0"/>
-        <dgm:cxn modelId="4" srcId="0" destId="2" srcOrd="1" destOrd="0"/>
-      </dgm:cxnLst>
-      <dgm:bg/>
-      <dgm:whole/>
-    </dgm:dataModel>
-  </dgm:styleData>
-  <dgm:clrData>
-    <dgm:dataModel>
-      <dgm:ptLst>
-        <dgm:pt modelId="0" type="doc"/>
-        <dgm:pt modelId="1">
-          <dgm:prSet phldr="1"/>
-        </dgm:pt>
-        <dgm:pt modelId="2">
-          <dgm:prSet phldr="1"/>
-        </dgm:pt>
-        <dgm:pt modelId="3">
-          <dgm:prSet phldr="1"/>
-        </dgm:pt>
-        <dgm:pt modelId="4">
-          <dgm:prSet phldr="1"/>
-        </dgm:pt>
-      </dgm:ptLst>
-      <dgm:cxnLst>
-        <dgm:cxn modelId="5" srcId="0" destId="1" srcOrd="0" destOrd="0"/>
-        <dgm:cxn modelId="6" srcId="0" destId="2" srcOrd="1" destOrd="0"/>
-        <dgm:cxn modelId="7" srcId="0" destId="3" srcOrd="2" destOrd="0"/>
-        <dgm:cxn modelId="8" srcId="0" destId="4" srcOrd="3" destOrd="0"/>
-      </dgm:cxnLst>
-      <dgm:bg/>
-      <dgm:whole/>
-    </dgm:dataModel>
-  </dgm:clrData>
-  <dgm:layoutNode name="Name0">
-    <dgm:varLst>
-      <dgm:chMax val="7"/>
-      <dgm:chPref val="7"/>
-      <dgm:dir/>
-    </dgm:varLst>
-    <dgm:alg type="composite"/>
-    <dgm:shape xmlns:r="http://schemas.openxmlformats.org/officeDocument/2006/relationships" r:blip="">
-      <dgm:adjLst/>
-    </dgm:shape>
-    <dgm:constrLst>
-      <dgm:constr type="w" for="ch" refType="h" refFor="ch" op="gte" fact="0.8"/>
-    </dgm:constrLst>
-    <dgm:layoutNode name="Name1">
-      <dgm:alg type="composite"/>
-      <dgm:shape xmlns:r="http://schemas.openxmlformats.org/officeDocument/2006/relationships" r:blip="">
-        <dgm:adjLst/>
-      </dgm:shape>
-      <dgm:choose name="Name2">
-        <dgm:if name="Name3" func="var" arg="dir" op="equ" val="norm">
-          <dgm:choose name="Name4">
-            <dgm:if name="Name5" axis="ch" ptType="node" func="cnt" op="equ" val="1">
-              <dgm:constrLst>
-                <dgm:constr type="h" for="ch" forName="cycle" refType="h"/>
-                <dgm:constr type="w" for="ch" forName="cycle" refType="h" refFor="ch" refForName="cycle" fact="0.26"/>
-                <dgm:constr type="l" for="ch" forName="cycle"/>
-                <dgm:constr type="ctrY" for="ch" forName="cycle" refType="h" fact="0.5"/>
-                <dgm:constr type="diam" for="ch" forName="cycle" refType="h" fact="1.344"/>
-                <dgm:constr type="h" for="ch" forName="accent_1" refType="h" fact="0.625"/>
-                <dgm:constr type="w" for="ch" forName="accent_1" refType="h" refFor="ch" refForName="accent_1" op="equ"/>
-                <dgm:constr type="ctrY" for="ch" forName="accent_1" refType="h" fact="0.5"/>
-                <dgm:constr type="ctrX" for="ch" forName="accent_1" refType="h" fact="0.2253"/>
-                <dgm:constr type="l" for="ch" forName="text_1" refType="ctrX" refFor="ch" refForName="accent_1"/>
-                <dgm:constr type="r" for="ch" forName="text_1" refType="w"/>
-                <dgm:constr type="w" for="ch" forName="text_1" refType="h" refFor="ch" refForName="text_1" op="gte"/>
-                <dgm:constr type="h" for="ch" forName="text_1" refType="h" refFor="ch" refForName="accent_1" fact="0.8"/>
-                <dgm:constr type="ctrY" for="ch" forName="text_1" refType="ctrY" refFor="ch" refForName="accent_1"/>
-                <dgm:constr type="lMarg" for="ch" forName="text_1" refType="w" refFor="ch" refForName="accent_1" fact="1.8"/>
-                <dgm:constr type="primFontSz" for="ch" ptType="node" op="equ" val="65"/>
-              </dgm:constrLst>
-            </dgm:if>
-            <dgm:if name="Name6" axis="ch" ptType="node" func="cnt" op="equ" val="2">
-              <dgm:constrLst>
-                <dgm:constr type="h" for="ch" forName="cycle" refType="h"/>
-                <dgm:constr type="w" for="ch" forName="cycle" refType="h" refFor="ch" refForName="cycle" fact="0.26"/>
-                <dgm:constr type="l" for="ch" forName="cycle"/>
-                <dgm:constr type="ctrY" for="ch" forName="cycle" refType="h" fact="0.5"/>
-                <dgm:constr type="diam" for="ch" forName="cycle" refType="h" fact="1.344"/>
-                <dgm:constr type="h" for="ch" forName="accent_1" refType="h" fact="0.3571"/>
-                <dgm:constr type="w" for="ch" forName="accent_1" refType="h" refFor="ch" refForName="accent_1" op="equ"/>
-                <dgm:constr type="ctrY" for="ch" forName="accent_1" refType="h" fact="0.2857"/>
-                <dgm:constr type="ctrX" for="ch" forName="accent_1" refType="h" fact="0.1891"/>
-                <dgm:constr type="l" for="ch" forName="text_1" refType="ctrX" refFor="ch" refForName="accent_1"/>
-                <dgm:constr type="r" for="ch" forName="text_1" refType="w"/>
-                <dgm:constr type="w" for="ch" forName="text_1" refType="h" refFor="ch" refForName="text_1" op="gte"/>
-                <dgm:constr type="h" for="ch" forName="text_1" refType="h" refFor="ch" refForName="accent_1" fact="0.8"/>
-                <dgm:constr type="ctrY" for="ch" forName="text_1" refType="ctrY" refFor="ch" refForName="accent_1"/>
-                <dgm:constr type="lMarg" for="ch" forName="text_1" refType="w" refFor="ch" refForName="accent_1" fact="1.8"/>
-                <dgm:constr type="h" for="ch" forName="accent_2" refType="h" fact="0.3571"/>
-                <dgm:constr type="w" for="ch" forName="accent_2" refType="h" refFor="ch" refForName="accent_2" op="equ"/>
-                <dgm:constr type="ctrY" for="ch" forName="accent_2" refType="h" fact="0.7143"/>
-                <dgm:constr type="ctrX" for="ch" forName="accent_2" refType="h" fact="0.1891"/>
-                <dgm:constr type="l" for="ch" forName="text_2" refType="ctrX" refFor="ch" refForName="accent_2"/>
-                <dgm:constr type="r" for="ch" forName="text_2" refType="w"/>
-                <dgm:constr type="w" for="ch" forName="text_2" refType="h" refFor="ch" refForName="text_2" op="gte"/>
-                <dgm:constr type="h" for="ch" forName="text_2" refType="h" refFor="ch" refForName="accent_2" fact="0.8"/>
-                <dgm:constr type="ctrY" for="ch" forName="text_2" refType="ctrY" refFor="ch" refForName="accent_2"/>
-                <dgm:constr type="lMarg" for="ch" forName="text_2" refType="w" refFor="ch" refForName="accent_2" fact="1.8"/>
-                <dgm:constr type="primFontSz" for="ch" ptType="node" op="equ" val="65"/>
-              </dgm:constrLst>
-            </dgm:if>
-            <dgm:if name="Name7" axis="ch" ptType="node" func="cnt" op="equ" val="3">
-              <dgm:constrLst>
-                <dgm:constr type="h" for="ch" forName="cycle" refType="h"/>
-                <dgm:constr type="w" for="ch" forName="cycle" refType="h" refFor="ch" refForName="cycle" fact="0.26"/>
-                <dgm:constr type="l" for="ch" forName="cycle"/>
-                <dgm:constr type="ctrY" for="ch" forName="cycle" refType="h" fact="0.5"/>
-                <dgm:constr type="diam" for="ch" forName="cycle" refType="h" fact="1.344"/>
-                <dgm:constr type="h" for="ch" forName="accent_1" refType="h" fact="0.25"/>
-                <dgm:constr type="w" for="ch" forName="accent_1" refType="h" refFor="ch" refForName="accent_1" op="equ"/>
-                <dgm:constr type="ctrY" for="ch" forName="accent_1" refType="h" fact="0.2"/>
-                <dgm:constr type="ctrX" for="ch" forName="accent_1" refType="h" fact="0.1526"/>
-                <dgm:constr type="l" for="ch" forName="text_1" refType="ctrX" refFor="ch" refForName="accent_1"/>
-                <dgm:constr type="r" for="ch" forName="text_1" refType="w"/>
-                <dgm:constr type="w" for="ch" forName="text_1" refType="h" refFor="ch" refForName="text_1" op="gte"/>
-                <dgm:constr type="h" for="ch" forName="text_1" refType="h" refFor="ch" refForName="accent_1" fact="0.8"/>
-                <dgm:constr type="ctrY" for="ch" forName="text_1" refType="ctrY" refFor="ch" refForName="accent_1"/>
-                <dgm:constr type="lMarg" for="ch" forName="text_1" refType="w" refFor="ch" refForName="accent_1" fact="1.8"/>
-                <dgm:constr type="h" for="ch" forName="accent_2" refType="h" fact="0.25"/>
-                <dgm:constr type="w" for="ch" forName="accent_2" refType="h" refFor="ch" refForName="accent_2" op="equ"/>
-                <dgm:constr type="ctrY" for="ch" forName="accent_2" refType="h" fact="0.5"/>
-                <dgm:constr type="ctrX" for="ch" forName="accent_2" refType="h" fact="0.2253"/>
-                <dgm:constr type="l" for="ch" forName="text_2" refType="ctrX" refFor="ch" refForName="accent_2"/>
-                <dgm:constr type="r" for="ch" forName="text_2" refType="w"/>
-                <dgm:constr type="w" for="ch" forName="text_2" refType="h" refFor="ch" refForName="text_2" op="gte"/>
-                <dgm:constr type="h" for="ch" forName="text_2" refType="h" refFor="ch" refForName="accent_2" fact="0.8"/>
-                <dgm:constr type="ctrY" for="ch" forName="text_2" refType="ctrY" refFor="ch" refForName="accent_2"/>
-                <dgm:constr type="lMarg" for="ch" forName="text_2" refType="w" refFor="ch" refForName="accent_2" fact="1.8"/>
-                <dgm:constr type="h" for="ch" forName="accent_3" refType="h" fact="0.25"/>
-                <dgm:constr type="w" for="ch" forName="accent_3" refType="h" refFor="ch" refForName="accent_3" op="equ"/>
-                <dgm:constr type="ctrY" for="ch" forName="accent_3" refType="h" fact="0.8"/>
-                <dgm:constr type="ctrX" for="ch" forName="accent_3" refType="h" fact="0.1526"/>
-                <dgm:constr type="l" for="ch" forName="text_3" refType="ctrX" refFor="ch" refForName="accent_3"/>
-                <dgm:constr type="r" for="ch" forName="text_3" refType="w"/>
-                <dgm:constr type="w" for="ch" forName="text_3" refType="h" refFor="ch" refForName="text_3" op="gte"/>
-                <dgm:constr type="h" for="ch" forName="text_3" refType="h" refFor="ch" refForName="accent_3" fact="0.8"/>
-                <dgm:constr type="ctrY" for="ch" forName="text_3" refType="ctrY" refFor="ch" refForName="accent_3"/>
-                <dgm:constr type="lMarg" for="ch" forName="text_3" refType="w" refFor="ch" refForName="accent_3" fact="1.8"/>
-                <dgm:constr type="primFontSz" for="ch" ptType="node" op="equ" val="65"/>
-              </dgm:constrLst>
-            </dgm:if>
-            <dgm:if name="Name8" axis="ch" ptType="node" func="cnt" op="equ" val="4">
-              <dgm:constrLst>
-                <dgm:constr type="h" for="ch" forName="cycle" refType="h"/>
-                <dgm:constr type="w" for="ch" forName="cycle" refType="h" refFor="ch" refForName="cycle" fact="0.26"/>
-                <dgm:constr type="l" for="ch" forName="cycle"/>
-                <dgm:constr type="ctrY" for="ch" forName="cycle" refType="h" fact="0.5"/>
-                <dgm:constr type="diam" for="ch" forName="cycle" refType="h" fact="1.344"/>
-                <dgm:constr type="h" for="ch" forName="accent_1" refType="h" fact="0.1923"/>
-                <dgm:constr type="w" for="ch" forName="accent_1" refType="h" refFor="ch" refForName="accent_1" op="equ"/>
-                <dgm:constr type="ctrY" for="ch" forName="accent_1" refType="h" fact="0.1538"/>
-                <dgm:constr type="ctrX" for="ch" forName="accent_1" refType="h" fact="0.1268"/>
-                <dgm:constr type="l" for="ch" forName="text_1" refType="ctrX" refFor="ch" refForName="accent_1"/>
-                <dgm:constr type="r" for="ch" forName="text_1" refType="w"/>
-                <dgm:constr type="w" for="ch" forName="text_1" refType="h" refFor="ch" refForName="text_1" op="gte"/>
-                <dgm:constr type="h" for="ch" forName="text_1" refType="h" refFor="ch" refForName="accent_1" fact="0.8"/>
-                <dgm:constr type="ctrY" for="ch" forName="text_1" refType="ctrY" refFor="ch" refForName="accent_1"/>
-                <dgm:constr type="lMarg" for="ch" forName="text_1" refType="w" refFor="ch" refForName="accent_1" fact="1.8"/>
-                <dgm:constr type="h" for="ch" forName="accent_2" refType="h" fact="0.1923"/>
-                <dgm:constr type="w" for="ch" forName="accent_2" refType="h" refFor="ch" refForName="accent_2" op="equ"/>
-                <dgm:constr type="ctrY" for="ch" forName="accent_2" refType="h" fact="0.3846"/>
-                <dgm:constr type="ctrX" for="ch" forName="accent_2" refType="h" fact="0.215"/>
-                <dgm:constr type="l" for="ch" forName="text_2" refType="ctrX" refFor="ch" refForName="accent_2"/>
-                <dgm:constr type="r" for="ch" forName="text_2" refType="w"/>
-                <dgm:constr type="w" for="ch" forName="text_2" refType="h" refFor="ch" refForName="text_2" op="gte"/>
-                <dgm:constr type="h" for="ch" forName="text_2" refType="h" refFor="ch" refForName="accent_2" fact="0.8"/>
-                <dgm:constr type="ctrY" for="ch" forName="text_2" refType="ctrY" refFor="ch" refForName="accent_2"/>
-                <dgm:constr type="lMarg" for="ch" forName="text_2" refType="w" refFor="ch" refForName="accent_2" fact="1.8"/>
-                <dgm:constr type="h" for="ch" forName="accent_3" refType="h" fact="0.1923"/>
-                <dgm:constr type="w" for="ch" forName="accent_3" refType="h" refFor="ch" refForName="accent_3" op="equ"/>
-                <dgm:constr type="ctrY" for="ch" forName="accent_3" refType="h" fact="0.6154"/>
-                <dgm:constr type="ctrX" for="ch" forName="accent_3" refType="h" fact="0.215"/>
-                <dgm:constr type="l" for="ch" forName="text_3" refType="ctrX" refFor="ch" refForName="accent_3"/>
-                <dgm:constr type="r" for="ch" forName="text_3" refType="w"/>
-                <dgm:constr type="w" for="ch" forName="text_3" refType="h" refFor="ch" refForName="text_3" op="gte"/>
-                <dgm:constr type="h" for="ch" forName="text_3" refType="h" refFor="ch" refForName="accent_3" fact="0.8"/>
-                <dgm:constr type="ctrY" for="ch" forName="text_3" refType="ctrY" refFor="ch" refForName="accent_3"/>
-                <dgm:constr type="lMarg" for="ch" forName="text_3" refType="w" refFor="ch" refForName="accent_3" fact="1.8"/>
-                <dgm:constr type="h" for="ch" forName="accent_4" refType="h" fact="0.1923"/>
-                <dgm:constr type="w" for="ch" forName="accent_4" refType="h" refFor="ch" refForName="accent_4" op="equ"/>
-                <dgm:constr type="ctrY" for="ch" forName="accent_4" refType="h" fact="0.8462"/>
-                <dgm:constr type="ctrX" for="ch" forName="accent_4" refType="h" fact="0.1268"/>
-                <dgm:constr type="l" for="ch" forName="text_4" refType="ctrX" refFor="ch" refForName="accent_4"/>
-                <dgm:constr type="r" for="ch" forName="text_4" refType="w"/>
-                <dgm:constr type="w" for="ch" forName="text_4" refType="h" refFor="ch" refForName="text_4" op="gte"/>
-                <dgm:constr type="h" for="ch" forName="text_4" refType="h" refFor="ch" refForName="accent_4" fact="0.8"/>
-                <dgm:constr type="ctrY" for="ch" forName="text_4" refType="ctrY" refFor="ch" refForName="accent_4"/>
-                <dgm:constr type="lMarg" for="ch" forName="text_4" refType="w" refFor="ch" refForName="accent_4" fact="1.8"/>
-                <dgm:constr type="primFontSz" for="ch" ptType="node" op="equ" val="65"/>
-              </dgm:constrLst>
-            </dgm:if>
-            <dgm:if name="Name9" axis="ch" ptType="node" func="cnt" op="equ" val="5">
-              <dgm:constrLst>
-                <dgm:constr type="h" for="ch" forName="cycle" refType="h"/>
-                <dgm:constr type="w" for="ch" forName="cycle" refType="h" refFor="ch" refForName="cycle" fact="0.26"/>
-                <dgm:constr type="l" for="ch" forName="cycle"/>
-                <dgm:constr type="ctrY" for="ch" forName="cycle" refType="h" fact="0.5"/>
-                <dgm:constr type="diam" for="ch" forName="cycle" refType="h" fact="1.344"/>
-                <dgm:constr type="h" for="ch" forName="accent_1" refType="h" fact="0.1563"/>
-                <dgm:constr type="w" for="ch" forName="accent_1" refType="h" refFor="ch" refForName="accent_1" op="equ"/>
-                <dgm:constr type="ctrY" for="ch" forName="accent_1" refType="h" fact="0.125"/>
-                <dgm:constr type="ctrX" for="ch" forName="accent_1" refType="h" fact="0.1082"/>
-                <dgm:constr type="l" for="ch" forName="text_1" refType="ctrX" refFor="ch" refForName="accent_1"/>
-                <dgm:constr type="r" for="ch" forName="text_1" refType="w"/>
-                <dgm:constr type="w" for="ch" forName="text_1" refType="h" refFor="ch" refForName="text_1" op="gte"/>
-                <dgm:constr type="h" for="ch" forName="text_1" refType="h" refFor="ch" refForName="accent_1" fact="0.8"/>
-                <dgm:constr type="ctrY" for="ch" forName="text_1" refType="ctrY" refFor="ch" refForName="accent_1"/>
-                <dgm:constr type="lMarg" for="ch" forName="text_1" refType="w" refFor="ch" refForName="accent_1" fact="1.8"/>
-                <dgm:constr type="h" for="ch" forName="accent_2" refType="h" fact="0.1563"/>
-                <dgm:constr type="w" for="ch" forName="accent_2" refType="h" refFor="ch" refForName="accent_2" op="equ"/>
-                <dgm:constr type="ctrY" for="ch" forName="accent_2" refType="h" fact="0.3125"/>
-                <dgm:constr type="ctrX" for="ch" forName="accent_2" refType="h" fact="0.1978"/>
-                <dgm:constr type="l" for="ch" forName="text_2" refType="ctrX" refFor="ch" refForName="accent_2"/>
-                <dgm:constr type="r" for="ch" forName="text_2" refType="w"/>
-                <dgm:constr type="w" for="ch" forName="text_2" refType="h" refFor="ch" refForName="text_2" op="gte"/>
-                <dgm:constr type="h" for="ch" forName="text_2" refType="h" refFor="ch" refForName="accent_2" fact="0.8"/>
-                <dgm:constr type="ctrY" for="ch" forName="text_2" refType="ctrY" refFor="ch" refForName="accent_2"/>
-                <dgm:constr type="lMarg" for="ch" forName="text_2" refType="w" refFor="ch" refForName="accent_2" fact="1.8"/>
-                <dgm:constr type="h" for="ch" forName="accent_3" refType="h" fact="0.1563"/>
-                <dgm:constr type="w" for="ch" forName="accent_3" refType="h" refFor="ch" refForName="accent_3" op="equ"/>
-                <dgm:constr type="ctrY" for="ch" forName="accent_3" refType="h" fact="0.5"/>
-                <dgm:constr type="ctrX" for="ch" forName="accent_3" refType="h" fact="0.2253"/>
-                <dgm:constr type="l" for="ch" forName="text_3" refType="ctrX" refFor="ch" refForName="accent_3"/>
-                <dgm:constr type="r" for="ch" forName="text_3" refType="w"/>
-                <dgm:constr type="w" for="ch" forName="text_3" refType="h" refFor="ch" refForName="text_3" op="gte"/>
-                <dgm:constr type="h" for="ch" forName="text_3" refType="h" refFor="ch" refForName="accent_3" fact="0.8"/>
-                <dgm:constr type="ctrY" for="ch" forName="text_3" refType="ctrY" refFor="ch" refForName="accent_3"/>
-                <dgm:constr type="lMarg" for="ch" forName="text_3" refType="w" refFor="ch" refForName="accent_3" fact="1.8"/>
-                <dgm:constr type="h" for="ch" forName="accent_4" refType="h" fact="0.1563"/>
-                <dgm:constr type="w" for="ch" forName="accent_4" refType="h" refFor="ch" refForName="accent_4" op="equ"/>
-                <dgm:constr type="ctrY" for="ch" forName="accent_4" refType="h" fact="0.6875"/>
-                <dgm:constr type="ctrX" for="ch" forName="accent_4" refType="h" fact="0.1978"/>
-                <dgm:constr type="l" for="ch" forName="text_4" refType="ctrX" refFor="ch" refForName="accent_4"/>
-                <dgm:constr type="r" for="ch" forName="text_4" refType="w"/>
-                <dgm:constr type="w" for="ch" forName="text_4" refType="h" refFor="ch" refForName="text_4" op="gte"/>
-                <dgm:constr type="h" for="ch" forName="text_4" refType="h" refFor="ch" refForName="accent_4" fact="0.8"/>
-                <dgm:constr type="ctrY" for="ch" forName="text_4" refType="ctrY" refFor="ch" refForName="accent_4"/>
-                <dgm:constr type="lMarg" for="ch" forName="text_4" refType="w" refFor="ch" refForName="accent_4" fact="1.8"/>
-                <dgm:constr type="h" for="ch" forName="accent_5" refType="h" fact="0.1563"/>
-                <dgm:constr type="w" for="ch" forName="accent_5" refType="h" refFor="ch" refForName="accent_5" op="equ"/>
-                <dgm:constr type="ctrY" for="ch" forName="accent_5" refType="h" fact="0.875"/>
-                <dgm:constr type="ctrX" for="ch" forName="accent_5" refType="h" fact="0.1082"/>
-                <dgm:constr type="l" for="ch" forName="text_5" refType="ctrX" refFor="ch" refForName="accent_5"/>
-                <dgm:constr type="r" for="ch" forName="text_5" refType="w"/>
-                <dgm:constr type="w" for="ch" forName="text_5" refType="h" refFor="ch" refForName="text_5" op="gte"/>
-                <dgm:constr type="h" for="ch" forName="text_5" refType="h" refFor="ch" refForName="accent_5" fact="0.8"/>
-                <dgm:constr type="ctrY" for="ch" forName="text_5" refType="ctrY" refFor="ch" refForName="accent_5"/>
-                <dgm:constr type="lMarg" for="ch" forName="text_5" refType="w" refFor="ch" refForName="accent_5" fact="1.8"/>
-                <dgm:constr type="primFontSz" for="ch" ptType="node" op="equ" val="65"/>
-              </dgm:constrLst>
-            </dgm:if>
-            <dgm:if name="Name10" axis="ch" ptType="node" func="cnt" op="equ" val="6">
-              <dgm:constrLst>
-                <dgm:constr type="h" for="ch" forName="cycle" refType="h"/>
-                <dgm:constr type="w" for="ch" forName="cycle" refType="h" refFor="ch" refForName="cycle" fact="0.26"/>
-                <dgm:constr type="l" for="ch" forName="cycle"/>
-                <dgm:constr type="ctrY" for="ch" forName="cycle" refType="h" fact="0.5"/>
-                <dgm:constr type="diam" for="ch" forName="cycle" refType="h" fact="1.344"/>
-                <dgm:constr type="h" for="ch" forName="accent_1" refType="h" fact="0.1316"/>
-                <dgm:constr type="w" for="ch" forName="accent_1" refType="h" refFor="ch" refForName="accent_1" op="equ"/>
-                <dgm:constr type="ctrY" for="ch" forName="accent_1" refType="h" fact="0.1053"/>
-                <dgm:constr type="ctrX" for="ch" forName="accent_1" refType="h" fact="0.0943"/>
-                <dgm:constr type="l" for="ch" forName="text_1" refType="ctrX" refFor="ch" refForName="accent_1"/>
-                <dgm:constr type="r" for="ch" forName="text_1" refType="w"/>
-                <dgm:constr type="w" for="ch" forName="text_1" refType="h" refFor="ch" refForName="text_1" op="gte"/>
-                <dgm:constr type="h" for="ch" forName="text_1" refType="h" refFor="ch" refForName="accent_1" fact="0.8"/>
-                <dgm:constr type="ctrY" for="ch" forName="text_1" refType="ctrY" refFor="ch" refForName="accent_1"/>
-                <dgm:constr type="lMarg" for="ch" forName="text_1" refType="w" refFor="ch" refForName="accent_1" fact="1.8"/>
-                <dgm:constr type="h" for="ch" forName="accent_2" refType="h" fact="0.1316"/>
-                <dgm:constr type="w" for="ch" forName="accent_2" refType="h" refFor="ch" refForName="accent_2" op="equ"/>
-                <dgm:constr type="ctrY" for="ch" forName="accent_2" refType="h" fact="0.2632"/>
-                <dgm:constr type="ctrX" for="ch" forName="accent_2" refType="h" fact="0.1809"/>
-                <dgm:constr type="l" for="ch" forName="text_2" refType="ctrX" refFor="ch" refForName="accent_2"/>
-                <dgm:constr type="r" for="ch" forName="text_2" refType="w"/>
-                <dgm:constr type="w" for="ch" forName="text_2" refType="h" refFor="ch" refForName="text_2" op="gte"/>
-                <dgm:constr type="h" for="ch" forName="text_2" refType="h" refFor="ch" refForName="accent_2" fact="0.8"/>
-                <dgm:constr type="ctrY" for="ch" forName="text_2" refType="ctrY" refFor="ch" refForName="accent_2"/>
-                <dgm:constr type="lMarg" for="ch" forName="text_2" refType="w" refFor="ch" refForName="accent_2" fact="1.8"/>
-                <dgm:constr type="h" for="ch" forName="accent_3" refType="h" fact="0.1316"/>
-                <dgm:constr type="w" for="ch" forName="accent_3" refType="h" refFor="ch" refForName="accent_3" op="equ"/>
-                <dgm:constr type="ctrY" for="ch" forName="accent_3" refType="h" fact="0.4211"/>
-                <dgm:constr type="ctrX" for="ch" forName="accent_3" refType="h" fact="0.2205"/>
-                <dgm:constr type="l" for="ch" forName="text_3" refType="ctrX" refFor="ch" refForName="accent_3"/>
-                <dgm:constr type="r" for="ch" forName="text_3" refType="w"/>
-                <dgm:constr type="w" for="ch" forName="text_3" refType="h" refFor="ch" refForName="text_3" op="gte"/>
-                <dgm:constr type="h" for="ch" forName="text_3" refType="h" refFor="ch" refForName="accent_3" fact="0.8"/>
-                <dgm:constr type="ctrY" for="ch" forName="text_3" refType="ctrY" refFor="ch" refForName="accent_3"/>
-                <dgm:constr type="lMarg" for="ch" forName="text_3" refType="w" refFor="ch" refForName="accent_3" fact="1.8"/>
-                <dgm:constr type="h" for="ch" forName="accent_4" refType="h" fact="0.1316"/>
-                <dgm:constr type="w" for="ch" forName="accent_4" refType="h" refFor="ch" refForName="accent_4" op="equ"/>
-                <dgm:constr type="ctrY" for="ch" forName="accent_4" refType="h" fact="0.5789"/>
-                <dgm:constr type="ctrX" for="ch" forName="accent_4" refType="h" fact="0.2205"/>
-                <dgm:constr type="l" for="ch" forName="text_4" refType="ctrX" refFor="ch" refForName="accent_4"/>
-                <dgm:constr type="r" for="ch" forName="text_4" refType="w"/>
-                <dgm:constr type="w" for="ch" forName="text_4" refType="h" refFor="ch" refForName="text_4" op="gte"/>
-                <dgm:constr type="h" for="ch" forName="text_4" refType="h" refFor="ch" refForName="accent_4" fact="0.8"/>
-                <dgm:constr type="ctrY" for="ch" forName="text_4" refType="ctrY" refFor="ch" refForName="accent_4"/>
-                <dgm:constr type="lMarg" for="ch" forName="text_4" refType="w" refFor="ch" refForName="accent_4" fact="1.8"/>
-                <dgm:constr type="h" for="ch" forName="accent_5" refType="h" fact="0.1316"/>
-                <dgm:constr type="w" for="ch" forName="accent_5" refType="h" refFor="ch" refForName="accent_5" op="equ"/>
-                <dgm:constr type="ctrY" for="ch" forName="accent_5" refType="h" fact="0.7368"/>
-                <dgm:constr type="ctrX" for="ch" forName="accent_5" refType="h" fact="0.1809"/>
-                <dgm:constr type="l" for="ch" forName="text_5" refType="ctrX" refFor="ch" refForName="accent_5"/>
-                <dgm:constr type="r" for="ch" forName="text_5" refType="w"/>
-                <dgm:constr type="w" for="ch" forName="text_5" refType="h" refFor="ch" refForName="text_5" op="gte"/>
-                <dgm:constr type="h" for="ch" forName="text_5" refType="h" refFor="ch" refForName="accent_5" fact="0.8"/>
-                <dgm:constr type="ctrY" for="ch" forName="text_5" refType="ctrY" refFor="ch" refForName="accent_5"/>
-                <dgm:constr type="lMarg" for="ch" forName="text_5" refType="w" refFor="ch" refForName="accent_5" fact="1.8"/>
-                <dgm:constr type="h" for="ch" forName="accent_6" refType="h" fact="0.1316"/>
-                <dgm:constr type="w" for="ch" forName="accent_6" refType="h" refFor="ch" refForName="accent_6" op="equ"/>
-                <dgm:constr type="ctrY" for="ch" forName="accent_6" refType="h" fact="0.8947"/>
-                <dgm:constr type="ctrX" for="ch" forName="accent_6" refType="h" fact="0.0943"/>
-                <dgm:constr type="l" for="ch" forName="text_6" refType="ctrX" refFor="ch" refForName="accent_6"/>
-                <dgm:constr type="r" for="ch" forName="text_6" refType="w"/>
-                <dgm:constr type="w" for="ch" forName="text_6" refType="h" refFor="ch" refForName="text_6" op="gte"/>
-                <dgm:constr type="h" for="ch" forName="text_6" refType="h" refFor="ch" refForName="accent_6" fact="0.8"/>
-                <dgm:constr type="ctrY" for="ch" forName="text_6" refType="ctrY" refFor="ch" refForName="accent_6"/>
-                <dgm:constr type="lMarg" for="ch" forName="text_6" refType="w" refFor="ch" refForName="accent_6" fact="1.8"/>
-                <dgm:constr type="primFontSz" for="ch" ptType="node" op="equ" val="65"/>
-              </dgm:constrLst>
-            </dgm:if>
-            <dgm:else name="Name11">
-              <dgm:constrLst>
-                <dgm:constr type="h" for="ch" forName="cycle" refType="h"/>
-                <dgm:constr type="w" for="ch" forName="cycle" refType="h" refFor="ch" refForName="cycle" fact="0.26"/>
-                <dgm:constr type="l" for="ch" forName="cycle"/>
-                <dgm:constr type="ctrY" for="ch" forName="cycle" refType="h" fact="0.5"/>
-                <dgm:constr type="diam" for="ch" forName="cycle" refType="h" fact="1.344"/>
-                <dgm:constr type="h" for="ch" forName="accent_1" refType="h" fact="0.1136"/>
-                <dgm:constr type="w" for="ch" forName="accent_1" refType="h" refFor="ch" refForName="accent_1" op="equ"/>
-                <dgm:constr type="ctrY" for="ch" forName="accent_1" refType="h" fact="0.0909"/>
-                <dgm:constr type="ctrX" for="ch" forName="accent_1" refType="h" fact="0.0835"/>
-                <dgm:constr type="l" for="ch" forName="text_1" refType="ctrX" refFor="ch" refForName="accent_1"/>
-                <dgm:constr type="r" for="ch" forName="text_1" refType="w"/>
-                <dgm:constr type="w" for="ch" forName="text_1" refType="h" refFor="ch" refForName="text_1" op="gte"/>
-                <dgm:constr type="h" for="ch" forName="text_1" refType="h" refFor="ch" refForName="accent_1" fact="0.8"/>
-                <dgm:constr type="ctrY" for="ch" forName="text_1" refType="ctrY" refFor="ch" refForName="accent_1"/>
-                <dgm:constr type="lMarg" for="ch" forName="text_1" refType="w" refFor="ch" refForName="accent_1" fact="1.8"/>
-                <dgm:constr type="h" for="ch" forName="accent_2" refType="h" fact="0.1136"/>
-                <dgm:constr type="w" for="ch" forName="accent_2" refType="h" refFor="ch" refForName="accent_2" op="equ"/>
-                <dgm:constr type="ctrY" for="ch" forName="accent_2" refType="h" fact="0.2273"/>
-                <dgm:constr type="ctrX" for="ch" forName="accent_2" refType="h" fact="0.1658"/>
-                <dgm:constr type="l" for="ch" forName="text_2" refType="ctrX" refFor="ch" refForName="accent_2"/>
-                <dgm:constr type="r" for="ch" forName="text_2" refType="w"/>
-                <dgm:constr type="w" for="ch" forName="text_2" refType="h" refFor="ch" refForName="text_2" op="gte"/>
-                <dgm:constr type="h" for="ch" forName="text_2" refType="h" refFor="ch" refForName="accent_2" fact="0.8"/>
-                <dgm:constr type="ctrY" for="ch" forName="text_2" refType="ctrY" refFor="ch" refForName="accent_2"/>
-                <dgm:constr type="lMarg" for="ch" forName="text_2" refType="w" refFor="ch" refForName="accent_2" fact="1.8"/>
-                <dgm:constr type="h" for="ch" forName="accent_3" refType="h" fact="0.1136"/>
-                <dgm:constr type="w" for="ch" forName="accent_3" refType="h" refFor="ch" refForName="accent_3" op="equ"/>
-                <dgm:constr type="ctrY" for="ch" forName="accent_3" refType="h" fact="0.3636"/>
-                <dgm:constr type="ctrX" for="ch" forName="accent_3" refType="h" fact="0.2109"/>
-                <dgm:constr type="l" for="ch" forName="text_3" refType="ctrX" refFor="ch" refForName="accent_3"/>
-                <dgm:constr type="r" for="ch" forName="text_3" refType="w"/>
-                <dgm:constr type="w" for="ch" forName="text_3" refType="h" refFor="ch" refForName="text_3" op="gte"/>
-                <dgm:constr type="h" for="ch" forName="text_3" refType="h" refFor="ch" refForName="accent_3" fact="0.8"/>
-                <dgm:constr type="ctrY" for="ch" forName="text_3" refType="ctrY" refFor="ch" refForName="accent_3"/>
-                <dgm:constr type="lMarg" for="ch" forName="text_3" refType="w" refFor="ch" refForName="accent_3" fact="1.8"/>
-                <dgm:constr type="h" for="ch" forName="accent_4" refType="h" fact="0.1136"/>
-                <dgm:constr type="w" for="ch" forName="accent_4" refType="h" refFor="ch" refForName="accent_4" op="equ"/>
-                <dgm:constr type="ctrY" for="ch" forName="accent_4" refType="h" fact="0.5"/>
-                <dgm:constr type="ctrX" for="ch" forName="accent_4" refType="h" fact="0.2253"/>
-                <dgm:constr type="l" for="ch" forName="text_4" refType="ctrX" refFor="ch" refForName="accent_4"/>
-                <dgm:constr type="r" for="ch" forName="text_4" refType="w"/>
-                <dgm:constr type="w" for="ch" forName="text_4" refType="h" refFor="ch" refForName="text_4" op="gte"/>
-                <dgm:constr type="h" for="ch" forName="text_4" refType="h" refFor="ch" refForName="accent_4" fact="0.8"/>
-                <dgm:constr type="ctrY" for="ch" forName="text_4" refType="ctrY" refFor="ch" refForName="accent_4"/>
-                <dgm:constr type="lMarg" for="ch" forName="text_4" refType="w" refFor="ch" refForName="accent_4" fact="1.8"/>
-                <dgm:constr type="h" for="ch" forName="accent_5" refType="h" fact="0.1136"/>
-                <dgm:constr type="w" for="ch" forName="accent_5" refType="h" refFor="ch" refForName="accent_5" op="equ"/>
-                <dgm:constr type="ctrY" for="ch" forName="accent_5" refType="h" fact="0.6364"/>
-                <dgm:constr type="ctrX" for="ch" forName="accent_5" refType="h" fact="0.2109"/>
-                <dgm:constr type="l" for="ch" forName="text_5" refType="ctrX" refFor="ch" refForName="accent_5"/>
-                <dgm:constr type="r" for="ch" forName="text_5" refType="w"/>
-                <dgm:constr type="w" for="ch" forName="text_5" refType="h" refFor="ch" refForName="text_5" op="gte"/>
-                <dgm:constr type="h" for="ch" forName="text_5" refType="h" refFor="ch" refForName="accent_5" fact="0.8"/>
-                <dgm:constr type="ctrY" for="ch" forName="text_5" refType="ctrY" refFor="ch" refForName="accent_5"/>
-                <dgm:constr type="lMarg" for="ch" forName="text_5" refType="w" refFor="ch" refForName="accent_5" fact="1.8"/>
-                <dgm:constr type="h" for="ch" forName="accent_6" refType="h" fact="0.1136"/>
-                <dgm:constr type="w" for="ch" forName="accent_6" refType="h" refFor="ch" refForName="accent_6" op="equ"/>
-                <dgm:constr type="ctrY" for="ch" forName="accent_6" refType="h" fact="0.7727"/>
-                <dgm:constr type="ctrX" for="ch" forName="accent_6" refType="h" fact="0.1658"/>
-                <dgm:constr type="l" for="ch" forName="text_6" refType="ctrX" refFor="ch" refForName="accent_6"/>
-                <dgm:constr type="r" for="ch" forName="text_6" refType="w"/>
-                <dgm:constr type="w" for="ch" forName="text_6" refType="h" refFor="ch" refForName="text_6" op="gte"/>
-                <dgm:constr type="h" for="ch" forName="text_6" refType="h" refFor="ch" refForName="accent_6" fact="0.8"/>
-                <dgm:constr type="ctrY" for="ch" forName="text_6" refType="ctrY" refFor="ch" refForName="accent_6"/>
-                <dgm:constr type="lMarg" for="ch" forName="text_6" refType="w" refFor="ch" refForName="accent_6" fact="1.8"/>
-                <dgm:constr type="h" for="ch" forName="accent_7" refType="h" fact="0.1136"/>
-                <dgm:constr type="w" for="ch" forName="accent_7" refType="h" refFor="ch" refForName="accent_7" op="equ"/>
-                <dgm:constr type="ctrY" for="ch" forName="accent_7" refType="h" fact="0.9091"/>
-                <dgm:constr type="ctrX" for="ch" forName="accent_7" refType="h" fact="0.0835"/>
-                <dgm:constr type="l" for="ch" forName="text_7" refType="ctrX" refFor="ch" refForName="accent_7"/>
-                <dgm:constr type="r" for="ch" forName="text_7" refType="w"/>
-                <dgm:constr type="w" for="ch" forName="text_7" refType="h" refFor="ch" refForName="text_7" op="gte"/>
-                <dgm:constr type="h" for="ch" forName="text_7" refType="h" refFor="ch" refForName="accent_7" fact="0.8"/>
-                <dgm:constr type="ctrY" for="ch" forName="text_7" refType="ctrY" refFor="ch" refForName="accent_7"/>
-                <dgm:constr type="lMarg" for="ch" forName="text_7" refType="w" refFor="ch" refForName="accent_7" fact="1.8"/>
-                <dgm:constr type="primFontSz" for="ch" ptType="node" op="equ" val="65"/>
-              </dgm:constrLst>
-            </dgm:else>
-          </dgm:choose>
-        </dgm:if>
-        <dgm:else name="Name12">
-          <dgm:choose name="Name13">
-            <dgm:if name="Name14" axis="ch" ptType="node" func="cnt" op="equ" val="1">
-              <dgm:constrLst>
-                <dgm:constr type="h" for="ch" forName="cycle" refType="h"/>
-                <dgm:constr type="w" for="ch" forName="cycle" refType="h" refFor="ch" refForName="cycle" fact="0.26"/>
-                <dgm:constr type="r" for="ch" forName="cycle" refType="w"/>
-                <dgm:constr type="ctrY" for="ch" forName="cycle" refType="h" fact="0.5"/>
-                <dgm:constr type="diam" for="ch" forName="cycle" refType="h" fact="1.344"/>
-                <dgm:constr type="h" for="ch" forName="accent_1" refType="h" fact="0.625"/>
-                <dgm:constr type="w" for="ch" forName="accent_1" refType="h" refFor="ch" refForName="accent_1" op="equ"/>
-                <dgm:constr type="ctrY" for="ch" forName="accent_1" refType="h" fact="0.5"/>
-                <dgm:constr type="ctrX" for="ch" forName="accent_1" refType="w"/>
-                <dgm:constr type="ctrXOff" for="ch" forName="accent_1" refType="h" fact="-0.2253"/>
-                <dgm:constr type="r" for="ch" forName="text_1" refType="ctrX" refFor="ch" refForName="accent_1"/>
-                <dgm:constr type="rOff" for="ch" forName="text_1" refType="ctrXOff" refFor="ch" refForName="accent_1"/>
-                <dgm:constr type="l" for="ch" forName="text_1"/>
-                <dgm:constr type="w" for="ch" forName="text_1" refType="h" refFor="ch" refForName="text_1" op="gte"/>
-                <dgm:constr type="h" for="ch" forName="text_1" refType="h" refFor="ch" refForName="accent_1" fact="0.8"/>
-                <dgm:constr type="ctrY" for="ch" forName="text_1" refType="ctrY" refFor="ch" refForName="accent_1"/>
-                <dgm:constr type="rMarg" for="ch" forName="text_1" refType="w" refFor="ch" refForName="accent_1" fact="1.8"/>
-                <dgm:constr type="primFontSz" for="ch" ptType="node" op="equ" val="65"/>
-              </dgm:constrLst>
-            </dgm:if>
-            <dgm:if name="Name15" axis="ch" ptType="node" func="cnt" op="equ" val="2">
-              <dgm:constrLst>
-                <dgm:constr type="h" for="ch" forName="cycle" refType="h"/>
-                <dgm:constr type="w" for="ch" forName="cycle" refType="h" refFor="ch" refForName="cycle" fact="0.26"/>
-                <dgm:constr type="r" for="ch" forName="cycle" refType="w"/>
-                <dgm:constr type="ctrY" for="ch" forName="cycle" refType="h" fact="0.5"/>
-                <dgm:constr type="diam" for="ch" forName="cycle" refType="h" fact="1.344"/>
-                <dgm:constr type="h" for="ch" forName="accent_1" refType="h" fact="0.3571"/>
-                <dgm:constr type="w" for="ch" forName="accent_1" refType="h" refFor="ch" refForName="accent_1" op="equ"/>
-                <dgm:constr type="ctrY" for="ch" forName="accent_1" refType="h" fact="0.2857"/>
-                <dgm:constr type="ctrX" for="ch" forName="accent_1" refType="w"/>
-                <dgm:constr type="ctrXOff" for="ch" forName="accent_1" refType="h" fact="-0.1891"/>
-                <dgm:constr type="r" for="ch" forName="text_1" refType="ctrX" refFor="ch" refForName="accent_1"/>
-                <dgm:constr type="rOff" for="ch" forName="text_1" refType="ctrXOff" refFor="ch" refForName="accent_1"/>
-                <dgm:constr type="l" for="ch" forName="text_1"/>
-                <dgm:constr type="w" for="ch" forName="text_1" refType="h" refFor="ch" refForName="text_1" op="gte"/>
-                <dgm:constr type="h" for="ch" forName="text_1" refType="h" refFor="ch" refForName="accent_1" fact="0.8"/>
-                <dgm:constr type="ctrY" for="ch" forName="text_1" refType="ctrY" refFor="ch" refForName="accent_1"/>
-                <dgm:constr type="rMarg" for="ch" forName="text_1" refType="w" refFor="ch" refForName="accent_1" fact="1.8"/>
-                <dgm:constr type="h" for="ch" forName="accent_2" refType="h" fact="0.3571"/>
-                <dgm:constr type="w" for="ch" forName="accent_2" refType="h" refFor="ch" refForName="accent_2" op="equ"/>
-                <dgm:constr type="ctrY" for="ch" forName="accent_2" refType="h" fact="0.7143"/>
-                <dgm:constr type="ctrX" for="ch" forName="accent_2" refType="w"/>
-                <dgm:constr type="ctrXOff" for="ch" forName="accent_2" refType="h" fact="-0.1891"/>
-                <dgm:constr type="r" for="ch" forName="text_2" refType="ctrX" refFor="ch" refForName="accent_2"/>
-                <dgm:constr type="rOff" for="ch" forName="text_2" refType="ctrXOff" refFor="ch" refForName="accent_2"/>
-                <dgm:constr type="l" for="ch" forName="text_2"/>
-                <dgm:constr type="w" for="ch" forName="text_2" refType="h" refFor="ch" refForName="text_2" op="gte"/>
-                <dgm:constr type="h" for="ch" forName="text_2" refType="h" refFor="ch" refForName="accent_2" fact="0.8"/>
-                <dgm:constr type="ctrY" for="ch" forName="text_2" refType="ctrY" refFor="ch" refForName="accent_2"/>
-                <dgm:constr type="rMarg" for="ch" forName="text_2" refType="w" refFor="ch" refForName="accent_2" fact="1.8"/>
-                <dgm:constr type="primFontSz" for="ch" ptType="node" op="equ" val="65"/>
-              </dgm:constrLst>
-            </dgm:if>
-            <dgm:if name="Name16" axis="ch" ptType="node" func="cnt" op="equ" val="3">
-              <dgm:constrLst>
-                <dgm:constr type="h" for="ch" forName="cycle" refType="h"/>
-                <dgm:constr type="w" for="ch" forName="cycle" refType="h" refFor="ch" refForName="cycle" fact="0.26"/>
-                <dgm:constr type="r" for="ch" forName="cycle" refType="w"/>
-                <dgm:constr type="ctrY" for="ch" forName="cycle" refType="h" fact="0.5"/>
-                <dgm:constr type="diam" for="ch" forName="cycle" refType="h" fact="1.344"/>
-                <dgm:constr type="h" for="ch" forName="accent_1" refType="h" fact="0.25"/>
-                <dgm:constr type="w" for="ch" forName="accent_1" refType="h" refFor="ch" refForName="accent_1" op="equ"/>
-                <dgm:constr type="ctrY" for="ch" forName="accent_1" refType="h" fact="0.2"/>
-                <dgm:constr type="ctrX" for="ch" forName="accent_1" refType="w"/>
-                <dgm:constr type="ctrXOff" for="ch" forName="accent_1" refType="h" fact="-0.1526"/>
-                <dgm:constr type="r" for="ch" forName="text_1" refType="ctrX" refFor="ch" refForName="accent_1"/>
-                <dgm:constr type="rOff" for="ch" forName="text_1" refType="ctrXOff" refFor="ch" refForName="accent_1"/>
-                <dgm:constr type="l" for="ch" forName="text_1"/>
-                <dgm:constr type="w" for="ch" forName="text_1" refType="h" refFor="ch" refForName="text_1" op="gte"/>
-                <dgm:constr type="h" for="ch" forName="text_1" refType="h" refFor="ch" refForName="accent_1" fact="0.8"/>
-                <dgm:constr type="ctrY" for="ch" forName="text_1" refType="ctrY" refFor="ch" refForName="accent_1"/>
-                <dgm:constr type="rMarg" for="ch" forName="text_1" refType="w" refFor="ch" refForName="accent_1" fact="1.8"/>
-                <dgm:constr type="h" for="ch" forName="accent_2" refType="h" fact="0.25"/>
-                <dgm:constr type="w" for="ch" forName="accent_2" refType="h" refFor="ch" refForName="accent_2" op="equ"/>
-                <dgm:constr type="ctrY" for="ch" forName="accent_2" refType="h" fact="0.5"/>
-                <dgm:constr type="ctrX" for="ch" forName="accent_2" refType="w"/>
-                <dgm:constr type="ctrXOff" for="ch" forName="accent_2" refType="h" fact="-0.2253"/>
-                <dgm:constr type="r" for="ch" forName="text_2" refType="ctrX" refFor="ch" refForName="accent_2"/>
-                <dgm:constr type="rOff" for="ch" forName="text_2" refType="ctrXOff" refFor="ch" refForName="accent_2"/>
-                <dgm:constr type="l" for="ch" forName="text_2"/>
-                <dgm:constr type="w" for="ch" forName="text_2" refType="h" refFor="ch" refForName="text_2" op="gte"/>
-                <dgm:constr type="h" for="ch" forName="text_2" refType="h" refFor="ch" refForName="accent_2" fact="0.8"/>
-                <dgm:constr type="ctrY" for="ch" forName="text_2" refType="ctrY" refFor="ch" refForName="accent_2"/>
-                <dgm:constr type="rMarg" for="ch" forName="text_2" refType="w" refFor="ch" refForName="accent_2" fact="1.8"/>
-                <dgm:constr type="h" for="ch" forName="accent_3" refType="h" fact="0.25"/>
-                <dgm:constr type="w" for="ch" forName="accent_3" refType="h" refFor="ch" refForName="accent_3" op="equ"/>
-                <dgm:constr type="ctrY" for="ch" forName="accent_3" refType="h" fact="0.8"/>
-                <dgm:constr type="ctrX" for="ch" forName="accent_3" refType="w"/>
-                <dgm:constr type="ctrXOff" for="ch" forName="accent_3" refType="h" fact="-0.1526"/>
-                <dgm:constr type="r" for="ch" forName="text_3" refType="ctrX" refFor="ch" refForName="accent_3"/>
-                <dgm:constr type="rOff" for="ch" forName="text_3" refType="ctrXOff" refFor="ch" refForName="accent_3"/>
-                <dgm:constr type="l" for="ch" forName="text_3"/>
-                <dgm:constr type="w" for="ch" forName="text_3" refType="h" refFor="ch" refForName="text_3" op="gte"/>
-                <dgm:constr type="h" for="ch" forName="text_3" refType="h" refFor="ch" refForName="accent_3" fact="0.8"/>
-                <dgm:constr type="ctrY" for="ch" forName="text_3" refType="ctrY" refFor="ch" refForName="accent_3"/>
-                <dgm:constr type="rMarg" for="ch" forName="text_3" refType="w" refFor="ch" refForName="accent_3" fact="1.8"/>
-                <dgm:constr type="primFontSz" for="ch" ptType="node" op="equ" val="65"/>
-              </dgm:constrLst>
-            </dgm:if>
-            <dgm:if name="Name17" axis="ch" ptType="node" func="cnt" op="equ" val="4">
-              <dgm:constrLst>
-                <dgm:constr type="h" for="ch" forName="cycle" refType="h"/>
-                <dgm:constr type="w" for="ch" forName="cycle" refType="h" refFor="ch" refForName="cycle" fact="0.26"/>
-                <dgm:constr type="r" for="ch" forName="cycle" refType="w"/>
-                <dgm:constr type="ctrY" for="ch" forName="cycle" refType="h" fact="0.5"/>
-                <dgm:constr type="diam" for="ch" forName="cycle" refType="h" fact="1.344"/>
-                <dgm:constr type="h" for="ch" forName="accent_1" refType="h" fact="0.1923"/>
-                <dgm:constr type="w" for="ch" forName="accent_1" refType="h" refFor="ch" refForName="accent_1" op="equ"/>
-                <dgm:constr type="ctrY" for="ch" forName="accent_1" refType="h" fact="0.1538"/>
-                <dgm:constr type="ctrX" for="ch" forName="accent_1" refType="w"/>
-                <dgm:constr type="ctrXOff" for="ch" forName="accent_1" refType="h" fact="-0.1268"/>
-                <dgm:constr type="r" for="ch" forName="text_1" refType="ctrX" refFor="ch" refForName="accent_1"/>
-                <dgm:constr type="rOff" for="ch" forName="text_1" refType="ctrXOff" refFor="ch" refForName="accent_1"/>
-                <dgm:constr type="l" for="ch" forName="text_1"/>
-                <dgm:constr type="w" for="ch" forName="text_1" refType="h" refFor="ch" refForName="text_1" op="gte"/>
-                <dgm:constr type="h" for="ch" forName="text_1" refType="h" refFor="ch" refForName="accent_1" fact="0.8"/>
-                <dgm:constr type="ctrY" for="ch" forName="text_1" refType="ctrY" refFor="ch" refForName="accent_1"/>
-                <dgm:constr type="rMarg" for="ch" forName="text_1" refType="w" refFor="ch" refForName="accent_1" fact="1.8"/>
-                <dgm:constr type="h" for="ch" forName="accent_2" refType="h" fact="0.1923"/>
-                <dgm:constr type="w" for="ch" forName="accent_2" refType="h" refFor="ch" refForName="accent_2" op="equ"/>
-                <dgm:constr type="ctrY" for="ch" forName="accent_2" refType="h" fact="0.3846"/>
-                <dgm:constr type="ctrX" for="ch" forName="accent_2" refType="w"/>
-                <dgm:constr type="ctrXOff" for="ch" forName="accent_2" refType="h" fact="-0.215"/>
-                <dgm:constr type="r" for="ch" forName="text_2" refType="ctrX" refFor="ch" refForName="accent_2"/>
-                <dgm:constr type="rOff" for="ch" forName="text_2" refType="ctrXOff" refFor="ch" refForName="accent_2"/>
-                <dgm:constr type="l" for="ch" forName="text_2"/>
-                <dgm:constr type="w" for="ch" forName="text_2" refType="h" refFor="ch" refForName="text_2" op="gte"/>
-                <dgm:constr type="h" for="ch" forName="text_2" refType="h" refFor="ch" refForName="accent_2" fact="0.8"/>
-                <dgm:constr type="ctrY" for="ch" forName="text_2" refType="ctrY" refFor="ch" refForName="accent_2"/>
-                <dgm:constr type="rMarg" for="ch" forName="text_2" refType="w" refFor="ch" refForName="accent_2" fact="1.8"/>
-                <dgm:constr type="h" for="ch" forName="accent_3" refType="h" fact="0.1923"/>
-                <dgm:constr type="w" for="ch" forName="accent_3" refType="h" refFor="ch" refForName="accent_3" op="equ"/>
-                <dgm:constr type="ctrY" for="ch" forName="accent_3" refType="h" fact="0.6154"/>
-                <dgm:constr type="ctrX" for="ch" forName="accent_3" refType="w"/>
-                <dgm:constr type="ctrXOff" for="ch" forName="accent_3" refType="h" fact="-0.215"/>
-                <dgm:constr type="r" for="ch" forName="text_3" refType="ctrX" refFor="ch" refForName="accent_3"/>
-                <dgm:constr type="rOff" for="ch" forName="text_3" refType="ctrXOff" refFor="ch" refForName="accent_3"/>
-                <dgm:constr type="l" for="ch" forName="text_3"/>
-                <dgm:constr type="w" for="ch" forName="text_3" refType="h" refFor="ch" refForName="text_3" op="gte"/>
-                <dgm:constr type="h" for="ch" forName="text_3" refType="h" refFor="ch" refForName="accent_3" fact="0.8"/>
-                <dgm:constr type="ctrY" for="ch" forName="text_3" refType="ctrY" refFor="ch" refForName="accent_3"/>
-                <dgm:constr type="rMarg" for="ch" forName="text_3" refType="w" refFor="ch" refForName="accent_3" fact="1.8"/>
-                <dgm:constr type="h" for="ch" forName="accent_4" refType="h" fact="0.1923"/>
-                <dgm:constr type="w" for="ch" forName="accent_4" refType="h" refFor="ch" refForName="accent_4" op="equ"/>
-                <dgm:constr type="ctrY" for="ch" forName="accent_4" refType="h" fact="0.8462"/>
-                <dgm:constr type="ctrX" for="ch" forName="accent_4" refType="w"/>
-                <dgm:constr type="ctrXOff" for="ch" forName="accent_4" refType="h" fact="-0.1268"/>
-                <dgm:constr type="r" for="ch" forName="text_4" refType="ctrX" refFor="ch" refForName="accent_4"/>
-                <dgm:constr type="rOff" for="ch" forName="text_4" refType="ctrXOff" refFor="ch" refForName="accent_4"/>
-                <dgm:constr type="l" for="ch" forName="text_4"/>
-                <dgm:constr type="w" for="ch" forName="text_4" refType="h" refFor="ch" refForName="text_4" op="gte"/>
-                <dgm:constr type="h" for="ch" forName="text_4" refType="h" refFor="ch" refForName="accent_4" fact="0.8"/>
-                <dgm:constr type="ctrY" for="ch" forName="text_4" refType="ctrY" refFor="ch" refForName="accent_4"/>
-                <dgm:constr type="rMarg" for="ch" forName="text_4" refType="w" refFor="ch" refForName="accent_4" fact="1.8"/>
-                <dgm:constr type="primFontSz" for="ch" ptType="node" op="equ" val="65"/>
-              </dgm:constrLst>
-            </dgm:if>
-            <dgm:if name="Name18" axis="ch" ptType="node" func="cnt" op="equ" val="5">
-              <dgm:constrLst>
-                <dgm:constr type="h" for="ch" forName="cycle" refType="h"/>
-                <dgm:constr type="w" for="ch" forName="cycle" refType="h" refFor="ch" refForName="cycle" fact="0.26"/>
-                <dgm:constr type="r" for="ch" forName="cycle" refType="w"/>
-                <dgm:constr type="ctrY" for="ch" forName="cycle" refType="h" fact="0.5"/>
-                <dgm:constr type="diam" for="ch" forName="cycle" refType="h" fact="1.344"/>
-                <dgm:constr type="h" for="ch" forName="accent_1" refType="h" fact="0.1563"/>
-                <dgm:constr type="w" for="ch" forName="accent_1" refType="h" refFor="ch" refForName="accent_1" op="equ"/>
-                <dgm:constr type="ctrY" for="ch" forName="accent_1" refType="h" fact="0.125"/>
-                <dgm:constr type="ctrX" for="ch" forName="accent_1" refType="w"/>
-                <dgm:constr type="ctrXOff" for="ch" forName="accent_1" refType="h" fact="-0.1082"/>
-                <dgm:constr type="r" for="ch" forName="text_1" refType="ctrX" refFor="ch" refForName="accent_1"/>
-                <dgm:constr type="rOff" for="ch" forName="text_1" refType="ctrXOff" refFor="ch" refForName="accent_1"/>
-                <dgm:constr type="l" for="ch" forName="text_1"/>
-                <dgm:constr type="w" for="ch" forName="text_1" refType="h" refFor="ch" refForName="text_1" op="gte"/>
-                <dgm:constr type="h" for="ch" forName="text_1" refType="h" refFor="ch" refForName="accent_1" fact="0.8"/>
-                <dgm:constr type="ctrY" for="ch" forName="text_1" refType="ctrY" refFor="ch" refForName="accent_1"/>
-                <dgm:constr type="rMarg" for="ch" forName="text_1" refType="w" refFor="ch" refForName="accent_1" fact="1.8"/>
-                <dgm:constr type="h" for="ch" forName="accent_2" refType="h" fact="0.1563"/>
-                <dgm:constr type="w" for="ch" forName="accent_2" refType="h" refFor="ch" refForName="accent_2" op="equ"/>
-                <dgm:constr type="ctrY" for="ch" forName="accent_2" refType="h" fact="0.3125"/>
-                <dgm:constr type="ctrX" for="ch" forName="accent_2" refType="w"/>
-                <dgm:constr type="ctrXOff" for="ch" forName="accent_2" refType="h" fact="-0.1978"/>
-                <dgm:constr type="r" for="ch" forName="text_2" refType="ctrX" refFor="ch" refForName="accent_2"/>
-                <dgm:constr type="rOff" for="ch" forName="text_2" refType="ctrXOff" refFor="ch" refForName="accent_2"/>
-                <dgm:constr type="l" for="ch" forName="text_2"/>
-                <dgm:constr type="w" for="ch" forName="text_2" refType="h" refFor="ch" refForName="text_2" op="gte"/>
-                <dgm:constr type="h" for="ch" forName="text_2" refType="h" refFor="ch" refForName="accent_2" fact="0.8"/>
-                <dgm:constr type="ctrY" for="ch" forName="text_2" refType="ctrY" refFor="ch" refForName="accent_2"/>
-                <dgm:constr type="rMarg" for="ch" forName="text_2" refType="w" refFor="ch" refForName="accent_2" fact="1.8"/>
-                <dgm:constr type="h" for="ch" forName="accent_3" refType="h" fact="0.1563"/>
-                <dgm:constr type="w" for="ch" forName="accent_3" refType="h" refFor="ch" refForName="accent_3" op="equ"/>
-                <dgm:constr type="ctrY" for="ch" forName="accent_3" refType="h" fact="0.5"/>
-                <dgm:constr type="ctrX" for="ch" forName="accent_3" refType="w"/>
-                <dgm:constr type="ctrXOff" for="ch" forName="accent_3" refType="h" fact="-0.2253"/>
-                <dgm:constr type="r" for="ch" forName="text_3" refType="ctrX" refFor="ch" refForName="accent_3"/>
-                <dgm:constr type="rOff" for="ch" forName="text_3" refType="ctrXOff" refFor="ch" refForName="accent_3"/>
-                <dgm:constr type="l" for="ch" forName="text_3"/>
-                <dgm:constr type="w" for="ch" forName="text_3" refType="h" refFor="ch" refForName="text_3" op="gte"/>
-                <dgm:constr type="h" for="ch" forName="text_3" refType="h" refFor="ch" refForName="accent_3" fact="0.8"/>
-                <dgm:constr type="ctrY" for="ch" forName="text_3" refType="ctrY" refFor="ch" refForName="accent_3"/>
-                <dgm:constr type="rMarg" for="ch" forName="text_3" refType="w" refFor="ch" refForName="accent_3" fact="1.8"/>
-                <dgm:constr type="h" for="ch" forName="accent_4" refType="h" fact="0.1563"/>
-                <dgm:constr type="w" for="ch" forName="accent_4" refType="h" refFor="ch" refForName="accent_4" op="equ"/>
-                <dgm:constr type="ctrY" for="ch" forName="accent_4" refType="h" fact="0.6875"/>
-                <dgm:constr type="ctrX" for="ch" forName="accent_4" refType="w"/>
-                <dgm:constr type="ctrXOff" for="ch" forName="accent_4" refType="h" fact="-0.1978"/>
-                <dgm:constr type="r" for="ch" forName="text_4" refType="ctrX" refFor="ch" refForName="accent_4"/>
-                <dgm:constr type="rOff" for="ch" forName="text_4" refType="ctrXOff" refFor="ch" refForName="accent_4"/>
-                <dgm:constr type="l" for="ch" forName="text_4"/>
-                <dgm:constr type="w" for="ch" forName="text_4" refType="h" refFor="ch" refForName="text_4" op="gte"/>
-                <dgm:constr type="h" for="ch" forName="text_4" refType="h" refFor="ch" refForName="accent_4" fact="0.8"/>
-                <dgm:constr type="ctrY" for="ch" forName="text_4" refType="ctrY" refFor="ch" refForName="accent_4"/>
-                <dgm:constr type="rMarg" for="ch" forName="text_4" refType="w" refFor="ch" refForName="accent_4" fact="1.8"/>
-                <dgm:constr type="h" for="ch" forName="accent_5" refType="h" fact="0.1563"/>
-                <dgm:constr type="w" for="ch" forName="accent_5" refType="h" refFor="ch" refForName="accent_5" op="equ"/>
-                <dgm:constr type="ctrY" for="ch" forName="accent_5" refType="h" fact="0.875"/>
-                <dgm:constr type="ctrX" for="ch" forName="accent_5" refType="w"/>
-                <dgm:constr type="ctrXOff" for="ch" forName="accent_5" refType="h" fact="-0.1082"/>
-                <dgm:constr type="r" for="ch" forName="text_5" refType="ctrX" refFor="ch" refForName="accent_5"/>
-                <dgm:constr type="rOff" for="ch" forName="text_5" refType="ctrXOff" refFor="ch" refForName="accent_5"/>
-                <dgm:constr type="l" for="ch" forName="text_5"/>
-                <dgm:constr type="w" for="ch" forName="text_5" refType="h" refFor="ch" refForName="text_5" op="gte"/>
-                <dgm:constr type="h" for="ch" forName="text_5" refType="h" refFor="ch" refForName="accent_5" fact="0.8"/>
-                <dgm:constr type="ctrY" for="ch" forName="text_5" refType="ctrY" refFor="ch" refForName="accent_5"/>
-                <dgm:constr type="rMarg" for="ch" forName="text_5" refType="w" refFor="ch" refForName="accent_5" fact="1.8"/>
-                <dgm:constr type="primFontSz" for="ch" ptType="node" op="equ" val="65"/>
-              </dgm:constrLst>
-            </dgm:if>
-            <dgm:if name="Name19" axis="ch" ptType="node" func="cnt" op="equ" val="6">
-              <dgm:constrLst>
-                <dgm:constr type="h" for="ch" forName="cycle" refType="h"/>
-                <dgm:constr type="w" for="ch" forName="cycle" refType="h" refFor="ch" refForName="cycle" fact="0.26"/>
-                <dgm:constr type="r" for="ch" forName="cycle" refType="w"/>
-                <dgm:constr type="ctrY" for="ch" forName="cycle" refType="h" fact="0.5"/>
-                <dgm:constr type="diam" for="ch" forName="cycle" refType="h" fact="1.344"/>
-                <dgm:constr type="h" for="ch" forName="accent_1" refType="h" fact="0.1316"/>
-                <dgm:constr type="w" for="ch" forName="accent_1" refType="h" refFor="ch" refForName="accent_1" op="equ"/>
-                <dgm:constr type="ctrY" for="ch" forName="accent_1" refType="h" fact="0.1053"/>
-                <dgm:constr type="ctrX" for="ch" forName="accent_1" refType="w"/>
-                <dgm:constr type="ctrXOff" for="ch" forName="accent_1" refType="h" fact="-0.0943"/>
-                <dgm:constr type="r" for="ch" forName="text_1" refType="ctrX" refFor="ch" refForName="accent_1"/>
-                <dgm:constr type="rOff" for="ch" forName="text_1" refType="ctrXOff" refFor="ch" refForName="accent_1"/>
-                <dgm:constr type="l" for="ch" forName="text_1"/>
-                <dgm:constr type="w" for="ch" forName="text_1" refType="h" refFor="ch" refForName="text_1" op="gte"/>
-                <dgm:constr type="h" for="ch" forName="text_1" refType="h" refFor="ch" refForName="accent_1" fact="0.8"/>
-                <dgm:constr type="ctrY" for="ch" forName="text_1" refType="ctrY" refFor="ch" refForName="accent_1"/>
-                <dgm:constr type="rMarg" for="ch" forName="text_1" refType="w" refFor="ch" refForName="accent_1" fact="1.8"/>
-                <dgm:constr type="h" for="ch" forName="accent_2" refType="h" fact="0.1316"/>
-                <dgm:constr type="w" for="ch" forName="accent_2" refType="h" refFor="ch" refForName="accent_2" op="equ"/>
-                <dgm:constr type="ctrY" for="ch" forName="accent_2" refType="h" fact="0.2632"/>
-                <dgm:constr type="ctrX" for="ch" forName="accent_2" refType="w"/>
-                <dgm:constr type="ctrXOff" for="ch" forName="accent_2" refType="h" fact="-0.1809"/>
-                <dgm:constr type="r" for="ch" forName="text_2" refType="ctrX" refFor="ch" refForName="accent_2"/>
-                <dgm:constr type="rOff" for="ch" forName="text_2" refType="ctrXOff" refFor="ch" refForName="accent_2"/>
-                <dgm:constr type="l" for="ch" forName="text_2"/>
-                <dgm:constr type="w" for="ch" forName="text_2" refType="h" refFor="ch" refForName="text_2" op="gte"/>
-                <dgm:constr type="h" for="ch" forName="text_2" refType="h" refFor="ch" refForName="accent_2" fact="0.8"/>
-                <dgm:constr type="ctrY" for="ch" forName="text_2" refType="ctrY" refFor="ch" refForName="accent_2"/>
-                <dgm:constr type="rMarg" for="ch" forName="text_2" refType="w" refFor="ch" refForName="accent_2" fact="1.8"/>
-                <dgm:constr type="h" for="ch" forName="accent_3" refType="h" fact="0.1316"/>
-                <dgm:constr type="w" for="ch" forName="accent_3" refType="h" refFor="ch" refForName="accent_3" op="equ"/>
-                <dgm:constr type="ctrY" for="ch" forName="accent_3" refType="h" fact="0.4211"/>
-                <dgm:constr type="ctrX" for="ch" forName="accent_3" refType="w"/>
-                <dgm:constr type="ctrXOff" for="ch" forName="accent_3" refType="h" fact="-0.2205"/>
-                <dgm:constr type="r" for="ch" forName="text_3" refType="ctrX" refFor="ch" refForName="accent_3"/>
-                <dgm:constr type="rOff" for="ch" forName="text_3" refType="ctrXOff" refFor="ch" refForName="accent_3"/>
-                <dgm:constr type="l" for="ch" forName="text_3"/>
-                <dgm:constr type="w" for="ch" forName="text_3" refType="h" refFor="ch" refForName="text_3" op="gte"/>
-                <dgm:constr type="h" for="ch" forName="text_3" refType="h" refFor="ch" refForName="accent_3" fact="0.8"/>
-                <dgm:constr type="ctrY" for="ch" forName="text_3" refType="ctrY" refFor="ch" refForName="accent_3"/>
-                <dgm:constr type="rMarg" for="ch" forName="text_3" refType="w" refFor="ch" refForName="accent_3" fact="1.8"/>
-                <dgm:constr type="h" for="ch" forName="accent_4" refType="h" fact="0.1316"/>
-                <dgm:constr type="w" for="ch" forName="accent_4" refType="h" refFor="ch" refForName="accent_4" op="equ"/>
-                <dgm:constr type="ctrY" for="ch" forName="accent_4" refType="h" fact="0.5789"/>
-                <dgm:constr type="ctrX" for="ch" forName="accent_4" refType="w"/>
-                <dgm:constr type="ctrXOff" for="ch" forName="accent_4" refType="h" fact="-0.2205"/>
-                <dgm:constr type="r" for="ch" forName="text_4" refType="ctrX" refFor="ch" refForName="accent_4"/>
-                <dgm:constr type="rOff" for="ch" forName="text_4" refType="ctrXOff" refFor="ch" refForName="accent_4"/>
-                <dgm:constr type="l" for="ch" forName="text_4"/>
-                <dgm:constr type="w" for="ch" forName="text_4" refType="h" refFor="ch" refForName="text_4" op="gte"/>
-                <dgm:constr type="h" for="ch" forName="text_4" refType="h" refFor="ch" refForName="accent_4" fact="0.8"/>
-                <dgm:constr type="ctrY" for="ch" forName="text_4" refType="ctrY" refFor="ch" refForName="accent_4"/>
-                <dgm:constr type="rMarg" for="ch" forName="text_4" refType="w" refFor="ch" refForName="accent_4" fact="1.8"/>
-                <dgm:constr type="h" for="ch" forName="accent_5" refType="h" fact="0.1316"/>
-                <dgm:constr type="w" for="ch" forName="accent_5" refType="h" refFor="ch" refForName="accent_5" op="equ"/>
-                <dgm:constr type="ctrY" for="ch" forName="accent_5" refType="h" fact="0.7368"/>
-                <dgm:constr type="ctrX" for="ch" forName="accent_5" refType="w"/>
-                <dgm:constr type="ctrXOff" for="ch" forName="accent_5" refType="h" fact="-0.1809"/>
-                <dgm:constr type="r" for="ch" forName="text_5" refType="ctrX" refFor="ch" refForName="accent_5"/>
-                <dgm:constr type="rOff" for="ch" forName="text_5" refType="ctrXOff" refFor="ch" refForName="accent_5"/>
-                <dgm:constr type="l" for="ch" forName="text_5"/>
-                <dgm:constr type="w" for="ch" forName="text_5" refType="h" refFor="ch" refForName="text_5" op="gte"/>
-                <dgm:constr type="h" for="ch" forName="text_5" refType="h" refFor="ch" refForName="accent_5" fact="0.8"/>
-                <dgm:constr type="ctrY" for="ch" forName="text_5" refType="ctrY" refFor="ch" refForName="accent_5"/>
-                <dgm:constr type="rMarg" for="ch" forName="text_5" refType="w" refFor="ch" refForName="accent_5" fact="1.8"/>
-                <dgm:constr type="h" for="ch" forName="accent_6" refType="h" fact="0.1316"/>
-                <dgm:constr type="w" for="ch" forName="accent_6" refType="h" refFor="ch" refForName="accent_6" op="equ"/>
-                <dgm:constr type="ctrY" for="ch" forName="accent_6" refType="h" fact="0.8947"/>
-                <dgm:constr type="ctrX" for="ch" forName="accent_6" refType="w"/>
-                <dgm:constr type="ctrXOff" for="ch" forName="accent_6" refType="h" fact="-0.0943"/>
-                <dgm:constr type="r" for="ch" forName="text_6" refType="ctrX" refFor="ch" refForName="accent_6"/>
-                <dgm:constr type="rOff" for="ch" forName="text_6" refType="ctrXOff" refFor="ch" refForName="accent_6"/>
-                <dgm:constr type="l" for="ch" forName="text_6"/>
-                <dgm:constr type="w" for="ch" forName="text_6" refType="h" refFor="ch" refForName="text_6" op="gte"/>
-                <dgm:constr type="h" for="ch" forName="text_6" refType="h" refFor="ch" refForName="accent_6" fact="0.8"/>
-                <dgm:constr type="ctrY" for="ch" forName="text_6" refType="ctrY" refFor="ch" refForName="accent_6"/>
-                <dgm:constr type="rMarg" for="ch" forName="text_6" refType="w" refFor="ch" refForName="accent_6" fact="1.8"/>
-                <dgm:constr type="primFontSz" for="ch" ptType="node" op="equ" val="65"/>
-              </dgm:constrLst>
-            </dgm:if>
-            <dgm:else name="Name20">
-              <dgm:constrLst>
-                <dgm:constr type="h" for="ch" forName="cycle" refType="h"/>
-                <dgm:constr type="w" for="ch" forName="cycle" refType="h" refFor="ch" refForName="cycle" fact="0.26"/>
-                <dgm:constr type="r" for="ch" forName="cycle" refType="w"/>
-                <dgm:constr type="ctrY" for="ch" forName="cycle" refType="h" fact="0.5"/>
-                <dgm:constr type="diam" for="ch" forName="cycle" refType="h" fact="1.344"/>
-                <dgm:constr type="h" for="ch" forName="accent_1" refType="h" fact="0.1136"/>
-                <dgm:constr type="w" for="ch" forName="accent_1" refType="h" refFor="ch" refForName="accent_1" op="equ"/>
-                <dgm:constr type="ctrY" for="ch" forName="accent_1" refType="h" fact="0.0909"/>
-                <dgm:constr type="ctrX" for="ch" forName="accent_1" refType="w"/>
-                <dgm:constr type="ctrXOff" for="ch" forName="accent_1" refType="h" fact="-0.0835"/>
-                <dgm:constr type="r" for="ch" forName="text_1" refType="ctrX" refFor="ch" refForName="accent_1"/>
-                <dgm:constr type="rOff" for="ch" forName="text_1" refType="ctrXOff" refFor="ch" refForName="accent_1"/>
-                <dgm:constr type="l" for="ch" forName="text_1"/>
-                <dgm:constr type="w" for="ch" forName="text_1" refType="h" refFor="ch" refForName="text_1" op="gte"/>
-                <dgm:constr type="h" for="ch" forName="text_1" refType="h" refFor="ch" refForName="accent_1" fact="0.8"/>
-                <dgm:constr type="ctrY" for="ch" forName="text_1" refType="ctrY" refFor="ch" refForName="accent_1"/>
-                <dgm:constr type="rMarg" for="ch" forName="text_1" refType="w" refFor="ch" refForName="accent_1" fact="1.8"/>
-                <dgm:constr type="h" for="ch" forName="accent_2" refType="h" fact="0.1136"/>
-                <dgm:constr type="w" for="ch" forName="accent_2" refType="h" refFor="ch" refForName="accent_2" op="equ"/>
-                <dgm:constr type="ctrY" for="ch" forName="accent_2" refType="h" fact="0.2273"/>
-                <dgm:constr type="ctrX" for="ch" forName="accent_2" refType="w"/>
-                <dgm:constr type="ctrXOff" for="ch" forName="accent_2" refType="h" fact="-0.1658"/>
-                <dgm:constr type="r" for="ch" forName="text_2" refType="ctrX" refFor="ch" refForName="accent_2"/>
-                <dgm:constr type="rOff" for="ch" forName="text_2" refType="ctrXOff" refFor="ch" refForName="accent_2"/>
-                <dgm:constr type="l" for="ch" forName="text_2"/>
-                <dgm:constr type="w" for="ch" forName="text_2" refType="h" refFor="ch" refForName="text_2" op="gte"/>
-                <dgm:constr type="h" for="ch" forName="text_2" refType="h" refFor="ch" refForName="accent_2" fact="0.8"/>
-                <dgm:constr type="ctrY" for="ch" forName="text_2" refType="ctrY" refFor="ch" refForName="accent_2"/>
-                <dgm:constr type="rMarg" for="ch" forName="text_2" refType="w" refFor="ch" refForName="accent_2" fact="1.8"/>
-                <dgm:constr type="h" for="ch" forName="accent_3" refType="h" fact="0.1136"/>
-                <dgm:constr type="w" for="ch" forName="accent_3" refType="h" refFor="ch" refForName="accent_3" op="equ"/>
-                <dgm:constr type="ctrY" for="ch" forName="accent_3" refType="h" fact="0.3636"/>
-                <dgm:constr type="ctrX" for="ch" forName="accent_3" refType="w"/>
-                <dgm:constr type="ctrXOff" for="ch" forName="accent_3" refType="h" fact="-0.2109"/>
-                <dgm:constr type="r" for="ch" forName="text_3" refType="ctrX" refFor="ch" refForName="accent_3"/>
-                <dgm:constr type="rOff" for="ch" forName="text_3" refType="ctrXOff" refFor="ch" refForName="accent_3"/>
-                <dgm:constr type="l" for="ch" forName="text_3"/>
-                <dgm:constr type="w" for="ch" forName="text_3" refType="h" refFor="ch" refForName="text_3" op="gte"/>
-                <dgm:constr type="h" for="ch" forName="text_3" refType="h" refFor="ch" refForName="accent_3" fact="0.8"/>
-                <dgm:constr type="ctrY" for="ch" forName="text_3" refType="ctrY" refFor="ch" refForName="accent_3"/>
-                <dgm:constr type="rMarg" for="ch" forName="text_3" refType="w" refFor="ch" refForName="accent_3" fact="1.8"/>
-                <dgm:constr type="h" for="ch" forName="accent_4" refType="h" fact="0.1136"/>
-                <dgm:constr type="w" for="ch" forName="accent_4" refType="h" refFor="ch" refForName="accent_4" op="equ"/>
-                <dgm:constr type="ctrY" for="ch" forName="accent_4" refType="h" fact="0.5"/>
-                <dgm:constr type="ctrX" for="ch" forName="accent_4" refType="w"/>
-                <dgm:constr type="ctrXOff" for="ch" forName="accent_4" refType="h" fact="-0.2253"/>
-                <dgm:constr type="r" for="ch" forName="text_4" refType="ctrX" refFor="ch" refForName="accent_4"/>
-                <dgm:constr type="rOff" for="ch" forName="text_4" refType="ctrXOff" refFor="ch" refForName="accent_4"/>
-                <dgm:constr type="l" for="ch" forName="text_4"/>
-                <dgm:constr type="w" for="ch" forName="text_4" refType="h" refFor="ch" refForName="text_4" op="gte"/>
-                <dgm:constr type="h" for="ch" forName="text_4" refType="h" refFor="ch" refForName="accent_4" fact="0.8"/>
-                <dgm:constr type="ctrY" for="ch" forName="text_4" refType="ctrY" refFor="ch" refForName="accent_4"/>
-                <dgm:constr type="rMarg" for="ch" forName="text_4" refType="w" refFor="ch" refForName="accent_4" fact="1.8"/>
-                <dgm:constr type="h" for="ch" forName="accent_5" refType="h" fact="0.1136"/>
-                <dgm:constr type="w" for="ch" forName="accent_5" refType="h" refFor="ch" refForName="accent_5" op="equ"/>
-                <dgm:constr type="ctrY" for="ch" forName="accent_5" refType="h" fact="0.6364"/>
-                <dgm:constr type="ctrX" for="ch" forName="accent_5" refType="w"/>
-                <dgm:constr type="ctrXOff" for="ch" forName="accent_5" refType="h" fact="-0.2109"/>
-                <dgm:constr type="r" for="ch" forName="text_5" refType="ctrX" refFor="ch" refForName="accent_5"/>
-                <dgm:constr type="rOff" for="ch" forName="text_5" refType="ctrXOff" refFor="ch" refForName="accent_5"/>
-                <dgm:constr type="l" for="ch" forName="text_5"/>
-                <dgm:constr type="w" for="ch" forName="text_5" refType="h" refFor="ch" refForName="text_5" op="gte"/>
-                <dgm:constr type="h" for="ch" forName="text_5" refType="h" refFor="ch" refForName="accent_5" fact="0.8"/>
-                <dgm:constr type="ctrY" for="ch" forName="text_5" refType="ctrY" refFor="ch" refForName="accent_5"/>
-                <dgm:constr type="rMarg" for="ch" forName="text_5" refType="w" refFor="ch" refForName="accent_5" fact="1.8"/>
-                <dgm:constr type="h" for="ch" forName="accent_6" refType="h" fact="0.1136"/>
-                <dgm:constr type="w" for="ch" forName="accent_6" refType="h" refFor="ch" refForName="accent_6" op="equ"/>
-                <dgm:constr type="ctrY" for="ch" forName="accent_6" refType="h" fact="0.7727"/>
-                <dgm:constr type="ctrX" for="ch" forName="accent_6" refType="w"/>
-                <dgm:constr type="ctrXOff" for="ch" forName="accent_6" refType="h" fact="-0.1658"/>
-                <dgm:constr type="r" for="ch" forName="text_6" refType="ctrX" refFor="ch" refForName="accent_6"/>
-                <dgm:constr type="rOff" for="ch" forName="text_6" refType="ctrXOff" refFor="ch" refForName="accent_6"/>
-                <dgm:constr type="l" for="ch" forName="text_6"/>
-                <dgm:constr type="w" for="ch" forName="text_6" refType="h" refFor="ch" refForName="text_6" op="gte"/>
-                <dgm:constr type="h" for="ch" forName="text_6" refType="h" refFor="ch" refForName="accent_6" fact="0.8"/>
-                <dgm:constr type="ctrY" for="ch" forName="text_6" refType="ctrY" refFor="ch" refForName="accent_6"/>
-                <dgm:constr type="rMarg" for="ch" forName="text_6" refType="w" refFor="ch" refForName="accent_6" fact="1.8"/>
-                <dgm:constr type="h" for="ch" forName="accent_7" refType="h" fact="0.1136"/>
-                <dgm:constr type="w" for="ch" forName="accent_7" refType="h" refFor="ch" refForName="accent_7" op="equ"/>
-                <dgm:constr type="ctrY" for="ch" forName="accent_7" refType="h" fact="0.9091"/>
-                <dgm:constr type="ctrX" for="ch" forName="accent_7" refType="w"/>
-                <dgm:constr type="ctrXOff" for="ch" forName="accent_7" refType="h" fact="-0.0835"/>
-                <dgm:constr type="r" for="ch" forName="text_7" refType="ctrX" refFor="ch" refForName="accent_7"/>
-                <dgm:constr type="rOff" for="ch" forName="text_7" refType="ctrXOff" refFor="ch" refForName="accent_7"/>
-                <dgm:constr type="l" for="ch" forName="text_7"/>
-                <dgm:constr type="w" for="ch" forName="text_7" refType="h" refFor="ch" refForName="text_7" op="gte"/>
-                <dgm:constr type="h" for="ch" forName="text_7" refType="h" refFor="ch" refForName="accent_7" fact="0.8"/>
-                <dgm:constr type="ctrY" for="ch" forName="text_7" refType="ctrY" refFor="ch" refForName="accent_7"/>
-                <dgm:constr type="rMarg" for="ch" forName="text_7" refType="w" refFor="ch" refForName="accent_7" fact="1.8"/>
-                <dgm:constr type="primFontSz" for="ch" ptType="node" op="equ" val="65"/>
-              </dgm:constrLst>
-            </dgm:else>
-          </dgm:choose>
-        </dgm:else>
-      </dgm:choose>
-      <dgm:layoutNode name="cycle">
-        <dgm:choose name="Name21">
-          <dgm:if name="Name22" func="var" arg="dir" op="equ" val="norm">
-            <dgm:alg type="cycle">
-              <dgm:param type="stAng" val="45"/>
-              <dgm:param type="spanAng" val="90"/>
-            </dgm:alg>
-          </dgm:if>
-          <dgm:else name="Name23">
-            <dgm:alg type="cycle">
-              <dgm:param type="stAng" val="225"/>
-              <dgm:param type="spanAng" val="90"/>
-            </dgm:alg>
-          </dgm:else>
-        </dgm:choose>
-        <dgm:shape xmlns:r="http://schemas.openxmlformats.org/officeDocument/2006/relationships" r:blip="">
-          <dgm:adjLst/>
-        </dgm:shape>
-        <dgm:presOf/>
-        <dgm:constrLst>
-          <dgm:constr type="w" for="ch" val="1"/>
-          <dgm:constr type="h" for="ch" val="1"/>
-          <dgm:constr type="diam" for="ch" forName="conn" refType="diam"/>
-        </dgm:constrLst>
-        <dgm:layoutNode name="srcNode">
-          <dgm:alg type="sp"/>
-          <dgm:shape xmlns:r="http://schemas.openxmlformats.org/officeDocument/2006/relationships" type="rect" r:blip="" hideGeom="1">
-            <dgm:adjLst/>
-          </dgm:shape>
-          <dgm:presOf/>
-        </dgm:layoutNode>
-        <dgm:layoutNode name="conn" styleLbl="parChTrans1D2">
-          <dgm:alg type="conn">
-            <dgm:param type="connRout" val="curve"/>
-            <dgm:param type="srcNode" val="srcNode"/>
-            <dgm:param type="dstNode" val="dstNode"/>
-            <dgm:param type="begPts" val="ctr"/>
-            <dgm:param type="endPts" val="ctr"/>
-            <dgm:param type="endSty" val="noArr"/>
-          </dgm:alg>
-          <dgm:shape xmlns:r="http://schemas.openxmlformats.org/officeDocument/2006/relationships" type="conn" r:blip="">
-            <dgm:adjLst/>
-          </dgm:shape>
-          <dgm:presOf axis="desOrSelf" ptType="sibTrans" hideLastTrans="0" st="0" cnt="1"/>
-          <dgm:constrLst>
-            <dgm:constr type="begPad"/>
-            <dgm:constr type="endPad"/>
-          </dgm:constrLst>
-        </dgm:layoutNode>
-        <dgm:layoutNode name="extraNode">
-          <dgm:alg type="sp"/>
-          <dgm:shape xmlns:r="http://schemas.openxmlformats.org/officeDocument/2006/relationships" type="rect" r:blip="" hideGeom="1">
-            <dgm:adjLst/>
-          </dgm:shape>
-          <dgm:presOf/>
-        </dgm:layoutNode>
-        <dgm:layoutNode name="dstNode">
-          <dgm:alg type="sp"/>
-          <dgm:shape xmlns:r="http://schemas.openxmlformats.org/officeDocument/2006/relationships" type="rect" r:blip="" hideGeom="1">
-            <dgm:adjLst/>
-          </dgm:shape>
-          <dgm:presOf/>
-        </dgm:layoutNode>
-      </dgm:layoutNode>
-      <dgm:forEach name="wrapper" axis="self" ptType="parTrans">
-        <dgm:forEach name="wrapper2" axis="self" ptType="sibTrans" st="2">
-          <dgm:forEach name="accentRepeat" axis="self">
-            <dgm:layoutNode name="accentRepeatNode" styleLbl="solidFgAcc1">
-              <dgm:alg type="sp"/>
-              <dgm:shape xmlns:r="http://schemas.openxmlformats.org/officeDocument/2006/relationships" type="ellipse" r:blip="">
-                <dgm:adjLst/>
-              </dgm:shape>
-              <dgm:presOf/>
-            </dgm:layoutNode>
-          </dgm:forEach>
-        </dgm:forEach>
-      </dgm:forEach>
-      <dgm:forEach name="Name24" axis="ch" ptType="node" cnt="1">
-        <dgm:layoutNode name="text_1" styleLbl="node1">
-          <dgm:varLst>
-            <dgm:bulletEnabled val="1"/>
-          </dgm:varLst>
-          <dgm:choose name="Name25">
-            <dgm:if name="Name26" func="var" arg="dir" op="equ" val="norm">
-              <dgm:alg type="tx">
-                <dgm:param type="parTxLTRAlign" val="l"/>
-                <dgm:param type="shpTxLTRAlignCh" val="l"/>
-                <dgm:param type="parTxRTLAlign" val="l"/>
-                <dgm:param type="shpTxRTLAlignCh" val="l"/>
-              </dgm:alg>
-            </dgm:if>
-            <dgm:else name="Name27">
-              <dgm:alg type="tx">
-                <dgm:param type="parTxLTRAlign" val="r"/>
-                <dgm:param type="shpTxLTRAlignCh" val="r"/>
-                <dgm:param type="parTxRTLAlign" val="r"/>
-                <dgm:param type="shpTxRTLAlignCh" val="r"/>
-              </dgm:alg>
-            </dgm:else>
-          </dgm:choose>
-          <dgm:shape xmlns:r="http://schemas.openxmlformats.org/officeDocument/2006/relationships" type="rect" r:blip="">
-            <dgm:adjLst/>
-          </dgm:shape>
-          <dgm:presOf axis="desOrSelf" ptType="node"/>
-          <dgm:constrLst>
-            <dgm:constr type="primFontSz" val="65"/>
-            <dgm:constr type="lMarg" refType="primFontSz" fact="0.2"/>
-            <dgm:constr type="rMarg" refType="primFontSz" fact="0.2"/>
-            <dgm:constr type="tMarg" refType="primFontSz" fact="0.2"/>
-            <dgm:constr type="bMarg" refType="primFontSz" fact="0.2"/>
-          </dgm:constrLst>
-          <dgm:ruleLst>
-            <dgm:rule type="primFontSz" val="5" fact="NaN" max="NaN"/>
-          </dgm:ruleLst>
-        </dgm:layoutNode>
-        <dgm:layoutNode name="accent_1">
-          <dgm:alg type="sp"/>
-          <dgm:shape xmlns:r="http://schemas.openxmlformats.org/officeDocument/2006/relationships" r:blip="">
-            <dgm:adjLst/>
-          </dgm:shape>
-          <dgm:presOf/>
-          <dgm:constrLst/>
-          <dgm:forEach name="Name28" ref="accentRepeat"/>
-        </dgm:layoutNode>
-      </dgm:forEach>
-      <dgm:forEach name="Name29" axis="ch" ptType="node" st="2" cnt="1">
-        <dgm:layoutNode name="text_2" styleLbl="node1">
-          <dgm:varLst>
-            <dgm:bulletEnabled val="1"/>
-          </dgm:varLst>
-          <dgm:choose name="Name30">
-            <dgm:if name="Name31" func="var" arg="dir" op="equ" val="norm">
-              <dgm:alg type="tx">
-                <dgm:param type="parTxLTRAlign" val="l"/>
-                <dgm:param type="shpTxLTRAlignCh" val="l"/>
-                <dgm:param type="parTxRTLAlign" val="l"/>
-                <dgm:param type="shpTxRTLAlignCh" val="l"/>
-              </dgm:alg>
-            </dgm:if>
-            <dgm:else name="Name32">
-              <dgm:alg type="tx">
-                <dgm:param type="parTxLTRAlign" val="r"/>
-                <dgm:param type="shpTxLTRAlignCh" val="r"/>
-                <dgm:param type="parTxRTLAlign" val="r"/>
-                <dgm:param type="shpTxRTLAlignCh" val="r"/>
-              </dgm:alg>
-            </dgm:else>
-          </dgm:choose>
-          <dgm:shape xmlns:r="http://schemas.openxmlformats.org/officeDocument/2006/relationships" type="rect" r:blip="">
-            <dgm:adjLst/>
-          </dgm:shape>
-          <dgm:presOf axis="desOrSelf" ptType="node"/>
-          <dgm:constrLst>
-            <dgm:constr type="primFontSz" val="65"/>
-            <dgm:constr type="lMarg" refType="primFontSz" fact="0.2"/>
-            <dgm:constr type="rMarg" refType="primFontSz" fact="0.2"/>
-            <dgm:constr type="tMarg" refType="primFontSz" fact="0.2"/>
-            <dgm:constr type="bMarg" refType="primFontSz" fact="0.2"/>
-          </dgm:constrLst>
-          <dgm:ruleLst>
-            <dgm:rule type="primFontSz" val="5" fact="NaN" max="NaN"/>
-          </dgm:ruleLst>
-        </dgm:layoutNode>
-        <dgm:layoutNode name="accent_2">
-          <dgm:alg type="sp"/>
-          <dgm:shape xmlns:r="http://schemas.openxmlformats.org/officeDocument/2006/relationships" r:blip="">
-            <dgm:adjLst/>
-          </dgm:shape>
-          <dgm:presOf/>
-          <dgm:constrLst/>
-          <dgm:forEach name="Name33" ref="accentRepeat"/>
-        </dgm:layoutNode>
-      </dgm:forEach>
-      <dgm:forEach name="Name34" axis="ch" ptType="node" st="3" cnt="1">
-        <dgm:layoutNode name="text_3" styleLbl="node1">
-          <dgm:varLst>
-            <dgm:bulletEnabled val="1"/>
-          </dgm:varLst>
-          <dgm:choose name="Name35">
-            <dgm:if name="Name36" func="var" arg="dir" op="equ" val="norm">
-              <dgm:alg type="tx">
-                <dgm:param type="parTxLTRAlign" val="l"/>
-                <dgm:param type="shpTxLTRAlignCh" val="l"/>
-                <dgm:param type="parTxRTLAlign" val="l"/>
-                <dgm:param type="shpTxRTLAlignCh" val="l"/>
-              </dgm:alg>
-            </dgm:if>
-            <dgm:else name="Name37">
-              <dgm:alg type="tx">
-                <dgm:param type="parTxLTRAlign" val="r"/>
-                <dgm:param type="shpTxLTRAlignCh" val="r"/>
-                <dgm:param type="parTxRTLAlign" val="r"/>
-                <dgm:param type="shpTxRTLAlignCh" val="r"/>
-              </dgm:alg>
-            </dgm:else>
-          </dgm:choose>
-          <dgm:shape xmlns:r="http://schemas.openxmlformats.org/officeDocument/2006/relationships" type="rect" r:blip="">
-            <dgm:adjLst/>
-          </dgm:shape>
-          <dgm:presOf axis="desOrSelf" ptType="node"/>
-          <dgm:constrLst>
-            <dgm:constr type="primFontSz" val="65"/>
-            <dgm:constr type="lMarg" refType="primFontSz" fact="0.2"/>
-            <dgm:constr type="rMarg" refType="primFontSz" fact="0.2"/>
-            <dgm:constr type="tMarg" refType="primFontSz" fact="0.2"/>
-            <dgm:constr type="bMarg" refType="primFontSz" fact="0.2"/>
-          </dgm:constrLst>
-          <dgm:ruleLst>
-            <dgm:rule type="primFontSz" val="5" fact="NaN" max="NaN"/>
-          </dgm:ruleLst>
-        </dgm:layoutNode>
-        <dgm:layoutNode name="accent_3">
-          <dgm:alg type="sp"/>
-          <dgm:shape xmlns:r="http://schemas.openxmlformats.org/officeDocument/2006/relationships" r:blip="">
-            <dgm:adjLst/>
-          </dgm:shape>
-          <dgm:presOf/>
-          <dgm:constrLst/>
-          <dgm:forEach name="Name38" ref="accentRepeat"/>
-        </dgm:layoutNode>
-      </dgm:forEach>
-      <dgm:forEach name="Name39" axis="ch" ptType="node" st="4" cnt="1">
-        <dgm:layoutNode name="text_4" styleLbl="node1">
-          <dgm:varLst>
-            <dgm:bulletEnabled val="1"/>
-          </dgm:varLst>
-          <dgm:choose name="Name40">
-            <dgm:if name="Name41" func="var" arg="dir" op="equ" val="norm">
-              <dgm:alg type="tx">
-                <dgm:param type="parTxLTRAlign" val="l"/>
-                <dgm:param type="shpTxLTRAlignCh" val="l"/>
-                <dgm:param type="parTxRTLAlign" val="l"/>
-                <dgm:param type="shpTxRTLAlignCh" val="l"/>
-              </dgm:alg>
-            </dgm:if>
-            <dgm:else name="Name42">
-              <dgm:alg type="tx">
-                <dgm:param type="parTxLTRAlign" val="r"/>
-                <dgm:param type="shpTxLTRAlignCh" val="r"/>
-                <dgm:param type="parTxRTLAlign" val="r"/>
-                <dgm:param type="shpTxRTLAlignCh" val="r"/>
-              </dgm:alg>
-            </dgm:else>
-          </dgm:choose>
-          <dgm:shape xmlns:r="http://schemas.openxmlformats.org/officeDocument/2006/relationships" type="rect" r:blip="">
-            <dgm:adjLst/>
-          </dgm:shape>
-          <dgm:presOf axis="desOrSelf" ptType="node"/>
-          <dgm:constrLst>
-            <dgm:constr type="primFontSz" val="65"/>
-            <dgm:constr type="lMarg" refType="primFontSz" fact="0.2"/>
-            <dgm:constr type="rMarg" refType="primFontSz" fact="0.2"/>
-            <dgm:constr type="tMarg" refType="primFontSz" fact="0.2"/>
-            <dgm:constr type="bMarg" refType="primFontSz" fact="0.2"/>
-          </dgm:constrLst>
-          <dgm:ruleLst>
-            <dgm:rule type="primFontSz" val="5" fact="NaN" max="NaN"/>
-          </dgm:ruleLst>
-        </dgm:layoutNode>
-        <dgm:layoutNode name="accent_4">
-          <dgm:alg type="sp"/>
-          <dgm:shape xmlns:r="http://schemas.openxmlformats.org/officeDocument/2006/relationships" r:blip="">
-            <dgm:adjLst/>
-          </dgm:shape>
-          <dgm:presOf/>
-          <dgm:constrLst/>
-          <dgm:forEach name="Name43" ref="accentRepeat"/>
-        </dgm:layoutNode>
-      </dgm:forEach>
-      <dgm:forEach name="Name44" axis="ch" ptType="node" st="5" cnt="1">
-        <dgm:layoutNode name="text_5" styleLbl="node1">
-          <dgm:varLst>
-            <dgm:bulletEnabled val="1"/>
-          </dgm:varLst>
-          <dgm:choose name="Name45">
-            <dgm:if name="Name46" func="var" arg="dir" op="equ" val="norm">
-              <dgm:alg type="tx">
-                <dgm:param type="parTxLTRAlign" val="l"/>
-                <dgm:param type="shpTxLTRAlignCh" val="l"/>
-                <dgm:param type="parTxRTLAlign" val="l"/>
-                <dgm:param type="shpTxRTLAlignCh" val="l"/>
-              </dgm:alg>
-            </dgm:if>
-            <dgm:else name="Name47">
-              <dgm:alg type="tx">
-                <dgm:param type="parTxLTRAlign" val="r"/>
-                <dgm:param type="shpTxLTRAlignCh" val="r"/>
-                <dgm:param type="parTxRTLAlign" val="r"/>
-                <dgm:param type="shpTxRTLAlignCh" val="r"/>
-              </dgm:alg>
-            </dgm:else>
-          </dgm:choose>
-          <dgm:shape xmlns:r="http://schemas.openxmlformats.org/officeDocument/2006/relationships" type="rect" r:blip="">
-            <dgm:adjLst/>
-          </dgm:shape>
-          <dgm:presOf axis="desOrSelf" ptType="node"/>
-          <dgm:constrLst>
-            <dgm:constr type="primFontSz" val="65"/>
-            <dgm:constr type="lMarg" refType="primFontSz" fact="0.2"/>
-            <dgm:constr type="rMarg" refType="primFontSz" fact="0.2"/>
-            <dgm:constr type="tMarg" refType="primFontSz" fact="0.2"/>
-            <dgm:constr type="bMarg" refType="primFontSz" fact="0.2"/>
-          </dgm:constrLst>
-          <dgm:ruleLst>
-            <dgm:rule type="primFontSz" val="5" fact="NaN" max="NaN"/>
-          </dgm:ruleLst>
-        </dgm:layoutNode>
-        <dgm:layoutNode name="accent_5">
-          <dgm:alg type="sp"/>
-          <dgm:shape xmlns:r="http://schemas.openxmlformats.org/officeDocument/2006/relationships" r:blip="">
-            <dgm:adjLst/>
-          </dgm:shape>
-          <dgm:presOf/>
-          <dgm:constrLst/>
-          <dgm:forEach name="Name48" ref="accentRepeat"/>
-        </dgm:layoutNode>
-      </dgm:forEach>
-      <dgm:forEach name="Name49" axis="ch" ptType="node" st="6" cnt="1">
-        <dgm:layoutNode name="text_6" styleLbl="node1">
-          <dgm:varLst>
-            <dgm:bulletEnabled val="1"/>
-          </dgm:varLst>
-          <dgm:choose name="Name50">
-            <dgm:if name="Name51" func="var" arg="dir" op="equ" val="norm">
-              <dgm:alg type="tx">
-                <dgm:param type="parTxLTRAlign" val="l"/>
-                <dgm:param type="shpTxLTRAlignCh" val="l"/>
-                <dgm:param type="parTxRTLAlign" val="l"/>
-                <dgm:param type="shpTxRTLAlignCh" val="l"/>
-              </dgm:alg>
-            </dgm:if>
-            <dgm:else name="Name52">
-              <dgm:alg type="tx">
-                <dgm:param type="parTxLTRAlign" val="r"/>
-                <dgm:param type="shpTxLTRAlignCh" val="r"/>
-                <dgm:param type="parTxRTLAlign" val="r"/>
-                <dgm:param type="shpTxRTLAlignCh" val="r"/>
-              </dgm:alg>
-            </dgm:else>
-          </dgm:choose>
-          <dgm:shape xmlns:r="http://schemas.openxmlformats.org/officeDocument/2006/relationships" type="rect" r:blip="">
-            <dgm:adjLst/>
-          </dgm:shape>
-          <dgm:presOf axis="desOrSelf" ptType="node"/>
-          <dgm:constrLst>
-            <dgm:constr type="primFontSz" val="65"/>
-            <dgm:constr type="lMarg" refType="primFontSz" fact="0.2"/>
-            <dgm:constr type="rMarg" refType="primFontSz" fact="0.2"/>
-            <dgm:constr type="tMarg" refType="primFontSz" fact="0.2"/>
-            <dgm:constr type="bMarg" refType="primFontSz" fact="0.2"/>
-          </dgm:constrLst>
-          <dgm:ruleLst>
-            <dgm:rule type="primFontSz" val="5" fact="NaN" max="NaN"/>
-          </dgm:ruleLst>
-        </dgm:layoutNode>
-        <dgm:layoutNode name="accent_6">
-          <dgm:alg type="sp"/>
-          <dgm:shape xmlns:r="http://schemas.openxmlformats.org/officeDocument/2006/relationships" r:blip="">
-            <dgm:adjLst/>
-          </dgm:shape>
-          <dgm:presOf/>
-          <dgm:constrLst/>
-          <dgm:forEach name="Name53" ref="accentRepeat"/>
-        </dgm:layoutNode>
-      </dgm:forEach>
-      <dgm:forEach name="Name54" axis="ch" ptType="node" st="7" cnt="1">
-        <dgm:layoutNode name="text_7" styleLbl="node1">
-          <dgm:varLst>
-            <dgm:bulletEnabled val="1"/>
-          </dgm:varLst>
-          <dgm:choose name="Name55">
-            <dgm:if name="Name56" func="var" arg="dir" op="equ" val="norm">
-              <dgm:alg type="tx">
-                <dgm:param type="parTxLTRAlign" val="l"/>
-                <dgm:param type="shpTxLTRAlignCh" val="l"/>
-                <dgm:param type="parTxRTLAlign" val="l"/>
-                <dgm:param type="shpTxRTLAlignCh" val="l"/>
-              </dgm:alg>
-            </dgm:if>
-            <dgm:else name="Name57">
-              <dgm:alg type="tx">
-                <dgm:param type="parTxLTRAlign" val="r"/>
-                <dgm:param type="shpTxLTRAlignCh" val="r"/>
-                <dgm:param type="parTxRTLAlign" val="r"/>
-                <dgm:param type="shpTxRTLAlignCh" val="r"/>
-              </dgm:alg>
-            </dgm:else>
-          </dgm:choose>
-          <dgm:shape xmlns:r="http://schemas.openxmlformats.org/officeDocument/2006/relationships" type="rect" r:blip="">
-            <dgm:adjLst/>
-          </dgm:shape>
-          <dgm:presOf axis="desOrSelf" ptType="node"/>
-          <dgm:constrLst>
-            <dgm:constr type="primFontSz" val="65"/>
-            <dgm:constr type="lMarg" refType="primFontSz" fact="0.2"/>
-            <dgm:constr type="rMarg" refType="primFontSz" fact="0.2"/>
-            <dgm:constr type="tMarg" refType="primFontSz" fact="0.2"/>
-            <dgm:constr type="bMarg" refType="primFontSz" fact="0.2"/>
-          </dgm:constrLst>
-          <dgm:ruleLst>
-            <dgm:rule type="primFontSz" val="5" fact="NaN" max="NaN"/>
-          </dgm:ruleLst>
-        </dgm:layoutNode>
-        <dgm:layoutNode name="accent_7">
-          <dgm:alg type="sp"/>
-          <dgm:shape xmlns:r="http://schemas.openxmlformats.org/officeDocument/2006/relationships" r:blip="">
-            <dgm:adjLst/>
-          </dgm:shape>
-          <dgm:presOf/>
-          <dgm:constrLst/>
-          <dgm:forEach name="Name58" ref="accentRepeat"/>
-        </dgm:layoutNode>
-      </dgm:forEach>
-    </dgm:layoutNode>
-  </dgm:layoutNode>
-</dgm:layoutDef>
-</file>
-
-<file path=ppt/diagrams/quickStyle1.xml><?xml version="1.0" encoding="utf-8"?>
-<dgm:styleDef xmlns:dgm="http://schemas.openxmlformats.org/drawingml/2006/diagram" xmlns:a="http://schemas.openxmlformats.org/drawingml/2006/main" uniqueId="urn:microsoft.com/office/officeart/2005/8/quickstyle/3d3">
-  <dgm:title val=""/>
-  <dgm:desc val=""/>
-  <dgm:catLst>
-    <dgm:cat type="3D" pri="11300"/>
-  </dgm:catLst>
-  <dgm:scene3d>
-    <a:camera prst="orthographicFront"/>
-    <a:lightRig rig="threePt" dir="t"/>
-  </dgm:scene3d>
-  <dgm:styleLbl name="node0">
-    <dgm:scene3d>
-      <a:camera prst="orthographicFront">
-        <a:rot lat="0" lon="0" rev="0"/>
-      </a:camera>
-      <a:lightRig rig="contrasting" dir="t">
-        <a:rot lat="0" lon="0" rev="1200000"/>
-      </a:lightRig>
-    </dgm:scene3d>
-    <dgm:sp3d contourW="19050" prstMaterial="metal">
-      <a:bevelT w="88900" h="203200"/>
-      <a:bevelB w="165100" h="254000"/>
-    </dgm:sp3d>
-    <dgm:txPr/>
-    <dgm:style>
-      <a:lnRef idx="0">
-        <a:scrgbClr r="0" g="0" b="0"/>
-      </a:lnRef>
-      <a:fillRef idx="1">
-        <a:scrgbClr r="0" g="0" b="0"/>
-      </a:fillRef>
-      <a:effectRef idx="1">
-        <a:scrgbClr r="0" g="0" b="0"/>
-      </a:effectRef>
-      <a:fontRef idx="minor">
-        <a:schemeClr val="lt1"/>
-      </a:fontRef>
-    </dgm:style>
-  </dgm:styleLbl>
-  <dgm:styleLbl name="lnNode1">
-    <dgm:scene3d>
-      <a:camera prst="orthographicFront">
-        <a:rot lat="0" lon="0" rev="0"/>
-      </a:camera>
-      <a:lightRig rig="contrasting" dir="t">
-        <a:rot lat="0" lon="0" rev="1200000"/>
-      </a:lightRig>
-    </dgm:scene3d>
-    <dgm:sp3d contourW="19050" prstMaterial="metal">
-      <a:bevelT w="88900" h="203200"/>
-      <a:bevelB w="165100" h="254000"/>
-    </dgm:sp3d>
-    <dgm:txPr/>
-    <dgm:style>
-      <a:lnRef idx="0">
-        <a:scrgbClr r="0" g="0" b="0"/>
-      </a:lnRef>
-      <a:fillRef idx="1">
-        <a:scrgbClr r="0" g="0" b="0"/>
-      </a:fillRef>
-      <a:effectRef idx="1">
-        <a:scrgbClr r="0" g="0" b="0"/>
-      </a:effectRef>
-      <a:fontRef idx="minor">
-        <a:schemeClr val="lt1"/>
-      </a:fontRef>
-    </dgm:style>
-  </dgm:styleLbl>
-  <dgm:styleLbl name="vennNode1">
-    <dgm:scene3d>
-      <a:camera prst="orthographicFront">
-        <a:rot lat="0" lon="0" rev="0"/>
-      </a:camera>
-      <a:lightRig rig="contrasting" dir="t">
-        <a:rot lat="0" lon="0" rev="1200000"/>
-      </a:lightRig>
-    </dgm:scene3d>
-    <dgm:sp3d contourW="12700" prstMaterial="clear">
-      <a:bevelT w="177800" h="254000"/>
-      <a:bevelB w="152400"/>
-    </dgm:sp3d>
-    <dgm:txPr/>
-    <dgm:style>
-      <a:lnRef idx="0">
-        <a:scrgbClr r="0" g="0" b="0"/>
-      </a:lnRef>
-      <a:fillRef idx="1">
-        <a:scrgbClr r="0" g="0" b="0"/>
-      </a:fillRef>
-      <a:effectRef idx="0">
-        <a:scrgbClr r="0" g="0" b="0"/>
-      </a:effectRef>
-      <a:fontRef idx="minor">
-        <a:schemeClr val="tx1"/>
-      </a:fontRef>
-    </dgm:style>
-  </dgm:styleLbl>
-  <dgm:styleLbl name="alignNode1">
-    <dgm:scene3d>
-      <a:camera prst="orthographicFront">
-        <a:rot lat="0" lon="0" rev="0"/>
-      </a:camera>
-      <a:lightRig rig="contrasting" dir="t">
-        <a:rot lat="0" lon="0" rev="1200000"/>
-      </a:lightRig>
-    </dgm:scene3d>
-    <dgm:sp3d contourW="19050" prstMaterial="metal">
-      <a:bevelT w="88900" h="203200"/>
-      <a:bevelB w="165100" h="254000"/>
-    </dgm:sp3d>
-    <dgm:txPr/>
-    <dgm:style>
-      <a:lnRef idx="0">
-        <a:scrgbClr r="0" g="0" b="0"/>
-      </a:lnRef>
-      <a:fillRef idx="1">
-        <a:scrgbClr r="0" g="0" b="0"/>
-      </a:fillRef>
-      <a:effectRef idx="2">
-        <a:scrgbClr r="0" g="0" b="0"/>
-      </a:effectRef>
-      <a:fontRef idx="minor">
-        <a:schemeClr val="lt1"/>
-      </a:fontRef>
-    </dgm:style>
-  </dgm:styleLbl>
-  <dgm:styleLbl name="node1">
-    <dgm:scene3d>
-      <a:camera prst="orthographicFront">
-        <a:rot lat="0" lon="0" rev="0"/>
-      </a:camera>
-      <a:lightRig rig="contrasting" dir="t">
-        <a:rot lat="0" lon="0" rev="1200000"/>
-      </a:lightRig>
-    </dgm:scene3d>
-    <dgm:sp3d contourW="19050" prstMaterial="metal">
-      <a:bevelT w="88900" h="203200"/>
-      <a:bevelB w="165100" h="254000"/>
-    </dgm:sp3d>
-    <dgm:txPr/>
-    <dgm:style>
-      <a:lnRef idx="0">
-        <a:scrgbClr r="0" g="0" b="0"/>
-      </a:lnRef>
-      <a:fillRef idx="1">
-        <a:scrgbClr r="0" g="0" b="0"/>
-      </a:fillRef>
-      <a:effectRef idx="2">
-        <a:scrgbClr r="0" g="0" b="0"/>
-      </a:effectRef>
-      <a:fontRef idx="minor">
-        <a:schemeClr val="lt1"/>
-      </a:fontRef>
-    </dgm:style>
-  </dgm:styleLbl>
-  <dgm:styleLbl name="node2">
-    <dgm:scene3d>
-      <a:camera prst="orthographicFront">
-        <a:rot lat="0" lon="0" rev="0"/>
-      </a:camera>
-      <a:lightRig rig="contrasting" dir="t">
-        <a:rot lat="0" lon="0" rev="1200000"/>
-      </a:lightRig>
-    </dgm:scene3d>
-    <dgm:sp3d contourW="19050" prstMaterial="metal">
-      <a:bevelT w="88900" h="203200"/>
-      <a:bevelB w="165100" h="254000"/>
-    </dgm:sp3d>
-    <dgm:txPr/>
-    <dgm:style>
-      <a:lnRef idx="0">
-        <a:scrgbClr r="0" g="0" b="0"/>
-      </a:lnRef>
-      <a:fillRef idx="1">
-        <a:scrgbClr r="0" g="0" b="0"/>
-      </a:fillRef>
-      <a:effectRef idx="1">
-        <a:scrgbClr r="0" g="0" b="0"/>
-      </a:effectRef>
-      <a:fontRef idx="minor">
-        <a:schemeClr val="lt1"/>
-      </a:fontRef>
-    </dgm:style>
-  </dgm:styleLbl>
-  <dgm:styleLbl name="node3">
-    <dgm:scene3d>
-      <a:camera prst="orthographicFront">
-        <a:rot lat="0" lon="0" rev="0"/>
-      </a:camera>
-      <a:lightRig rig="contrasting" dir="t">
-        <a:rot lat="0" lon="0" rev="1200000"/>
-      </a:lightRig>
-    </dgm:scene3d>
-    <dgm:sp3d contourW="19050" prstMaterial="metal">
-      <a:bevelT w="88900" h="203200"/>
-      <a:bevelB w="165100" h="254000"/>
-    </dgm:sp3d>
-    <dgm:txPr/>
-    <dgm:style>
-      <a:lnRef idx="0">
-        <a:scrgbClr r="0" g="0" b="0"/>
-      </a:lnRef>
-      <a:fillRef idx="1">
-        <a:scrgbClr r="0" g="0" b="0"/>
-      </a:fillRef>
-      <a:effectRef idx="1">
-        <a:scrgbClr r="0" g="0" b="0"/>
-      </a:effectRef>
-      <a:fontRef idx="minor">
-        <a:schemeClr val="lt1"/>
-      </a:fontRef>
-    </dgm:style>
-  </dgm:styleLbl>
-  <dgm:styleLbl name="node4">
-    <dgm:scene3d>
-      <a:camera prst="orthographicFront">
-        <a:rot lat="0" lon="0" rev="0"/>
-      </a:camera>
-      <a:lightRig rig="contrasting" dir="t">
-        <a:rot lat="0" lon="0" rev="1200000"/>
-      </a:lightRig>
-    </dgm:scene3d>
-    <dgm:sp3d contourW="19050" prstMaterial="metal">
-      <a:bevelT w="88900" h="203200"/>
-      <a:bevelB w="165100" h="254000"/>
-    </dgm:sp3d>
-    <dgm:txPr/>
-    <dgm:style>
-      <a:lnRef idx="0">
-        <a:scrgbClr r="0" g="0" b="0"/>
-      </a:lnRef>
-      <a:fillRef idx="1">
-        <a:scrgbClr r="0" g="0" b="0"/>
-      </a:fillRef>
-      <a:effectRef idx="1">
-        <a:scrgbClr r="0" g="0" b="0"/>
-      </a:effectRef>
-      <a:fontRef idx="minor">
-        <a:schemeClr val="lt1"/>
-      </a:fontRef>
-    </dgm:style>
-  </dgm:styleLbl>
-  <dgm:styleLbl name="fgImgPlace1">
-    <dgm:scene3d>
-      <a:camera prst="orthographicFront">
-        <a:rot lat="0" lon="0" rev="0"/>
-      </a:camera>
-      <a:lightRig rig="contrasting" dir="t">
-        <a:rot lat="0" lon="0" rev="1200000"/>
-      </a:lightRig>
-    </dgm:scene3d>
-    <dgm:sp3d z="300000" contourW="19050" prstMaterial="metal">
-      <a:bevelT w="88900" h="203200"/>
-      <a:bevelB w="165100" h="254000"/>
-    </dgm:sp3d>
-    <dgm:txPr/>
-    <dgm:style>
-      <a:lnRef idx="0">
-        <a:scrgbClr r="0" g="0" b="0"/>
-      </a:lnRef>
-      <a:fillRef idx="1">
-        <a:scrgbClr r="0" g="0" b="0"/>
-      </a:fillRef>
-      <a:effectRef idx="1">
-        <a:scrgbClr r="0" g="0" b="0"/>
-      </a:effectRef>
-      <a:fontRef idx="minor"/>
-    </dgm:style>
-  </dgm:styleLbl>
-  <dgm:styleLbl name="alignImgPlace1">
-    <dgm:scene3d>
-      <a:camera prst="orthographicFront">
-        <a:rot lat="0" lon="0" rev="0"/>
-      </a:camera>
-      <a:lightRig rig="contrasting" dir="t">
-        <a:rot lat="0" lon="0" rev="1200000"/>
-      </a:lightRig>
-    </dgm:scene3d>
-    <dgm:sp3d contourW="12700" prstMaterial="flat">
-      <a:bevelT w="177800" h="254000"/>
-      <a:bevelB w="152400"/>
-    </dgm:sp3d>
-    <dgm:txPr/>
-    <dgm:style>
-      <a:lnRef idx="0">
-        <a:scrgbClr r="0" g="0" b="0"/>
-      </a:lnRef>
-      <a:fillRef idx="1">
-        <a:scrgbClr r="0" g="0" b="0"/>
-      </a:fillRef>
-      <a:effectRef idx="1">
-        <a:scrgbClr r="0" g="0" b="0"/>
-      </a:effectRef>
-      <a:fontRef idx="minor"/>
-    </dgm:style>
-  </dgm:styleLbl>
-  <dgm:styleLbl name="bgImgPlace1">
-    <dgm:scene3d>
-      <a:camera prst="orthographicFront">
-        <a:rot lat="0" lon="0" rev="0"/>
-      </a:camera>
-      <a:lightRig rig="contrasting" dir="t">
-        <a:rot lat="0" lon="0" rev="1200000"/>
-      </a:lightRig>
-    </dgm:scene3d>
-    <dgm:sp3d z="-300000" contourW="19050" prstMaterial="metal">
-      <a:bevelT w="88900" h="203200"/>
-      <a:bevelB w="165100" h="254000"/>
-    </dgm:sp3d>
-    <dgm:txPr/>
-    <dgm:style>
-      <a:lnRef idx="0">
-        <a:scrgbClr r="0" g="0" b="0"/>
-      </a:lnRef>
-      <a:fillRef idx="1">
-        <a:scrgbClr r="0" g="0" b="0"/>
-      </a:fillRef>
-      <a:effectRef idx="1">
-        <a:scrgbClr r="0" g="0" b="0"/>
-      </a:effectRef>
-      <a:fontRef idx="minor"/>
-    </dgm:style>
-  </dgm:styleLbl>
-  <dgm:styleLbl name="sibTrans2D1">
-    <dgm:scene3d>
-      <a:camera prst="orthographicFront">
-        <a:rot lat="0" lon="0" rev="0"/>
-      </a:camera>
-      <a:lightRig rig="contrasting" dir="t">
-        <a:rot lat="0" lon="0" rev="1200000"/>
-      </a:lightRig>
-    </dgm:scene3d>
-    <dgm:sp3d z="-182000" contourW="19050" prstMaterial="metal">
-      <a:bevelT w="88900" h="203200"/>
-      <a:bevelB w="165100" h="254000"/>
-    </dgm:sp3d>
-    <dgm:txPr/>
-    <dgm:style>
-      <a:lnRef idx="0">
-        <a:scrgbClr r="0" g="0" b="0"/>
-      </a:lnRef>
-      <a:fillRef idx="1">
-        <a:scrgbClr r="0" g="0" b="0"/>
-      </a:fillRef>
-      <a:effectRef idx="0">
-        <a:scrgbClr r="0" g="0" b="0"/>
-      </a:effectRef>
-      <a:fontRef idx="minor">
-        <a:schemeClr val="lt1"/>
-      </a:fontRef>
-    </dgm:style>
-  </dgm:styleLbl>
-  <dgm:styleLbl name="fgSibTrans2D1">
-    <dgm:scene3d>
-      <a:camera prst="orthographicFront">
-        <a:rot lat="0" lon="0" rev="0"/>
-      </a:camera>
-      <a:lightRig rig="contrasting" dir="t">
-        <a:rot lat="0" lon="0" rev="1200000"/>
-      </a:lightRig>
-    </dgm:scene3d>
-    <dgm:sp3d z="300000" contourW="19050" prstMaterial="metal">
-      <a:bevelT w="88900" h="203200"/>
-      <a:bevelB w="165100" h="254000"/>
-    </dgm:sp3d>
-    <dgm:txPr/>
-    <dgm:style>
-      <a:lnRef idx="0">
-        <a:scrgbClr r="0" g="0" b="0"/>
-      </a:lnRef>
-      <a:fillRef idx="1">
-        <a:scrgbClr r="0" g="0" b="0"/>
-      </a:fillRef>
-      <a:effectRef idx="0">
-        <a:scrgbClr r="0" g="0" b="0"/>
-      </a:effectRef>
-      <a:fontRef idx="minor"/>
-    </dgm:style>
-  </dgm:styleLbl>
-  <dgm:styleLbl name="bgSibTrans2D1">
-    <dgm:scene3d>
-      <a:camera prst="orthographicFront">
-        <a:rot lat="0" lon="0" rev="0"/>
-      </a:camera>
-      <a:lightRig rig="contrasting" dir="t">
-        <a:rot lat="0" lon="0" rev="1200000"/>
-      </a:lightRig>
-    </dgm:scene3d>
-    <dgm:sp3d z="-300000" contourW="19050" prstMaterial="metal">
-      <a:bevelT w="88900" h="203200"/>
-      <a:bevelB w="165100" h="254000"/>
-    </dgm:sp3d>
-    <dgm:txPr/>
-    <dgm:style>
-      <a:lnRef idx="0">
-        <a:scrgbClr r="0" g="0" b="0"/>
-      </a:lnRef>
-      <a:fillRef idx="1">
-        <a:scrgbClr r="0" g="0" b="0"/>
-      </a:fillRef>
-      <a:effectRef idx="0">
-        <a:scrgbClr r="0" g="0" b="0"/>
-      </a:effectRef>
-      <a:fontRef idx="minor"/>
-    </dgm:style>
-  </dgm:styleLbl>
-  <dgm:styleLbl name="sibTrans1D1">
-    <dgm:scene3d>
-      <a:camera prst="orthographicFront">
-        <a:rot lat="0" lon="0" rev="0"/>
-      </a:camera>
-      <a:lightRig rig="contrasting" dir="t">
-        <a:rot lat="0" lon="0" rev="1200000"/>
-      </a:lightRig>
-    </dgm:scene3d>
-    <dgm:sp3d z="-110000"/>
-    <dgm:txPr/>
-    <dgm:style>
-      <a:lnRef idx="1">
-        <a:scrgbClr r="0" g="0" b="0"/>
-      </a:lnRef>
-      <a:fillRef idx="0">
-        <a:scrgbClr r="0" g="0" b="0"/>
-      </a:fillRef>
-      <a:effectRef idx="0">
-        <a:scrgbClr r="0" g="0" b="0"/>
-      </a:effectRef>
-      <a:fontRef idx="minor"/>
-    </dgm:style>
-  </dgm:styleLbl>
-  <dgm:styleLbl name="callout">
-    <dgm:scene3d>
-      <a:camera prst="orthographicFront">
-        <a:rot lat="0" lon="0" rev="0"/>
-      </a:camera>
-      <a:lightRig rig="contrasting" dir="t">
-        <a:rot lat="0" lon="0" rev="1200000"/>
-      </a:lightRig>
-    </dgm:scene3d>
-    <dgm:sp3d z="10000"/>
-    <dgm:txPr/>
-    <dgm:style>
-      <a:lnRef idx="2">
-        <a:scrgbClr r="0" g="0" b="0"/>
-      </a:lnRef>
-      <a:fillRef idx="1">
-        <a:scrgbClr r="0" g="0" b="0"/>
-      </a:fillRef>
-      <a:effectRef idx="0">
-        <a:scrgbClr r="0" g="0" b="0"/>
-      </a:effectRef>
-      <a:fontRef idx="minor"/>
-    </dgm:style>
-  </dgm:styleLbl>
-  <dgm:styleLbl name="asst0">
-    <dgm:scene3d>
-      <a:camera prst="orthographicFront">
-        <a:rot lat="0" lon="0" rev="0"/>
-      </a:camera>
-      <a:lightRig rig="contrasting" dir="t">
-        <a:rot lat="0" lon="0" rev="1200000"/>
-      </a:lightRig>
-    </dgm:scene3d>
-    <dgm:sp3d contourW="19050" prstMaterial="metal">
-      <a:bevelT w="88900" h="203200"/>
-      <a:bevelB w="165100" h="254000"/>
-    </dgm:sp3d>
-    <dgm:txPr/>
-    <dgm:style>
-      <a:lnRef idx="0">
-        <a:scrgbClr r="0" g="0" b="0"/>
-      </a:lnRef>
-      <a:fillRef idx="1">
-        <a:scrgbClr r="0" g="0" b="0"/>
-      </a:fillRef>
-      <a:effectRef idx="1">
-        <a:scrgbClr r="0" g="0" b="0"/>
-      </a:effectRef>
-      <a:fontRef idx="minor">
-        <a:schemeClr val="lt1"/>
-      </a:fontRef>
-    </dgm:style>
-  </dgm:styleLbl>
-  <dgm:styleLbl name="asst1">
-    <dgm:scene3d>
-      <a:camera prst="orthographicFront">
-        <a:rot lat="0" lon="0" rev="0"/>
-      </a:camera>
-      <a:lightRig rig="contrasting" dir="t">
-        <a:rot lat="0" lon="0" rev="1200000"/>
-      </a:lightRig>
-    </dgm:scene3d>
-    <dgm:sp3d contourW="19050" prstMaterial="metal">
-      <a:bevelT w="88900" h="203200"/>
-      <a:bevelB w="165100" h="254000"/>
-    </dgm:sp3d>
-    <dgm:txPr/>
-    <dgm:style>
-      <a:lnRef idx="0">
-        <a:scrgbClr r="0" g="0" b="0"/>
-      </a:lnRef>
-      <a:fillRef idx="1">
-        <a:scrgbClr r="0" g="0" b="0"/>
-      </a:fillRef>
-      <a:effectRef idx="1">
-        <a:scrgbClr r="0" g="0" b="0"/>
-      </a:effectRef>
-      <a:fontRef idx="minor">
-        <a:schemeClr val="lt1"/>
-      </a:fontRef>
-    </dgm:style>
-  </dgm:styleLbl>
-  <dgm:styleLbl name="asst2">
-    <dgm:scene3d>
-      <a:camera prst="orthographicFront">
-        <a:rot lat="0" lon="0" rev="0"/>
-      </a:camera>
-      <a:lightRig rig="contrasting" dir="t">
-        <a:rot lat="0" lon="0" rev="1200000"/>
-      </a:lightRig>
-    </dgm:scene3d>
-    <dgm:sp3d contourW="19050" prstMaterial="metal">
-      <a:bevelT w="88900" h="203200"/>
-      <a:bevelB w="165100" h="254000"/>
-    </dgm:sp3d>
-    <dgm:txPr/>
-    <dgm:style>
-      <a:lnRef idx="0">
-        <a:scrgbClr r="0" g="0" b="0"/>
-      </a:lnRef>
-      <a:fillRef idx="1">
-        <a:scrgbClr r="0" g="0" b="0"/>
-      </a:fillRef>
-      <a:effectRef idx="1">
-        <a:scrgbClr r="0" g="0" b="0"/>
-      </a:effectRef>
-      <a:fontRef idx="minor">
-        <a:schemeClr val="lt1"/>
-      </a:fontRef>
-    </dgm:style>
-  </dgm:styleLbl>
-  <dgm:styleLbl name="asst3">
-    <dgm:scene3d>
-      <a:camera prst="orthographicFront">
-        <a:rot lat="0" lon="0" rev="0"/>
-      </a:camera>
-      <a:lightRig rig="contrasting" dir="t">
-        <a:rot lat="0" lon="0" rev="1200000"/>
-      </a:lightRig>
-    </dgm:scene3d>
-    <dgm:sp3d contourW="19050" prstMaterial="metal">
-      <a:bevelT w="88900" h="203200"/>
-      <a:bevelB w="165100" h="254000"/>
-    </dgm:sp3d>
-    <dgm:txPr/>
-    <dgm:style>
-      <a:lnRef idx="0">
-        <a:scrgbClr r="0" g="0" b="0"/>
-      </a:lnRef>
-      <a:fillRef idx="1">
-        <a:scrgbClr r="0" g="0" b="0"/>
-      </a:fillRef>
-      <a:effectRef idx="1">
-        <a:scrgbClr r="0" g="0" b="0"/>
-      </a:effectRef>
-      <a:fontRef idx="minor">
-        <a:schemeClr val="lt1"/>
-      </a:fontRef>
-    </dgm:style>
-  </dgm:styleLbl>
-  <dgm:styleLbl name="asst4">
-    <dgm:scene3d>
-      <a:camera prst="orthographicFront"/>
-      <a:lightRig rig="threePt" dir="t"/>
-    </dgm:scene3d>
-    <dgm:sp3d contourW="19050" prstMaterial="metal">
-      <a:bevelT w="88900" h="203200"/>
-      <a:bevelB w="165100" h="254000"/>
-    </dgm:sp3d>
-    <dgm:txPr/>
-    <dgm:style>
-      <a:lnRef idx="0">
-        <a:scrgbClr r="0" g="0" b="0"/>
-      </a:lnRef>
-      <a:fillRef idx="1">
-        <a:scrgbClr r="0" g="0" b="0"/>
-      </a:fillRef>
-      <a:effectRef idx="1">
-        <a:scrgbClr r="0" g="0" b="0"/>
-      </a:effectRef>
-      <a:fontRef idx="minor">
-        <a:schemeClr val="lt1"/>
-      </a:fontRef>
-    </dgm:style>
-  </dgm:styleLbl>
-  <dgm:styleLbl name="parChTrans2D1">
-    <dgm:scene3d>
-      <a:camera prst="orthographicFront">
-        <a:rot lat="0" lon="0" rev="0"/>
-      </a:camera>
-      <a:lightRig rig="contrasting" dir="t">
-        <a:rot lat="0" lon="0" rev="1200000"/>
-      </a:lightRig>
-    </dgm:scene3d>
-    <dgm:sp3d contourW="19050" prstMaterial="metal">
-      <a:bevelT w="88900" h="203200"/>
-      <a:bevelB w="165100" h="254000"/>
-    </dgm:sp3d>
-    <dgm:txPr/>
-    <dgm:style>
-      <a:lnRef idx="0">
-        <a:scrgbClr r="0" g="0" b="0"/>
-      </a:lnRef>
-      <a:fillRef idx="1">
-        <a:scrgbClr r="0" g="0" b="0"/>
-      </a:fillRef>
-      <a:effectRef idx="0">
-        <a:scrgbClr r="0" g="0" b="0"/>
-      </a:effectRef>
-      <a:fontRef idx="minor"/>
-    </dgm:style>
-  </dgm:styleLbl>
-  <dgm:styleLbl name="parChTrans2D2">
-    <dgm:scene3d>
-      <a:camera prst="orthographicFront">
-        <a:rot lat="0" lon="0" rev="0"/>
-      </a:camera>
-      <a:lightRig rig="contrasting" dir="t">
-        <a:rot lat="0" lon="0" rev="1200000"/>
-      </a:lightRig>
-    </dgm:scene3d>
-    <dgm:sp3d contourW="19050" prstMaterial="metal">
-      <a:bevelT w="88900" h="203200"/>
-      <a:bevelB w="165100" h="254000"/>
-    </dgm:sp3d>
-    <dgm:txPr/>
-    <dgm:style>
-      <a:lnRef idx="0">
-        <a:scrgbClr r="0" g="0" b="0"/>
-      </a:lnRef>
-      <a:fillRef idx="1">
-        <a:scrgbClr r="0" g="0" b="0"/>
-      </a:fillRef>
-      <a:effectRef idx="0">
-        <a:scrgbClr r="0" g="0" b="0"/>
-      </a:effectRef>
-      <a:fontRef idx="minor"/>
-    </dgm:style>
-  </dgm:styleLbl>
-  <dgm:styleLbl name="parChTrans2D3">
-    <dgm:scene3d>
-      <a:camera prst="orthographicFront">
-        <a:rot lat="0" lon="0" rev="0"/>
-      </a:camera>
-      <a:lightRig rig="contrasting" dir="t">
-        <a:rot lat="0" lon="0" rev="1200000"/>
-      </a:lightRig>
-    </dgm:scene3d>
-    <dgm:sp3d contourW="19050" prstMaterial="metal">
-      <a:bevelT w="88900" h="203200"/>
-      <a:bevelB w="165100" h="254000"/>
-    </dgm:sp3d>
-    <dgm:txPr/>
-    <dgm:style>
-      <a:lnRef idx="0">
-        <a:scrgbClr r="0" g="0" b="0"/>
-      </a:lnRef>
-      <a:fillRef idx="1">
-        <a:scrgbClr r="0" g="0" b="0"/>
-      </a:fillRef>
-      <a:effectRef idx="0">
-        <a:scrgbClr r="0" g="0" b="0"/>
-      </a:effectRef>
-      <a:fontRef idx="minor"/>
-    </dgm:style>
-  </dgm:styleLbl>
-  <dgm:styleLbl name="parChTrans2D4">
-    <dgm:scene3d>
-      <a:camera prst="orthographicFront">
-        <a:rot lat="0" lon="0" rev="0"/>
-      </a:camera>
-      <a:lightRig rig="contrasting" dir="t">
-        <a:rot lat="0" lon="0" rev="1200000"/>
-      </a:lightRig>
-    </dgm:scene3d>
-    <dgm:sp3d contourW="19050" prstMaterial="metal">
-      <a:bevelT w="88900" h="203200"/>
-      <a:bevelB w="165100" h="254000"/>
-    </dgm:sp3d>
-    <dgm:txPr/>
-    <dgm:style>
-      <a:lnRef idx="0">
-        <a:scrgbClr r="0" g="0" b="0"/>
-      </a:lnRef>
-      <a:fillRef idx="1">
-        <a:scrgbClr r="0" g="0" b="0"/>
-      </a:fillRef>
-      <a:effectRef idx="0">
-        <a:scrgbClr r="0" g="0" b="0"/>
-      </a:effectRef>
-      <a:fontRef idx="minor"/>
-    </dgm:style>
-  </dgm:styleLbl>
-  <dgm:styleLbl name="parChTrans1D1">
-    <dgm:scene3d>
-      <a:camera prst="orthographicFront">
-        <a:rot lat="0" lon="0" rev="0"/>
-      </a:camera>
-      <a:lightRig rig="contrasting" dir="t">
-        <a:rot lat="0" lon="0" rev="1200000"/>
-      </a:lightRig>
-    </dgm:scene3d>
-    <dgm:sp3d z="-110000"/>
-    <dgm:txPr/>
-    <dgm:style>
-      <a:lnRef idx="2">
-        <a:scrgbClr r="0" g="0" b="0"/>
-      </a:lnRef>
-      <a:fillRef idx="0">
-        <a:scrgbClr r="0" g="0" b="0"/>
-      </a:fillRef>
-      <a:effectRef idx="0">
-        <a:scrgbClr r="0" g="0" b="0"/>
-      </a:effectRef>
-      <a:fontRef idx="minor"/>
-    </dgm:style>
-  </dgm:styleLbl>
-  <dgm:styleLbl name="parChTrans1D2">
-    <dgm:scene3d>
-      <a:camera prst="orthographicFront">
-        <a:rot lat="0" lon="0" rev="0"/>
-      </a:camera>
-      <a:lightRig rig="contrasting" dir="t">
-        <a:rot lat="0" lon="0" rev="1200000"/>
-      </a:lightRig>
-    </dgm:scene3d>
-    <dgm:sp3d z="-110000"/>
-    <dgm:txPr/>
-    <dgm:style>
-      <a:lnRef idx="2">
-        <a:scrgbClr r="0" g="0" b="0"/>
-      </a:lnRef>
-      <a:fillRef idx="0">
-        <a:scrgbClr r="0" g="0" b="0"/>
-      </a:fillRef>
-      <a:effectRef idx="0">
-        <a:scrgbClr r="0" g="0" b="0"/>
-      </a:effectRef>
-      <a:fontRef idx="minor"/>
-    </dgm:style>
-  </dgm:styleLbl>
-  <dgm:styleLbl name="parChTrans1D3">
-    <dgm:scene3d>
-      <a:camera prst="orthographicFront">
-        <a:rot lat="0" lon="0" rev="0"/>
-      </a:camera>
-      <a:lightRig rig="contrasting" dir="t">
-        <a:rot lat="0" lon="0" rev="1200000"/>
-      </a:lightRig>
-    </dgm:scene3d>
-    <dgm:sp3d z="-110000"/>
-    <dgm:txPr/>
-    <dgm:style>
-      <a:lnRef idx="2">
-        <a:scrgbClr r="0" g="0" b="0"/>
-      </a:lnRef>
-      <a:fillRef idx="0">
-        <a:scrgbClr r="0" g="0" b="0"/>
-      </a:fillRef>
-      <a:effectRef idx="0">
-        <a:scrgbClr r="0" g="0" b="0"/>
-      </a:effectRef>
-      <a:fontRef idx="minor"/>
-    </dgm:style>
-  </dgm:styleLbl>
-  <dgm:styleLbl name="parChTrans1D4">
-    <dgm:scene3d>
-      <a:camera prst="orthographicFront">
-        <a:rot lat="0" lon="0" rev="0"/>
-      </a:camera>
-      <a:lightRig rig="contrasting" dir="t">
-        <a:rot lat="0" lon="0" rev="1200000"/>
-      </a:lightRig>
-    </dgm:scene3d>
-    <dgm:sp3d z="-110000"/>
-    <dgm:txPr/>
-    <dgm:style>
-      <a:lnRef idx="2">
-        <a:scrgbClr r="0" g="0" b="0"/>
-      </a:lnRef>
-      <a:fillRef idx="0">
-        <a:scrgbClr r="0" g="0" b="0"/>
-      </a:fillRef>
-      <a:effectRef idx="0">
-        <a:scrgbClr r="0" g="0" b="0"/>
-      </a:effectRef>
-      <a:fontRef idx="minor"/>
-    </dgm:style>
-  </dgm:styleLbl>
-  <dgm:styleLbl name="fgAcc1">
-    <dgm:scene3d>
-      <a:camera prst="orthographicFront">
-        <a:rot lat="0" lon="0" rev="0"/>
-      </a:camera>
-      <a:lightRig rig="contrasting" dir="t">
-        <a:rot lat="0" lon="0" rev="1200000"/>
-      </a:lightRig>
-    </dgm:scene3d>
-    <dgm:sp3d z="300000" contourW="19050" prstMaterial="metal">
-      <a:bevelT w="88900" h="203200"/>
-      <a:bevelB w="165100" h="254000"/>
-    </dgm:sp3d>
-    <dgm:txPr/>
-    <dgm:style>
-      <a:lnRef idx="0">
-        <a:scrgbClr r="0" g="0" b="0"/>
-      </a:lnRef>
-      <a:fillRef idx="1">
-        <a:scrgbClr r="0" g="0" b="0"/>
-      </a:fillRef>
-      <a:effectRef idx="0">
-        <a:scrgbClr r="0" g="0" b="0"/>
-      </a:effectRef>
-      <a:fontRef idx="minor"/>
-    </dgm:style>
-  </dgm:styleLbl>
-  <dgm:styleLbl name="conFgAcc1">
-    <dgm:scene3d>
-      <a:camera prst="orthographicFront">
-        <a:rot lat="0" lon="0" rev="0"/>
-      </a:camera>
-      <a:lightRig rig="contrasting" dir="t">
-        <a:rot lat="0" lon="0" rev="1200000"/>
-      </a:lightRig>
-    </dgm:scene3d>
-    <dgm:sp3d z="300000" contourW="19050" prstMaterial="metal">
-      <a:bevelT w="88900" h="203200"/>
-      <a:bevelB w="165100" h="254000"/>
-    </dgm:sp3d>
-    <dgm:txPr/>
-    <dgm:style>
-      <a:lnRef idx="0">
-        <a:scrgbClr r="0" g="0" b="0"/>
-      </a:lnRef>
-      <a:fillRef idx="1">
-        <a:scrgbClr r="0" g="0" b="0"/>
-      </a:fillRef>
-      <a:effectRef idx="0">
-        <a:scrgbClr r="0" g="0" b="0"/>
-      </a:effectRef>
-      <a:fontRef idx="minor"/>
-    </dgm:style>
-  </dgm:styleLbl>
-  <dgm:styleLbl name="alignAcc1">
-    <dgm:scene3d>
-      <a:camera prst="orthographicFront">
-        <a:rot lat="0" lon="0" rev="0"/>
-      </a:camera>
-      <a:lightRig rig="contrasting" dir="t">
-        <a:rot lat="0" lon="0" rev="1200000"/>
-      </a:lightRig>
-    </dgm:scene3d>
-    <dgm:sp3d contourW="19050" prstMaterial="metal">
-      <a:bevelT w="88900" h="203200"/>
-      <a:bevelB w="165100" h="254000"/>
-    </dgm:sp3d>
-    <dgm:txPr/>
-    <dgm:style>
-      <a:lnRef idx="0">
-        <a:scrgbClr r="0" g="0" b="0"/>
-      </a:lnRef>
-      <a:fillRef idx="1">
-        <a:scrgbClr r="0" g="0" b="0"/>
-      </a:fillRef>
-      <a:effectRef idx="0">
-        <a:scrgbClr r="0" g="0" b="0"/>
-      </a:effectRef>
-      <a:fontRef idx="minor"/>
-    </dgm:style>
-  </dgm:styleLbl>
-  <dgm:styleLbl name="trAlignAcc1">
-    <dgm:scene3d>
-      <a:camera prst="orthographicFront">
-        <a:rot lat="0" lon="0" rev="0"/>
-      </a:camera>
-      <a:lightRig rig="contrasting" dir="t">
-        <a:rot lat="0" lon="0" rev="1200000"/>
-      </a:lightRig>
-    </dgm:scene3d>
-    <dgm:sp3d contourW="19050" prstMaterial="metal">
-      <a:bevelT w="88900" h="203200"/>
-      <a:bevelB w="165100" h="254000"/>
-    </dgm:sp3d>
-    <dgm:txPr/>
-    <dgm:style>
-      <a:lnRef idx="0">
-        <a:scrgbClr r="0" g="0" b="0"/>
-      </a:lnRef>
-      <a:fillRef idx="1">
-        <a:scrgbClr r="0" g="0" b="0"/>
-      </a:fillRef>
-      <a:effectRef idx="1">
-        <a:scrgbClr r="0" g="0" b="0"/>
-      </a:effectRef>
-      <a:fontRef idx="minor"/>
-    </dgm:style>
-  </dgm:styleLbl>
-  <dgm:styleLbl name="bgAcc1">
-    <dgm:scene3d>
-      <a:camera prst="orthographicFront">
-        <a:rot lat="0" lon="0" rev="0"/>
-      </a:camera>
-      <a:lightRig rig="contrasting" dir="t">
-        <a:rot lat="0" lon="0" rev="1200000"/>
-      </a:lightRig>
-    </dgm:scene3d>
-    <dgm:sp3d z="-300000" contourW="19050" prstMaterial="metal">
-      <a:bevelT w="88900" h="203200"/>
-      <a:bevelB w="165100" h="254000"/>
-    </dgm:sp3d>
-    <dgm:txPr/>
-    <dgm:style>
-      <a:lnRef idx="0">
-        <a:scrgbClr r="0" g="0" b="0"/>
-      </a:lnRef>
-      <a:fillRef idx="1">
-        <a:scrgbClr r="0" g="0" b="0"/>
-      </a:fillRef>
-      <a:effectRef idx="0">
-        <a:scrgbClr r="0" g="0" b="0"/>
-      </a:effectRef>
-      <a:fontRef idx="minor"/>
-    </dgm:style>
-  </dgm:styleLbl>
-  <dgm:styleLbl name="solidFgAcc1">
-    <dgm:scene3d>
-      <a:camera prst="orthographicFront">
-        <a:rot lat="0" lon="0" rev="0"/>
-      </a:camera>
-      <a:lightRig rig="contrasting" dir="t">
-        <a:rot lat="0" lon="0" rev="1200000"/>
-      </a:lightRig>
-    </dgm:scene3d>
-    <dgm:sp3d z="300000" contourW="12700" prstMaterial="flat">
-      <a:bevelT w="177800" h="254000"/>
-      <a:bevelB w="152400"/>
-    </dgm:sp3d>
-    <dgm:txPr/>
-    <dgm:style>
-      <a:lnRef idx="0">
-        <a:scrgbClr r="0" g="0" b="0"/>
-      </a:lnRef>
-      <a:fillRef idx="1">
-        <a:scrgbClr r="0" g="0" b="0"/>
-      </a:fillRef>
-      <a:effectRef idx="0">
-        <a:scrgbClr r="0" g="0" b="0"/>
-      </a:effectRef>
-      <a:fontRef idx="minor"/>
-    </dgm:style>
-  </dgm:styleLbl>
-  <dgm:styleLbl name="solidAlignAcc1">
-    <dgm:scene3d>
-      <a:camera prst="orthographicFront">
-        <a:rot lat="0" lon="0" rev="0"/>
-      </a:camera>
-      <a:lightRig rig="contrasting" dir="t">
-        <a:rot lat="0" lon="0" rev="1200000"/>
-      </a:lightRig>
-    </dgm:scene3d>
-    <dgm:sp3d contourW="19050" prstMaterial="metal">
-      <a:bevelT w="88900" h="203200"/>
-      <a:bevelB w="165100" h="254000"/>
-    </dgm:sp3d>
-    <dgm:txPr/>
-    <dgm:style>
-      <a:lnRef idx="0">
-        <a:scrgbClr r="0" g="0" b="0"/>
-      </a:lnRef>
-      <a:fillRef idx="1">
-        <a:scrgbClr r="0" g="0" b="0"/>
-      </a:fillRef>
-      <a:effectRef idx="0">
-        <a:scrgbClr r="0" g="0" b="0"/>
-      </a:effectRef>
-      <a:fontRef idx="minor"/>
-    </dgm:style>
-  </dgm:styleLbl>
-  <dgm:styleLbl name="solidBgAcc1">
-    <dgm:scene3d>
-      <a:camera prst="orthographicFront">
-        <a:rot lat="0" lon="0" rev="0"/>
-      </a:camera>
-      <a:lightRig rig="contrasting" dir="t">
-        <a:rot lat="0" lon="0" rev="1200000"/>
-      </a:lightRig>
-    </dgm:scene3d>
-    <dgm:sp3d z="-300000" contourW="19050" prstMaterial="metal">
-      <a:bevelT w="88900" h="203200"/>
-      <a:bevelB w="165100" h="254000"/>
-    </dgm:sp3d>
-    <dgm:txPr/>
-    <dgm:style>
-      <a:lnRef idx="0">
-        <a:scrgbClr r="0" g="0" b="0"/>
-      </a:lnRef>
-      <a:fillRef idx="1">
-        <a:scrgbClr r="0" g="0" b="0"/>
-      </a:fillRef>
-      <a:effectRef idx="0">
-        <a:scrgbClr r="0" g="0" b="0"/>
-      </a:effectRef>
-      <a:fontRef idx="minor"/>
-    </dgm:style>
-  </dgm:styleLbl>
-  <dgm:styleLbl name="fgAccFollowNode1">
-    <dgm:scene3d>
-      <a:camera prst="orthographicFront">
-        <a:rot lat="0" lon="0" rev="0"/>
-      </a:camera>
-      <a:lightRig rig="contrasting" dir="t">
-        <a:rot lat="0" lon="0" rev="1200000"/>
-      </a:lightRig>
-    </dgm:scene3d>
-    <dgm:sp3d z="300000" contourW="19050" prstMaterial="metal">
-      <a:bevelT w="88900" h="203200"/>
-      <a:bevelB w="165100" h="254000"/>
-    </dgm:sp3d>
-    <dgm:txPr/>
-    <dgm:style>
-      <a:lnRef idx="0">
-        <a:scrgbClr r="0" g="0" b="0"/>
-      </a:lnRef>
-      <a:fillRef idx="1">
-        <a:scrgbClr r="0" g="0" b="0"/>
-      </a:fillRef>
-      <a:effectRef idx="0">
-        <a:scrgbClr r="0" g="0" b="0"/>
-      </a:effectRef>
-      <a:fontRef idx="minor"/>
-    </dgm:style>
-  </dgm:styleLbl>
-  <dgm:styleLbl name="alignAccFollowNode1">
-    <dgm:scene3d>
-      <a:camera prst="orthographicFront">
-        <a:rot lat="0" lon="0" rev="0"/>
-      </a:camera>
-      <a:lightRig rig="contrasting" dir="t">
-        <a:rot lat="0" lon="0" rev="1200000"/>
-      </a:lightRig>
-    </dgm:scene3d>
-    <dgm:sp3d contourW="19050" prstMaterial="metal">
-      <a:bevelT w="88900" h="203200"/>
-      <a:bevelB w="165100" h="254000"/>
-    </dgm:sp3d>
-    <dgm:txPr/>
-    <dgm:style>
-      <a:lnRef idx="0">
-        <a:scrgbClr r="0" g="0" b="0"/>
-      </a:lnRef>
-      <a:fillRef idx="1">
-        <a:scrgbClr r="0" g="0" b="0"/>
-      </a:fillRef>
-      <a:effectRef idx="0">
-        <a:scrgbClr r="0" g="0" b="0"/>
-      </a:effectRef>
-      <a:fontRef idx="minor"/>
-    </dgm:style>
-  </dgm:styleLbl>
-  <dgm:styleLbl name="bgAccFollowNode1">
-    <dgm:scene3d>
-      <a:camera prst="orthographicFront">
-        <a:rot lat="0" lon="0" rev="0"/>
-      </a:camera>
-      <a:lightRig rig="contrasting" dir="t">
-        <a:rot lat="0" lon="0" rev="1200000"/>
-      </a:lightRig>
-    </dgm:scene3d>
-    <dgm:sp3d z="-300000" contourW="19050" prstMaterial="metal">
-      <a:bevelT w="88900" h="203200"/>
-      <a:bevelB w="165100" h="254000"/>
-    </dgm:sp3d>
-    <dgm:txPr/>
-    <dgm:style>
-      <a:lnRef idx="0">
-        <a:scrgbClr r="0" g="0" b="0"/>
-      </a:lnRef>
-      <a:fillRef idx="1">
-        <a:scrgbClr r="0" g="0" b="0"/>
-      </a:fillRef>
-      <a:effectRef idx="0">
-        <a:scrgbClr r="0" g="0" b="0"/>
-      </a:effectRef>
-      <a:fontRef idx="minor"/>
-    </dgm:style>
-  </dgm:styleLbl>
-  <dgm:styleLbl name="fgAcc0">
-    <dgm:scene3d>
-      <a:camera prst="orthographicFront">
-        <a:rot lat="0" lon="0" rev="0"/>
-      </a:camera>
-      <a:lightRig rig="contrasting" dir="t">
-        <a:rot lat="0" lon="0" rev="1200000"/>
-      </a:lightRig>
-    </dgm:scene3d>
-    <dgm:sp3d z="300000" contourW="19050" prstMaterial="metal">
-      <a:bevelT w="88900" h="203200"/>
-      <a:bevelB w="165100" h="254000"/>
-    </dgm:sp3d>
-    <dgm:txPr/>
-    <dgm:style>
-      <a:lnRef idx="0">
-        <a:scrgbClr r="0" g="0" b="0"/>
-      </a:lnRef>
-      <a:fillRef idx="1">
-        <a:scrgbClr r="0" g="0" b="0"/>
-      </a:fillRef>
-      <a:effectRef idx="0">
-        <a:scrgbClr r="0" g="0" b="0"/>
-      </a:effectRef>
-      <a:fontRef idx="minor"/>
-    </dgm:style>
-  </dgm:styleLbl>
-  <dgm:styleLbl name="fgAcc2">
-    <dgm:scene3d>
-      <a:camera prst="orthographicFront">
-        <a:rot lat="0" lon="0" rev="0"/>
-      </a:camera>
-      <a:lightRig rig="contrasting" dir="t">
-        <a:rot lat="0" lon="0" rev="1200000"/>
-      </a:lightRig>
-    </dgm:scene3d>
-    <dgm:sp3d z="300000" contourW="19050" prstMaterial="metal">
-      <a:bevelT w="88900" h="203200"/>
-      <a:bevelB w="165100" h="254000"/>
-    </dgm:sp3d>
-    <dgm:txPr/>
-    <dgm:style>
-      <a:lnRef idx="0">
-        <a:scrgbClr r="0" g="0" b="0"/>
-      </a:lnRef>
-      <a:fillRef idx="1">
-        <a:scrgbClr r="0" g="0" b="0"/>
-      </a:fillRef>
-      <a:effectRef idx="0">
-        <a:scrgbClr r="0" g="0" b="0"/>
-      </a:effectRef>
-      <a:fontRef idx="minor"/>
-    </dgm:style>
-  </dgm:styleLbl>
-  <dgm:styleLbl name="fgAcc3">
-    <dgm:scene3d>
-      <a:camera prst="orthographicFront">
-        <a:rot lat="0" lon="0" rev="0"/>
-      </a:camera>
-      <a:lightRig rig="contrasting" dir="t">
-        <a:rot lat="0" lon="0" rev="1200000"/>
-      </a:lightRig>
-    </dgm:scene3d>
-    <dgm:sp3d z="300000" contourW="19050" prstMaterial="metal">
-      <a:bevelT w="88900" h="203200"/>
-      <a:bevelB w="165100" h="254000"/>
-    </dgm:sp3d>
-    <dgm:txPr/>
-    <dgm:style>
-      <a:lnRef idx="0">
-        <a:scrgbClr r="0" g="0" b="0"/>
-      </a:lnRef>
-      <a:fillRef idx="1">
-        <a:scrgbClr r="0" g="0" b="0"/>
-      </a:fillRef>
-      <a:effectRef idx="0">
-        <a:scrgbClr r="0" g="0" b="0"/>
-      </a:effectRef>
-      <a:fontRef idx="minor"/>
-    </dgm:style>
-  </dgm:styleLbl>
-  <dgm:styleLbl name="fgAcc4">
-    <dgm:scene3d>
-      <a:camera prst="orthographicFront">
-        <a:rot lat="0" lon="0" rev="0"/>
-      </a:camera>
-      <a:lightRig rig="contrasting" dir="t">
-        <a:rot lat="0" lon="0" rev="1200000"/>
-      </a:lightRig>
-    </dgm:scene3d>
-    <dgm:sp3d z="300000" contourW="19050" prstMaterial="metal">
-      <a:bevelT w="88900" h="203200"/>
-      <a:bevelB w="165100" h="254000"/>
-    </dgm:sp3d>
-    <dgm:txPr/>
-    <dgm:style>
-      <a:lnRef idx="0">
-        <a:scrgbClr r="0" g="0" b="0"/>
-      </a:lnRef>
-      <a:fillRef idx="1">
-        <a:scrgbClr r="0" g="0" b="0"/>
-      </a:fillRef>
-      <a:effectRef idx="0">
-        <a:scrgbClr r="0" g="0" b="0"/>
-      </a:effectRef>
-      <a:fontRef idx="minor"/>
-    </dgm:style>
-  </dgm:styleLbl>
-  <dgm:styleLbl name="bgShp">
-    <dgm:scene3d>
-      <a:camera prst="orthographicFront">
-        <a:rot lat="0" lon="0" rev="0"/>
-      </a:camera>
-      <a:lightRig rig="contrasting" dir="t">
-        <a:rot lat="0" lon="0" rev="1200000"/>
-      </a:lightRig>
-    </dgm:scene3d>
-    <dgm:sp3d z="-300000" prstMaterial="plastic"/>
-    <dgm:txPr/>
-    <dgm:style>
-      <a:lnRef idx="1">
-        <a:scrgbClr r="0" g="0" b="0"/>
-      </a:lnRef>
-      <a:fillRef idx="1">
-        <a:scrgbClr r="0" g="0" b="0"/>
-      </a:fillRef>
-      <a:effectRef idx="0">
-        <a:scrgbClr r="0" g="0" b="0"/>
-      </a:effectRef>
-      <a:fontRef idx="minor"/>
-    </dgm:style>
-  </dgm:styleLbl>
-  <dgm:styleLbl name="dkBgShp">
-    <dgm:scene3d>
-      <a:camera prst="orthographicFront">
-        <a:rot lat="0" lon="0" rev="0"/>
-      </a:camera>
-      <a:lightRig rig="contrasting" dir="t">
-        <a:rot lat="0" lon="0" rev="1200000"/>
-      </a:lightRig>
-    </dgm:scene3d>
-    <dgm:sp3d contourW="12700" prstMaterial="flat">
-      <a:bevelT w="100800" h="154000"/>
-      <a:bevelB w="152400"/>
-    </dgm:sp3d>
-    <dgm:txPr/>
-    <dgm:style>
-      <a:lnRef idx="0">
-        <a:scrgbClr r="0" g="0" b="0"/>
-      </a:lnRef>
-      <a:fillRef idx="1">
-        <a:scrgbClr r="0" g="0" b="0"/>
-      </a:fillRef>
-      <a:effectRef idx="0">
-        <a:scrgbClr r="0" g="0" b="0"/>
-      </a:effectRef>
-      <a:fontRef idx="minor"/>
-    </dgm:style>
-  </dgm:styleLbl>
-  <dgm:styleLbl name="trBgShp">
-    <dgm:scene3d>
-      <a:camera prst="orthographicFront">
-        <a:rot lat="0" lon="0" rev="0"/>
-      </a:camera>
-      <a:lightRig rig="contrasting" dir="t">
-        <a:rot lat="0" lon="0" rev="1200000"/>
-      </a:lightRig>
-    </dgm:scene3d>
-    <dgm:sp3d z="-152400" prstMaterial="matte"/>
-    <dgm:txPr/>
-    <dgm:style>
-      <a:lnRef idx="1">
-        <a:scrgbClr r="0" g="0" b="0"/>
-      </a:lnRef>
-      <a:fillRef idx="1">
-        <a:scrgbClr r="0" g="0" b="0"/>
-      </a:fillRef>
-      <a:effectRef idx="0">
-        <a:scrgbClr r="0" g="0" b="0"/>
-      </a:effectRef>
-      <a:fontRef idx="minor"/>
-    </dgm:style>
-  </dgm:styleLbl>
-  <dgm:styleLbl name="fgShp">
-    <dgm:scene3d>
-      <a:camera prst="orthographicFront">
-        <a:rot lat="0" lon="0" rev="0"/>
-      </a:camera>
-      <a:lightRig rig="contrasting" dir="t">
-        <a:rot lat="0" lon="0" rev="1200000"/>
-      </a:lightRig>
-    </dgm:scene3d>
-    <dgm:sp3d z="300000" contourW="19050" prstMaterial="metal">
-      <a:bevelT w="88900" h="203200"/>
-      <a:bevelB w="165100" h="254000"/>
-    </dgm:sp3d>
-    <dgm:txPr/>
-    <dgm:style>
-      <a:lnRef idx="0">
-        <a:scrgbClr r="0" g="0" b="0"/>
-      </a:lnRef>
-      <a:fillRef idx="1">
-        <a:scrgbClr r="0" g="0" b="0"/>
-      </a:fillRef>
-      <a:effectRef idx="0">
-        <a:scrgbClr r="0" g="0" b="0"/>
-      </a:effectRef>
-      <a:fontRef idx="minor"/>
-    </dgm:style>
-  </dgm:styleLbl>
-  <dgm:styleLbl name="revTx">
-    <dgm:scene3d>
-      <a:camera prst="orthographicFront"/>
-      <a:lightRig rig="threePt" dir="t"/>
-    </dgm:scene3d>
-    <dgm:sp3d/>
-    <dgm:txPr/>
-    <dgm:style>
-      <a:lnRef idx="1">
-        <a:scrgbClr r="0" g="0" b="0"/>
-      </a:lnRef>
-      <a:fillRef idx="0">
-        <a:scrgbClr r="0" g="0" b="0"/>
-      </a:fillRef>
-      <a:effectRef idx="0">
-        <a:scrgbClr r="0" g="0" b="0"/>
-      </a:effectRef>
-      <a:fontRef idx="minor"/>
-    </dgm:style>
-  </dgm:styleLbl>
-</dgm:styleDef>
 </file>
 
 <file path=ppt/notesMasters/notesMaster1.xml><?xml version="1.0" encoding="utf-8"?>
@@ -5167,6 +867,140 @@
   <p:cSld>
     <p:spTree>
       <p:nvGrpSpPr>
+        <p:cNvPr id="1" name="Shape 187">
+          <a:extLst>
+            <a:ext uri="{FF2B5EF4-FFF2-40B4-BE49-F238E27FC236}">
+              <a16:creationId xmlns:a16="http://schemas.microsoft.com/office/drawing/2014/main" id="{1C75AE12-74EC-072B-F0E7-0A73C4B534A2}"/>
+            </a:ext>
+          </a:extLst>
+        </p:cNvPr>
+        <p:cNvGrpSpPr/>
+        <p:nvPr/>
+      </p:nvGrpSpPr>
+      <p:grpSpPr>
+        <a:xfrm>
+          <a:off x="0" y="0"/>
+          <a:ext cx="0" cy="0"/>
+          <a:chOff x="0" y="0"/>
+          <a:chExt cx="0" cy="0"/>
+        </a:xfrm>
+      </p:grpSpPr>
+      <p:sp>
+        <p:nvSpPr>
+          <p:cNvPr id="188" name="Google Shape;188;p9:notes">
+            <a:extLst>
+              <a:ext uri="{FF2B5EF4-FFF2-40B4-BE49-F238E27FC236}">
+                <a16:creationId xmlns:a16="http://schemas.microsoft.com/office/drawing/2014/main" id="{CD37370C-837F-98D0-DD1E-E464D76FC0C2}"/>
+              </a:ext>
+            </a:extLst>
+          </p:cNvPr>
+          <p:cNvSpPr txBox="1">
+            <a:spLocks noGrp="1"/>
+          </p:cNvSpPr>
+          <p:nvPr>
+            <p:ph type="body" idx="1"/>
+          </p:nvPr>
+        </p:nvSpPr>
+        <p:spPr>
+          <a:xfrm>
+            <a:off x="685800" y="4343400"/>
+            <a:ext cx="5486400" cy="4114800"/>
+          </a:xfrm>
+          <a:prstGeom prst="rect">
+            <a:avLst/>
+          </a:prstGeom>
+        </p:spPr>
+        <p:txBody>
+          <a:bodyPr spcFirstLastPara="1" wrap="square" lIns="91425" tIns="91425" rIns="91425" bIns="91425" anchor="t" anchorCtr="0">
+            <a:noAutofit/>
+          </a:bodyPr>
+          <a:lstStyle/>
+          <a:p>
+            <a:pPr marL="0" lvl="0" indent="0" algn="l" rtl="0">
+              <a:spcBef>
+                <a:spcPts val="0"/>
+              </a:spcBef>
+              <a:spcAft>
+                <a:spcPts val="0"/>
+              </a:spcAft>
+              <a:buNone/>
+            </a:pPr>
+            <a:endParaRPr/>
+          </a:p>
+        </p:txBody>
+      </p:sp>
+      <p:sp>
+        <p:nvSpPr>
+          <p:cNvPr id="189" name="Google Shape;189;p9:notes">
+            <a:extLst>
+              <a:ext uri="{FF2B5EF4-FFF2-40B4-BE49-F238E27FC236}">
+                <a16:creationId xmlns:a16="http://schemas.microsoft.com/office/drawing/2014/main" id="{7EDFBAAC-4267-C96B-197D-9D06AB3FCD7B}"/>
+              </a:ext>
+            </a:extLst>
+          </p:cNvPr>
+          <p:cNvSpPr>
+            <a:spLocks noGrp="1" noRot="1" noChangeAspect="1"/>
+          </p:cNvSpPr>
+          <p:nvPr>
+            <p:ph type="sldImg" idx="2"/>
+          </p:nvPr>
+        </p:nvSpPr>
+        <p:spPr>
+          <a:xfrm>
+            <a:off x="381000" y="685800"/>
+            <a:ext cx="6096000" cy="3429000"/>
+          </a:xfrm>
+          <a:custGeom>
+            <a:avLst/>
+            <a:gdLst/>
+            <a:ahLst/>
+            <a:cxnLst/>
+            <a:rect l="l" t="t" r="r" b="b"/>
+            <a:pathLst>
+              <a:path w="120000" h="120000" extrusionOk="0">
+                <a:moveTo>
+                  <a:pt x="0" y="0"/>
+                </a:moveTo>
+                <a:lnTo>
+                  <a:pt x="120000" y="0"/>
+                </a:lnTo>
+                <a:lnTo>
+                  <a:pt x="120000" y="120000"/>
+                </a:lnTo>
+                <a:lnTo>
+                  <a:pt x="0" y="120000"/>
+                </a:lnTo>
+                <a:close/>
+              </a:path>
+            </a:pathLst>
+          </a:custGeom>
+        </p:spPr>
+        <p:txBody>
+          <a:bodyPr/>
+          <a:lstStyle/>
+          <a:p>
+            <a:endParaRPr lang="en-IN"/>
+          </a:p>
+        </p:txBody>
+      </p:sp>
+    </p:spTree>
+    <p:extLst>
+      <p:ext uri="{BB962C8B-B14F-4D97-AF65-F5344CB8AC3E}">
+        <p14:creationId xmlns:p14="http://schemas.microsoft.com/office/powerpoint/2010/main" val="2364118634"/>
+      </p:ext>
+    </p:extLst>
+  </p:cSld>
+  <p:clrMapOvr>
+    <a:masterClrMapping/>
+  </p:clrMapOvr>
+</p:notes>
+</file>
+
+<file path=ppt/notesSlides/notesSlide11.xml><?xml version="1.0" encoding="utf-8"?>
+<p:notes xmlns:a="http://schemas.openxmlformats.org/drawingml/2006/main" xmlns:r="http://schemas.openxmlformats.org/officeDocument/2006/relationships" xmlns:p="http://schemas.openxmlformats.org/presentationml/2006/main" showMasterSp="0" showMasterPhAnim="0">
+  <p:cSld>
+    <p:spTree>
+      <p:nvGrpSpPr>
         <p:cNvPr id="1" name="Shape 168"/>
         <p:cNvGrpSpPr/>
         <p:nvPr/>
@@ -5273,7 +1107,7 @@
 </p:notes>
 </file>
 
-<file path=ppt/notesSlides/notesSlide11.xml><?xml version="1.0" encoding="utf-8"?>
+<file path=ppt/notesSlides/notesSlide12.xml><?xml version="1.0" encoding="utf-8"?>
 <p:notes xmlns:a="http://schemas.openxmlformats.org/drawingml/2006/main" xmlns:r="http://schemas.openxmlformats.org/officeDocument/2006/relationships" xmlns:p="http://schemas.openxmlformats.org/presentationml/2006/main" showMasterSp="0" showMasterPhAnim="0">
   <p:cSld>
     <p:spTree>
@@ -5407,7 +1241,275 @@
 </p:notes>
 </file>
 
-<file path=ppt/notesSlides/notesSlide12.xml><?xml version="1.0" encoding="utf-8"?>
+<file path=ppt/notesSlides/notesSlide13.xml><?xml version="1.0" encoding="utf-8"?>
+<p:notes xmlns:a="http://schemas.openxmlformats.org/drawingml/2006/main" xmlns:r="http://schemas.openxmlformats.org/officeDocument/2006/relationships" xmlns:p="http://schemas.openxmlformats.org/presentationml/2006/main" showMasterSp="0" showMasterPhAnim="0">
+  <p:cSld>
+    <p:spTree>
+      <p:nvGrpSpPr>
+        <p:cNvPr id="1" name="Shape 168">
+          <a:extLst>
+            <a:ext uri="{FF2B5EF4-FFF2-40B4-BE49-F238E27FC236}">
+              <a16:creationId xmlns:a16="http://schemas.microsoft.com/office/drawing/2014/main" id="{D6FC3970-AD46-6AAC-13CA-270823D70BD6}"/>
+            </a:ext>
+          </a:extLst>
+        </p:cNvPr>
+        <p:cNvGrpSpPr/>
+        <p:nvPr/>
+      </p:nvGrpSpPr>
+      <p:grpSpPr>
+        <a:xfrm>
+          <a:off x="0" y="0"/>
+          <a:ext cx="0" cy="0"/>
+          <a:chOff x="0" y="0"/>
+          <a:chExt cx="0" cy="0"/>
+        </a:xfrm>
+      </p:grpSpPr>
+      <p:sp>
+        <p:nvSpPr>
+          <p:cNvPr id="169" name="Google Shape;169;p8:notes">
+            <a:extLst>
+              <a:ext uri="{FF2B5EF4-FFF2-40B4-BE49-F238E27FC236}">
+                <a16:creationId xmlns:a16="http://schemas.microsoft.com/office/drawing/2014/main" id="{8D0C594A-73D9-FB81-261C-ED1F7FF2AB0A}"/>
+              </a:ext>
+            </a:extLst>
+          </p:cNvPr>
+          <p:cNvSpPr txBox="1">
+            <a:spLocks noGrp="1"/>
+          </p:cNvSpPr>
+          <p:nvPr>
+            <p:ph type="body" idx="1"/>
+          </p:nvPr>
+        </p:nvSpPr>
+        <p:spPr>
+          <a:xfrm>
+            <a:off x="685800" y="4343400"/>
+            <a:ext cx="5486400" cy="4114800"/>
+          </a:xfrm>
+          <a:prstGeom prst="rect">
+            <a:avLst/>
+          </a:prstGeom>
+        </p:spPr>
+        <p:txBody>
+          <a:bodyPr spcFirstLastPara="1" wrap="square" lIns="91425" tIns="91425" rIns="91425" bIns="91425" anchor="t" anchorCtr="0">
+            <a:noAutofit/>
+          </a:bodyPr>
+          <a:lstStyle/>
+          <a:p>
+            <a:pPr marL="0" lvl="0" indent="0" algn="l" rtl="0">
+              <a:spcBef>
+                <a:spcPts val="0"/>
+              </a:spcBef>
+              <a:spcAft>
+                <a:spcPts val="0"/>
+              </a:spcAft>
+              <a:buNone/>
+            </a:pPr>
+            <a:endParaRPr/>
+          </a:p>
+        </p:txBody>
+      </p:sp>
+      <p:sp>
+        <p:nvSpPr>
+          <p:cNvPr id="170" name="Google Shape;170;p8:notes">
+            <a:extLst>
+              <a:ext uri="{FF2B5EF4-FFF2-40B4-BE49-F238E27FC236}">
+                <a16:creationId xmlns:a16="http://schemas.microsoft.com/office/drawing/2014/main" id="{025C86B0-004B-E859-8BA1-589626E1D092}"/>
+              </a:ext>
+            </a:extLst>
+          </p:cNvPr>
+          <p:cNvSpPr>
+            <a:spLocks noGrp="1" noRot="1" noChangeAspect="1"/>
+          </p:cNvSpPr>
+          <p:nvPr>
+            <p:ph type="sldImg" idx="2"/>
+          </p:nvPr>
+        </p:nvSpPr>
+        <p:spPr>
+          <a:xfrm>
+            <a:off x="381000" y="685800"/>
+            <a:ext cx="6096000" cy="3429000"/>
+          </a:xfrm>
+          <a:custGeom>
+            <a:avLst/>
+            <a:gdLst/>
+            <a:ahLst/>
+            <a:cxnLst/>
+            <a:rect l="l" t="t" r="r" b="b"/>
+            <a:pathLst>
+              <a:path w="120000" h="120000" extrusionOk="0">
+                <a:moveTo>
+                  <a:pt x="0" y="0"/>
+                </a:moveTo>
+                <a:lnTo>
+                  <a:pt x="120000" y="0"/>
+                </a:lnTo>
+                <a:lnTo>
+                  <a:pt x="120000" y="120000"/>
+                </a:lnTo>
+                <a:lnTo>
+                  <a:pt x="0" y="120000"/>
+                </a:lnTo>
+                <a:close/>
+              </a:path>
+            </a:pathLst>
+          </a:custGeom>
+        </p:spPr>
+        <p:txBody>
+          <a:bodyPr/>
+          <a:lstStyle/>
+          <a:p>
+            <a:endParaRPr lang="en-IN"/>
+          </a:p>
+        </p:txBody>
+      </p:sp>
+    </p:spTree>
+    <p:extLst>
+      <p:ext uri="{BB962C8B-B14F-4D97-AF65-F5344CB8AC3E}">
+        <p14:creationId xmlns:p14="http://schemas.microsoft.com/office/powerpoint/2010/main" val="1847523377"/>
+      </p:ext>
+    </p:extLst>
+  </p:cSld>
+  <p:clrMapOvr>
+    <a:masterClrMapping/>
+  </p:clrMapOvr>
+</p:notes>
+</file>
+
+<file path=ppt/notesSlides/notesSlide14.xml><?xml version="1.0" encoding="utf-8"?>
+<p:notes xmlns:a="http://schemas.openxmlformats.org/drawingml/2006/main" xmlns:r="http://schemas.openxmlformats.org/officeDocument/2006/relationships" xmlns:p="http://schemas.openxmlformats.org/presentationml/2006/main" showMasterSp="0" showMasterPhAnim="0">
+  <p:cSld>
+    <p:spTree>
+      <p:nvGrpSpPr>
+        <p:cNvPr id="1" name="Shape 168">
+          <a:extLst>
+            <a:ext uri="{FF2B5EF4-FFF2-40B4-BE49-F238E27FC236}">
+              <a16:creationId xmlns:a16="http://schemas.microsoft.com/office/drawing/2014/main" id="{A52F5F50-4285-520F-F0D0-23B0083343B1}"/>
+            </a:ext>
+          </a:extLst>
+        </p:cNvPr>
+        <p:cNvGrpSpPr/>
+        <p:nvPr/>
+      </p:nvGrpSpPr>
+      <p:grpSpPr>
+        <a:xfrm>
+          <a:off x="0" y="0"/>
+          <a:ext cx="0" cy="0"/>
+          <a:chOff x="0" y="0"/>
+          <a:chExt cx="0" cy="0"/>
+        </a:xfrm>
+      </p:grpSpPr>
+      <p:sp>
+        <p:nvSpPr>
+          <p:cNvPr id="169" name="Google Shape;169;p8:notes">
+            <a:extLst>
+              <a:ext uri="{FF2B5EF4-FFF2-40B4-BE49-F238E27FC236}">
+                <a16:creationId xmlns:a16="http://schemas.microsoft.com/office/drawing/2014/main" id="{90E41C69-8B3F-2BB1-7A71-C1A05E8C9C7C}"/>
+              </a:ext>
+            </a:extLst>
+          </p:cNvPr>
+          <p:cNvSpPr txBox="1">
+            <a:spLocks noGrp="1"/>
+          </p:cNvSpPr>
+          <p:nvPr>
+            <p:ph type="body" idx="1"/>
+          </p:nvPr>
+        </p:nvSpPr>
+        <p:spPr>
+          <a:xfrm>
+            <a:off x="685800" y="4343400"/>
+            <a:ext cx="5486400" cy="4114800"/>
+          </a:xfrm>
+          <a:prstGeom prst="rect">
+            <a:avLst/>
+          </a:prstGeom>
+        </p:spPr>
+        <p:txBody>
+          <a:bodyPr spcFirstLastPara="1" wrap="square" lIns="91425" tIns="91425" rIns="91425" bIns="91425" anchor="t" anchorCtr="0">
+            <a:noAutofit/>
+          </a:bodyPr>
+          <a:lstStyle/>
+          <a:p>
+            <a:pPr marL="0" lvl="0" indent="0" algn="l" rtl="0">
+              <a:spcBef>
+                <a:spcPts val="0"/>
+              </a:spcBef>
+              <a:spcAft>
+                <a:spcPts val="0"/>
+              </a:spcAft>
+              <a:buNone/>
+            </a:pPr>
+            <a:endParaRPr/>
+          </a:p>
+        </p:txBody>
+      </p:sp>
+      <p:sp>
+        <p:nvSpPr>
+          <p:cNvPr id="170" name="Google Shape;170;p8:notes">
+            <a:extLst>
+              <a:ext uri="{FF2B5EF4-FFF2-40B4-BE49-F238E27FC236}">
+                <a16:creationId xmlns:a16="http://schemas.microsoft.com/office/drawing/2014/main" id="{412399E5-91D5-AB1A-B5F1-2D773C18DF99}"/>
+              </a:ext>
+            </a:extLst>
+          </p:cNvPr>
+          <p:cNvSpPr>
+            <a:spLocks noGrp="1" noRot="1" noChangeAspect="1"/>
+          </p:cNvSpPr>
+          <p:nvPr>
+            <p:ph type="sldImg" idx="2"/>
+          </p:nvPr>
+        </p:nvSpPr>
+        <p:spPr>
+          <a:xfrm>
+            <a:off x="381000" y="685800"/>
+            <a:ext cx="6096000" cy="3429000"/>
+          </a:xfrm>
+          <a:custGeom>
+            <a:avLst/>
+            <a:gdLst/>
+            <a:ahLst/>
+            <a:cxnLst/>
+            <a:rect l="l" t="t" r="r" b="b"/>
+            <a:pathLst>
+              <a:path w="120000" h="120000" extrusionOk="0">
+                <a:moveTo>
+                  <a:pt x="0" y="0"/>
+                </a:moveTo>
+                <a:lnTo>
+                  <a:pt x="120000" y="0"/>
+                </a:lnTo>
+                <a:lnTo>
+                  <a:pt x="120000" y="120000"/>
+                </a:lnTo>
+                <a:lnTo>
+                  <a:pt x="0" y="120000"/>
+                </a:lnTo>
+                <a:close/>
+              </a:path>
+            </a:pathLst>
+          </a:custGeom>
+        </p:spPr>
+        <p:txBody>
+          <a:bodyPr/>
+          <a:lstStyle/>
+          <a:p>
+            <a:endParaRPr lang="en-IN"/>
+          </a:p>
+        </p:txBody>
+      </p:sp>
+    </p:spTree>
+    <p:extLst>
+      <p:ext uri="{BB962C8B-B14F-4D97-AF65-F5344CB8AC3E}">
+        <p14:creationId xmlns:p14="http://schemas.microsoft.com/office/powerpoint/2010/main" val="69721943"/>
+      </p:ext>
+    </p:extLst>
+  </p:cSld>
+  <p:clrMapOvr>
+    <a:masterClrMapping/>
+  </p:clrMapOvr>
+</p:notes>
+</file>
+
+<file path=ppt/notesSlides/notesSlide15.xml><?xml version="1.0" encoding="utf-8"?>
 <p:notes xmlns:a="http://schemas.openxmlformats.org/drawingml/2006/main" xmlns:r="http://schemas.openxmlformats.org/officeDocument/2006/relationships" xmlns:p="http://schemas.openxmlformats.org/presentationml/2006/main" showMasterSp="0" showMasterPhAnim="0">
   <p:cSld>
     <p:spTree>
@@ -5523,6 +1625,251 @@
   <p:cSld>
     <p:spTree>
       <p:nvGrpSpPr>
+        <p:cNvPr id="1" name="Shape 80"/>
+        <p:cNvGrpSpPr/>
+        <p:nvPr/>
+      </p:nvGrpSpPr>
+      <p:grpSpPr>
+        <a:xfrm>
+          <a:off x="0" y="0"/>
+          <a:ext cx="0" cy="0"/>
+          <a:chOff x="0" y="0"/>
+          <a:chExt cx="0" cy="0"/>
+        </a:xfrm>
+      </p:grpSpPr>
+      <p:sp>
+        <p:nvSpPr>
+          <p:cNvPr id="81" name="Google Shape;81;p3:notes"/>
+          <p:cNvSpPr txBox="1">
+            <a:spLocks noGrp="1"/>
+          </p:cNvSpPr>
+          <p:nvPr>
+            <p:ph type="body" idx="1"/>
+          </p:nvPr>
+        </p:nvSpPr>
+        <p:spPr>
+          <a:xfrm>
+            <a:off x="685800" y="4343400"/>
+            <a:ext cx="5486400" cy="4114800"/>
+          </a:xfrm>
+          <a:prstGeom prst="rect">
+            <a:avLst/>
+          </a:prstGeom>
+        </p:spPr>
+        <p:txBody>
+          <a:bodyPr spcFirstLastPara="1" wrap="square" lIns="91425" tIns="91425" rIns="91425" bIns="91425" anchor="t" anchorCtr="0">
+            <a:noAutofit/>
+          </a:bodyPr>
+          <a:lstStyle/>
+          <a:p>
+            <a:pPr marL="0" lvl="0" indent="0" algn="l" rtl="0">
+              <a:spcBef>
+                <a:spcPts val="0"/>
+              </a:spcBef>
+              <a:spcAft>
+                <a:spcPts val="0"/>
+              </a:spcAft>
+              <a:buNone/>
+            </a:pPr>
+            <a:endParaRPr/>
+          </a:p>
+        </p:txBody>
+      </p:sp>
+      <p:sp>
+        <p:nvSpPr>
+          <p:cNvPr id="82" name="Google Shape;82;p3:notes"/>
+          <p:cNvSpPr>
+            <a:spLocks noGrp="1" noRot="1" noChangeAspect="1"/>
+          </p:cNvSpPr>
+          <p:nvPr>
+            <p:ph type="sldImg" idx="2"/>
+          </p:nvPr>
+        </p:nvSpPr>
+        <p:spPr>
+          <a:xfrm>
+            <a:off x="381000" y="685800"/>
+            <a:ext cx="6096000" cy="3429000"/>
+          </a:xfrm>
+          <a:custGeom>
+            <a:avLst/>
+            <a:gdLst/>
+            <a:ahLst/>
+            <a:cxnLst/>
+            <a:rect l="l" t="t" r="r" b="b"/>
+            <a:pathLst>
+              <a:path w="120000" h="120000" extrusionOk="0">
+                <a:moveTo>
+                  <a:pt x="0" y="0"/>
+                </a:moveTo>
+                <a:lnTo>
+                  <a:pt x="120000" y="0"/>
+                </a:lnTo>
+                <a:lnTo>
+                  <a:pt x="120000" y="120000"/>
+                </a:lnTo>
+                <a:lnTo>
+                  <a:pt x="0" y="120000"/>
+                </a:lnTo>
+                <a:close/>
+              </a:path>
+            </a:pathLst>
+          </a:custGeom>
+        </p:spPr>
+        <p:txBody>
+          <a:bodyPr/>
+          <a:lstStyle/>
+          <a:p>
+            <a:endParaRPr lang="en-IN"/>
+          </a:p>
+        </p:txBody>
+      </p:sp>
+    </p:spTree>
+  </p:cSld>
+  <p:clrMapOvr>
+    <a:masterClrMapping/>
+  </p:clrMapOvr>
+</p:notes>
+</file>
+
+<file path=ppt/notesSlides/notesSlide3.xml><?xml version="1.0" encoding="utf-8"?>
+<p:notes xmlns:a="http://schemas.openxmlformats.org/drawingml/2006/main" xmlns:r="http://schemas.openxmlformats.org/officeDocument/2006/relationships" xmlns:p="http://schemas.openxmlformats.org/presentationml/2006/main" showMasterSp="0" showMasterPhAnim="0">
+  <p:cSld>
+    <p:spTree>
+      <p:nvGrpSpPr>
+        <p:cNvPr id="1" name="Shape 168">
+          <a:extLst>
+            <a:ext uri="{FF2B5EF4-FFF2-40B4-BE49-F238E27FC236}">
+              <a16:creationId xmlns:a16="http://schemas.microsoft.com/office/drawing/2014/main" id="{C5F1A463-01B7-BB4D-AF41-D9D9B748E2AD}"/>
+            </a:ext>
+          </a:extLst>
+        </p:cNvPr>
+        <p:cNvGrpSpPr/>
+        <p:nvPr/>
+      </p:nvGrpSpPr>
+      <p:grpSpPr>
+        <a:xfrm>
+          <a:off x="0" y="0"/>
+          <a:ext cx="0" cy="0"/>
+          <a:chOff x="0" y="0"/>
+          <a:chExt cx="0" cy="0"/>
+        </a:xfrm>
+      </p:grpSpPr>
+      <p:sp>
+        <p:nvSpPr>
+          <p:cNvPr id="169" name="Google Shape;169;p8:notes">
+            <a:extLst>
+              <a:ext uri="{FF2B5EF4-FFF2-40B4-BE49-F238E27FC236}">
+                <a16:creationId xmlns:a16="http://schemas.microsoft.com/office/drawing/2014/main" id="{D34E6273-1BA0-21A9-FB28-36EDA328E7E3}"/>
+              </a:ext>
+            </a:extLst>
+          </p:cNvPr>
+          <p:cNvSpPr txBox="1">
+            <a:spLocks noGrp="1"/>
+          </p:cNvSpPr>
+          <p:nvPr>
+            <p:ph type="body" idx="1"/>
+          </p:nvPr>
+        </p:nvSpPr>
+        <p:spPr>
+          <a:xfrm>
+            <a:off x="685800" y="4343400"/>
+            <a:ext cx="5486400" cy="4114800"/>
+          </a:xfrm>
+          <a:prstGeom prst="rect">
+            <a:avLst/>
+          </a:prstGeom>
+        </p:spPr>
+        <p:txBody>
+          <a:bodyPr spcFirstLastPara="1" wrap="square" lIns="91425" tIns="91425" rIns="91425" bIns="91425" anchor="t" anchorCtr="0">
+            <a:noAutofit/>
+          </a:bodyPr>
+          <a:lstStyle/>
+          <a:p>
+            <a:pPr marL="0" lvl="0" indent="0" algn="l" rtl="0">
+              <a:spcBef>
+                <a:spcPts val="0"/>
+              </a:spcBef>
+              <a:spcAft>
+                <a:spcPts val="0"/>
+              </a:spcAft>
+              <a:buNone/>
+            </a:pPr>
+            <a:endParaRPr/>
+          </a:p>
+        </p:txBody>
+      </p:sp>
+      <p:sp>
+        <p:nvSpPr>
+          <p:cNvPr id="170" name="Google Shape;170;p8:notes">
+            <a:extLst>
+              <a:ext uri="{FF2B5EF4-FFF2-40B4-BE49-F238E27FC236}">
+                <a16:creationId xmlns:a16="http://schemas.microsoft.com/office/drawing/2014/main" id="{08541B5D-5D2B-034F-273C-F3D37EF76135}"/>
+              </a:ext>
+            </a:extLst>
+          </p:cNvPr>
+          <p:cNvSpPr>
+            <a:spLocks noGrp="1" noRot="1" noChangeAspect="1"/>
+          </p:cNvSpPr>
+          <p:nvPr>
+            <p:ph type="sldImg" idx="2"/>
+          </p:nvPr>
+        </p:nvSpPr>
+        <p:spPr>
+          <a:xfrm>
+            <a:off x="381000" y="685800"/>
+            <a:ext cx="6096000" cy="3429000"/>
+          </a:xfrm>
+          <a:custGeom>
+            <a:avLst/>
+            <a:gdLst/>
+            <a:ahLst/>
+            <a:cxnLst/>
+            <a:rect l="l" t="t" r="r" b="b"/>
+            <a:pathLst>
+              <a:path w="120000" h="120000" extrusionOk="0">
+                <a:moveTo>
+                  <a:pt x="0" y="0"/>
+                </a:moveTo>
+                <a:lnTo>
+                  <a:pt x="120000" y="0"/>
+                </a:lnTo>
+                <a:lnTo>
+                  <a:pt x="120000" y="120000"/>
+                </a:lnTo>
+                <a:lnTo>
+                  <a:pt x="0" y="120000"/>
+                </a:lnTo>
+                <a:close/>
+              </a:path>
+            </a:pathLst>
+          </a:custGeom>
+        </p:spPr>
+        <p:txBody>
+          <a:bodyPr/>
+          <a:lstStyle/>
+          <a:p>
+            <a:endParaRPr lang="en-IN"/>
+          </a:p>
+        </p:txBody>
+      </p:sp>
+    </p:spTree>
+    <p:extLst>
+      <p:ext uri="{BB962C8B-B14F-4D97-AF65-F5344CB8AC3E}">
+        <p14:creationId xmlns:p14="http://schemas.microsoft.com/office/powerpoint/2010/main" val="1421000992"/>
+      </p:ext>
+    </p:extLst>
+  </p:cSld>
+  <p:clrMapOvr>
+    <a:masterClrMapping/>
+  </p:clrMapOvr>
+</p:notes>
+</file>
+
+<file path=ppt/notesSlides/notesSlide4.xml><?xml version="1.0" encoding="utf-8"?>
+<p:notes xmlns:a="http://schemas.openxmlformats.org/drawingml/2006/main" xmlns:r="http://schemas.openxmlformats.org/officeDocument/2006/relationships" xmlns:p="http://schemas.openxmlformats.org/presentationml/2006/main" showMasterSp="0" showMasterPhAnim="0">
+  <p:cSld>
+    <p:spTree>
+      <p:nvGrpSpPr>
         <p:cNvPr id="1" name="Shape 61"/>
         <p:cNvGrpSpPr/>
         <p:nvPr/>
@@ -5629,118 +1976,7 @@
 </p:notes>
 </file>
 
-<file path=ppt/notesSlides/notesSlide3.xml><?xml version="1.0" encoding="utf-8"?>
-<p:notes xmlns:a="http://schemas.openxmlformats.org/drawingml/2006/main" xmlns:r="http://schemas.openxmlformats.org/officeDocument/2006/relationships" xmlns:p="http://schemas.openxmlformats.org/presentationml/2006/main" showMasterSp="0" showMasterPhAnim="0">
-  <p:cSld>
-    <p:spTree>
-      <p:nvGrpSpPr>
-        <p:cNvPr id="1" name="Shape 80"/>
-        <p:cNvGrpSpPr/>
-        <p:nvPr/>
-      </p:nvGrpSpPr>
-      <p:grpSpPr>
-        <a:xfrm>
-          <a:off x="0" y="0"/>
-          <a:ext cx="0" cy="0"/>
-          <a:chOff x="0" y="0"/>
-          <a:chExt cx="0" cy="0"/>
-        </a:xfrm>
-      </p:grpSpPr>
-      <p:sp>
-        <p:nvSpPr>
-          <p:cNvPr id="81" name="Google Shape;81;p3:notes"/>
-          <p:cNvSpPr txBox="1">
-            <a:spLocks noGrp="1"/>
-          </p:cNvSpPr>
-          <p:nvPr>
-            <p:ph type="body" idx="1"/>
-          </p:nvPr>
-        </p:nvSpPr>
-        <p:spPr>
-          <a:xfrm>
-            <a:off x="685800" y="4343400"/>
-            <a:ext cx="5486400" cy="4114800"/>
-          </a:xfrm>
-          <a:prstGeom prst="rect">
-            <a:avLst/>
-          </a:prstGeom>
-        </p:spPr>
-        <p:txBody>
-          <a:bodyPr spcFirstLastPara="1" wrap="square" lIns="91425" tIns="91425" rIns="91425" bIns="91425" anchor="t" anchorCtr="0">
-            <a:noAutofit/>
-          </a:bodyPr>
-          <a:lstStyle/>
-          <a:p>
-            <a:pPr marL="0" lvl="0" indent="0" algn="l" rtl="0">
-              <a:spcBef>
-                <a:spcPts val="0"/>
-              </a:spcBef>
-              <a:spcAft>
-                <a:spcPts val="0"/>
-              </a:spcAft>
-              <a:buNone/>
-            </a:pPr>
-            <a:endParaRPr/>
-          </a:p>
-        </p:txBody>
-      </p:sp>
-      <p:sp>
-        <p:nvSpPr>
-          <p:cNvPr id="82" name="Google Shape;82;p3:notes"/>
-          <p:cNvSpPr>
-            <a:spLocks noGrp="1" noRot="1" noChangeAspect="1"/>
-          </p:cNvSpPr>
-          <p:nvPr>
-            <p:ph type="sldImg" idx="2"/>
-          </p:nvPr>
-        </p:nvSpPr>
-        <p:spPr>
-          <a:xfrm>
-            <a:off x="381000" y="685800"/>
-            <a:ext cx="6096000" cy="3429000"/>
-          </a:xfrm>
-          <a:custGeom>
-            <a:avLst/>
-            <a:gdLst/>
-            <a:ahLst/>
-            <a:cxnLst/>
-            <a:rect l="l" t="t" r="r" b="b"/>
-            <a:pathLst>
-              <a:path w="120000" h="120000" extrusionOk="0">
-                <a:moveTo>
-                  <a:pt x="0" y="0"/>
-                </a:moveTo>
-                <a:lnTo>
-                  <a:pt x="120000" y="0"/>
-                </a:lnTo>
-                <a:lnTo>
-                  <a:pt x="120000" y="120000"/>
-                </a:lnTo>
-                <a:lnTo>
-                  <a:pt x="0" y="120000"/>
-                </a:lnTo>
-                <a:close/>
-              </a:path>
-            </a:pathLst>
-          </a:custGeom>
-        </p:spPr>
-        <p:txBody>
-          <a:bodyPr/>
-          <a:lstStyle/>
-          <a:p>
-            <a:endParaRPr lang="en-IN"/>
-          </a:p>
-        </p:txBody>
-      </p:sp>
-    </p:spTree>
-  </p:cSld>
-  <p:clrMapOvr>
-    <a:masterClrMapping/>
-  </p:clrMapOvr>
-</p:notes>
-</file>
-
-<file path=ppt/notesSlides/notesSlide4.xml><?xml version="1.0" encoding="utf-8"?>
+<file path=ppt/notesSlides/notesSlide5.xml><?xml version="1.0" encoding="utf-8"?>
 <p:notes xmlns:a="http://schemas.openxmlformats.org/drawingml/2006/main" xmlns:r="http://schemas.openxmlformats.org/officeDocument/2006/relationships" xmlns:p="http://schemas.openxmlformats.org/presentationml/2006/main" showMasterSp="0" showMasterPhAnim="0">
   <p:cSld>
     <p:spTree>
@@ -5851,7 +2087,7 @@
 </p:notes>
 </file>
 
-<file path=ppt/notesSlides/notesSlide5.xml><?xml version="1.0" encoding="utf-8"?>
+<file path=ppt/notesSlides/notesSlide6.xml><?xml version="1.0" encoding="utf-8"?>
 <p:notes xmlns:a="http://schemas.openxmlformats.org/drawingml/2006/main" xmlns:r="http://schemas.openxmlformats.org/officeDocument/2006/relationships" xmlns:p="http://schemas.openxmlformats.org/presentationml/2006/main" showMasterSp="0" showMasterPhAnim="0">
   <p:cSld>
     <p:spTree>
@@ -5985,7 +2221,7 @@
 </p:notes>
 </file>
 
-<file path=ppt/notesSlides/notesSlide6.xml><?xml version="1.0" encoding="utf-8"?>
+<file path=ppt/notesSlides/notesSlide7.xml><?xml version="1.0" encoding="utf-8"?>
 <p:notes xmlns:a="http://schemas.openxmlformats.org/drawingml/2006/main" xmlns:r="http://schemas.openxmlformats.org/officeDocument/2006/relationships" xmlns:p="http://schemas.openxmlformats.org/presentationml/2006/main" showMasterSp="0" showMasterPhAnim="0">
   <p:cSld>
     <p:spTree>
@@ -6119,7 +2355,7 @@
 </p:notes>
 </file>
 
-<file path=ppt/notesSlides/notesSlide7.xml><?xml version="1.0" encoding="utf-8"?>
+<file path=ppt/notesSlides/notesSlide8.xml><?xml version="1.0" encoding="utf-8"?>
 <p:notes xmlns:a="http://schemas.openxmlformats.org/drawingml/2006/main" xmlns:r="http://schemas.openxmlformats.org/officeDocument/2006/relationships" xmlns:p="http://schemas.openxmlformats.org/presentationml/2006/main" showMasterSp="0" showMasterPhAnim="0">
   <p:cSld>
     <p:spTree>
@@ -6230,7 +2466,7 @@
 </p:notes>
 </file>
 
-<file path=ppt/notesSlides/notesSlide8.xml><?xml version="1.0" encoding="utf-8"?>
+<file path=ppt/notesSlides/notesSlide9.xml><?xml version="1.0" encoding="utf-8"?>
 <p:notes xmlns:a="http://schemas.openxmlformats.org/drawingml/2006/main" xmlns:r="http://schemas.openxmlformats.org/officeDocument/2006/relationships" xmlns:p="http://schemas.openxmlformats.org/presentationml/2006/main" showMasterSp="0" showMasterPhAnim="0">
   <p:cSld>
     <p:spTree>
@@ -6355,140 +2591,6 @@
     <p:extLst>
       <p:ext uri="{BB962C8B-B14F-4D97-AF65-F5344CB8AC3E}">
         <p14:creationId xmlns:p14="http://schemas.microsoft.com/office/powerpoint/2010/main" val="272761469"/>
-      </p:ext>
-    </p:extLst>
-  </p:cSld>
-  <p:clrMapOvr>
-    <a:masterClrMapping/>
-  </p:clrMapOvr>
-</p:notes>
-</file>
-
-<file path=ppt/notesSlides/notesSlide9.xml><?xml version="1.0" encoding="utf-8"?>
-<p:notes xmlns:a="http://schemas.openxmlformats.org/drawingml/2006/main" xmlns:r="http://schemas.openxmlformats.org/officeDocument/2006/relationships" xmlns:p="http://schemas.openxmlformats.org/presentationml/2006/main" showMasterSp="0" showMasterPhAnim="0">
-  <p:cSld>
-    <p:spTree>
-      <p:nvGrpSpPr>
-        <p:cNvPr id="1" name="Shape 187">
-          <a:extLst>
-            <a:ext uri="{FF2B5EF4-FFF2-40B4-BE49-F238E27FC236}">
-              <a16:creationId xmlns:a16="http://schemas.microsoft.com/office/drawing/2014/main" id="{1C75AE12-74EC-072B-F0E7-0A73C4B534A2}"/>
-            </a:ext>
-          </a:extLst>
-        </p:cNvPr>
-        <p:cNvGrpSpPr/>
-        <p:nvPr/>
-      </p:nvGrpSpPr>
-      <p:grpSpPr>
-        <a:xfrm>
-          <a:off x="0" y="0"/>
-          <a:ext cx="0" cy="0"/>
-          <a:chOff x="0" y="0"/>
-          <a:chExt cx="0" cy="0"/>
-        </a:xfrm>
-      </p:grpSpPr>
-      <p:sp>
-        <p:nvSpPr>
-          <p:cNvPr id="188" name="Google Shape;188;p9:notes">
-            <a:extLst>
-              <a:ext uri="{FF2B5EF4-FFF2-40B4-BE49-F238E27FC236}">
-                <a16:creationId xmlns:a16="http://schemas.microsoft.com/office/drawing/2014/main" id="{CD37370C-837F-98D0-DD1E-E464D76FC0C2}"/>
-              </a:ext>
-            </a:extLst>
-          </p:cNvPr>
-          <p:cNvSpPr txBox="1">
-            <a:spLocks noGrp="1"/>
-          </p:cNvSpPr>
-          <p:nvPr>
-            <p:ph type="body" idx="1"/>
-          </p:nvPr>
-        </p:nvSpPr>
-        <p:spPr>
-          <a:xfrm>
-            <a:off x="685800" y="4343400"/>
-            <a:ext cx="5486400" cy="4114800"/>
-          </a:xfrm>
-          <a:prstGeom prst="rect">
-            <a:avLst/>
-          </a:prstGeom>
-        </p:spPr>
-        <p:txBody>
-          <a:bodyPr spcFirstLastPara="1" wrap="square" lIns="91425" tIns="91425" rIns="91425" bIns="91425" anchor="t" anchorCtr="0">
-            <a:noAutofit/>
-          </a:bodyPr>
-          <a:lstStyle/>
-          <a:p>
-            <a:pPr marL="0" lvl="0" indent="0" algn="l" rtl="0">
-              <a:spcBef>
-                <a:spcPts val="0"/>
-              </a:spcBef>
-              <a:spcAft>
-                <a:spcPts val="0"/>
-              </a:spcAft>
-              <a:buNone/>
-            </a:pPr>
-            <a:endParaRPr/>
-          </a:p>
-        </p:txBody>
-      </p:sp>
-      <p:sp>
-        <p:nvSpPr>
-          <p:cNvPr id="189" name="Google Shape;189;p9:notes">
-            <a:extLst>
-              <a:ext uri="{FF2B5EF4-FFF2-40B4-BE49-F238E27FC236}">
-                <a16:creationId xmlns:a16="http://schemas.microsoft.com/office/drawing/2014/main" id="{7EDFBAAC-4267-C96B-197D-9D06AB3FCD7B}"/>
-              </a:ext>
-            </a:extLst>
-          </p:cNvPr>
-          <p:cNvSpPr>
-            <a:spLocks noGrp="1" noRot="1" noChangeAspect="1"/>
-          </p:cNvSpPr>
-          <p:nvPr>
-            <p:ph type="sldImg" idx="2"/>
-          </p:nvPr>
-        </p:nvSpPr>
-        <p:spPr>
-          <a:xfrm>
-            <a:off x="381000" y="685800"/>
-            <a:ext cx="6096000" cy="3429000"/>
-          </a:xfrm>
-          <a:custGeom>
-            <a:avLst/>
-            <a:gdLst/>
-            <a:ahLst/>
-            <a:cxnLst/>
-            <a:rect l="l" t="t" r="r" b="b"/>
-            <a:pathLst>
-              <a:path w="120000" h="120000" extrusionOk="0">
-                <a:moveTo>
-                  <a:pt x="0" y="0"/>
-                </a:moveTo>
-                <a:lnTo>
-                  <a:pt x="120000" y="0"/>
-                </a:lnTo>
-                <a:lnTo>
-                  <a:pt x="120000" y="120000"/>
-                </a:lnTo>
-                <a:lnTo>
-                  <a:pt x="0" y="120000"/>
-                </a:lnTo>
-                <a:close/>
-              </a:path>
-            </a:pathLst>
-          </a:custGeom>
-        </p:spPr>
-        <p:txBody>
-          <a:bodyPr/>
-          <a:lstStyle/>
-          <a:p>
-            <a:endParaRPr lang="en-IN"/>
-          </a:p>
-        </p:txBody>
-      </p:sp>
-    </p:spTree>
-    <p:extLst>
-      <p:ext uri="{BB962C8B-B14F-4D97-AF65-F5344CB8AC3E}">
-        <p14:creationId xmlns:p14="http://schemas.microsoft.com/office/powerpoint/2010/main" val="2364118634"/>
       </p:ext>
     </p:extLst>
   </p:cSld>
@@ -9132,6 +5234,170 @@
     <p:bg>
       <p:bgPr>
         <a:solidFill>
+          <a:srgbClr val="253278"/>
+        </a:solidFill>
+        <a:effectLst/>
+      </p:bgPr>
+    </p:bg>
+    <p:spTree>
+      <p:nvGrpSpPr>
+        <p:cNvPr id="1" name="Shape 190">
+          <a:extLst>
+            <a:ext uri="{FF2B5EF4-FFF2-40B4-BE49-F238E27FC236}">
+              <a16:creationId xmlns:a16="http://schemas.microsoft.com/office/drawing/2014/main" id="{5E06DCFD-41CA-91A3-79AF-67C6FF42F392}"/>
+            </a:ext>
+          </a:extLst>
+        </p:cNvPr>
+        <p:cNvGrpSpPr/>
+        <p:nvPr/>
+      </p:nvGrpSpPr>
+      <p:grpSpPr>
+        <a:xfrm>
+          <a:off x="0" y="0"/>
+          <a:ext cx="0" cy="0"/>
+          <a:chOff x="0" y="0"/>
+          <a:chExt cx="0" cy="0"/>
+        </a:xfrm>
+      </p:grpSpPr>
+      <p:sp>
+        <p:nvSpPr>
+          <p:cNvPr id="198" name="Google Shape;198;p15">
+            <a:extLst>
+              <a:ext uri="{FF2B5EF4-FFF2-40B4-BE49-F238E27FC236}">
+                <a16:creationId xmlns:a16="http://schemas.microsoft.com/office/drawing/2014/main" id="{2FD490E6-782A-32B9-C189-9873E45A08E6}"/>
+              </a:ext>
+            </a:extLst>
+          </p:cNvPr>
+          <p:cNvSpPr txBox="1"/>
+          <p:nvPr/>
+        </p:nvSpPr>
+        <p:spPr>
+          <a:xfrm>
+            <a:off x="5629275" y="144480"/>
+            <a:ext cx="5843588" cy="517065"/>
+          </a:xfrm>
+          <a:prstGeom prst="rect">
+            <a:avLst/>
+          </a:prstGeom>
+          <a:noFill/>
+          <a:ln>
+            <a:noFill/>
+          </a:ln>
+        </p:spPr>
+        <p:txBody>
+          <a:bodyPr spcFirstLastPara="1" wrap="square" lIns="0" tIns="0" rIns="0" bIns="0" anchor="t" anchorCtr="0">
+            <a:spAutoFit/>
+          </a:bodyPr>
+          <a:lstStyle/>
+          <a:p>
+            <a:pPr marL="0" marR="0" lvl="0" indent="0" algn="ctr" rtl="0">
+              <a:lnSpc>
+                <a:spcPct val="119916"/>
+              </a:lnSpc>
+              <a:spcBef>
+                <a:spcPts val="0"/>
+              </a:spcBef>
+              <a:spcAft>
+                <a:spcPts val="0"/>
+              </a:spcAft>
+              <a:buNone/>
+            </a:pPr>
+            <a:r>
+              <a:rPr lang="en-US" sz="2800" b="1" dirty="0">
+                <a:solidFill>
+                  <a:srgbClr val="FFFDFC"/>
+                </a:solidFill>
+                <a:latin typeface=" inter semibold"/>
+                <a:ea typeface="Inter"/>
+                <a:sym typeface="Inter"/>
+              </a:rPr>
+              <a:t>Results of the Dashboard</a:t>
+            </a:r>
+            <a:endParaRPr sz="2800" dirty="0">
+              <a:latin typeface=" inter semibold"/>
+            </a:endParaRPr>
+          </a:p>
+        </p:txBody>
+      </p:sp>
+      <p:pic>
+        <p:nvPicPr>
+          <p:cNvPr id="8" name="Picture 7">
+            <a:extLst>
+              <a:ext uri="{FF2B5EF4-FFF2-40B4-BE49-F238E27FC236}">
+                <a16:creationId xmlns:a16="http://schemas.microsoft.com/office/drawing/2014/main" id="{FBB544A7-548A-ED07-F364-1D5D49F54CAA}"/>
+              </a:ext>
+            </a:extLst>
+          </p:cNvPr>
+          <p:cNvPicPr>
+            <a:picLocks noChangeAspect="1"/>
+          </p:cNvPicPr>
+          <p:nvPr/>
+        </p:nvPicPr>
+        <p:blipFill>
+          <a:blip r:embed="rId3"/>
+          <a:stretch>
+            <a:fillRect/>
+          </a:stretch>
+        </p:blipFill>
+        <p:spPr>
+          <a:xfrm>
+            <a:off x="3945582" y="920078"/>
+            <a:ext cx="9492833" cy="4342733"/>
+          </a:xfrm>
+          <a:prstGeom prst="rect">
+            <a:avLst/>
+          </a:prstGeom>
+        </p:spPr>
+      </p:pic>
+      <p:pic>
+        <p:nvPicPr>
+          <p:cNvPr id="10" name="Picture 9">
+            <a:extLst>
+              <a:ext uri="{FF2B5EF4-FFF2-40B4-BE49-F238E27FC236}">
+                <a16:creationId xmlns:a16="http://schemas.microsoft.com/office/drawing/2014/main" id="{A4DC217D-AA2B-3813-AC1F-D82F5CE8409C}"/>
+              </a:ext>
+            </a:extLst>
+          </p:cNvPr>
+          <p:cNvPicPr>
+            <a:picLocks noChangeAspect="1"/>
+          </p:cNvPicPr>
+          <p:nvPr/>
+        </p:nvPicPr>
+        <p:blipFill>
+          <a:blip r:embed="rId4"/>
+          <a:stretch>
+            <a:fillRect/>
+          </a:stretch>
+        </p:blipFill>
+        <p:spPr>
+          <a:xfrm>
+            <a:off x="3945581" y="5540263"/>
+            <a:ext cx="9584577" cy="4343724"/>
+          </a:xfrm>
+          <a:prstGeom prst="rect">
+            <a:avLst/>
+          </a:prstGeom>
+        </p:spPr>
+      </p:pic>
+    </p:spTree>
+    <p:extLst>
+      <p:ext uri="{BB962C8B-B14F-4D97-AF65-F5344CB8AC3E}">
+        <p14:creationId xmlns:p14="http://schemas.microsoft.com/office/powerpoint/2010/main" val="2155121566"/>
+      </p:ext>
+    </p:extLst>
+  </p:cSld>
+  <p:clrMapOvr>
+    <a:masterClrMapping/>
+  </p:clrMapOvr>
+</p:sld>
+</file>
+
+<file path=ppt/slides/slide11.xml><?xml version="1.0" encoding="utf-8"?>
+<p:sld xmlns:a="http://schemas.openxmlformats.org/drawingml/2006/main" xmlns:r="http://schemas.openxmlformats.org/officeDocument/2006/relationships" xmlns:p="http://schemas.openxmlformats.org/presentationml/2006/main">
+  <p:cSld>
+    <p:bg>
+      <p:bgPr>
+        <a:solidFill>
           <a:srgbClr val="F8EFE5"/>
         </a:solidFill>
         <a:effectLst/>
@@ -9678,7 +5944,7 @@
 </p:sld>
 </file>
 
-<file path=ppt/slides/slide11.xml><?xml version="1.0" encoding="utf-8"?>
+<file path=ppt/slides/slide12.xml><?xml version="1.0" encoding="utf-8"?>
 <p:sld xmlns:a="http://schemas.openxmlformats.org/drawingml/2006/main" xmlns:r="http://schemas.openxmlformats.org/officeDocument/2006/relationships" xmlns:p="http://schemas.openxmlformats.org/presentationml/2006/main">
   <p:cSld>
     <p:bg>
@@ -10243,7 +6509,869 @@
 </p:sld>
 </file>
 
-<file path=ppt/slides/slide12.xml><?xml version="1.0" encoding="utf-8"?>
+<file path=ppt/slides/slide13.xml><?xml version="1.0" encoding="utf-8"?>
+<p:sld xmlns:a="http://schemas.openxmlformats.org/drawingml/2006/main" xmlns:r="http://schemas.openxmlformats.org/officeDocument/2006/relationships" xmlns:p="http://schemas.openxmlformats.org/presentationml/2006/main">
+  <p:cSld>
+    <p:bg>
+      <p:bgPr>
+        <a:solidFill>
+          <a:srgbClr val="F8EFE5"/>
+        </a:solidFill>
+        <a:effectLst/>
+      </p:bgPr>
+    </p:bg>
+    <p:spTree>
+      <p:nvGrpSpPr>
+        <p:cNvPr id="1" name="Shape 171">
+          <a:extLst>
+            <a:ext uri="{FF2B5EF4-FFF2-40B4-BE49-F238E27FC236}">
+              <a16:creationId xmlns:a16="http://schemas.microsoft.com/office/drawing/2014/main" id="{5E31522A-CF7D-F69C-6594-D975D5F0A9BA}"/>
+            </a:ext>
+          </a:extLst>
+        </p:cNvPr>
+        <p:cNvGrpSpPr/>
+        <p:nvPr/>
+      </p:nvGrpSpPr>
+      <p:grpSpPr>
+        <a:xfrm>
+          <a:off x="0" y="0"/>
+          <a:ext cx="0" cy="0"/>
+          <a:chOff x="0" y="0"/>
+          <a:chExt cx="0" cy="0"/>
+        </a:xfrm>
+      </p:grpSpPr>
+      <p:sp>
+        <p:nvSpPr>
+          <p:cNvPr id="175" name="Google Shape;175;p14">
+            <a:extLst>
+              <a:ext uri="{FF2B5EF4-FFF2-40B4-BE49-F238E27FC236}">
+                <a16:creationId xmlns:a16="http://schemas.microsoft.com/office/drawing/2014/main" id="{26C1EA49-01D0-8980-BDDB-DBCA94F89416}"/>
+              </a:ext>
+            </a:extLst>
+          </p:cNvPr>
+          <p:cNvSpPr txBox="1"/>
+          <p:nvPr/>
+        </p:nvSpPr>
+        <p:spPr>
+          <a:xfrm>
+            <a:off x="514350" y="1120093"/>
+            <a:ext cx="16230600" cy="1107996"/>
+          </a:xfrm>
+          <a:prstGeom prst="rect">
+            <a:avLst/>
+          </a:prstGeom>
+          <a:noFill/>
+          <a:ln>
+            <a:noFill/>
+          </a:ln>
+        </p:spPr>
+        <p:txBody>
+          <a:bodyPr spcFirstLastPara="1" wrap="square" lIns="0" tIns="0" rIns="0" bIns="0" anchor="t" anchorCtr="0">
+            <a:spAutoFit/>
+          </a:bodyPr>
+          <a:lstStyle/>
+          <a:p>
+            <a:pPr marL="0" marR="0" lvl="0" indent="0" algn="ctr" rtl="0">
+              <a:lnSpc>
+                <a:spcPct val="100000"/>
+              </a:lnSpc>
+              <a:spcBef>
+                <a:spcPts val="0"/>
+              </a:spcBef>
+              <a:spcAft>
+                <a:spcPts val="0"/>
+              </a:spcAft>
+              <a:buNone/>
+            </a:pPr>
+            <a:r>
+              <a:rPr lang="en-US" sz="7200" dirty="0">
+                <a:solidFill>
+                  <a:srgbClr val="253278"/>
+                </a:solidFill>
+                <a:latin typeface="Inter ExtraBold"/>
+                <a:ea typeface="Inter ExtraBold"/>
+                <a:cs typeface="Inter ExtraBold"/>
+                <a:sym typeface="Inter ExtraBold"/>
+              </a:rPr>
+              <a:t>Challenges Faced</a:t>
+            </a:r>
+            <a:endParaRPr dirty="0">
+              <a:latin typeface="Inter ExtraBold"/>
+              <a:ea typeface="Inter ExtraBold"/>
+              <a:cs typeface="Inter ExtraBold"/>
+              <a:sym typeface="Inter ExtraBold"/>
+            </a:endParaRPr>
+          </a:p>
+        </p:txBody>
+      </p:sp>
+      <p:sp>
+        <p:nvSpPr>
+          <p:cNvPr id="3" name="Rectangle 2">
+            <a:extLst>
+              <a:ext uri="{FF2B5EF4-FFF2-40B4-BE49-F238E27FC236}">
+                <a16:creationId xmlns:a16="http://schemas.microsoft.com/office/drawing/2014/main" id="{7DA3D853-C7BF-1F98-B732-28EB72BF5981}"/>
+              </a:ext>
+            </a:extLst>
+          </p:cNvPr>
+          <p:cNvSpPr>
+            <a:spLocks noChangeArrowheads="1"/>
+          </p:cNvSpPr>
+          <p:nvPr/>
+        </p:nvSpPr>
+        <p:spPr bwMode="auto">
+          <a:xfrm>
+            <a:off x="1271587" y="5573587"/>
+            <a:ext cx="15001876" cy="523220"/>
+          </a:xfrm>
+          <a:prstGeom prst="rect">
+            <a:avLst/>
+          </a:prstGeom>
+          <a:noFill/>
+          <a:ln>
+            <a:noFill/>
+          </a:ln>
+          <a:effectLst/>
+          <a:extLst>
+            <a:ext uri="{909E8E84-426E-40DD-AFC4-6F175D3DCCD1}">
+              <a14:hiddenFill xmlns:a14="http://schemas.microsoft.com/office/drawing/2010/main">
+                <a:solidFill>
+                  <a:schemeClr val="accent1"/>
+                </a:solidFill>
+              </a14:hiddenFill>
+            </a:ext>
+            <a:ext uri="{91240B29-F687-4F45-9708-019B960494DF}">
+              <a14:hiddenLine xmlns:a14="http://schemas.microsoft.com/office/drawing/2010/main" w="9525">
+                <a:solidFill>
+                  <a:schemeClr val="tx1"/>
+                </a:solidFill>
+                <a:miter lim="800000"/>
+                <a:headEnd/>
+                <a:tailEnd/>
+              </a14:hiddenLine>
+            </a:ext>
+            <a:ext uri="{AF507438-7753-43E0-B8FC-AC1667EBCBE1}">
+              <a14:hiddenEffects xmlns:a14="http://schemas.microsoft.com/office/drawing/2010/main">
+                <a:effectLst>
+                  <a:outerShdw dist="35921" dir="2700000" algn="ctr" rotWithShape="0">
+                    <a:schemeClr val="bg2"/>
+                  </a:outerShdw>
+                </a:effectLst>
+              </a14:hiddenEffects>
+            </a:ext>
+          </a:extLst>
+        </p:spPr>
+        <p:txBody>
+          <a:bodyPr vert="horz" wrap="square" lIns="91440" tIns="45720" rIns="91440" bIns="45720" numCol="1" anchor="ctr" anchorCtr="0" compatLnSpc="1">
+            <a:prstTxWarp prst="textNoShape">
+              <a:avLst/>
+            </a:prstTxWarp>
+            <a:spAutoFit/>
+          </a:bodyPr>
+          <a:lstStyle/>
+          <a:p>
+            <a:pPr marL="0" marR="0" lvl="0" indent="0" algn="l" defTabSz="914400" rtl="0" eaLnBrk="0" fontAlgn="base" latinLnBrk="0" hangingPunct="0">
+              <a:lnSpc>
+                <a:spcPct val="100000"/>
+              </a:lnSpc>
+              <a:spcBef>
+                <a:spcPct val="0"/>
+              </a:spcBef>
+              <a:spcAft>
+                <a:spcPct val="0"/>
+              </a:spcAft>
+              <a:buClrTx/>
+              <a:buSzTx/>
+              <a:buFontTx/>
+              <a:buChar char="•"/>
+              <a:tabLst/>
+            </a:pPr>
+            <a:endParaRPr kumimoji="0" lang="en-US" altLang="en-US" sz="2800" b="0" i="0" u="none" strike="noStrike" cap="none" normalizeH="0" baseline="0" dirty="0">
+              <a:ln>
+                <a:noFill/>
+              </a:ln>
+              <a:solidFill>
+                <a:schemeClr val="tx1"/>
+              </a:solidFill>
+              <a:effectLst/>
+              <a:latin typeface="Inter SemiBold" panose="020B0604020202020204" charset="0"/>
+              <a:ea typeface="Inter SemiBold" panose="020B0604020202020204" charset="0"/>
+            </a:endParaRPr>
+          </a:p>
+        </p:txBody>
+      </p:sp>
+      <p:sp>
+        <p:nvSpPr>
+          <p:cNvPr id="2" name="Rectangle 1">
+            <a:extLst>
+              <a:ext uri="{FF2B5EF4-FFF2-40B4-BE49-F238E27FC236}">
+                <a16:creationId xmlns:a16="http://schemas.microsoft.com/office/drawing/2014/main" id="{0D203A7E-1041-0A76-77B6-3E875186174A}"/>
+              </a:ext>
+            </a:extLst>
+          </p:cNvPr>
+          <p:cNvSpPr>
+            <a:spLocks noChangeArrowheads="1"/>
+          </p:cNvSpPr>
+          <p:nvPr/>
+        </p:nvSpPr>
+        <p:spPr bwMode="auto">
+          <a:xfrm>
+            <a:off x="1514474" y="3095985"/>
+            <a:ext cx="15259051" cy="4955203"/>
+          </a:xfrm>
+          <a:prstGeom prst="rect">
+            <a:avLst/>
+          </a:prstGeom>
+          <a:noFill/>
+          <a:ln>
+            <a:noFill/>
+          </a:ln>
+          <a:effectLst/>
+          <a:extLst>
+            <a:ext uri="{909E8E84-426E-40DD-AFC4-6F175D3DCCD1}">
+              <a14:hiddenFill xmlns:a14="http://schemas.microsoft.com/office/drawing/2010/main">
+                <a:solidFill>
+                  <a:schemeClr val="accent1"/>
+                </a:solidFill>
+              </a14:hiddenFill>
+            </a:ext>
+            <a:ext uri="{91240B29-F687-4F45-9708-019B960494DF}">
+              <a14:hiddenLine xmlns:a14="http://schemas.microsoft.com/office/drawing/2010/main" w="9525">
+                <a:solidFill>
+                  <a:schemeClr val="tx1"/>
+                </a:solidFill>
+                <a:miter lim="800000"/>
+                <a:headEnd/>
+                <a:tailEnd/>
+              </a14:hiddenLine>
+            </a:ext>
+            <a:ext uri="{AF507438-7753-43E0-B8FC-AC1667EBCBE1}">
+              <a14:hiddenEffects xmlns:a14="http://schemas.microsoft.com/office/drawing/2010/main">
+                <a:effectLst>
+                  <a:outerShdw dist="35921" dir="2700000" algn="ctr" rotWithShape="0">
+                    <a:schemeClr val="bg2"/>
+                  </a:outerShdw>
+                </a:effectLst>
+              </a14:hiddenEffects>
+            </a:ext>
+          </a:extLst>
+        </p:spPr>
+        <p:txBody>
+          <a:bodyPr vert="horz" wrap="square" lIns="91440" tIns="45720" rIns="91440" bIns="45720" numCol="1" anchor="ctr" anchorCtr="0" compatLnSpc="1">
+            <a:prstTxWarp prst="textNoShape">
+              <a:avLst/>
+            </a:prstTxWarp>
+            <a:spAutoFit/>
+          </a:bodyPr>
+          <a:lstStyle/>
+          <a:p>
+            <a:pPr marL="0" marR="0" lvl="0" indent="0" algn="l" defTabSz="914400" rtl="0" eaLnBrk="0" fontAlgn="base" latinLnBrk="0" hangingPunct="0">
+              <a:lnSpc>
+                <a:spcPct val="100000"/>
+              </a:lnSpc>
+              <a:spcBef>
+                <a:spcPct val="0"/>
+              </a:spcBef>
+              <a:spcAft>
+                <a:spcPct val="0"/>
+              </a:spcAft>
+              <a:buClrTx/>
+              <a:buSzTx/>
+              <a:buFontTx/>
+              <a:buChar char="•"/>
+              <a:tabLst/>
+            </a:pPr>
+            <a:endParaRPr kumimoji="0" lang="en-US" altLang="en-US" sz="2800" b="1" i="0" u="none" strike="noStrike" cap="none" normalizeH="0" baseline="0" dirty="0">
+              <a:ln>
+                <a:noFill/>
+              </a:ln>
+              <a:solidFill>
+                <a:schemeClr val="tx1"/>
+              </a:solidFill>
+              <a:effectLst/>
+              <a:latin typeface="Arial" panose="020B0604020202020204" pitchFamily="34" charset="0"/>
+            </a:endParaRPr>
+          </a:p>
+          <a:p>
+            <a:pPr marL="0" marR="0" lvl="0" indent="0" algn="l" defTabSz="914400" rtl="0" eaLnBrk="0" fontAlgn="base" latinLnBrk="0" hangingPunct="0">
+              <a:lnSpc>
+                <a:spcPct val="100000"/>
+              </a:lnSpc>
+              <a:spcBef>
+                <a:spcPct val="0"/>
+              </a:spcBef>
+              <a:spcAft>
+                <a:spcPct val="0"/>
+              </a:spcAft>
+              <a:buClrTx/>
+              <a:buSzTx/>
+              <a:buFontTx/>
+              <a:buChar char="•"/>
+              <a:tabLst/>
+            </a:pPr>
+            <a:r>
+              <a:rPr kumimoji="0" lang="en-US" altLang="en-US" sz="3200" b="1" i="0" u="none" strike="noStrike" cap="none" normalizeH="0" baseline="0" dirty="0">
+                <a:ln>
+                  <a:noFill/>
+                </a:ln>
+                <a:solidFill>
+                  <a:schemeClr val="tx1"/>
+                </a:solidFill>
+                <a:effectLst/>
+                <a:latin typeface="Inter SemiBold" panose="020B0604020202020204" charset="0"/>
+                <a:ea typeface="Inter SemiBold" panose="020B0604020202020204" charset="0"/>
+              </a:rPr>
+              <a:t>Sequence Length Selection:</a:t>
+            </a:r>
+            <a:r>
+              <a:rPr kumimoji="0" lang="en-US" altLang="en-US" sz="3200" b="0" i="0" u="none" strike="noStrike" cap="none" normalizeH="0" baseline="0" dirty="0">
+                <a:ln>
+                  <a:noFill/>
+                </a:ln>
+                <a:solidFill>
+                  <a:schemeClr val="tx1"/>
+                </a:solidFill>
+                <a:effectLst/>
+                <a:latin typeface="Inter SemiBold" panose="020B0604020202020204" charset="0"/>
+                <a:ea typeface="Inter SemiBold" panose="020B0604020202020204" charset="0"/>
+              </a:rPr>
+              <a:t> Chose a sequence length of 30 to capture sufficient temporal patterns for accurate RUL prediction.</a:t>
+            </a:r>
+          </a:p>
+          <a:p>
+            <a:pPr marL="0" marR="0" lvl="0" indent="0" algn="l" defTabSz="914400" rtl="0" eaLnBrk="0" fontAlgn="base" latinLnBrk="0" hangingPunct="0">
+              <a:lnSpc>
+                <a:spcPct val="100000"/>
+              </a:lnSpc>
+              <a:spcBef>
+                <a:spcPct val="0"/>
+              </a:spcBef>
+              <a:spcAft>
+                <a:spcPct val="0"/>
+              </a:spcAft>
+              <a:buClrTx/>
+              <a:buSzTx/>
+              <a:tabLst/>
+            </a:pPr>
+            <a:endParaRPr kumimoji="0" lang="en-US" altLang="en-US" sz="3200" b="0" i="0" u="none" strike="noStrike" cap="none" normalizeH="0" baseline="0" dirty="0">
+              <a:ln>
+                <a:noFill/>
+              </a:ln>
+              <a:solidFill>
+                <a:schemeClr val="tx1"/>
+              </a:solidFill>
+              <a:effectLst/>
+              <a:latin typeface="Inter SemiBold" panose="020B0604020202020204" charset="0"/>
+              <a:ea typeface="Inter SemiBold" panose="020B0604020202020204" charset="0"/>
+            </a:endParaRPr>
+          </a:p>
+          <a:p>
+            <a:pPr marL="0" marR="0" lvl="0" indent="0" algn="l" defTabSz="914400" rtl="0" eaLnBrk="0" fontAlgn="base" latinLnBrk="0" hangingPunct="0">
+              <a:lnSpc>
+                <a:spcPct val="100000"/>
+              </a:lnSpc>
+              <a:spcBef>
+                <a:spcPct val="0"/>
+              </a:spcBef>
+              <a:spcAft>
+                <a:spcPct val="0"/>
+              </a:spcAft>
+              <a:buClrTx/>
+              <a:buSzTx/>
+              <a:buFontTx/>
+              <a:buChar char="•"/>
+              <a:tabLst/>
+            </a:pPr>
+            <a:r>
+              <a:rPr kumimoji="0" lang="en-US" altLang="en-US" sz="3200" b="1" i="0" u="none" strike="noStrike" cap="none" normalizeH="0" baseline="0" dirty="0">
+                <a:ln>
+                  <a:noFill/>
+                </a:ln>
+                <a:solidFill>
+                  <a:schemeClr val="tx1"/>
+                </a:solidFill>
+                <a:effectLst/>
+                <a:latin typeface="Inter SemiBold" panose="020B0604020202020204" charset="0"/>
+                <a:ea typeface="Inter SemiBold" panose="020B0604020202020204" charset="0"/>
+              </a:rPr>
+              <a:t>Model Training Stability:</a:t>
+            </a:r>
+            <a:r>
+              <a:rPr kumimoji="0" lang="en-US" altLang="en-US" sz="3200" b="0" i="0" u="none" strike="noStrike" cap="none" normalizeH="0" baseline="0" dirty="0">
+                <a:ln>
+                  <a:noFill/>
+                </a:ln>
+                <a:solidFill>
+                  <a:schemeClr val="tx1"/>
+                </a:solidFill>
+                <a:effectLst/>
+                <a:latin typeface="Inter SemiBold" panose="020B0604020202020204" charset="0"/>
+                <a:ea typeface="Inter SemiBold" panose="020B0604020202020204" charset="0"/>
+              </a:rPr>
+              <a:t> Designed the LSTM with multiple layers, dropout, and batch normalization to ensure stable training and prevent overfitting.</a:t>
+            </a:r>
+          </a:p>
+          <a:p>
+            <a:pPr marL="0" marR="0" lvl="0" indent="0" algn="l" defTabSz="914400" rtl="0" eaLnBrk="0" fontAlgn="base" latinLnBrk="0" hangingPunct="0">
+              <a:lnSpc>
+                <a:spcPct val="100000"/>
+              </a:lnSpc>
+              <a:spcBef>
+                <a:spcPct val="0"/>
+              </a:spcBef>
+              <a:spcAft>
+                <a:spcPct val="0"/>
+              </a:spcAft>
+              <a:buClrTx/>
+              <a:buSzTx/>
+              <a:tabLst/>
+            </a:pPr>
+            <a:endParaRPr kumimoji="0" lang="en-US" altLang="en-US" sz="3200" b="0" i="0" u="none" strike="noStrike" cap="none" normalizeH="0" baseline="0" dirty="0">
+              <a:ln>
+                <a:noFill/>
+              </a:ln>
+              <a:solidFill>
+                <a:schemeClr val="tx1"/>
+              </a:solidFill>
+              <a:effectLst/>
+              <a:latin typeface="Inter SemiBold" panose="020B0604020202020204" charset="0"/>
+              <a:ea typeface="Inter SemiBold" panose="020B0604020202020204" charset="0"/>
+            </a:endParaRPr>
+          </a:p>
+          <a:p>
+            <a:pPr marL="0" marR="0" lvl="0" indent="0" algn="l" defTabSz="914400" rtl="0" eaLnBrk="0" fontAlgn="base" latinLnBrk="0" hangingPunct="0">
+              <a:lnSpc>
+                <a:spcPct val="100000"/>
+              </a:lnSpc>
+              <a:spcBef>
+                <a:spcPct val="0"/>
+              </a:spcBef>
+              <a:spcAft>
+                <a:spcPct val="0"/>
+              </a:spcAft>
+              <a:buClrTx/>
+              <a:buSzTx/>
+              <a:buFontTx/>
+              <a:buChar char="•"/>
+              <a:tabLst/>
+            </a:pPr>
+            <a:r>
+              <a:rPr kumimoji="0" lang="en-US" altLang="en-US" sz="3200" b="1" i="0" u="none" strike="noStrike" cap="none" normalizeH="0" baseline="0" dirty="0">
+                <a:ln>
+                  <a:noFill/>
+                </a:ln>
+                <a:solidFill>
+                  <a:schemeClr val="tx1"/>
+                </a:solidFill>
+                <a:effectLst/>
+                <a:latin typeface="Inter SemiBold" panose="020B0604020202020204" charset="0"/>
+                <a:ea typeface="Inter SemiBold" panose="020B0604020202020204" charset="0"/>
+              </a:rPr>
+              <a:t>Long Training Times &amp; Overfitting Risk:</a:t>
+            </a:r>
+            <a:r>
+              <a:rPr kumimoji="0" lang="en-US" altLang="en-US" sz="3200" b="0" i="0" u="none" strike="noStrike" cap="none" normalizeH="0" baseline="0" dirty="0">
+                <a:ln>
+                  <a:noFill/>
+                </a:ln>
+                <a:solidFill>
+                  <a:schemeClr val="tx1"/>
+                </a:solidFill>
+                <a:effectLst/>
+                <a:latin typeface="Inter SemiBold" panose="020B0604020202020204" charset="0"/>
+                <a:ea typeface="Inter SemiBold" panose="020B0604020202020204" charset="0"/>
+              </a:rPr>
+              <a:t> Managing the high computation time and potential overfitting due to large dataset and complex LSTM architecture.</a:t>
+            </a:r>
+          </a:p>
+        </p:txBody>
+      </p:sp>
+    </p:spTree>
+    <p:extLst>
+      <p:ext uri="{BB962C8B-B14F-4D97-AF65-F5344CB8AC3E}">
+        <p14:creationId xmlns:p14="http://schemas.microsoft.com/office/powerpoint/2010/main" val="2428182838"/>
+      </p:ext>
+    </p:extLst>
+  </p:cSld>
+  <p:clrMapOvr>
+    <a:masterClrMapping/>
+  </p:clrMapOvr>
+</p:sld>
+</file>
+
+<file path=ppt/slides/slide14.xml><?xml version="1.0" encoding="utf-8"?>
+<p:sld xmlns:a="http://schemas.openxmlformats.org/drawingml/2006/main" xmlns:r="http://schemas.openxmlformats.org/officeDocument/2006/relationships" xmlns:p="http://schemas.openxmlformats.org/presentationml/2006/main">
+  <p:cSld>
+    <p:bg>
+      <p:bgPr>
+        <a:solidFill>
+          <a:srgbClr val="F8EFE5"/>
+        </a:solidFill>
+        <a:effectLst/>
+      </p:bgPr>
+    </p:bg>
+    <p:spTree>
+      <p:nvGrpSpPr>
+        <p:cNvPr id="1" name="Shape 171">
+          <a:extLst>
+            <a:ext uri="{FF2B5EF4-FFF2-40B4-BE49-F238E27FC236}">
+              <a16:creationId xmlns:a16="http://schemas.microsoft.com/office/drawing/2014/main" id="{7D0E000D-8C6D-9EE0-5388-8142FAF9F81F}"/>
+            </a:ext>
+          </a:extLst>
+        </p:cNvPr>
+        <p:cNvGrpSpPr/>
+        <p:nvPr/>
+      </p:nvGrpSpPr>
+      <p:grpSpPr>
+        <a:xfrm>
+          <a:off x="0" y="0"/>
+          <a:ext cx="0" cy="0"/>
+          <a:chOff x="0" y="0"/>
+          <a:chExt cx="0" cy="0"/>
+        </a:xfrm>
+      </p:grpSpPr>
+      <p:sp>
+        <p:nvSpPr>
+          <p:cNvPr id="175" name="Google Shape;175;p14">
+            <a:extLst>
+              <a:ext uri="{FF2B5EF4-FFF2-40B4-BE49-F238E27FC236}">
+                <a16:creationId xmlns:a16="http://schemas.microsoft.com/office/drawing/2014/main" id="{E98B112D-964C-F950-C3E2-A8F2E25CBD19}"/>
+              </a:ext>
+            </a:extLst>
+          </p:cNvPr>
+          <p:cNvSpPr txBox="1"/>
+          <p:nvPr/>
+        </p:nvSpPr>
+        <p:spPr>
+          <a:xfrm>
+            <a:off x="1028700" y="248556"/>
+            <a:ext cx="16230600" cy="1107996"/>
+          </a:xfrm>
+          <a:prstGeom prst="rect">
+            <a:avLst/>
+          </a:prstGeom>
+          <a:noFill/>
+          <a:ln>
+            <a:noFill/>
+          </a:ln>
+        </p:spPr>
+        <p:txBody>
+          <a:bodyPr spcFirstLastPara="1" wrap="square" lIns="0" tIns="0" rIns="0" bIns="0" anchor="t" anchorCtr="0">
+            <a:spAutoFit/>
+          </a:bodyPr>
+          <a:lstStyle/>
+          <a:p>
+            <a:pPr marL="0" marR="0" lvl="0" indent="0" algn="ctr" rtl="0">
+              <a:lnSpc>
+                <a:spcPct val="100000"/>
+              </a:lnSpc>
+              <a:spcBef>
+                <a:spcPts val="0"/>
+              </a:spcBef>
+              <a:spcAft>
+                <a:spcPts val="0"/>
+              </a:spcAft>
+              <a:buNone/>
+            </a:pPr>
+            <a:r>
+              <a:rPr lang="en-US" sz="7200" dirty="0">
+                <a:solidFill>
+                  <a:srgbClr val="253278"/>
+                </a:solidFill>
+                <a:latin typeface="Inter ExtraBold"/>
+                <a:ea typeface="Inter ExtraBold"/>
+                <a:cs typeface="Inter ExtraBold"/>
+                <a:sym typeface="Inter ExtraBold"/>
+              </a:rPr>
+              <a:t>Future Enhancements</a:t>
+            </a:r>
+            <a:endParaRPr dirty="0">
+              <a:latin typeface="Inter ExtraBold"/>
+              <a:ea typeface="Inter ExtraBold"/>
+              <a:cs typeface="Inter ExtraBold"/>
+              <a:sym typeface="Inter ExtraBold"/>
+            </a:endParaRPr>
+          </a:p>
+        </p:txBody>
+      </p:sp>
+      <p:sp>
+        <p:nvSpPr>
+          <p:cNvPr id="5" name="TextBox 4">
+            <a:extLst>
+              <a:ext uri="{FF2B5EF4-FFF2-40B4-BE49-F238E27FC236}">
+                <a16:creationId xmlns:a16="http://schemas.microsoft.com/office/drawing/2014/main" id="{3CAF83B8-E466-B24B-12DF-F2B4D598BE32}"/>
+              </a:ext>
+            </a:extLst>
+          </p:cNvPr>
+          <p:cNvSpPr txBox="1"/>
+          <p:nvPr/>
+        </p:nvSpPr>
+        <p:spPr>
+          <a:xfrm>
+            <a:off x="1243014" y="2143125"/>
+            <a:ext cx="10944224" cy="6186309"/>
+          </a:xfrm>
+          <a:prstGeom prst="rect">
+            <a:avLst/>
+          </a:prstGeom>
+          <a:noFill/>
+        </p:spPr>
+        <p:txBody>
+          <a:bodyPr wrap="square">
+            <a:spAutoFit/>
+          </a:bodyPr>
+          <a:lstStyle/>
+          <a:p>
+            <a:pPr marL="0" marR="0" lvl="0" indent="0" algn="l" defTabSz="914400" rtl="0" eaLnBrk="0" fontAlgn="base" latinLnBrk="0" hangingPunct="0">
+              <a:lnSpc>
+                <a:spcPct val="100000"/>
+              </a:lnSpc>
+              <a:spcBef>
+                <a:spcPct val="0"/>
+              </a:spcBef>
+              <a:spcAft>
+                <a:spcPct val="0"/>
+              </a:spcAft>
+              <a:buClrTx/>
+              <a:buSzTx/>
+              <a:buFontTx/>
+              <a:buChar char="•"/>
+              <a:tabLst/>
+            </a:pPr>
+            <a:r>
+              <a:rPr kumimoji="0" lang="en-US" altLang="en-US" sz="3600" b="1" i="0" u="none" strike="noStrike" cap="none" normalizeH="0" baseline="0" dirty="0">
+                <a:ln>
+                  <a:noFill/>
+                </a:ln>
+                <a:solidFill>
+                  <a:schemeClr val="tx1"/>
+                </a:solidFill>
+                <a:effectLst/>
+                <a:latin typeface="Inter SemiBold" panose="020B0604020202020204" charset="0"/>
+                <a:ea typeface="Inter SemiBold" panose="020B0604020202020204" charset="0"/>
+              </a:rPr>
+              <a:t>Integrate Transformer or Hybrid CNN-LSTM models</a:t>
+            </a:r>
+            <a:r>
+              <a:rPr kumimoji="0" lang="en-US" altLang="en-US" sz="3600" b="0" i="0" u="none" strike="noStrike" cap="none" normalizeH="0" baseline="0" dirty="0">
+                <a:ln>
+                  <a:noFill/>
+                </a:ln>
+                <a:solidFill>
+                  <a:schemeClr val="tx1"/>
+                </a:solidFill>
+                <a:effectLst/>
+                <a:latin typeface="Inter SemiBold" panose="020B0604020202020204" charset="0"/>
+                <a:ea typeface="Inter SemiBold" panose="020B0604020202020204" charset="0"/>
+              </a:rPr>
+              <a:t> for better long-range dependency learning and improved RUL accuracy.</a:t>
+            </a:r>
+          </a:p>
+          <a:p>
+            <a:pPr marL="0" marR="0" lvl="0" indent="0" algn="l" defTabSz="914400" rtl="0" eaLnBrk="0" fontAlgn="base" latinLnBrk="0" hangingPunct="0">
+              <a:lnSpc>
+                <a:spcPct val="100000"/>
+              </a:lnSpc>
+              <a:spcBef>
+                <a:spcPct val="0"/>
+              </a:spcBef>
+              <a:spcAft>
+                <a:spcPct val="0"/>
+              </a:spcAft>
+              <a:buClrTx/>
+              <a:buSzTx/>
+              <a:tabLst/>
+            </a:pPr>
+            <a:endParaRPr kumimoji="0" lang="en-US" altLang="en-US" sz="3600" b="0" i="0" u="none" strike="noStrike" cap="none" normalizeH="0" baseline="0" dirty="0">
+              <a:ln>
+                <a:noFill/>
+              </a:ln>
+              <a:solidFill>
+                <a:schemeClr val="tx1"/>
+              </a:solidFill>
+              <a:effectLst/>
+              <a:latin typeface="Inter SemiBold" panose="020B0604020202020204" charset="0"/>
+              <a:ea typeface="Inter SemiBold" panose="020B0604020202020204" charset="0"/>
+            </a:endParaRPr>
+          </a:p>
+          <a:p>
+            <a:pPr marL="0" marR="0" lvl="0" indent="0" algn="l" defTabSz="914400" rtl="0" eaLnBrk="0" fontAlgn="base" latinLnBrk="0" hangingPunct="0">
+              <a:lnSpc>
+                <a:spcPct val="100000"/>
+              </a:lnSpc>
+              <a:spcBef>
+                <a:spcPct val="0"/>
+              </a:spcBef>
+              <a:spcAft>
+                <a:spcPct val="0"/>
+              </a:spcAft>
+              <a:buClrTx/>
+              <a:buSzTx/>
+              <a:buFontTx/>
+              <a:buChar char="•"/>
+              <a:tabLst/>
+            </a:pPr>
+            <a:r>
+              <a:rPr kumimoji="0" lang="en-US" altLang="en-US" sz="3600" b="1" i="0" u="none" strike="noStrike" cap="none" normalizeH="0" baseline="0" dirty="0">
+                <a:ln>
+                  <a:noFill/>
+                </a:ln>
+                <a:solidFill>
+                  <a:schemeClr val="tx1"/>
+                </a:solidFill>
+                <a:effectLst/>
+                <a:latin typeface="Inter SemiBold" panose="020B0604020202020204" charset="0"/>
+                <a:ea typeface="Inter SemiBold" panose="020B0604020202020204" charset="0"/>
+              </a:rPr>
+              <a:t>Enable real-time online learning</a:t>
+            </a:r>
+            <a:r>
+              <a:rPr kumimoji="0" lang="en-US" altLang="en-US" sz="3600" b="0" i="0" u="none" strike="noStrike" cap="none" normalizeH="0" baseline="0" dirty="0">
+                <a:ln>
+                  <a:noFill/>
+                </a:ln>
+                <a:solidFill>
+                  <a:schemeClr val="tx1"/>
+                </a:solidFill>
+                <a:effectLst/>
+                <a:latin typeface="Inter SemiBold" panose="020B0604020202020204" charset="0"/>
+                <a:ea typeface="Inter SemiBold" panose="020B0604020202020204" charset="0"/>
+              </a:rPr>
+              <a:t> so the model adapts continuously with new incoming sensor data.</a:t>
+            </a:r>
+          </a:p>
+          <a:p>
+            <a:pPr marL="0" marR="0" lvl="0" indent="0" algn="l" defTabSz="914400" rtl="0" eaLnBrk="0" fontAlgn="base" latinLnBrk="0" hangingPunct="0">
+              <a:lnSpc>
+                <a:spcPct val="100000"/>
+              </a:lnSpc>
+              <a:spcBef>
+                <a:spcPct val="0"/>
+              </a:spcBef>
+              <a:spcAft>
+                <a:spcPct val="0"/>
+              </a:spcAft>
+              <a:buClrTx/>
+              <a:buSzTx/>
+              <a:tabLst/>
+            </a:pPr>
+            <a:endParaRPr kumimoji="0" lang="en-US" altLang="en-US" sz="3600" b="0" i="0" u="none" strike="noStrike" cap="none" normalizeH="0" baseline="0" dirty="0">
+              <a:ln>
+                <a:noFill/>
+              </a:ln>
+              <a:solidFill>
+                <a:schemeClr val="tx1"/>
+              </a:solidFill>
+              <a:effectLst/>
+              <a:latin typeface="Inter SemiBold" panose="020B0604020202020204" charset="0"/>
+              <a:ea typeface="Inter SemiBold" panose="020B0604020202020204" charset="0"/>
+            </a:endParaRPr>
+          </a:p>
+          <a:p>
+            <a:pPr marL="0" marR="0" lvl="0" indent="0" algn="l" defTabSz="914400" rtl="0" eaLnBrk="0" fontAlgn="base" latinLnBrk="0" hangingPunct="0">
+              <a:lnSpc>
+                <a:spcPct val="100000"/>
+              </a:lnSpc>
+              <a:spcBef>
+                <a:spcPct val="0"/>
+              </a:spcBef>
+              <a:spcAft>
+                <a:spcPct val="0"/>
+              </a:spcAft>
+              <a:buClrTx/>
+              <a:buSzTx/>
+              <a:buFontTx/>
+              <a:buChar char="•"/>
+              <a:tabLst/>
+            </a:pPr>
+            <a:r>
+              <a:rPr kumimoji="0" lang="en-US" altLang="en-US" sz="3600" b="1" i="0" u="none" strike="noStrike" cap="none" normalizeH="0" baseline="0" dirty="0">
+                <a:ln>
+                  <a:noFill/>
+                </a:ln>
+                <a:solidFill>
+                  <a:schemeClr val="tx1"/>
+                </a:solidFill>
+                <a:effectLst/>
+                <a:latin typeface="Inter SemiBold" panose="020B0604020202020204" charset="0"/>
+                <a:ea typeface="Inter SemiBold" panose="020B0604020202020204" charset="0"/>
+              </a:rPr>
+              <a:t>Develop a cloud-based monitoring pipeline</a:t>
+            </a:r>
+            <a:r>
+              <a:rPr kumimoji="0" lang="en-US" altLang="en-US" sz="3600" b="0" i="0" u="none" strike="noStrike" cap="none" normalizeH="0" baseline="0" dirty="0">
+                <a:ln>
+                  <a:noFill/>
+                </a:ln>
+                <a:solidFill>
+                  <a:schemeClr val="tx1"/>
+                </a:solidFill>
+                <a:effectLst/>
+                <a:latin typeface="Inter SemiBold" panose="020B0604020202020204" charset="0"/>
+                <a:ea typeface="Inter SemiBold" panose="020B0604020202020204" charset="0"/>
+              </a:rPr>
+              <a:t> to support real-time fleet-level RUL tracking and automated alerts</a:t>
+            </a:r>
+            <a:r>
+              <a:rPr kumimoji="0" lang="en-US" altLang="en-US" sz="2800" b="0" i="0" u="none" strike="noStrike" cap="none" normalizeH="0" baseline="0" dirty="0">
+                <a:ln>
+                  <a:noFill/>
+                </a:ln>
+                <a:solidFill>
+                  <a:schemeClr val="tx1"/>
+                </a:solidFill>
+                <a:effectLst/>
+                <a:latin typeface="Inter SemiBold" panose="020B0604020202020204" charset="0"/>
+                <a:ea typeface="Inter SemiBold" panose="020B0604020202020204" charset="0"/>
+              </a:rPr>
+              <a:t>.</a:t>
+            </a:r>
+          </a:p>
+        </p:txBody>
+      </p:sp>
+      <p:pic>
+        <p:nvPicPr>
+          <p:cNvPr id="9" name="Picture 8">
+            <a:extLst>
+              <a:ext uri="{FF2B5EF4-FFF2-40B4-BE49-F238E27FC236}">
+                <a16:creationId xmlns:a16="http://schemas.microsoft.com/office/drawing/2014/main" id="{3D8F8179-FC65-3368-A61A-FBA11D733A8E}"/>
+              </a:ext>
+            </a:extLst>
+          </p:cNvPr>
+          <p:cNvPicPr>
+            <a:picLocks noChangeAspect="1"/>
+          </p:cNvPicPr>
+          <p:nvPr/>
+        </p:nvPicPr>
+        <p:blipFill>
+          <a:blip r:embed="rId3"/>
+          <a:stretch>
+            <a:fillRect/>
+          </a:stretch>
+        </p:blipFill>
+        <p:spPr>
+          <a:xfrm>
+            <a:off x="13158788" y="3775984"/>
+            <a:ext cx="3886198" cy="3053441"/>
+          </a:xfrm>
+          <a:prstGeom prst="rect">
+            <a:avLst/>
+          </a:prstGeom>
+        </p:spPr>
+      </p:pic>
+    </p:spTree>
+    <p:extLst>
+      <p:ext uri="{BB962C8B-B14F-4D97-AF65-F5344CB8AC3E}">
+        <p14:creationId xmlns:p14="http://schemas.microsoft.com/office/powerpoint/2010/main" val="4049004144"/>
+      </p:ext>
+    </p:extLst>
+  </p:cSld>
+  <p:clrMapOvr>
+    <a:masterClrMapping/>
+  </p:clrMapOvr>
+</p:sld>
+</file>
+
+<file path=ppt/slides/slide15.xml><?xml version="1.0" encoding="utf-8"?>
 <p:sld xmlns:a="http://schemas.openxmlformats.org/drawingml/2006/main" xmlns:r="http://schemas.openxmlformats.org/officeDocument/2006/relationships" xmlns:p="http://schemas.openxmlformats.org/presentationml/2006/main">
   <p:cSld>
     <p:bg>
@@ -11164,7 +8292,7 @@
 </p:sld>
 </file>
 
-<file path=ppt/slides/slide13.xml><?xml version="1.0" encoding="utf-8"?>
+<file path=ppt/slides/slide16.xml><?xml version="1.0" encoding="utf-8"?>
 <p:sld xmlns:a="http://schemas.openxmlformats.org/drawingml/2006/main" xmlns:r="http://schemas.openxmlformats.org/officeDocument/2006/relationships" xmlns:p="http://schemas.openxmlformats.org/presentationml/2006/main">
   <p:cSld>
     <p:spTree>
@@ -11273,6 +8401,986 @@
 </file>
 
 <file path=ppt/slides/slide2.xml><?xml version="1.0" encoding="utf-8"?>
+<p:sld xmlns:a="http://schemas.openxmlformats.org/drawingml/2006/main" xmlns:r="http://schemas.openxmlformats.org/officeDocument/2006/relationships" xmlns:p="http://schemas.openxmlformats.org/presentationml/2006/main">
+  <p:cSld>
+    <p:bg>
+      <p:bgPr>
+        <a:solidFill>
+          <a:srgbClr val="253278"/>
+        </a:solidFill>
+        <a:effectLst/>
+      </p:bgPr>
+    </p:bg>
+    <p:spTree>
+      <p:nvGrpSpPr>
+        <p:cNvPr id="1" name="Shape 83"/>
+        <p:cNvGrpSpPr/>
+        <p:nvPr/>
+      </p:nvGrpSpPr>
+      <p:grpSpPr>
+        <a:xfrm>
+          <a:off x="0" y="0"/>
+          <a:ext cx="0" cy="0"/>
+          <a:chOff x="0" y="0"/>
+          <a:chExt cx="0" cy="0"/>
+        </a:xfrm>
+      </p:grpSpPr>
+      <p:sp>
+        <p:nvSpPr>
+          <p:cNvPr id="4" name="TextBox 3">
+            <a:extLst>
+              <a:ext uri="{FF2B5EF4-FFF2-40B4-BE49-F238E27FC236}">
+                <a16:creationId xmlns:a16="http://schemas.microsoft.com/office/drawing/2014/main" id="{190BBF8C-DFCF-F5FB-63A3-D51F96669364}"/>
+              </a:ext>
+            </a:extLst>
+          </p:cNvPr>
+          <p:cNvSpPr txBox="1"/>
+          <p:nvPr/>
+        </p:nvSpPr>
+        <p:spPr>
+          <a:xfrm>
+            <a:off x="1174132" y="3214688"/>
+            <a:ext cx="4433887" cy="1446550"/>
+          </a:xfrm>
+          <a:prstGeom prst="rect">
+            <a:avLst/>
+          </a:prstGeom>
+          <a:noFill/>
+        </p:spPr>
+        <p:txBody>
+          <a:bodyPr wrap="square" rtlCol="0">
+            <a:spAutoFit/>
+          </a:bodyPr>
+          <a:lstStyle/>
+          <a:p>
+            <a:r>
+              <a:rPr lang="en-US" sz="4400" dirty="0">
+                <a:solidFill>
+                  <a:schemeClr val="bg1">
+                    <a:lumMod val="95000"/>
+                  </a:schemeClr>
+                </a:solidFill>
+                <a:latin typeface="Inter SemiBold" panose="020B0604020202020204" charset="0"/>
+                <a:ea typeface="Inter SemiBold" panose="020B0604020202020204" charset="0"/>
+              </a:rPr>
+              <a:t>Table Of Contents</a:t>
+            </a:r>
+          </a:p>
+        </p:txBody>
+      </p:sp>
+      <p:sp>
+        <p:nvSpPr>
+          <p:cNvPr id="2" name="TextBox 1">
+            <a:extLst>
+              <a:ext uri="{FF2B5EF4-FFF2-40B4-BE49-F238E27FC236}">
+                <a16:creationId xmlns:a16="http://schemas.microsoft.com/office/drawing/2014/main" id="{9F74B47A-588D-D74F-5781-C0FDD728E619}"/>
+              </a:ext>
+            </a:extLst>
+          </p:cNvPr>
+          <p:cNvSpPr txBox="1"/>
+          <p:nvPr/>
+        </p:nvSpPr>
+        <p:spPr>
+          <a:xfrm>
+            <a:off x="6076950" y="2386013"/>
+            <a:ext cx="11125201" cy="6494085"/>
+          </a:xfrm>
+          <a:prstGeom prst="rect">
+            <a:avLst/>
+          </a:prstGeom>
+          <a:noFill/>
+        </p:spPr>
+        <p:txBody>
+          <a:bodyPr wrap="square" rtlCol="0">
+            <a:spAutoFit/>
+          </a:bodyPr>
+          <a:lstStyle/>
+          <a:p>
+            <a:pPr marL="285750" indent="-285750">
+              <a:buClr>
+                <a:schemeClr val="bg1">
+                  <a:lumMod val="95000"/>
+                </a:schemeClr>
+              </a:buClr>
+              <a:buFont typeface="Arial" panose="020B0604020202020204" pitchFamily="34" charset="0"/>
+              <a:buChar char="•"/>
+            </a:pPr>
+            <a:r>
+              <a:rPr lang="en-US" sz="4000" dirty="0">
+                <a:solidFill>
+                  <a:schemeClr val="bg1">
+                    <a:lumMod val="95000"/>
+                  </a:schemeClr>
+                </a:solidFill>
+                <a:latin typeface="Inter SemiBold" panose="020B0604020202020204" charset="0"/>
+                <a:ea typeface="Inter SemiBold" panose="020B0604020202020204" charset="0"/>
+              </a:rPr>
+              <a:t>Objective of the project</a:t>
+            </a:r>
+          </a:p>
+          <a:p>
+            <a:pPr marL="285750" indent="-285750">
+              <a:buClr>
+                <a:schemeClr val="bg1">
+                  <a:lumMod val="95000"/>
+                </a:schemeClr>
+              </a:buClr>
+              <a:buFont typeface="Arial" panose="020B0604020202020204" pitchFamily="34" charset="0"/>
+              <a:buChar char="•"/>
+            </a:pPr>
+            <a:r>
+              <a:rPr lang="en-US" sz="4000" dirty="0">
+                <a:solidFill>
+                  <a:schemeClr val="bg1">
+                    <a:lumMod val="95000"/>
+                  </a:schemeClr>
+                </a:solidFill>
+                <a:latin typeface="Inter SemiBold" panose="020B0604020202020204" charset="0"/>
+                <a:ea typeface="Inter SemiBold" panose="020B0604020202020204" charset="0"/>
+              </a:rPr>
+              <a:t>Dataset Description</a:t>
+            </a:r>
+          </a:p>
+          <a:p>
+            <a:pPr marL="285750" indent="-285750">
+              <a:buClr>
+                <a:schemeClr val="bg1">
+                  <a:lumMod val="95000"/>
+                </a:schemeClr>
+              </a:buClr>
+              <a:buFont typeface="Arial" panose="020B0604020202020204" pitchFamily="34" charset="0"/>
+              <a:buChar char="•"/>
+            </a:pPr>
+            <a:r>
+              <a:rPr lang="en-US" sz="4000" dirty="0">
+                <a:solidFill>
+                  <a:schemeClr val="bg1">
+                    <a:lumMod val="95000"/>
+                  </a:schemeClr>
+                </a:solidFill>
+                <a:latin typeface="Inter SemiBold" panose="020B0604020202020204" charset="0"/>
+                <a:ea typeface="Inter SemiBold" panose="020B0604020202020204" charset="0"/>
+              </a:rPr>
+              <a:t>Preprocessing &amp; Feature engineering</a:t>
+            </a:r>
+          </a:p>
+          <a:p>
+            <a:pPr marL="285750" indent="-285750">
+              <a:buClr>
+                <a:schemeClr val="bg1">
+                  <a:lumMod val="95000"/>
+                </a:schemeClr>
+              </a:buClr>
+              <a:buFont typeface="Arial" panose="020B0604020202020204" pitchFamily="34" charset="0"/>
+              <a:buChar char="•"/>
+            </a:pPr>
+            <a:r>
+              <a:rPr lang="en-US" sz="4000" dirty="0">
+                <a:solidFill>
+                  <a:schemeClr val="bg1">
+                    <a:lumMod val="95000"/>
+                  </a:schemeClr>
+                </a:solidFill>
+                <a:latin typeface="Inter SemiBold" panose="020B0604020202020204" charset="0"/>
+                <a:ea typeface="Inter SemiBold" panose="020B0604020202020204" charset="0"/>
+              </a:rPr>
+              <a:t>Model building</a:t>
+            </a:r>
+          </a:p>
+          <a:p>
+            <a:pPr marL="285750" indent="-285750">
+              <a:buClr>
+                <a:schemeClr val="bg1">
+                  <a:lumMod val="95000"/>
+                </a:schemeClr>
+              </a:buClr>
+              <a:buFont typeface="Arial" panose="020B0604020202020204" pitchFamily="34" charset="0"/>
+              <a:buChar char="•"/>
+            </a:pPr>
+            <a:r>
+              <a:rPr lang="en-US" sz="4000" dirty="0">
+                <a:solidFill>
+                  <a:schemeClr val="bg1">
+                    <a:lumMod val="95000"/>
+                  </a:schemeClr>
+                </a:solidFill>
+                <a:latin typeface="Inter SemiBold" panose="020B0604020202020204" charset="0"/>
+                <a:ea typeface="Inter SemiBold" panose="020B0604020202020204" charset="0"/>
+              </a:rPr>
+              <a:t>Model evaluation</a:t>
+            </a:r>
+          </a:p>
+          <a:p>
+            <a:pPr marL="285750" indent="-285750">
+              <a:buClr>
+                <a:schemeClr val="bg1">
+                  <a:lumMod val="95000"/>
+                </a:schemeClr>
+              </a:buClr>
+              <a:buFont typeface="Arial" panose="020B0604020202020204" pitchFamily="34" charset="0"/>
+              <a:buChar char="•"/>
+            </a:pPr>
+            <a:r>
+              <a:rPr lang="en-US" sz="4000" dirty="0">
+                <a:solidFill>
+                  <a:schemeClr val="bg1">
+                    <a:lumMod val="95000"/>
+                  </a:schemeClr>
+                </a:solidFill>
+                <a:latin typeface="Inter SemiBold" panose="020B0604020202020204" charset="0"/>
+                <a:ea typeface="Inter SemiBold" panose="020B0604020202020204" charset="0"/>
+              </a:rPr>
+              <a:t>Dashboard deployment</a:t>
+            </a:r>
+          </a:p>
+          <a:p>
+            <a:pPr marL="285750" indent="-285750">
+              <a:buClr>
+                <a:schemeClr val="bg1">
+                  <a:lumMod val="95000"/>
+                </a:schemeClr>
+              </a:buClr>
+              <a:buFont typeface="Arial" panose="020B0604020202020204" pitchFamily="34" charset="0"/>
+              <a:buChar char="•"/>
+            </a:pPr>
+            <a:r>
+              <a:rPr lang="en-US" sz="4000" dirty="0">
+                <a:solidFill>
+                  <a:schemeClr val="bg1">
+                    <a:lumMod val="95000"/>
+                  </a:schemeClr>
+                </a:solidFill>
+                <a:latin typeface="Inter SemiBold" panose="020B0604020202020204" charset="0"/>
+                <a:ea typeface="Inter SemiBold" panose="020B0604020202020204" charset="0"/>
+              </a:rPr>
+              <a:t>Overall performance of the model</a:t>
+            </a:r>
+          </a:p>
+          <a:p>
+            <a:pPr marL="285750" indent="-285750">
+              <a:buClr>
+                <a:schemeClr val="bg1">
+                  <a:lumMod val="95000"/>
+                </a:schemeClr>
+              </a:buClr>
+              <a:buFont typeface="Arial" panose="020B0604020202020204" pitchFamily="34" charset="0"/>
+              <a:buChar char="•"/>
+            </a:pPr>
+            <a:r>
+              <a:rPr lang="en-US" sz="4000" dirty="0">
+                <a:solidFill>
+                  <a:schemeClr val="bg1">
+                    <a:lumMod val="95000"/>
+                  </a:schemeClr>
+                </a:solidFill>
+                <a:latin typeface="Inter SemiBold" panose="020B0604020202020204" charset="0"/>
+                <a:ea typeface="Inter SemiBold" panose="020B0604020202020204" charset="0"/>
+              </a:rPr>
+              <a:t>Future enhancements</a:t>
+            </a:r>
+          </a:p>
+          <a:p>
+            <a:pPr marL="285750" indent="-285750">
+              <a:buClr>
+                <a:schemeClr val="bg1">
+                  <a:lumMod val="95000"/>
+                </a:schemeClr>
+              </a:buClr>
+              <a:buFont typeface="Arial" panose="020B0604020202020204" pitchFamily="34" charset="0"/>
+              <a:buChar char="•"/>
+            </a:pPr>
+            <a:r>
+              <a:rPr lang="en-US" sz="4000" dirty="0">
+                <a:solidFill>
+                  <a:schemeClr val="bg1">
+                    <a:lumMod val="95000"/>
+                  </a:schemeClr>
+                </a:solidFill>
+                <a:latin typeface="Inter SemiBold" panose="020B0604020202020204" charset="0"/>
+                <a:ea typeface="Inter SemiBold" panose="020B0604020202020204" charset="0"/>
+              </a:rPr>
+              <a:t>Acknowledgements  &amp; References</a:t>
+            </a:r>
+          </a:p>
+          <a:p>
+            <a:pPr marL="285750" indent="-285750">
+              <a:buClr>
+                <a:schemeClr val="bg1">
+                  <a:lumMod val="95000"/>
+                </a:schemeClr>
+              </a:buClr>
+              <a:buFont typeface="Arial" panose="020B0604020202020204" pitchFamily="34" charset="0"/>
+              <a:buChar char="•"/>
+            </a:pPr>
+            <a:endParaRPr lang="en-US" dirty="0">
+              <a:solidFill>
+                <a:schemeClr val="bg1">
+                  <a:lumMod val="95000"/>
+                </a:schemeClr>
+              </a:solidFill>
+            </a:endParaRPr>
+          </a:p>
+          <a:p>
+            <a:pPr marL="285750" indent="-285750">
+              <a:buClr>
+                <a:schemeClr val="bg1">
+                  <a:lumMod val="95000"/>
+                </a:schemeClr>
+              </a:buClr>
+              <a:buFont typeface="Arial" panose="020B0604020202020204" pitchFamily="34" charset="0"/>
+              <a:buChar char="•"/>
+            </a:pPr>
+            <a:endParaRPr lang="en-US" dirty="0">
+              <a:solidFill>
+                <a:schemeClr val="bg1">
+                  <a:lumMod val="95000"/>
+                </a:schemeClr>
+              </a:solidFill>
+            </a:endParaRPr>
+          </a:p>
+          <a:p>
+            <a:pPr marL="285750" indent="-285750">
+              <a:buClr>
+                <a:schemeClr val="bg1">
+                  <a:lumMod val="95000"/>
+                </a:schemeClr>
+              </a:buClr>
+              <a:buFont typeface="Arial" panose="020B0604020202020204" pitchFamily="34" charset="0"/>
+              <a:buChar char="•"/>
+            </a:pPr>
+            <a:endParaRPr lang="en-US" dirty="0">
+              <a:solidFill>
+                <a:schemeClr val="bg1">
+                  <a:lumMod val="95000"/>
+                </a:schemeClr>
+              </a:solidFill>
+            </a:endParaRPr>
+          </a:p>
+          <a:p>
+            <a:pPr marL="285750" indent="-285750">
+              <a:buClr>
+                <a:schemeClr val="bg1">
+                  <a:lumMod val="95000"/>
+                </a:schemeClr>
+              </a:buClr>
+              <a:buFont typeface="Arial" panose="020B0604020202020204" pitchFamily="34" charset="0"/>
+              <a:buChar char="•"/>
+            </a:pPr>
+            <a:endParaRPr lang="en-IN" dirty="0">
+              <a:solidFill>
+                <a:schemeClr val="bg1">
+                  <a:lumMod val="95000"/>
+                </a:schemeClr>
+              </a:solidFill>
+            </a:endParaRPr>
+          </a:p>
+        </p:txBody>
+      </p:sp>
+      <p:pic>
+        <p:nvPicPr>
+          <p:cNvPr id="6" name="Picture 5">
+            <a:extLst>
+              <a:ext uri="{FF2B5EF4-FFF2-40B4-BE49-F238E27FC236}">
+                <a16:creationId xmlns:a16="http://schemas.microsoft.com/office/drawing/2014/main" id="{FC60FFFA-50A0-69C2-1D81-8A1431BD0D42}"/>
+              </a:ext>
+            </a:extLst>
+          </p:cNvPr>
+          <p:cNvPicPr>
+            <a:picLocks noChangeAspect="1"/>
+          </p:cNvPicPr>
+          <p:nvPr/>
+        </p:nvPicPr>
+        <p:blipFill>
+          <a:blip r:embed="rId3"/>
+          <a:stretch>
+            <a:fillRect/>
+          </a:stretch>
+        </p:blipFill>
+        <p:spPr>
+          <a:xfrm>
+            <a:off x="304450" y="4661238"/>
+            <a:ext cx="4433887" cy="2776438"/>
+          </a:xfrm>
+          <a:prstGeom prst="rect">
+            <a:avLst/>
+          </a:prstGeom>
+        </p:spPr>
+      </p:pic>
+    </p:spTree>
+  </p:cSld>
+  <p:clrMapOvr>
+    <a:masterClrMapping/>
+  </p:clrMapOvr>
+</p:sld>
+</file>
+
+<file path=ppt/slides/slide3.xml><?xml version="1.0" encoding="utf-8"?>
+<p:sld xmlns:a="http://schemas.openxmlformats.org/drawingml/2006/main" xmlns:r="http://schemas.openxmlformats.org/officeDocument/2006/relationships" xmlns:p="http://schemas.openxmlformats.org/presentationml/2006/main">
+  <p:cSld>
+    <p:bg>
+      <p:bgPr>
+        <a:solidFill>
+          <a:srgbClr val="F8EFE5"/>
+        </a:solidFill>
+        <a:effectLst/>
+      </p:bgPr>
+    </p:bg>
+    <p:spTree>
+      <p:nvGrpSpPr>
+        <p:cNvPr id="1" name="Shape 171">
+          <a:extLst>
+            <a:ext uri="{FF2B5EF4-FFF2-40B4-BE49-F238E27FC236}">
+              <a16:creationId xmlns:a16="http://schemas.microsoft.com/office/drawing/2014/main" id="{B70658FF-1408-093F-D813-F59F7BD5198C}"/>
+            </a:ext>
+          </a:extLst>
+        </p:cNvPr>
+        <p:cNvGrpSpPr/>
+        <p:nvPr/>
+      </p:nvGrpSpPr>
+      <p:grpSpPr>
+        <a:xfrm>
+          <a:off x="0" y="0"/>
+          <a:ext cx="0" cy="0"/>
+          <a:chOff x="0" y="0"/>
+          <a:chExt cx="0" cy="0"/>
+        </a:xfrm>
+      </p:grpSpPr>
+      <p:sp>
+        <p:nvSpPr>
+          <p:cNvPr id="175" name="Google Shape;175;p14">
+            <a:extLst>
+              <a:ext uri="{FF2B5EF4-FFF2-40B4-BE49-F238E27FC236}">
+                <a16:creationId xmlns:a16="http://schemas.microsoft.com/office/drawing/2014/main" id="{7A9909F1-C763-1A46-2DEA-0DE1B79059AF}"/>
+              </a:ext>
+            </a:extLst>
+          </p:cNvPr>
+          <p:cNvSpPr txBox="1"/>
+          <p:nvPr/>
+        </p:nvSpPr>
+        <p:spPr>
+          <a:xfrm>
+            <a:off x="514350" y="1120093"/>
+            <a:ext cx="16230600" cy="1107996"/>
+          </a:xfrm>
+          <a:prstGeom prst="rect">
+            <a:avLst/>
+          </a:prstGeom>
+          <a:noFill/>
+          <a:ln>
+            <a:noFill/>
+          </a:ln>
+        </p:spPr>
+        <p:txBody>
+          <a:bodyPr spcFirstLastPara="1" wrap="square" lIns="0" tIns="0" rIns="0" bIns="0" anchor="t" anchorCtr="0">
+            <a:spAutoFit/>
+          </a:bodyPr>
+          <a:lstStyle/>
+          <a:p>
+            <a:pPr marL="0" marR="0" lvl="0" indent="0" algn="ctr" rtl="0">
+              <a:lnSpc>
+                <a:spcPct val="100000"/>
+              </a:lnSpc>
+              <a:spcBef>
+                <a:spcPts val="0"/>
+              </a:spcBef>
+              <a:spcAft>
+                <a:spcPts val="0"/>
+              </a:spcAft>
+              <a:buNone/>
+            </a:pPr>
+            <a:r>
+              <a:rPr lang="en-US" sz="7200" dirty="0">
+                <a:solidFill>
+                  <a:srgbClr val="253278"/>
+                </a:solidFill>
+                <a:latin typeface="Inter ExtraBold"/>
+                <a:ea typeface="Inter ExtraBold"/>
+                <a:cs typeface="Inter ExtraBold"/>
+                <a:sym typeface="Inter ExtraBold"/>
+              </a:rPr>
+              <a:t>Dataset Description</a:t>
+            </a:r>
+            <a:endParaRPr dirty="0">
+              <a:latin typeface="Inter ExtraBold"/>
+              <a:ea typeface="Inter ExtraBold"/>
+              <a:cs typeface="Inter ExtraBold"/>
+              <a:sym typeface="Inter ExtraBold"/>
+            </a:endParaRPr>
+          </a:p>
+        </p:txBody>
+      </p:sp>
+      <p:sp>
+        <p:nvSpPr>
+          <p:cNvPr id="3" name="Rectangle 2">
+            <a:extLst>
+              <a:ext uri="{FF2B5EF4-FFF2-40B4-BE49-F238E27FC236}">
+                <a16:creationId xmlns:a16="http://schemas.microsoft.com/office/drawing/2014/main" id="{4E98A919-0B47-047B-D025-696AA85A81B1}"/>
+              </a:ext>
+            </a:extLst>
+          </p:cNvPr>
+          <p:cNvSpPr>
+            <a:spLocks noChangeArrowheads="1"/>
+          </p:cNvSpPr>
+          <p:nvPr/>
+        </p:nvSpPr>
+        <p:spPr bwMode="auto">
+          <a:xfrm>
+            <a:off x="1271587" y="3388374"/>
+            <a:ext cx="15001876" cy="4893647"/>
+          </a:xfrm>
+          <a:prstGeom prst="rect">
+            <a:avLst/>
+          </a:prstGeom>
+          <a:noFill/>
+          <a:ln>
+            <a:noFill/>
+          </a:ln>
+          <a:effectLst/>
+          <a:extLst>
+            <a:ext uri="{909E8E84-426E-40DD-AFC4-6F175D3DCCD1}">
+              <a14:hiddenFill xmlns:a14="http://schemas.microsoft.com/office/drawing/2010/main">
+                <a:solidFill>
+                  <a:schemeClr val="accent1"/>
+                </a:solidFill>
+              </a14:hiddenFill>
+            </a:ext>
+            <a:ext uri="{91240B29-F687-4F45-9708-019B960494DF}">
+              <a14:hiddenLine xmlns:a14="http://schemas.microsoft.com/office/drawing/2010/main" w="9525">
+                <a:solidFill>
+                  <a:schemeClr val="tx1"/>
+                </a:solidFill>
+                <a:miter lim="800000"/>
+                <a:headEnd/>
+                <a:tailEnd/>
+              </a14:hiddenLine>
+            </a:ext>
+            <a:ext uri="{AF507438-7753-43E0-B8FC-AC1667EBCBE1}">
+              <a14:hiddenEffects xmlns:a14="http://schemas.microsoft.com/office/drawing/2010/main">
+                <a:effectLst>
+                  <a:outerShdw dist="35921" dir="2700000" algn="ctr" rotWithShape="0">
+                    <a:schemeClr val="bg2"/>
+                  </a:outerShdw>
+                </a:effectLst>
+              </a14:hiddenEffects>
+            </a:ext>
+          </a:extLst>
+        </p:spPr>
+        <p:txBody>
+          <a:bodyPr vert="horz" wrap="square" lIns="91440" tIns="45720" rIns="91440" bIns="45720" numCol="1" anchor="ctr" anchorCtr="0" compatLnSpc="1">
+            <a:prstTxWarp prst="textNoShape">
+              <a:avLst/>
+            </a:prstTxWarp>
+            <a:spAutoFit/>
+          </a:bodyPr>
+          <a:lstStyle/>
+          <a:p>
+            <a:pPr marL="0" marR="0" lvl="0" indent="0" algn="l" defTabSz="914400" rtl="0" eaLnBrk="0" fontAlgn="base" latinLnBrk="0" hangingPunct="0">
+              <a:lnSpc>
+                <a:spcPct val="100000"/>
+              </a:lnSpc>
+              <a:spcBef>
+                <a:spcPct val="0"/>
+              </a:spcBef>
+              <a:spcAft>
+                <a:spcPct val="0"/>
+              </a:spcAft>
+              <a:buClrTx/>
+              <a:buSzTx/>
+              <a:buFontTx/>
+              <a:buChar char="•"/>
+              <a:tabLst/>
+            </a:pPr>
+            <a:r>
+              <a:rPr kumimoji="0" lang="en-US" altLang="en-US" sz="2800" b="1" i="0" u="none" strike="noStrike" cap="none" normalizeH="0" baseline="0" dirty="0">
+                <a:ln>
+                  <a:noFill/>
+                </a:ln>
+                <a:solidFill>
+                  <a:schemeClr val="tx1"/>
+                </a:solidFill>
+                <a:effectLst/>
+                <a:latin typeface="Inter SemiBold" panose="020B0604020202020204" charset="0"/>
+                <a:ea typeface="Inter SemiBold" panose="020B0604020202020204" charset="0"/>
+              </a:rPr>
+              <a:t>Purpose:</a:t>
+            </a:r>
+            <a:r>
+              <a:rPr kumimoji="0" lang="en-US" altLang="en-US" sz="2800" b="0" i="0" u="none" strike="noStrike" cap="none" normalizeH="0" baseline="0" dirty="0">
+                <a:ln>
+                  <a:noFill/>
+                </a:ln>
+                <a:solidFill>
+                  <a:schemeClr val="tx1"/>
+                </a:solidFill>
+                <a:effectLst/>
+                <a:latin typeface="Inter SemiBold" panose="020B0604020202020204" charset="0"/>
+                <a:ea typeface="Inter SemiBold" panose="020B0604020202020204" charset="0"/>
+              </a:rPr>
+              <a:t> Predictive maintenance for aircraft engines, estimating Remaining Useful Life (RUL).</a:t>
+            </a:r>
+          </a:p>
+          <a:p>
+            <a:pPr marL="0" marR="0" lvl="0" indent="0" algn="l" defTabSz="914400" rtl="0" eaLnBrk="0" fontAlgn="base" latinLnBrk="0" hangingPunct="0">
+              <a:lnSpc>
+                <a:spcPct val="100000"/>
+              </a:lnSpc>
+              <a:spcBef>
+                <a:spcPct val="0"/>
+              </a:spcBef>
+              <a:spcAft>
+                <a:spcPct val="0"/>
+              </a:spcAft>
+              <a:buClrTx/>
+              <a:buSzTx/>
+              <a:buFontTx/>
+              <a:buChar char="•"/>
+              <a:tabLst/>
+            </a:pPr>
+            <a:r>
+              <a:rPr kumimoji="0" lang="en-US" altLang="en-US" sz="2800" b="1" i="0" u="none" strike="noStrike" cap="none" normalizeH="0" baseline="0" dirty="0">
+                <a:ln>
+                  <a:noFill/>
+                </a:ln>
+                <a:solidFill>
+                  <a:schemeClr val="tx1"/>
+                </a:solidFill>
+                <a:effectLst/>
+                <a:latin typeface="Inter SemiBold" panose="020B0604020202020204" charset="0"/>
+                <a:ea typeface="Inter SemiBold" panose="020B0604020202020204" charset="0"/>
+              </a:rPr>
+              <a:t>Dataset Composition:</a:t>
+            </a:r>
+            <a:r>
+              <a:rPr kumimoji="0" lang="en-US" altLang="en-US" sz="2800" b="0" i="0" u="none" strike="noStrike" cap="none" normalizeH="0" baseline="0" dirty="0">
+                <a:ln>
+                  <a:noFill/>
+                </a:ln>
+                <a:solidFill>
+                  <a:schemeClr val="tx1"/>
+                </a:solidFill>
+                <a:effectLst/>
+                <a:latin typeface="Inter SemiBold" panose="020B0604020202020204" charset="0"/>
+                <a:ea typeface="Inter SemiBold" panose="020B0604020202020204" charset="0"/>
+              </a:rPr>
+              <a:t> Multi-unit engine time-series data under various operational conditions.</a:t>
+            </a:r>
+          </a:p>
+          <a:p>
+            <a:pPr marL="0" marR="0" lvl="0" indent="0" algn="l" defTabSz="914400" rtl="0" eaLnBrk="0" fontAlgn="base" latinLnBrk="0" hangingPunct="0">
+              <a:lnSpc>
+                <a:spcPct val="100000"/>
+              </a:lnSpc>
+              <a:spcBef>
+                <a:spcPct val="0"/>
+              </a:spcBef>
+              <a:spcAft>
+                <a:spcPct val="0"/>
+              </a:spcAft>
+              <a:buClrTx/>
+              <a:buSzTx/>
+              <a:buFontTx/>
+              <a:buChar char="•"/>
+              <a:tabLst/>
+            </a:pPr>
+            <a:r>
+              <a:rPr kumimoji="0" lang="en-US" altLang="en-US" sz="2800" b="1" i="0" u="none" strike="noStrike" cap="none" normalizeH="0" baseline="0" dirty="0">
+                <a:ln>
+                  <a:noFill/>
+                </a:ln>
+                <a:solidFill>
+                  <a:schemeClr val="tx1"/>
+                </a:solidFill>
+                <a:effectLst/>
+                <a:latin typeface="Inter SemiBold" panose="020B0604020202020204" charset="0"/>
+                <a:ea typeface="Inter SemiBold" panose="020B0604020202020204" charset="0"/>
+              </a:rPr>
+              <a:t>Columns / Features:</a:t>
+            </a:r>
+            <a:endParaRPr lang="en-US" altLang="en-US" sz="2800" dirty="0">
+              <a:solidFill>
+                <a:schemeClr val="tx1"/>
+              </a:solidFill>
+              <a:latin typeface="Inter SemiBold" panose="020B0604020202020204" charset="0"/>
+              <a:ea typeface="Inter SemiBold" panose="020B0604020202020204" charset="0"/>
+            </a:endParaRPr>
+          </a:p>
+          <a:p>
+            <a:pPr marL="0" marR="0" lvl="0" indent="0" algn="l" defTabSz="914400" rtl="0" eaLnBrk="0" fontAlgn="base" latinLnBrk="0" hangingPunct="0">
+              <a:lnSpc>
+                <a:spcPct val="100000"/>
+              </a:lnSpc>
+              <a:spcBef>
+                <a:spcPct val="0"/>
+              </a:spcBef>
+              <a:spcAft>
+                <a:spcPct val="0"/>
+              </a:spcAft>
+              <a:buClrTx/>
+              <a:buSzTx/>
+              <a:buFontTx/>
+              <a:buChar char="•"/>
+              <a:tabLst/>
+            </a:pPr>
+            <a:r>
+              <a:rPr kumimoji="0" lang="en-US" altLang="en-US" sz="2800" b="0" i="0" u="none" strike="noStrike" cap="none" normalizeH="0" baseline="0" dirty="0">
+                <a:ln>
+                  <a:noFill/>
+                </a:ln>
+                <a:solidFill>
+                  <a:schemeClr val="tx1"/>
+                </a:solidFill>
+                <a:effectLst/>
+                <a:latin typeface="Inter SemiBold" panose="020B0604020202020204" charset="0"/>
+                <a:ea typeface="Inter SemiBold" panose="020B0604020202020204" charset="0"/>
+              </a:rPr>
+              <a:t>Unit_id,time_cycles</a:t>
+            </a:r>
+            <a:r>
+              <a:rPr lang="en-US" altLang="en-US" sz="1800" dirty="0">
+                <a:solidFill>
+                  <a:schemeClr val="tx1"/>
+                </a:solidFill>
+                <a:latin typeface="Inter SemiBold" panose="020B0604020202020204" charset="0"/>
+                <a:ea typeface="Inter SemiBold" panose="020B0604020202020204" charset="0"/>
+              </a:rPr>
+              <a:t> – </a:t>
+            </a:r>
+            <a:r>
+              <a:rPr lang="en-US" altLang="en-US" sz="2800" dirty="0">
+                <a:solidFill>
+                  <a:schemeClr val="tx1"/>
+                </a:solidFill>
+                <a:latin typeface="Inter SemiBold" panose="020B0604020202020204" charset="0"/>
+                <a:ea typeface="Inter SemiBold" panose="020B0604020202020204" charset="0"/>
+              </a:rPr>
+              <a:t>engine identifier and timestep</a:t>
+            </a:r>
+            <a:endParaRPr kumimoji="0" lang="en-US" altLang="en-US" sz="2800" b="0" i="0" u="none" strike="noStrike" cap="none" normalizeH="0" baseline="0" dirty="0">
+              <a:ln>
+                <a:noFill/>
+              </a:ln>
+              <a:solidFill>
+                <a:schemeClr val="tx1"/>
+              </a:solidFill>
+              <a:effectLst/>
+              <a:latin typeface="Inter SemiBold" panose="020B0604020202020204" charset="0"/>
+              <a:ea typeface="Inter SemiBold" panose="020B0604020202020204" charset="0"/>
+            </a:endParaRPr>
+          </a:p>
+          <a:p>
+            <a:pPr marL="0" marR="0" lvl="0" indent="0" algn="l" defTabSz="914400" rtl="0" eaLnBrk="0" fontAlgn="base" latinLnBrk="0" hangingPunct="0">
+              <a:lnSpc>
+                <a:spcPct val="100000"/>
+              </a:lnSpc>
+              <a:spcBef>
+                <a:spcPct val="0"/>
+              </a:spcBef>
+              <a:spcAft>
+                <a:spcPct val="0"/>
+              </a:spcAft>
+              <a:buClrTx/>
+              <a:buSzTx/>
+              <a:buFontTx/>
+              <a:buChar char="•"/>
+              <a:tabLst/>
+            </a:pPr>
+            <a:r>
+              <a:rPr kumimoji="0" lang="en-US" altLang="en-US" sz="2800" b="0" i="0" u="none" strike="noStrike" cap="none" normalizeH="0" baseline="0" dirty="0">
+                <a:ln>
+                  <a:noFill/>
+                </a:ln>
+                <a:solidFill>
+                  <a:schemeClr val="tx1"/>
+                </a:solidFill>
+                <a:effectLst/>
+                <a:latin typeface="Inter SemiBold" panose="020B0604020202020204" charset="0"/>
+                <a:ea typeface="Inter SemiBold" panose="020B0604020202020204" charset="0"/>
+              </a:rPr>
+              <a:t>Operational settings: </a:t>
+            </a:r>
+            <a:r>
+              <a:rPr lang="en-US" altLang="en-US" sz="2800" dirty="0">
+                <a:solidFill>
+                  <a:schemeClr val="tx1"/>
+                </a:solidFill>
+                <a:latin typeface="Inter SemiBold" panose="020B0604020202020204" charset="0"/>
+                <a:ea typeface="Inter SemiBold" panose="020B0604020202020204" charset="0"/>
+              </a:rPr>
+              <a:t>setting_1,setting_2,setting_3</a:t>
+            </a:r>
+            <a:endParaRPr kumimoji="0" lang="en-US" altLang="en-US" sz="1800" b="0" i="0" u="none" strike="noStrike" cap="none" normalizeH="0" baseline="0" dirty="0">
+              <a:ln>
+                <a:noFill/>
+              </a:ln>
+              <a:solidFill>
+                <a:schemeClr val="tx1"/>
+              </a:solidFill>
+              <a:effectLst/>
+              <a:latin typeface="Inter SemiBold" panose="020B0604020202020204" charset="0"/>
+              <a:ea typeface="Inter SemiBold" panose="020B0604020202020204" charset="0"/>
+            </a:endParaRPr>
+          </a:p>
+          <a:p>
+            <a:pPr marL="0" marR="0" lvl="0" indent="0" algn="l" defTabSz="914400" rtl="0" eaLnBrk="0" fontAlgn="base" latinLnBrk="0" hangingPunct="0">
+              <a:lnSpc>
+                <a:spcPct val="100000"/>
+              </a:lnSpc>
+              <a:spcBef>
+                <a:spcPct val="0"/>
+              </a:spcBef>
+              <a:spcAft>
+                <a:spcPct val="0"/>
+              </a:spcAft>
+              <a:buClrTx/>
+              <a:buSzTx/>
+              <a:buFontTx/>
+              <a:buChar char="•"/>
+              <a:tabLst/>
+            </a:pPr>
+            <a:r>
+              <a:rPr kumimoji="0" lang="en-US" altLang="en-US" sz="2800" b="0" i="0" u="none" strike="noStrike" cap="none" normalizeH="0" baseline="0" dirty="0">
+                <a:ln>
+                  <a:noFill/>
+                </a:ln>
+                <a:solidFill>
+                  <a:schemeClr val="tx1"/>
+                </a:solidFill>
+                <a:effectLst/>
+                <a:latin typeface="Inter SemiBold" panose="020B0604020202020204" charset="0"/>
+                <a:ea typeface="Inter SemiBold" panose="020B0604020202020204" charset="0"/>
+              </a:rPr>
+              <a:t>Sensor measurements: </a:t>
+            </a:r>
+            <a:r>
+              <a:rPr lang="en-US" altLang="en-US" sz="3200" dirty="0">
+                <a:solidFill>
+                  <a:schemeClr val="tx1"/>
+                </a:solidFill>
+                <a:latin typeface="Inter SemiBold" panose="020B0604020202020204" charset="0"/>
+                <a:ea typeface="Inter SemiBold" panose="020B0604020202020204" charset="0"/>
+              </a:rPr>
+              <a:t>s_1 to s_24</a:t>
+            </a:r>
+            <a:endParaRPr kumimoji="0" lang="en-US" altLang="en-US" sz="1800" b="0" i="0" u="none" strike="noStrike" cap="none" normalizeH="0" baseline="0" dirty="0">
+              <a:ln>
+                <a:noFill/>
+              </a:ln>
+              <a:solidFill>
+                <a:schemeClr val="tx1"/>
+              </a:solidFill>
+              <a:effectLst/>
+              <a:latin typeface="Inter SemiBold" panose="020B0604020202020204" charset="0"/>
+              <a:ea typeface="Inter SemiBold" panose="020B0604020202020204" charset="0"/>
+            </a:endParaRPr>
+          </a:p>
+          <a:p>
+            <a:pPr marL="0" marR="0" lvl="0" indent="0" algn="l" defTabSz="914400" rtl="0" eaLnBrk="0" fontAlgn="base" latinLnBrk="0" hangingPunct="0">
+              <a:lnSpc>
+                <a:spcPct val="100000"/>
+              </a:lnSpc>
+              <a:spcBef>
+                <a:spcPct val="0"/>
+              </a:spcBef>
+              <a:spcAft>
+                <a:spcPct val="0"/>
+              </a:spcAft>
+              <a:buClrTx/>
+              <a:buSzTx/>
+              <a:buFontTx/>
+              <a:buChar char="•"/>
+              <a:tabLst/>
+            </a:pPr>
+            <a:r>
+              <a:rPr kumimoji="0" lang="en-US" altLang="en-US" sz="2800" b="1" i="0" u="none" strike="noStrike" cap="none" normalizeH="0" baseline="0" dirty="0">
+                <a:ln>
+                  <a:noFill/>
+                </a:ln>
+                <a:solidFill>
+                  <a:schemeClr val="tx1"/>
+                </a:solidFill>
+                <a:effectLst/>
+                <a:latin typeface="Inter SemiBold" panose="020B0604020202020204" charset="0"/>
+                <a:ea typeface="Inter SemiBold" panose="020B0604020202020204" charset="0"/>
+              </a:rPr>
+              <a:t>Data Subsets:</a:t>
+            </a:r>
+            <a:r>
+              <a:rPr kumimoji="0" lang="en-US" altLang="en-US" sz="2800" b="0" i="0" u="none" strike="noStrike" cap="none" normalizeH="0" baseline="0" dirty="0">
+                <a:ln>
+                  <a:noFill/>
+                </a:ln>
+                <a:solidFill>
+                  <a:schemeClr val="tx1"/>
+                </a:solidFill>
+                <a:effectLst/>
+                <a:latin typeface="Inter SemiBold" panose="020B0604020202020204" charset="0"/>
+                <a:ea typeface="Inter SemiBold" panose="020B0604020202020204" charset="0"/>
+              </a:rPr>
+              <a:t> FD001 to FD004, representing different engine operating scenarios and fault types.</a:t>
+            </a:r>
+          </a:p>
+          <a:p>
+            <a:pPr marL="0" marR="0" lvl="0" indent="0" algn="l" defTabSz="914400" rtl="0" eaLnBrk="0" fontAlgn="base" latinLnBrk="0" hangingPunct="0">
+              <a:lnSpc>
+                <a:spcPct val="100000"/>
+              </a:lnSpc>
+              <a:spcBef>
+                <a:spcPct val="0"/>
+              </a:spcBef>
+              <a:spcAft>
+                <a:spcPct val="0"/>
+              </a:spcAft>
+              <a:buClrTx/>
+              <a:buSzTx/>
+              <a:buFontTx/>
+              <a:buChar char="•"/>
+              <a:tabLst/>
+            </a:pPr>
+            <a:r>
+              <a:rPr kumimoji="0" lang="en-US" altLang="en-US" sz="2800" b="1" i="0" u="none" strike="noStrike" cap="none" normalizeH="0" baseline="0" dirty="0">
+                <a:ln>
+                  <a:noFill/>
+                </a:ln>
+                <a:solidFill>
+                  <a:schemeClr val="tx1"/>
+                </a:solidFill>
+                <a:effectLst/>
+                <a:latin typeface="Inter SemiBold" panose="020B0604020202020204" charset="0"/>
+                <a:ea typeface="Inter SemiBold" panose="020B0604020202020204" charset="0"/>
+              </a:rPr>
+              <a:t>Data Files:</a:t>
+            </a:r>
+            <a:r>
+              <a:rPr kumimoji="0" lang="en-US" altLang="en-US" sz="2800" b="0" i="0" u="none" strike="noStrike" cap="none" normalizeH="0" baseline="0" dirty="0">
+                <a:ln>
+                  <a:noFill/>
+                </a:ln>
+                <a:solidFill>
+                  <a:schemeClr val="tx1"/>
+                </a:solidFill>
+                <a:effectLst/>
+                <a:latin typeface="Inter SemiBold" panose="020B0604020202020204" charset="0"/>
+                <a:ea typeface="Inter SemiBold" panose="020B0604020202020204" charset="0"/>
+              </a:rPr>
+              <a:t> Training and test data with RUL labels provided separately.</a:t>
+            </a:r>
+          </a:p>
+        </p:txBody>
+      </p:sp>
+    </p:spTree>
+    <p:extLst>
+      <p:ext uri="{BB962C8B-B14F-4D97-AF65-F5344CB8AC3E}">
+        <p14:creationId xmlns:p14="http://schemas.microsoft.com/office/powerpoint/2010/main" val="647403228"/>
+      </p:ext>
+    </p:extLst>
+  </p:cSld>
+  <p:clrMapOvr>
+    <a:masterClrMapping/>
+  </p:clrMapOvr>
+</p:sld>
+</file>
+
+<file path=ppt/slides/slide4.xml><?xml version="1.0" encoding="utf-8"?>
 <p:sld xmlns:a="http://schemas.openxmlformats.org/drawingml/2006/main" xmlns:r="http://schemas.openxmlformats.org/officeDocument/2006/relationships" xmlns:p="http://schemas.openxmlformats.org/presentationml/2006/main">
   <p:cSld>
     <p:bg>
@@ -11858,206 +9966,7 @@
 </p:sld>
 </file>
 
-<file path=ppt/slides/slide3.xml><?xml version="1.0" encoding="utf-8"?>
-<p:sld xmlns:a="http://schemas.openxmlformats.org/drawingml/2006/main" xmlns:r="http://schemas.openxmlformats.org/officeDocument/2006/relationships" xmlns:p="http://schemas.openxmlformats.org/presentationml/2006/main">
-  <p:cSld>
-    <p:bg>
-      <p:bgPr>
-        <a:solidFill>
-          <a:srgbClr val="253278"/>
-        </a:solidFill>
-        <a:effectLst/>
-      </p:bgPr>
-    </p:bg>
-    <p:spTree>
-      <p:nvGrpSpPr>
-        <p:cNvPr id="1" name="Shape 83"/>
-        <p:cNvGrpSpPr/>
-        <p:nvPr/>
-      </p:nvGrpSpPr>
-      <p:grpSpPr>
-        <a:xfrm>
-          <a:off x="0" y="0"/>
-          <a:ext cx="0" cy="0"/>
-          <a:chOff x="0" y="0"/>
-          <a:chExt cx="0" cy="0"/>
-        </a:xfrm>
-      </p:grpSpPr>
-      <p:sp>
-        <p:nvSpPr>
-          <p:cNvPr id="84" name="Google Shape;84;p9"/>
-          <p:cNvSpPr txBox="1"/>
-          <p:nvPr/>
-        </p:nvSpPr>
-        <p:spPr>
-          <a:xfrm>
-            <a:off x="6329363" y="2014538"/>
-            <a:ext cx="4529138" cy="498598"/>
-          </a:xfrm>
-          <a:prstGeom prst="rect">
-            <a:avLst/>
-          </a:prstGeom>
-          <a:noFill/>
-          <a:ln>
-            <a:noFill/>
-          </a:ln>
-        </p:spPr>
-        <p:txBody>
-          <a:bodyPr spcFirstLastPara="1" wrap="square" lIns="0" tIns="0" rIns="0" bIns="0" anchor="t" anchorCtr="0">
-            <a:spAutoFit/>
-          </a:bodyPr>
-          <a:lstStyle/>
-          <a:p>
-            <a:pPr marL="0" marR="0" lvl="0" indent="0" algn="l" rtl="0">
-              <a:lnSpc>
-                <a:spcPct val="90000"/>
-              </a:lnSpc>
-              <a:spcBef>
-                <a:spcPts val="0"/>
-              </a:spcBef>
-              <a:spcAft>
-                <a:spcPts val="0"/>
-              </a:spcAft>
-              <a:buNone/>
-            </a:pPr>
-            <a:r>
-              <a:rPr lang="en-US" sz="3600" dirty="0">
-                <a:solidFill>
-                  <a:srgbClr val="F8EFE5"/>
-                </a:solidFill>
-                <a:latin typeface="Inter SemiBold" panose="020B0604020202020204" charset="0"/>
-                <a:ea typeface="Inter SemiBold" panose="020B0604020202020204" charset="0"/>
-                <a:cs typeface="Inter ExtraBold"/>
-                <a:sym typeface="Inter ExtraBold"/>
-              </a:rPr>
-              <a:t>Internship Overview</a:t>
-            </a:r>
-            <a:endParaRPr sz="3600" dirty="0">
-              <a:latin typeface="Inter SemiBold" panose="020B0604020202020204" charset="0"/>
-              <a:ea typeface="Inter SemiBold" panose="020B0604020202020204" charset="0"/>
-              <a:cs typeface="Inter ExtraBold"/>
-              <a:sym typeface="Inter ExtraBold"/>
-            </a:endParaRPr>
-          </a:p>
-        </p:txBody>
-      </p:sp>
-      <p:graphicFrame>
-        <p:nvGraphicFramePr>
-          <p:cNvPr id="3" name="Diagram 2">
-            <a:extLst>
-              <a:ext uri="{FF2B5EF4-FFF2-40B4-BE49-F238E27FC236}">
-                <a16:creationId xmlns:a16="http://schemas.microsoft.com/office/drawing/2014/main" id="{5B9E7248-D4EB-86E6-46C8-983A0FE6ECF0}"/>
-              </a:ext>
-            </a:extLst>
-          </p:cNvPr>
-          <p:cNvGraphicFramePr/>
-          <p:nvPr>
-            <p:extLst>
-              <p:ext uri="{D42A27DB-BD31-4B8C-83A1-F6EECF244321}">
-                <p14:modId xmlns:p14="http://schemas.microsoft.com/office/powerpoint/2010/main" val="3494249852"/>
-              </p:ext>
-            </p:extLst>
-          </p:nvPr>
-        </p:nvGraphicFramePr>
-        <p:xfrm>
-          <a:off x="5719762" y="1079500"/>
-          <a:ext cx="12192000" cy="8128000"/>
-        </p:xfrm>
-        <a:graphic>
-          <a:graphicData uri="http://schemas.openxmlformats.org/drawingml/2006/diagram">
-            <dgm:relIds xmlns:dgm="http://schemas.openxmlformats.org/drawingml/2006/diagram" xmlns:r="http://schemas.openxmlformats.org/officeDocument/2006/relationships" r:dm="rId3" r:lo="rId4" r:qs="rId5" r:cs="rId6"/>
-          </a:graphicData>
-        </a:graphic>
-      </p:graphicFrame>
-      <p:sp>
-        <p:nvSpPr>
-          <p:cNvPr id="4" name="TextBox 3">
-            <a:extLst>
-              <a:ext uri="{FF2B5EF4-FFF2-40B4-BE49-F238E27FC236}">
-                <a16:creationId xmlns:a16="http://schemas.microsoft.com/office/drawing/2014/main" id="{190BBF8C-DFCF-F5FB-63A3-D51F96669364}"/>
-              </a:ext>
-            </a:extLst>
-          </p:cNvPr>
-          <p:cNvSpPr txBox="1"/>
-          <p:nvPr/>
-        </p:nvSpPr>
-        <p:spPr>
-          <a:xfrm>
-            <a:off x="1285875" y="3900488"/>
-            <a:ext cx="4433887" cy="2123658"/>
-          </a:xfrm>
-          <a:prstGeom prst="rect">
-            <a:avLst/>
-          </a:prstGeom>
-          <a:noFill/>
-        </p:spPr>
-        <p:txBody>
-          <a:bodyPr wrap="square" rtlCol="0">
-            <a:spAutoFit/>
-          </a:bodyPr>
-          <a:lstStyle/>
-          <a:p>
-            <a:r>
-              <a:rPr lang="en-US" sz="4400" dirty="0">
-                <a:solidFill>
-                  <a:schemeClr val="bg1">
-                    <a:lumMod val="95000"/>
-                  </a:schemeClr>
-                </a:solidFill>
-                <a:latin typeface="Inter SemiBold" panose="020B0604020202020204" charset="0"/>
-                <a:ea typeface="Inter SemiBold" panose="020B0604020202020204" charset="0"/>
-              </a:rPr>
-              <a:t>RUL Prediction</a:t>
-            </a:r>
-          </a:p>
-          <a:p>
-            <a:r>
-              <a:rPr lang="en-US" sz="4400" dirty="0">
-                <a:solidFill>
-                  <a:schemeClr val="bg1">
-                    <a:lumMod val="95000"/>
-                  </a:schemeClr>
-                </a:solidFill>
-                <a:latin typeface="Inter SemiBold" panose="020B0604020202020204" charset="0"/>
-                <a:ea typeface="Inter SemiBold" panose="020B0604020202020204" charset="0"/>
-              </a:rPr>
-              <a:t>For CMAPS </a:t>
-            </a:r>
-          </a:p>
-          <a:p>
-            <a:r>
-              <a:rPr lang="en-US" sz="4400" dirty="0">
-                <a:solidFill>
-                  <a:schemeClr val="bg1">
-                    <a:lumMod val="95000"/>
-                  </a:schemeClr>
-                </a:solidFill>
-                <a:latin typeface="Inter SemiBold" panose="020B0604020202020204" charset="0"/>
-                <a:ea typeface="Inter SemiBold" panose="020B0604020202020204" charset="0"/>
-              </a:rPr>
-              <a:t>Dataset</a:t>
-            </a:r>
-            <a:endParaRPr lang="en-IN" sz="4400" dirty="0">
-              <a:solidFill>
-                <a:schemeClr val="bg1">
-                  <a:lumMod val="95000"/>
-                </a:schemeClr>
-              </a:solidFill>
-              <a:latin typeface="Inter SemiBold" panose="020B0604020202020204" charset="0"/>
-              <a:ea typeface="Inter SemiBold" panose="020B0604020202020204" charset="0"/>
-            </a:endParaRPr>
-          </a:p>
-        </p:txBody>
-      </p:sp>
-    </p:spTree>
-  </p:cSld>
-  <p:clrMapOvr>
-    <a:masterClrMapping/>
-  </p:clrMapOvr>
-</p:sld>
-</file>
-
-<file path=ppt/slides/slide4.xml><?xml version="1.0" encoding="utf-8"?>
+<file path=ppt/slides/slide5.xml><?xml version="1.0" encoding="utf-8"?>
 <p:sld xmlns:a="http://schemas.openxmlformats.org/drawingml/2006/main" xmlns:r="http://schemas.openxmlformats.org/officeDocument/2006/relationships" xmlns:p="http://schemas.openxmlformats.org/presentationml/2006/main">
   <p:cSld>
     <p:bg>
@@ -12090,8 +9999,8 @@
         </p:nvSpPr>
         <p:spPr>
           <a:xfrm>
-            <a:off x="6320057" y="406400"/>
-            <a:ext cx="4594685" cy="738664"/>
+            <a:off x="2964657" y="445194"/>
+            <a:ext cx="12358686" cy="738664"/>
           </a:xfrm>
           <a:prstGeom prst="rect">
             <a:avLst/>
@@ -12129,7 +10038,7 @@
                 <a:cs typeface="Inter ExtraBold"/>
                 <a:sym typeface="Inter ExtraBold"/>
               </a:rPr>
-              <a:t>Milestone 1</a:t>
+              <a:t>Preprocessing &amp; Feature Engineering</a:t>
             </a:r>
             <a:endParaRPr sz="4800" b="1" dirty="0">
               <a:latin typeface="Inter SemiBold" panose="020B0604020202020204" charset="0"/>
@@ -12580,7 +10489,7 @@
 </p:sld>
 </file>
 
-<file path=ppt/slides/slide5.xml><?xml version="1.0" encoding="utf-8"?>
+<file path=ppt/slides/slide6.xml><?xml version="1.0" encoding="utf-8"?>
 <p:sld xmlns:a="http://schemas.openxmlformats.org/drawingml/2006/main" xmlns:r="http://schemas.openxmlformats.org/officeDocument/2006/relationships" xmlns:p="http://schemas.openxmlformats.org/presentationml/2006/main">
   <p:cSld>
     <p:bg>
@@ -12664,7 +10573,7 @@
                 <a:cs typeface="Inter ExtraBold"/>
                 <a:sym typeface="Inter ExtraBold"/>
               </a:rPr>
-              <a:t>Milestone 2</a:t>
+              <a:t>Model Building</a:t>
             </a:r>
             <a:endParaRPr sz="4800" b="1" dirty="0">
               <a:latin typeface="Inter SemiBold" panose="020B0604020202020204" charset="0"/>
@@ -13694,7 +11603,7 @@
 </p:sld>
 </file>
 
-<file path=ppt/slides/slide6.xml><?xml version="1.0" encoding="utf-8"?>
+<file path=ppt/slides/slide7.xml><?xml version="1.0" encoding="utf-8"?>
 <p:sld xmlns:a="http://schemas.openxmlformats.org/drawingml/2006/main" xmlns:r="http://schemas.openxmlformats.org/officeDocument/2006/relationships" xmlns:p="http://schemas.openxmlformats.org/presentationml/2006/main">
   <p:cSld>
     <p:bg>
@@ -13740,7 +11649,7 @@
         <p:spPr>
           <a:xfrm>
             <a:off x="6320057" y="406400"/>
-            <a:ext cx="4594685" cy="738664"/>
+            <a:ext cx="5981481" cy="738664"/>
           </a:xfrm>
           <a:prstGeom prst="rect">
             <a:avLst/>
@@ -13778,7 +11687,7 @@
                 <a:cs typeface="Inter ExtraBold"/>
                 <a:sym typeface="Inter ExtraBold"/>
               </a:rPr>
-              <a:t>Milestone 3</a:t>
+              <a:t>Model Evaluation</a:t>
             </a:r>
             <a:endParaRPr sz="4800" b="1" dirty="0">
               <a:latin typeface="Inter SemiBold" panose="020B0604020202020204" charset="0"/>
@@ -14650,7 +12559,7 @@
 </p:sld>
 </file>
 
-<file path=ppt/slides/slide7.xml><?xml version="1.0" encoding="utf-8"?>
+<file path=ppt/slides/slide8.xml><?xml version="1.0" encoding="utf-8"?>
 <p:sld xmlns:a="http://schemas.openxmlformats.org/drawingml/2006/main" xmlns:r="http://schemas.openxmlformats.org/officeDocument/2006/relationships" xmlns:p="http://schemas.openxmlformats.org/presentationml/2006/main">
   <p:cSld>
     <p:bg>
@@ -14721,7 +12630,7 @@
                 <a:ea typeface="Inter"/>
                 <a:sym typeface="Inter"/>
               </a:rPr>
-              <a:t>Results of the milestone 3</a:t>
+              <a:t>Results of the model evaluation</a:t>
             </a:r>
             <a:endParaRPr sz="2800" dirty="0">
               <a:latin typeface=" inter semibold"/>
@@ -14857,7 +12766,7 @@
 </p:sld>
 </file>
 
-<file path=ppt/slides/slide8.xml><?xml version="1.0" encoding="utf-8"?>
+<file path=ppt/slides/slide9.xml><?xml version="1.0" encoding="utf-8"?>
 <p:sld xmlns:a="http://schemas.openxmlformats.org/drawingml/2006/main" xmlns:r="http://schemas.openxmlformats.org/officeDocument/2006/relationships" xmlns:p="http://schemas.openxmlformats.org/presentationml/2006/main">
   <p:cSld>
     <p:bg>
@@ -14902,8 +12811,8 @@
         </p:nvSpPr>
         <p:spPr>
           <a:xfrm>
-            <a:off x="6320057" y="406400"/>
-            <a:ext cx="4594685" cy="738664"/>
+            <a:off x="5262919" y="333206"/>
+            <a:ext cx="8185829" cy="738664"/>
           </a:xfrm>
           <a:prstGeom prst="rect">
             <a:avLst/>
@@ -14941,7 +12850,7 @@
                 <a:cs typeface="Inter ExtraBold"/>
                 <a:sym typeface="Inter ExtraBold"/>
               </a:rPr>
-              <a:t>Milestone 4</a:t>
+              <a:t>Dashboard Deployment</a:t>
             </a:r>
             <a:endParaRPr sz="4800" b="1" dirty="0">
               <a:latin typeface="Inter SemiBold" panose="020B0604020202020204" charset="0"/>
@@ -16139,170 +14048,6 @@
     <p:extLst>
       <p:ext uri="{BB962C8B-B14F-4D97-AF65-F5344CB8AC3E}">
         <p14:creationId xmlns:p14="http://schemas.microsoft.com/office/powerpoint/2010/main" val="1754439141"/>
-      </p:ext>
-    </p:extLst>
-  </p:cSld>
-  <p:clrMapOvr>
-    <a:masterClrMapping/>
-  </p:clrMapOvr>
-</p:sld>
-</file>
-
-<file path=ppt/slides/slide9.xml><?xml version="1.0" encoding="utf-8"?>
-<p:sld xmlns:a="http://schemas.openxmlformats.org/drawingml/2006/main" xmlns:r="http://schemas.openxmlformats.org/officeDocument/2006/relationships" xmlns:p="http://schemas.openxmlformats.org/presentationml/2006/main">
-  <p:cSld>
-    <p:bg>
-      <p:bgPr>
-        <a:solidFill>
-          <a:srgbClr val="253278"/>
-        </a:solidFill>
-        <a:effectLst/>
-      </p:bgPr>
-    </p:bg>
-    <p:spTree>
-      <p:nvGrpSpPr>
-        <p:cNvPr id="1" name="Shape 190">
-          <a:extLst>
-            <a:ext uri="{FF2B5EF4-FFF2-40B4-BE49-F238E27FC236}">
-              <a16:creationId xmlns:a16="http://schemas.microsoft.com/office/drawing/2014/main" id="{5E06DCFD-41CA-91A3-79AF-67C6FF42F392}"/>
-            </a:ext>
-          </a:extLst>
-        </p:cNvPr>
-        <p:cNvGrpSpPr/>
-        <p:nvPr/>
-      </p:nvGrpSpPr>
-      <p:grpSpPr>
-        <a:xfrm>
-          <a:off x="0" y="0"/>
-          <a:ext cx="0" cy="0"/>
-          <a:chOff x="0" y="0"/>
-          <a:chExt cx="0" cy="0"/>
-        </a:xfrm>
-      </p:grpSpPr>
-      <p:sp>
-        <p:nvSpPr>
-          <p:cNvPr id="198" name="Google Shape;198;p15">
-            <a:extLst>
-              <a:ext uri="{FF2B5EF4-FFF2-40B4-BE49-F238E27FC236}">
-                <a16:creationId xmlns:a16="http://schemas.microsoft.com/office/drawing/2014/main" id="{2FD490E6-782A-32B9-C189-9873E45A08E6}"/>
-              </a:ext>
-            </a:extLst>
-          </p:cNvPr>
-          <p:cNvSpPr txBox="1"/>
-          <p:nvPr/>
-        </p:nvSpPr>
-        <p:spPr>
-          <a:xfrm>
-            <a:off x="5629275" y="144480"/>
-            <a:ext cx="5843588" cy="517065"/>
-          </a:xfrm>
-          <a:prstGeom prst="rect">
-            <a:avLst/>
-          </a:prstGeom>
-          <a:noFill/>
-          <a:ln>
-            <a:noFill/>
-          </a:ln>
-        </p:spPr>
-        <p:txBody>
-          <a:bodyPr spcFirstLastPara="1" wrap="square" lIns="0" tIns="0" rIns="0" bIns="0" anchor="t" anchorCtr="0">
-            <a:spAutoFit/>
-          </a:bodyPr>
-          <a:lstStyle/>
-          <a:p>
-            <a:pPr marL="0" marR="0" lvl="0" indent="0" algn="ctr" rtl="0">
-              <a:lnSpc>
-                <a:spcPct val="119916"/>
-              </a:lnSpc>
-              <a:spcBef>
-                <a:spcPts val="0"/>
-              </a:spcBef>
-              <a:spcAft>
-                <a:spcPts val="0"/>
-              </a:spcAft>
-              <a:buNone/>
-            </a:pPr>
-            <a:r>
-              <a:rPr lang="en-US" sz="2800" b="1" dirty="0">
-                <a:solidFill>
-                  <a:srgbClr val="FFFDFC"/>
-                </a:solidFill>
-                <a:latin typeface=" inter semibold"/>
-                <a:ea typeface="Inter"/>
-                <a:sym typeface="Inter"/>
-              </a:rPr>
-              <a:t>Results of the milestone 4</a:t>
-            </a:r>
-            <a:endParaRPr sz="2800" dirty="0">
-              <a:latin typeface=" inter semibold"/>
-            </a:endParaRPr>
-          </a:p>
-        </p:txBody>
-      </p:sp>
-      <p:pic>
-        <p:nvPicPr>
-          <p:cNvPr id="8" name="Picture 7">
-            <a:extLst>
-              <a:ext uri="{FF2B5EF4-FFF2-40B4-BE49-F238E27FC236}">
-                <a16:creationId xmlns:a16="http://schemas.microsoft.com/office/drawing/2014/main" id="{FBB544A7-548A-ED07-F364-1D5D49F54CAA}"/>
-              </a:ext>
-            </a:extLst>
-          </p:cNvPr>
-          <p:cNvPicPr>
-            <a:picLocks noChangeAspect="1"/>
-          </p:cNvPicPr>
-          <p:nvPr/>
-        </p:nvPicPr>
-        <p:blipFill>
-          <a:blip r:embed="rId3"/>
-          <a:stretch>
-            <a:fillRect/>
-          </a:stretch>
-        </p:blipFill>
-        <p:spPr>
-          <a:xfrm>
-            <a:off x="3945582" y="920078"/>
-            <a:ext cx="9492833" cy="4342733"/>
-          </a:xfrm>
-          <a:prstGeom prst="rect">
-            <a:avLst/>
-          </a:prstGeom>
-        </p:spPr>
-      </p:pic>
-      <p:pic>
-        <p:nvPicPr>
-          <p:cNvPr id="10" name="Picture 9">
-            <a:extLst>
-              <a:ext uri="{FF2B5EF4-FFF2-40B4-BE49-F238E27FC236}">
-                <a16:creationId xmlns:a16="http://schemas.microsoft.com/office/drawing/2014/main" id="{A4DC217D-AA2B-3813-AC1F-D82F5CE8409C}"/>
-              </a:ext>
-            </a:extLst>
-          </p:cNvPr>
-          <p:cNvPicPr>
-            <a:picLocks noChangeAspect="1"/>
-          </p:cNvPicPr>
-          <p:nvPr/>
-        </p:nvPicPr>
-        <p:blipFill>
-          <a:blip r:embed="rId4"/>
-          <a:stretch>
-            <a:fillRect/>
-          </a:stretch>
-        </p:blipFill>
-        <p:spPr>
-          <a:xfrm>
-            <a:off x="3945581" y="5540263"/>
-            <a:ext cx="9584577" cy="4343724"/>
-          </a:xfrm>
-          <a:prstGeom prst="rect">
-            <a:avLst/>
-          </a:prstGeom>
-        </p:spPr>
-      </p:pic>
-    </p:spTree>
-    <p:extLst>
-      <p:ext uri="{BB962C8B-B14F-4D97-AF65-F5344CB8AC3E}">
-        <p14:creationId xmlns:p14="http://schemas.microsoft.com/office/powerpoint/2010/main" val="2155121566"/>
       </p:ext>
     </p:extLst>
   </p:cSld>

--- a/final_drafts/final_ppt.pptx
+++ b/final_drafts/final_ppt.pptx
@@ -5,54 +5,53 @@
     <p:sldMasterId id="2147483653" r:id="rId1"/>
   </p:sldMasterIdLst>
   <p:notesMasterIdLst>
-    <p:notesMasterId r:id="rId18"/>
+    <p:notesMasterId r:id="rId17"/>
   </p:notesMasterIdLst>
   <p:sldIdLst>
     <p:sldId id="256" r:id="rId2"/>
     <p:sldId id="258" r:id="rId3"/>
-    <p:sldId id="278" r:id="rId4"/>
-    <p:sldId id="257" r:id="rId5"/>
+    <p:sldId id="257" r:id="rId4"/>
+    <p:sldId id="278" r:id="rId5"/>
     <p:sldId id="259" r:id="rId6"/>
     <p:sldId id="270" r:id="rId7"/>
     <p:sldId id="271" r:id="rId8"/>
     <p:sldId id="264" r:id="rId9"/>
     <p:sldId id="272" r:id="rId10"/>
-    <p:sldId id="273" r:id="rId11"/>
-    <p:sldId id="263" r:id="rId12"/>
-    <p:sldId id="274" r:id="rId13"/>
-    <p:sldId id="279" r:id="rId14"/>
-    <p:sldId id="277" r:id="rId15"/>
-    <p:sldId id="267" r:id="rId16"/>
-    <p:sldId id="276" r:id="rId17"/>
+    <p:sldId id="263" r:id="rId11"/>
+    <p:sldId id="274" r:id="rId12"/>
+    <p:sldId id="279" r:id="rId13"/>
+    <p:sldId id="277" r:id="rId14"/>
+    <p:sldId id="267" r:id="rId15"/>
+    <p:sldId id="276" r:id="rId16"/>
   </p:sldIdLst>
   <p:sldSz cx="18288000" cy="10287000"/>
   <p:notesSz cx="6858000" cy="9144000"/>
   <p:embeddedFontLst>
     <p:embeddedFont>
       <p:font typeface="Gill Sans MT" panose="020B0502020104020203" pitchFamily="34" charset="0"/>
-      <p:regular r:id="rId19"/>
-      <p:bold r:id="rId20"/>
-      <p:italic r:id="rId21"/>
-      <p:boldItalic r:id="rId22"/>
+      <p:regular r:id="rId18"/>
+      <p:bold r:id="rId19"/>
+      <p:italic r:id="rId20"/>
+      <p:boldItalic r:id="rId21"/>
     </p:embeddedFont>
     <p:embeddedFont>
       <p:font typeface="Inter" panose="020B0604020202020204" charset="0"/>
-      <p:regular r:id="rId23"/>
-      <p:bold r:id="rId24"/>
-      <p:italic r:id="rId25"/>
-      <p:boldItalic r:id="rId26"/>
+      <p:regular r:id="rId22"/>
+      <p:bold r:id="rId23"/>
+      <p:italic r:id="rId24"/>
+      <p:boldItalic r:id="rId25"/>
     </p:embeddedFont>
     <p:embeddedFont>
       <p:font typeface="Inter ExtraBold" panose="020B0604020202020204" charset="0"/>
-      <p:bold r:id="rId27"/>
-      <p:boldItalic r:id="rId28"/>
+      <p:bold r:id="rId26"/>
+      <p:boldItalic r:id="rId27"/>
     </p:embeddedFont>
     <p:embeddedFont>
       <p:font typeface="Inter SemiBold" panose="020B0604020202020204" charset="0"/>
-      <p:regular r:id="rId29"/>
-      <p:bold r:id="rId30"/>
-      <p:italic r:id="rId31"/>
-      <p:boldItalic r:id="rId32"/>
+      <p:regular r:id="rId28"/>
+      <p:bold r:id="rId29"/>
+      <p:italic r:id="rId30"/>
+      <p:boldItalic r:id="rId31"/>
     </p:embeddedFont>
   </p:embeddedFontLst>
   <p:defaultTextStyle>
@@ -867,140 +866,6 @@
   <p:cSld>
     <p:spTree>
       <p:nvGrpSpPr>
-        <p:cNvPr id="1" name="Shape 187">
-          <a:extLst>
-            <a:ext uri="{FF2B5EF4-FFF2-40B4-BE49-F238E27FC236}">
-              <a16:creationId xmlns:a16="http://schemas.microsoft.com/office/drawing/2014/main" id="{1C75AE12-74EC-072B-F0E7-0A73C4B534A2}"/>
-            </a:ext>
-          </a:extLst>
-        </p:cNvPr>
-        <p:cNvGrpSpPr/>
-        <p:nvPr/>
-      </p:nvGrpSpPr>
-      <p:grpSpPr>
-        <a:xfrm>
-          <a:off x="0" y="0"/>
-          <a:ext cx="0" cy="0"/>
-          <a:chOff x="0" y="0"/>
-          <a:chExt cx="0" cy="0"/>
-        </a:xfrm>
-      </p:grpSpPr>
-      <p:sp>
-        <p:nvSpPr>
-          <p:cNvPr id="188" name="Google Shape;188;p9:notes">
-            <a:extLst>
-              <a:ext uri="{FF2B5EF4-FFF2-40B4-BE49-F238E27FC236}">
-                <a16:creationId xmlns:a16="http://schemas.microsoft.com/office/drawing/2014/main" id="{CD37370C-837F-98D0-DD1E-E464D76FC0C2}"/>
-              </a:ext>
-            </a:extLst>
-          </p:cNvPr>
-          <p:cNvSpPr txBox="1">
-            <a:spLocks noGrp="1"/>
-          </p:cNvSpPr>
-          <p:nvPr>
-            <p:ph type="body" idx="1"/>
-          </p:nvPr>
-        </p:nvSpPr>
-        <p:spPr>
-          <a:xfrm>
-            <a:off x="685800" y="4343400"/>
-            <a:ext cx="5486400" cy="4114800"/>
-          </a:xfrm>
-          <a:prstGeom prst="rect">
-            <a:avLst/>
-          </a:prstGeom>
-        </p:spPr>
-        <p:txBody>
-          <a:bodyPr spcFirstLastPara="1" wrap="square" lIns="91425" tIns="91425" rIns="91425" bIns="91425" anchor="t" anchorCtr="0">
-            <a:noAutofit/>
-          </a:bodyPr>
-          <a:lstStyle/>
-          <a:p>
-            <a:pPr marL="0" lvl="0" indent="0" algn="l" rtl="0">
-              <a:spcBef>
-                <a:spcPts val="0"/>
-              </a:spcBef>
-              <a:spcAft>
-                <a:spcPts val="0"/>
-              </a:spcAft>
-              <a:buNone/>
-            </a:pPr>
-            <a:endParaRPr/>
-          </a:p>
-        </p:txBody>
-      </p:sp>
-      <p:sp>
-        <p:nvSpPr>
-          <p:cNvPr id="189" name="Google Shape;189;p9:notes">
-            <a:extLst>
-              <a:ext uri="{FF2B5EF4-FFF2-40B4-BE49-F238E27FC236}">
-                <a16:creationId xmlns:a16="http://schemas.microsoft.com/office/drawing/2014/main" id="{7EDFBAAC-4267-C96B-197D-9D06AB3FCD7B}"/>
-              </a:ext>
-            </a:extLst>
-          </p:cNvPr>
-          <p:cNvSpPr>
-            <a:spLocks noGrp="1" noRot="1" noChangeAspect="1"/>
-          </p:cNvSpPr>
-          <p:nvPr>
-            <p:ph type="sldImg" idx="2"/>
-          </p:nvPr>
-        </p:nvSpPr>
-        <p:spPr>
-          <a:xfrm>
-            <a:off x="381000" y="685800"/>
-            <a:ext cx="6096000" cy="3429000"/>
-          </a:xfrm>
-          <a:custGeom>
-            <a:avLst/>
-            <a:gdLst/>
-            <a:ahLst/>
-            <a:cxnLst/>
-            <a:rect l="l" t="t" r="r" b="b"/>
-            <a:pathLst>
-              <a:path w="120000" h="120000" extrusionOk="0">
-                <a:moveTo>
-                  <a:pt x="0" y="0"/>
-                </a:moveTo>
-                <a:lnTo>
-                  <a:pt x="120000" y="0"/>
-                </a:lnTo>
-                <a:lnTo>
-                  <a:pt x="120000" y="120000"/>
-                </a:lnTo>
-                <a:lnTo>
-                  <a:pt x="0" y="120000"/>
-                </a:lnTo>
-                <a:close/>
-              </a:path>
-            </a:pathLst>
-          </a:custGeom>
-        </p:spPr>
-        <p:txBody>
-          <a:bodyPr/>
-          <a:lstStyle/>
-          <a:p>
-            <a:endParaRPr lang="en-IN"/>
-          </a:p>
-        </p:txBody>
-      </p:sp>
-    </p:spTree>
-    <p:extLst>
-      <p:ext uri="{BB962C8B-B14F-4D97-AF65-F5344CB8AC3E}">
-        <p14:creationId xmlns:p14="http://schemas.microsoft.com/office/powerpoint/2010/main" val="2364118634"/>
-      </p:ext>
-    </p:extLst>
-  </p:cSld>
-  <p:clrMapOvr>
-    <a:masterClrMapping/>
-  </p:clrMapOvr>
-</p:notes>
-</file>
-
-<file path=ppt/notesSlides/notesSlide11.xml><?xml version="1.0" encoding="utf-8"?>
-<p:notes xmlns:a="http://schemas.openxmlformats.org/drawingml/2006/main" xmlns:r="http://schemas.openxmlformats.org/officeDocument/2006/relationships" xmlns:p="http://schemas.openxmlformats.org/presentationml/2006/main" showMasterSp="0" showMasterPhAnim="0">
-  <p:cSld>
-    <p:spTree>
-      <p:nvGrpSpPr>
         <p:cNvPr id="1" name="Shape 168"/>
         <p:cNvGrpSpPr/>
         <p:nvPr/>
@@ -1107,7 +972,7 @@
 </p:notes>
 </file>
 
-<file path=ppt/notesSlides/notesSlide12.xml><?xml version="1.0" encoding="utf-8"?>
+<file path=ppt/notesSlides/notesSlide11.xml><?xml version="1.0" encoding="utf-8"?>
 <p:notes xmlns:a="http://schemas.openxmlformats.org/drawingml/2006/main" xmlns:r="http://schemas.openxmlformats.org/officeDocument/2006/relationships" xmlns:p="http://schemas.openxmlformats.org/presentationml/2006/main" showMasterSp="0" showMasterPhAnim="0">
   <p:cSld>
     <p:spTree>
@@ -1241,7 +1106,7 @@
 </p:notes>
 </file>
 
-<file path=ppt/notesSlides/notesSlide13.xml><?xml version="1.0" encoding="utf-8"?>
+<file path=ppt/notesSlides/notesSlide12.xml><?xml version="1.0" encoding="utf-8"?>
 <p:notes xmlns:a="http://schemas.openxmlformats.org/drawingml/2006/main" xmlns:r="http://schemas.openxmlformats.org/officeDocument/2006/relationships" xmlns:p="http://schemas.openxmlformats.org/presentationml/2006/main" showMasterSp="0" showMasterPhAnim="0">
   <p:cSld>
     <p:spTree>
@@ -1375,7 +1240,7 @@
 </p:notes>
 </file>
 
-<file path=ppt/notesSlides/notesSlide14.xml><?xml version="1.0" encoding="utf-8"?>
+<file path=ppt/notesSlides/notesSlide13.xml><?xml version="1.0" encoding="utf-8"?>
 <p:notes xmlns:a="http://schemas.openxmlformats.org/drawingml/2006/main" xmlns:r="http://schemas.openxmlformats.org/officeDocument/2006/relationships" xmlns:p="http://schemas.openxmlformats.org/presentationml/2006/main" showMasterSp="0" showMasterPhAnim="0">
   <p:cSld>
     <p:spTree>
@@ -1509,7 +1374,7 @@
 </p:notes>
 </file>
 
-<file path=ppt/notesSlides/notesSlide15.xml><?xml version="1.0" encoding="utf-8"?>
+<file path=ppt/notesSlides/notesSlide14.xml><?xml version="1.0" encoding="utf-8"?>
 <p:notes xmlns:a="http://schemas.openxmlformats.org/drawingml/2006/main" xmlns:r="http://schemas.openxmlformats.org/officeDocument/2006/relationships" xmlns:p="http://schemas.openxmlformats.org/presentationml/2006/main" showMasterSp="0" showMasterPhAnim="0">
   <p:cSld>
     <p:spTree>
@@ -1732,6 +1597,117 @@
 </file>
 
 <file path=ppt/notesSlides/notesSlide3.xml><?xml version="1.0" encoding="utf-8"?>
+<p:notes xmlns:a="http://schemas.openxmlformats.org/drawingml/2006/main" xmlns:r="http://schemas.openxmlformats.org/officeDocument/2006/relationships" xmlns:p="http://schemas.openxmlformats.org/presentationml/2006/main" showMasterSp="0" showMasterPhAnim="0">
+  <p:cSld>
+    <p:spTree>
+      <p:nvGrpSpPr>
+        <p:cNvPr id="1" name="Shape 61"/>
+        <p:cNvGrpSpPr/>
+        <p:nvPr/>
+      </p:nvGrpSpPr>
+      <p:grpSpPr>
+        <a:xfrm>
+          <a:off x="0" y="0"/>
+          <a:ext cx="0" cy="0"/>
+          <a:chOff x="0" y="0"/>
+          <a:chExt cx="0" cy="0"/>
+        </a:xfrm>
+      </p:grpSpPr>
+      <p:sp>
+        <p:nvSpPr>
+          <p:cNvPr id="62" name="Google Shape;62;p2:notes"/>
+          <p:cNvSpPr txBox="1">
+            <a:spLocks noGrp="1"/>
+          </p:cNvSpPr>
+          <p:nvPr>
+            <p:ph type="body" idx="1"/>
+          </p:nvPr>
+        </p:nvSpPr>
+        <p:spPr>
+          <a:xfrm>
+            <a:off x="685800" y="4343400"/>
+            <a:ext cx="5486400" cy="4114800"/>
+          </a:xfrm>
+          <a:prstGeom prst="rect">
+            <a:avLst/>
+          </a:prstGeom>
+        </p:spPr>
+        <p:txBody>
+          <a:bodyPr spcFirstLastPara="1" wrap="square" lIns="91425" tIns="91425" rIns="91425" bIns="91425" anchor="t" anchorCtr="0">
+            <a:noAutofit/>
+          </a:bodyPr>
+          <a:lstStyle/>
+          <a:p>
+            <a:pPr marL="0" lvl="0" indent="0" algn="l" rtl="0">
+              <a:spcBef>
+                <a:spcPts val="0"/>
+              </a:spcBef>
+              <a:spcAft>
+                <a:spcPts val="0"/>
+              </a:spcAft>
+              <a:buNone/>
+            </a:pPr>
+            <a:endParaRPr/>
+          </a:p>
+        </p:txBody>
+      </p:sp>
+      <p:sp>
+        <p:nvSpPr>
+          <p:cNvPr id="63" name="Google Shape;63;p2:notes"/>
+          <p:cNvSpPr>
+            <a:spLocks noGrp="1" noRot="1" noChangeAspect="1"/>
+          </p:cNvSpPr>
+          <p:nvPr>
+            <p:ph type="sldImg" idx="2"/>
+          </p:nvPr>
+        </p:nvSpPr>
+        <p:spPr>
+          <a:xfrm>
+            <a:off x="381000" y="685800"/>
+            <a:ext cx="6096000" cy="3429000"/>
+          </a:xfrm>
+          <a:custGeom>
+            <a:avLst/>
+            <a:gdLst/>
+            <a:ahLst/>
+            <a:cxnLst/>
+            <a:rect l="l" t="t" r="r" b="b"/>
+            <a:pathLst>
+              <a:path w="120000" h="120000" extrusionOk="0">
+                <a:moveTo>
+                  <a:pt x="0" y="0"/>
+                </a:moveTo>
+                <a:lnTo>
+                  <a:pt x="120000" y="0"/>
+                </a:lnTo>
+                <a:lnTo>
+                  <a:pt x="120000" y="120000"/>
+                </a:lnTo>
+                <a:lnTo>
+                  <a:pt x="0" y="120000"/>
+                </a:lnTo>
+                <a:close/>
+              </a:path>
+            </a:pathLst>
+          </a:custGeom>
+        </p:spPr>
+        <p:txBody>
+          <a:bodyPr/>
+          <a:lstStyle/>
+          <a:p>
+            <a:endParaRPr lang="en-IN"/>
+          </a:p>
+        </p:txBody>
+      </p:sp>
+    </p:spTree>
+  </p:cSld>
+  <p:clrMapOvr>
+    <a:masterClrMapping/>
+  </p:clrMapOvr>
+</p:notes>
+</file>
+
+<file path=ppt/notesSlides/notesSlide4.xml><?xml version="1.0" encoding="utf-8"?>
 <p:notes xmlns:a="http://schemas.openxmlformats.org/drawingml/2006/main" xmlns:r="http://schemas.openxmlformats.org/officeDocument/2006/relationships" xmlns:p="http://schemas.openxmlformats.org/presentationml/2006/main" showMasterSp="0" showMasterPhAnim="0">
   <p:cSld>
     <p:spTree>
@@ -1858,117 +1834,6 @@
         <p14:creationId xmlns:p14="http://schemas.microsoft.com/office/powerpoint/2010/main" val="1421000992"/>
       </p:ext>
     </p:extLst>
-  </p:cSld>
-  <p:clrMapOvr>
-    <a:masterClrMapping/>
-  </p:clrMapOvr>
-</p:notes>
-</file>
-
-<file path=ppt/notesSlides/notesSlide4.xml><?xml version="1.0" encoding="utf-8"?>
-<p:notes xmlns:a="http://schemas.openxmlformats.org/drawingml/2006/main" xmlns:r="http://schemas.openxmlformats.org/officeDocument/2006/relationships" xmlns:p="http://schemas.openxmlformats.org/presentationml/2006/main" showMasterSp="0" showMasterPhAnim="0">
-  <p:cSld>
-    <p:spTree>
-      <p:nvGrpSpPr>
-        <p:cNvPr id="1" name="Shape 61"/>
-        <p:cNvGrpSpPr/>
-        <p:nvPr/>
-      </p:nvGrpSpPr>
-      <p:grpSpPr>
-        <a:xfrm>
-          <a:off x="0" y="0"/>
-          <a:ext cx="0" cy="0"/>
-          <a:chOff x="0" y="0"/>
-          <a:chExt cx="0" cy="0"/>
-        </a:xfrm>
-      </p:grpSpPr>
-      <p:sp>
-        <p:nvSpPr>
-          <p:cNvPr id="62" name="Google Shape;62;p2:notes"/>
-          <p:cNvSpPr txBox="1">
-            <a:spLocks noGrp="1"/>
-          </p:cNvSpPr>
-          <p:nvPr>
-            <p:ph type="body" idx="1"/>
-          </p:nvPr>
-        </p:nvSpPr>
-        <p:spPr>
-          <a:xfrm>
-            <a:off x="685800" y="4343400"/>
-            <a:ext cx="5486400" cy="4114800"/>
-          </a:xfrm>
-          <a:prstGeom prst="rect">
-            <a:avLst/>
-          </a:prstGeom>
-        </p:spPr>
-        <p:txBody>
-          <a:bodyPr spcFirstLastPara="1" wrap="square" lIns="91425" tIns="91425" rIns="91425" bIns="91425" anchor="t" anchorCtr="0">
-            <a:noAutofit/>
-          </a:bodyPr>
-          <a:lstStyle/>
-          <a:p>
-            <a:pPr marL="0" lvl="0" indent="0" algn="l" rtl="0">
-              <a:spcBef>
-                <a:spcPts val="0"/>
-              </a:spcBef>
-              <a:spcAft>
-                <a:spcPts val="0"/>
-              </a:spcAft>
-              <a:buNone/>
-            </a:pPr>
-            <a:endParaRPr/>
-          </a:p>
-        </p:txBody>
-      </p:sp>
-      <p:sp>
-        <p:nvSpPr>
-          <p:cNvPr id="63" name="Google Shape;63;p2:notes"/>
-          <p:cNvSpPr>
-            <a:spLocks noGrp="1" noRot="1" noChangeAspect="1"/>
-          </p:cNvSpPr>
-          <p:nvPr>
-            <p:ph type="sldImg" idx="2"/>
-          </p:nvPr>
-        </p:nvSpPr>
-        <p:spPr>
-          <a:xfrm>
-            <a:off x="381000" y="685800"/>
-            <a:ext cx="6096000" cy="3429000"/>
-          </a:xfrm>
-          <a:custGeom>
-            <a:avLst/>
-            <a:gdLst/>
-            <a:ahLst/>
-            <a:cxnLst/>
-            <a:rect l="l" t="t" r="r" b="b"/>
-            <a:pathLst>
-              <a:path w="120000" h="120000" extrusionOk="0">
-                <a:moveTo>
-                  <a:pt x="0" y="0"/>
-                </a:moveTo>
-                <a:lnTo>
-                  <a:pt x="120000" y="0"/>
-                </a:lnTo>
-                <a:lnTo>
-                  <a:pt x="120000" y="120000"/>
-                </a:lnTo>
-                <a:lnTo>
-                  <a:pt x="0" y="120000"/>
-                </a:lnTo>
-                <a:close/>
-              </a:path>
-            </a:pathLst>
-          </a:custGeom>
-        </p:spPr>
-        <p:txBody>
-          <a:bodyPr/>
-          <a:lstStyle/>
-          <a:p>
-            <a:endParaRPr lang="en-IN"/>
-          </a:p>
-        </p:txBody>
-      </p:sp>
-    </p:spTree>
   </p:cSld>
   <p:clrMapOvr>
     <a:masterClrMapping/>
@@ -5234,170 +5099,6 @@
     <p:bg>
       <p:bgPr>
         <a:solidFill>
-          <a:srgbClr val="253278"/>
-        </a:solidFill>
-        <a:effectLst/>
-      </p:bgPr>
-    </p:bg>
-    <p:spTree>
-      <p:nvGrpSpPr>
-        <p:cNvPr id="1" name="Shape 190">
-          <a:extLst>
-            <a:ext uri="{FF2B5EF4-FFF2-40B4-BE49-F238E27FC236}">
-              <a16:creationId xmlns:a16="http://schemas.microsoft.com/office/drawing/2014/main" id="{5E06DCFD-41CA-91A3-79AF-67C6FF42F392}"/>
-            </a:ext>
-          </a:extLst>
-        </p:cNvPr>
-        <p:cNvGrpSpPr/>
-        <p:nvPr/>
-      </p:nvGrpSpPr>
-      <p:grpSpPr>
-        <a:xfrm>
-          <a:off x="0" y="0"/>
-          <a:ext cx="0" cy="0"/>
-          <a:chOff x="0" y="0"/>
-          <a:chExt cx="0" cy="0"/>
-        </a:xfrm>
-      </p:grpSpPr>
-      <p:sp>
-        <p:nvSpPr>
-          <p:cNvPr id="198" name="Google Shape;198;p15">
-            <a:extLst>
-              <a:ext uri="{FF2B5EF4-FFF2-40B4-BE49-F238E27FC236}">
-                <a16:creationId xmlns:a16="http://schemas.microsoft.com/office/drawing/2014/main" id="{2FD490E6-782A-32B9-C189-9873E45A08E6}"/>
-              </a:ext>
-            </a:extLst>
-          </p:cNvPr>
-          <p:cNvSpPr txBox="1"/>
-          <p:nvPr/>
-        </p:nvSpPr>
-        <p:spPr>
-          <a:xfrm>
-            <a:off x="5629275" y="144480"/>
-            <a:ext cx="5843588" cy="517065"/>
-          </a:xfrm>
-          <a:prstGeom prst="rect">
-            <a:avLst/>
-          </a:prstGeom>
-          <a:noFill/>
-          <a:ln>
-            <a:noFill/>
-          </a:ln>
-        </p:spPr>
-        <p:txBody>
-          <a:bodyPr spcFirstLastPara="1" wrap="square" lIns="0" tIns="0" rIns="0" bIns="0" anchor="t" anchorCtr="0">
-            <a:spAutoFit/>
-          </a:bodyPr>
-          <a:lstStyle/>
-          <a:p>
-            <a:pPr marL="0" marR="0" lvl="0" indent="0" algn="ctr" rtl="0">
-              <a:lnSpc>
-                <a:spcPct val="119916"/>
-              </a:lnSpc>
-              <a:spcBef>
-                <a:spcPts val="0"/>
-              </a:spcBef>
-              <a:spcAft>
-                <a:spcPts val="0"/>
-              </a:spcAft>
-              <a:buNone/>
-            </a:pPr>
-            <a:r>
-              <a:rPr lang="en-US" sz="2800" b="1" dirty="0">
-                <a:solidFill>
-                  <a:srgbClr val="FFFDFC"/>
-                </a:solidFill>
-                <a:latin typeface=" inter semibold"/>
-                <a:ea typeface="Inter"/>
-                <a:sym typeface="Inter"/>
-              </a:rPr>
-              <a:t>Results of the Dashboard</a:t>
-            </a:r>
-            <a:endParaRPr sz="2800" dirty="0">
-              <a:latin typeface=" inter semibold"/>
-            </a:endParaRPr>
-          </a:p>
-        </p:txBody>
-      </p:sp>
-      <p:pic>
-        <p:nvPicPr>
-          <p:cNvPr id="8" name="Picture 7">
-            <a:extLst>
-              <a:ext uri="{FF2B5EF4-FFF2-40B4-BE49-F238E27FC236}">
-                <a16:creationId xmlns:a16="http://schemas.microsoft.com/office/drawing/2014/main" id="{FBB544A7-548A-ED07-F364-1D5D49F54CAA}"/>
-              </a:ext>
-            </a:extLst>
-          </p:cNvPr>
-          <p:cNvPicPr>
-            <a:picLocks noChangeAspect="1"/>
-          </p:cNvPicPr>
-          <p:nvPr/>
-        </p:nvPicPr>
-        <p:blipFill>
-          <a:blip r:embed="rId3"/>
-          <a:stretch>
-            <a:fillRect/>
-          </a:stretch>
-        </p:blipFill>
-        <p:spPr>
-          <a:xfrm>
-            <a:off x="3945582" y="920078"/>
-            <a:ext cx="9492833" cy="4342733"/>
-          </a:xfrm>
-          <a:prstGeom prst="rect">
-            <a:avLst/>
-          </a:prstGeom>
-        </p:spPr>
-      </p:pic>
-      <p:pic>
-        <p:nvPicPr>
-          <p:cNvPr id="10" name="Picture 9">
-            <a:extLst>
-              <a:ext uri="{FF2B5EF4-FFF2-40B4-BE49-F238E27FC236}">
-                <a16:creationId xmlns:a16="http://schemas.microsoft.com/office/drawing/2014/main" id="{A4DC217D-AA2B-3813-AC1F-D82F5CE8409C}"/>
-              </a:ext>
-            </a:extLst>
-          </p:cNvPr>
-          <p:cNvPicPr>
-            <a:picLocks noChangeAspect="1"/>
-          </p:cNvPicPr>
-          <p:nvPr/>
-        </p:nvPicPr>
-        <p:blipFill>
-          <a:blip r:embed="rId4"/>
-          <a:stretch>
-            <a:fillRect/>
-          </a:stretch>
-        </p:blipFill>
-        <p:spPr>
-          <a:xfrm>
-            <a:off x="3945581" y="5540263"/>
-            <a:ext cx="9584577" cy="4343724"/>
-          </a:xfrm>
-          <a:prstGeom prst="rect">
-            <a:avLst/>
-          </a:prstGeom>
-        </p:spPr>
-      </p:pic>
-    </p:spTree>
-    <p:extLst>
-      <p:ext uri="{BB962C8B-B14F-4D97-AF65-F5344CB8AC3E}">
-        <p14:creationId xmlns:p14="http://schemas.microsoft.com/office/powerpoint/2010/main" val="2155121566"/>
-      </p:ext>
-    </p:extLst>
-  </p:cSld>
-  <p:clrMapOvr>
-    <a:masterClrMapping/>
-  </p:clrMapOvr>
-</p:sld>
-</file>
-
-<file path=ppt/slides/slide11.xml><?xml version="1.0" encoding="utf-8"?>
-<p:sld xmlns:a="http://schemas.openxmlformats.org/drawingml/2006/main" xmlns:r="http://schemas.openxmlformats.org/officeDocument/2006/relationships" xmlns:p="http://schemas.openxmlformats.org/presentationml/2006/main">
-  <p:cSld>
-    <p:bg>
-      <p:bgPr>
-        <a:solidFill>
           <a:srgbClr val="F8EFE5"/>
         </a:solidFill>
         <a:effectLst/>
@@ -5944,7 +5645,7 @@
 </p:sld>
 </file>
 
-<file path=ppt/slides/slide12.xml><?xml version="1.0" encoding="utf-8"?>
+<file path=ppt/slides/slide11.xml><?xml version="1.0" encoding="utf-8"?>
 <p:sld xmlns:a="http://schemas.openxmlformats.org/drawingml/2006/main" xmlns:r="http://schemas.openxmlformats.org/officeDocument/2006/relationships" xmlns:p="http://schemas.openxmlformats.org/presentationml/2006/main">
   <p:cSld>
     <p:bg>
@@ -6509,7 +6210,7 @@
 </p:sld>
 </file>
 
-<file path=ppt/slides/slide13.xml><?xml version="1.0" encoding="utf-8"?>
+<file path=ppt/slides/slide12.xml><?xml version="1.0" encoding="utf-8"?>
 <p:sld xmlns:a="http://schemas.openxmlformats.org/drawingml/2006/main" xmlns:r="http://schemas.openxmlformats.org/officeDocument/2006/relationships" xmlns:p="http://schemas.openxmlformats.org/presentationml/2006/main">
   <p:cSld>
     <p:bg>
@@ -6998,7 +6699,7 @@
 </p:sld>
 </file>
 
-<file path=ppt/slides/slide14.xml><?xml version="1.0" encoding="utf-8"?>
+<file path=ppt/slides/slide13.xml><?xml version="1.0" encoding="utf-8"?>
 <p:sld xmlns:a="http://schemas.openxmlformats.org/drawingml/2006/main" xmlns:r="http://schemas.openxmlformats.org/officeDocument/2006/relationships" xmlns:p="http://schemas.openxmlformats.org/presentationml/2006/main">
   <p:cSld>
     <p:bg>
@@ -7371,7 +7072,7 @@
 </p:sld>
 </file>
 
-<file path=ppt/slides/slide15.xml><?xml version="1.0" encoding="utf-8"?>
+<file path=ppt/slides/slide14.xml><?xml version="1.0" encoding="utf-8"?>
 <p:sld xmlns:a="http://schemas.openxmlformats.org/drawingml/2006/main" xmlns:r="http://schemas.openxmlformats.org/officeDocument/2006/relationships" xmlns:p="http://schemas.openxmlformats.org/presentationml/2006/main">
   <p:cSld>
     <p:bg>
@@ -8292,7 +7993,7 @@
 </p:sld>
 </file>
 
-<file path=ppt/slides/slide16.xml><?xml version="1.0" encoding="utf-8"?>
+<file path=ppt/slides/slide15.xml><?xml version="1.0" encoding="utf-8"?>
 <p:sld xmlns:a="http://schemas.openxmlformats.org/drawingml/2006/main" xmlns:r="http://schemas.openxmlformats.org/officeDocument/2006/relationships" xmlns:p="http://schemas.openxmlformats.org/presentationml/2006/main">
   <p:cSld>
     <p:spTree>
@@ -8815,572 +8516,6 @@
 </file>
 
 <file path=ppt/slides/slide3.xml><?xml version="1.0" encoding="utf-8"?>
-<p:sld xmlns:a="http://schemas.openxmlformats.org/drawingml/2006/main" xmlns:r="http://schemas.openxmlformats.org/officeDocument/2006/relationships" xmlns:p="http://schemas.openxmlformats.org/presentationml/2006/main">
-  <p:cSld>
-    <p:bg>
-      <p:bgPr>
-        <a:solidFill>
-          <a:srgbClr val="F8EFE5"/>
-        </a:solidFill>
-        <a:effectLst/>
-      </p:bgPr>
-    </p:bg>
-    <p:spTree>
-      <p:nvGrpSpPr>
-        <p:cNvPr id="1" name="Shape 171">
-          <a:extLst>
-            <a:ext uri="{FF2B5EF4-FFF2-40B4-BE49-F238E27FC236}">
-              <a16:creationId xmlns:a16="http://schemas.microsoft.com/office/drawing/2014/main" id="{B70658FF-1408-093F-D813-F59F7BD5198C}"/>
-            </a:ext>
-          </a:extLst>
-        </p:cNvPr>
-        <p:cNvGrpSpPr/>
-        <p:nvPr/>
-      </p:nvGrpSpPr>
-      <p:grpSpPr>
-        <a:xfrm>
-          <a:off x="0" y="0"/>
-          <a:ext cx="0" cy="0"/>
-          <a:chOff x="0" y="0"/>
-          <a:chExt cx="0" cy="0"/>
-        </a:xfrm>
-      </p:grpSpPr>
-      <p:sp>
-        <p:nvSpPr>
-          <p:cNvPr id="175" name="Google Shape;175;p14">
-            <a:extLst>
-              <a:ext uri="{FF2B5EF4-FFF2-40B4-BE49-F238E27FC236}">
-                <a16:creationId xmlns:a16="http://schemas.microsoft.com/office/drawing/2014/main" id="{7A9909F1-C763-1A46-2DEA-0DE1B79059AF}"/>
-              </a:ext>
-            </a:extLst>
-          </p:cNvPr>
-          <p:cNvSpPr txBox="1"/>
-          <p:nvPr/>
-        </p:nvSpPr>
-        <p:spPr>
-          <a:xfrm>
-            <a:off x="514350" y="1120093"/>
-            <a:ext cx="16230600" cy="1107996"/>
-          </a:xfrm>
-          <a:prstGeom prst="rect">
-            <a:avLst/>
-          </a:prstGeom>
-          <a:noFill/>
-          <a:ln>
-            <a:noFill/>
-          </a:ln>
-        </p:spPr>
-        <p:txBody>
-          <a:bodyPr spcFirstLastPara="1" wrap="square" lIns="0" tIns="0" rIns="0" bIns="0" anchor="t" anchorCtr="0">
-            <a:spAutoFit/>
-          </a:bodyPr>
-          <a:lstStyle/>
-          <a:p>
-            <a:pPr marL="0" marR="0" lvl="0" indent="0" algn="ctr" rtl="0">
-              <a:lnSpc>
-                <a:spcPct val="100000"/>
-              </a:lnSpc>
-              <a:spcBef>
-                <a:spcPts val="0"/>
-              </a:spcBef>
-              <a:spcAft>
-                <a:spcPts val="0"/>
-              </a:spcAft>
-              <a:buNone/>
-            </a:pPr>
-            <a:r>
-              <a:rPr lang="en-US" sz="7200" dirty="0">
-                <a:solidFill>
-                  <a:srgbClr val="253278"/>
-                </a:solidFill>
-                <a:latin typeface="Inter ExtraBold"/>
-                <a:ea typeface="Inter ExtraBold"/>
-                <a:cs typeface="Inter ExtraBold"/>
-                <a:sym typeface="Inter ExtraBold"/>
-              </a:rPr>
-              <a:t>Dataset Description</a:t>
-            </a:r>
-            <a:endParaRPr dirty="0">
-              <a:latin typeface="Inter ExtraBold"/>
-              <a:ea typeface="Inter ExtraBold"/>
-              <a:cs typeface="Inter ExtraBold"/>
-              <a:sym typeface="Inter ExtraBold"/>
-            </a:endParaRPr>
-          </a:p>
-        </p:txBody>
-      </p:sp>
-      <p:sp>
-        <p:nvSpPr>
-          <p:cNvPr id="3" name="Rectangle 2">
-            <a:extLst>
-              <a:ext uri="{FF2B5EF4-FFF2-40B4-BE49-F238E27FC236}">
-                <a16:creationId xmlns:a16="http://schemas.microsoft.com/office/drawing/2014/main" id="{4E98A919-0B47-047B-D025-696AA85A81B1}"/>
-              </a:ext>
-            </a:extLst>
-          </p:cNvPr>
-          <p:cNvSpPr>
-            <a:spLocks noChangeArrowheads="1"/>
-          </p:cNvSpPr>
-          <p:nvPr/>
-        </p:nvSpPr>
-        <p:spPr bwMode="auto">
-          <a:xfrm>
-            <a:off x="1271587" y="3388374"/>
-            <a:ext cx="15001876" cy="4893647"/>
-          </a:xfrm>
-          <a:prstGeom prst="rect">
-            <a:avLst/>
-          </a:prstGeom>
-          <a:noFill/>
-          <a:ln>
-            <a:noFill/>
-          </a:ln>
-          <a:effectLst/>
-          <a:extLst>
-            <a:ext uri="{909E8E84-426E-40DD-AFC4-6F175D3DCCD1}">
-              <a14:hiddenFill xmlns:a14="http://schemas.microsoft.com/office/drawing/2010/main">
-                <a:solidFill>
-                  <a:schemeClr val="accent1"/>
-                </a:solidFill>
-              </a14:hiddenFill>
-            </a:ext>
-            <a:ext uri="{91240B29-F687-4F45-9708-019B960494DF}">
-              <a14:hiddenLine xmlns:a14="http://schemas.microsoft.com/office/drawing/2010/main" w="9525">
-                <a:solidFill>
-                  <a:schemeClr val="tx1"/>
-                </a:solidFill>
-                <a:miter lim="800000"/>
-                <a:headEnd/>
-                <a:tailEnd/>
-              </a14:hiddenLine>
-            </a:ext>
-            <a:ext uri="{AF507438-7753-43E0-B8FC-AC1667EBCBE1}">
-              <a14:hiddenEffects xmlns:a14="http://schemas.microsoft.com/office/drawing/2010/main">
-                <a:effectLst>
-                  <a:outerShdw dist="35921" dir="2700000" algn="ctr" rotWithShape="0">
-                    <a:schemeClr val="bg2"/>
-                  </a:outerShdw>
-                </a:effectLst>
-              </a14:hiddenEffects>
-            </a:ext>
-          </a:extLst>
-        </p:spPr>
-        <p:txBody>
-          <a:bodyPr vert="horz" wrap="square" lIns="91440" tIns="45720" rIns="91440" bIns="45720" numCol="1" anchor="ctr" anchorCtr="0" compatLnSpc="1">
-            <a:prstTxWarp prst="textNoShape">
-              <a:avLst/>
-            </a:prstTxWarp>
-            <a:spAutoFit/>
-          </a:bodyPr>
-          <a:lstStyle/>
-          <a:p>
-            <a:pPr marL="0" marR="0" lvl="0" indent="0" algn="l" defTabSz="914400" rtl="0" eaLnBrk="0" fontAlgn="base" latinLnBrk="0" hangingPunct="0">
-              <a:lnSpc>
-                <a:spcPct val="100000"/>
-              </a:lnSpc>
-              <a:spcBef>
-                <a:spcPct val="0"/>
-              </a:spcBef>
-              <a:spcAft>
-                <a:spcPct val="0"/>
-              </a:spcAft>
-              <a:buClrTx/>
-              <a:buSzTx/>
-              <a:buFontTx/>
-              <a:buChar char="•"/>
-              <a:tabLst/>
-            </a:pPr>
-            <a:r>
-              <a:rPr kumimoji="0" lang="en-US" altLang="en-US" sz="2800" b="1" i="0" u="none" strike="noStrike" cap="none" normalizeH="0" baseline="0" dirty="0">
-                <a:ln>
-                  <a:noFill/>
-                </a:ln>
-                <a:solidFill>
-                  <a:schemeClr val="tx1"/>
-                </a:solidFill>
-                <a:effectLst/>
-                <a:latin typeface="Inter SemiBold" panose="020B0604020202020204" charset="0"/>
-                <a:ea typeface="Inter SemiBold" panose="020B0604020202020204" charset="0"/>
-              </a:rPr>
-              <a:t>Purpose:</a:t>
-            </a:r>
-            <a:r>
-              <a:rPr kumimoji="0" lang="en-US" altLang="en-US" sz="2800" b="0" i="0" u="none" strike="noStrike" cap="none" normalizeH="0" baseline="0" dirty="0">
-                <a:ln>
-                  <a:noFill/>
-                </a:ln>
-                <a:solidFill>
-                  <a:schemeClr val="tx1"/>
-                </a:solidFill>
-                <a:effectLst/>
-                <a:latin typeface="Inter SemiBold" panose="020B0604020202020204" charset="0"/>
-                <a:ea typeface="Inter SemiBold" panose="020B0604020202020204" charset="0"/>
-              </a:rPr>
-              <a:t> Predictive maintenance for aircraft engines, estimating Remaining Useful Life (RUL).</a:t>
-            </a:r>
-          </a:p>
-          <a:p>
-            <a:pPr marL="0" marR="0" lvl="0" indent="0" algn="l" defTabSz="914400" rtl="0" eaLnBrk="0" fontAlgn="base" latinLnBrk="0" hangingPunct="0">
-              <a:lnSpc>
-                <a:spcPct val="100000"/>
-              </a:lnSpc>
-              <a:spcBef>
-                <a:spcPct val="0"/>
-              </a:spcBef>
-              <a:spcAft>
-                <a:spcPct val="0"/>
-              </a:spcAft>
-              <a:buClrTx/>
-              <a:buSzTx/>
-              <a:buFontTx/>
-              <a:buChar char="•"/>
-              <a:tabLst/>
-            </a:pPr>
-            <a:r>
-              <a:rPr kumimoji="0" lang="en-US" altLang="en-US" sz="2800" b="1" i="0" u="none" strike="noStrike" cap="none" normalizeH="0" baseline="0" dirty="0">
-                <a:ln>
-                  <a:noFill/>
-                </a:ln>
-                <a:solidFill>
-                  <a:schemeClr val="tx1"/>
-                </a:solidFill>
-                <a:effectLst/>
-                <a:latin typeface="Inter SemiBold" panose="020B0604020202020204" charset="0"/>
-                <a:ea typeface="Inter SemiBold" panose="020B0604020202020204" charset="0"/>
-              </a:rPr>
-              <a:t>Dataset Composition:</a:t>
-            </a:r>
-            <a:r>
-              <a:rPr kumimoji="0" lang="en-US" altLang="en-US" sz="2800" b="0" i="0" u="none" strike="noStrike" cap="none" normalizeH="0" baseline="0" dirty="0">
-                <a:ln>
-                  <a:noFill/>
-                </a:ln>
-                <a:solidFill>
-                  <a:schemeClr val="tx1"/>
-                </a:solidFill>
-                <a:effectLst/>
-                <a:latin typeface="Inter SemiBold" panose="020B0604020202020204" charset="0"/>
-                <a:ea typeface="Inter SemiBold" panose="020B0604020202020204" charset="0"/>
-              </a:rPr>
-              <a:t> Multi-unit engine time-series data under various operational conditions.</a:t>
-            </a:r>
-          </a:p>
-          <a:p>
-            <a:pPr marL="0" marR="0" lvl="0" indent="0" algn="l" defTabSz="914400" rtl="0" eaLnBrk="0" fontAlgn="base" latinLnBrk="0" hangingPunct="0">
-              <a:lnSpc>
-                <a:spcPct val="100000"/>
-              </a:lnSpc>
-              <a:spcBef>
-                <a:spcPct val="0"/>
-              </a:spcBef>
-              <a:spcAft>
-                <a:spcPct val="0"/>
-              </a:spcAft>
-              <a:buClrTx/>
-              <a:buSzTx/>
-              <a:buFontTx/>
-              <a:buChar char="•"/>
-              <a:tabLst/>
-            </a:pPr>
-            <a:r>
-              <a:rPr kumimoji="0" lang="en-US" altLang="en-US" sz="2800" b="1" i="0" u="none" strike="noStrike" cap="none" normalizeH="0" baseline="0" dirty="0">
-                <a:ln>
-                  <a:noFill/>
-                </a:ln>
-                <a:solidFill>
-                  <a:schemeClr val="tx1"/>
-                </a:solidFill>
-                <a:effectLst/>
-                <a:latin typeface="Inter SemiBold" panose="020B0604020202020204" charset="0"/>
-                <a:ea typeface="Inter SemiBold" panose="020B0604020202020204" charset="0"/>
-              </a:rPr>
-              <a:t>Columns / Features:</a:t>
-            </a:r>
-            <a:endParaRPr lang="en-US" altLang="en-US" sz="2800" dirty="0">
-              <a:solidFill>
-                <a:schemeClr val="tx1"/>
-              </a:solidFill>
-              <a:latin typeface="Inter SemiBold" panose="020B0604020202020204" charset="0"/>
-              <a:ea typeface="Inter SemiBold" panose="020B0604020202020204" charset="0"/>
-            </a:endParaRPr>
-          </a:p>
-          <a:p>
-            <a:pPr marL="0" marR="0" lvl="0" indent="0" algn="l" defTabSz="914400" rtl="0" eaLnBrk="0" fontAlgn="base" latinLnBrk="0" hangingPunct="0">
-              <a:lnSpc>
-                <a:spcPct val="100000"/>
-              </a:lnSpc>
-              <a:spcBef>
-                <a:spcPct val="0"/>
-              </a:spcBef>
-              <a:spcAft>
-                <a:spcPct val="0"/>
-              </a:spcAft>
-              <a:buClrTx/>
-              <a:buSzTx/>
-              <a:buFontTx/>
-              <a:buChar char="•"/>
-              <a:tabLst/>
-            </a:pPr>
-            <a:r>
-              <a:rPr kumimoji="0" lang="en-US" altLang="en-US" sz="2800" b="0" i="0" u="none" strike="noStrike" cap="none" normalizeH="0" baseline="0" dirty="0">
-                <a:ln>
-                  <a:noFill/>
-                </a:ln>
-                <a:solidFill>
-                  <a:schemeClr val="tx1"/>
-                </a:solidFill>
-                <a:effectLst/>
-                <a:latin typeface="Inter SemiBold" panose="020B0604020202020204" charset="0"/>
-                <a:ea typeface="Inter SemiBold" panose="020B0604020202020204" charset="0"/>
-              </a:rPr>
-              <a:t>Unit_id,time_cycles</a:t>
-            </a:r>
-            <a:r>
-              <a:rPr lang="en-US" altLang="en-US" sz="1800" dirty="0">
-                <a:solidFill>
-                  <a:schemeClr val="tx1"/>
-                </a:solidFill>
-                <a:latin typeface="Inter SemiBold" panose="020B0604020202020204" charset="0"/>
-                <a:ea typeface="Inter SemiBold" panose="020B0604020202020204" charset="0"/>
-              </a:rPr>
-              <a:t> – </a:t>
-            </a:r>
-            <a:r>
-              <a:rPr lang="en-US" altLang="en-US" sz="2800" dirty="0">
-                <a:solidFill>
-                  <a:schemeClr val="tx1"/>
-                </a:solidFill>
-                <a:latin typeface="Inter SemiBold" panose="020B0604020202020204" charset="0"/>
-                <a:ea typeface="Inter SemiBold" panose="020B0604020202020204" charset="0"/>
-              </a:rPr>
-              <a:t>engine identifier and timestep</a:t>
-            </a:r>
-            <a:endParaRPr kumimoji="0" lang="en-US" altLang="en-US" sz="2800" b="0" i="0" u="none" strike="noStrike" cap="none" normalizeH="0" baseline="0" dirty="0">
-              <a:ln>
-                <a:noFill/>
-              </a:ln>
-              <a:solidFill>
-                <a:schemeClr val="tx1"/>
-              </a:solidFill>
-              <a:effectLst/>
-              <a:latin typeface="Inter SemiBold" panose="020B0604020202020204" charset="0"/>
-              <a:ea typeface="Inter SemiBold" panose="020B0604020202020204" charset="0"/>
-            </a:endParaRPr>
-          </a:p>
-          <a:p>
-            <a:pPr marL="0" marR="0" lvl="0" indent="0" algn="l" defTabSz="914400" rtl="0" eaLnBrk="0" fontAlgn="base" latinLnBrk="0" hangingPunct="0">
-              <a:lnSpc>
-                <a:spcPct val="100000"/>
-              </a:lnSpc>
-              <a:spcBef>
-                <a:spcPct val="0"/>
-              </a:spcBef>
-              <a:spcAft>
-                <a:spcPct val="0"/>
-              </a:spcAft>
-              <a:buClrTx/>
-              <a:buSzTx/>
-              <a:buFontTx/>
-              <a:buChar char="•"/>
-              <a:tabLst/>
-            </a:pPr>
-            <a:r>
-              <a:rPr kumimoji="0" lang="en-US" altLang="en-US" sz="2800" b="0" i="0" u="none" strike="noStrike" cap="none" normalizeH="0" baseline="0" dirty="0">
-                <a:ln>
-                  <a:noFill/>
-                </a:ln>
-                <a:solidFill>
-                  <a:schemeClr val="tx1"/>
-                </a:solidFill>
-                <a:effectLst/>
-                <a:latin typeface="Inter SemiBold" panose="020B0604020202020204" charset="0"/>
-                <a:ea typeface="Inter SemiBold" panose="020B0604020202020204" charset="0"/>
-              </a:rPr>
-              <a:t>Operational settings: </a:t>
-            </a:r>
-            <a:r>
-              <a:rPr lang="en-US" altLang="en-US" sz="2800" dirty="0">
-                <a:solidFill>
-                  <a:schemeClr val="tx1"/>
-                </a:solidFill>
-                <a:latin typeface="Inter SemiBold" panose="020B0604020202020204" charset="0"/>
-                <a:ea typeface="Inter SemiBold" panose="020B0604020202020204" charset="0"/>
-              </a:rPr>
-              <a:t>setting_1,setting_2,setting_3</a:t>
-            </a:r>
-            <a:endParaRPr kumimoji="0" lang="en-US" altLang="en-US" sz="1800" b="0" i="0" u="none" strike="noStrike" cap="none" normalizeH="0" baseline="0" dirty="0">
-              <a:ln>
-                <a:noFill/>
-              </a:ln>
-              <a:solidFill>
-                <a:schemeClr val="tx1"/>
-              </a:solidFill>
-              <a:effectLst/>
-              <a:latin typeface="Inter SemiBold" panose="020B0604020202020204" charset="0"/>
-              <a:ea typeface="Inter SemiBold" panose="020B0604020202020204" charset="0"/>
-            </a:endParaRPr>
-          </a:p>
-          <a:p>
-            <a:pPr marL="0" marR="0" lvl="0" indent="0" algn="l" defTabSz="914400" rtl="0" eaLnBrk="0" fontAlgn="base" latinLnBrk="0" hangingPunct="0">
-              <a:lnSpc>
-                <a:spcPct val="100000"/>
-              </a:lnSpc>
-              <a:spcBef>
-                <a:spcPct val="0"/>
-              </a:spcBef>
-              <a:spcAft>
-                <a:spcPct val="0"/>
-              </a:spcAft>
-              <a:buClrTx/>
-              <a:buSzTx/>
-              <a:buFontTx/>
-              <a:buChar char="•"/>
-              <a:tabLst/>
-            </a:pPr>
-            <a:r>
-              <a:rPr kumimoji="0" lang="en-US" altLang="en-US" sz="2800" b="0" i="0" u="none" strike="noStrike" cap="none" normalizeH="0" baseline="0" dirty="0">
-                <a:ln>
-                  <a:noFill/>
-                </a:ln>
-                <a:solidFill>
-                  <a:schemeClr val="tx1"/>
-                </a:solidFill>
-                <a:effectLst/>
-                <a:latin typeface="Inter SemiBold" panose="020B0604020202020204" charset="0"/>
-                <a:ea typeface="Inter SemiBold" panose="020B0604020202020204" charset="0"/>
-              </a:rPr>
-              <a:t>Sensor measurements: </a:t>
-            </a:r>
-            <a:r>
-              <a:rPr lang="en-US" altLang="en-US" sz="3200" dirty="0">
-                <a:solidFill>
-                  <a:schemeClr val="tx1"/>
-                </a:solidFill>
-                <a:latin typeface="Inter SemiBold" panose="020B0604020202020204" charset="0"/>
-                <a:ea typeface="Inter SemiBold" panose="020B0604020202020204" charset="0"/>
-              </a:rPr>
-              <a:t>s_1 to s_24</a:t>
-            </a:r>
-            <a:endParaRPr kumimoji="0" lang="en-US" altLang="en-US" sz="1800" b="0" i="0" u="none" strike="noStrike" cap="none" normalizeH="0" baseline="0" dirty="0">
-              <a:ln>
-                <a:noFill/>
-              </a:ln>
-              <a:solidFill>
-                <a:schemeClr val="tx1"/>
-              </a:solidFill>
-              <a:effectLst/>
-              <a:latin typeface="Inter SemiBold" panose="020B0604020202020204" charset="0"/>
-              <a:ea typeface="Inter SemiBold" panose="020B0604020202020204" charset="0"/>
-            </a:endParaRPr>
-          </a:p>
-          <a:p>
-            <a:pPr marL="0" marR="0" lvl="0" indent="0" algn="l" defTabSz="914400" rtl="0" eaLnBrk="0" fontAlgn="base" latinLnBrk="0" hangingPunct="0">
-              <a:lnSpc>
-                <a:spcPct val="100000"/>
-              </a:lnSpc>
-              <a:spcBef>
-                <a:spcPct val="0"/>
-              </a:spcBef>
-              <a:spcAft>
-                <a:spcPct val="0"/>
-              </a:spcAft>
-              <a:buClrTx/>
-              <a:buSzTx/>
-              <a:buFontTx/>
-              <a:buChar char="•"/>
-              <a:tabLst/>
-            </a:pPr>
-            <a:r>
-              <a:rPr kumimoji="0" lang="en-US" altLang="en-US" sz="2800" b="1" i="0" u="none" strike="noStrike" cap="none" normalizeH="0" baseline="0" dirty="0">
-                <a:ln>
-                  <a:noFill/>
-                </a:ln>
-                <a:solidFill>
-                  <a:schemeClr val="tx1"/>
-                </a:solidFill>
-                <a:effectLst/>
-                <a:latin typeface="Inter SemiBold" panose="020B0604020202020204" charset="0"/>
-                <a:ea typeface="Inter SemiBold" panose="020B0604020202020204" charset="0"/>
-              </a:rPr>
-              <a:t>Data Subsets:</a:t>
-            </a:r>
-            <a:r>
-              <a:rPr kumimoji="0" lang="en-US" altLang="en-US" sz="2800" b="0" i="0" u="none" strike="noStrike" cap="none" normalizeH="0" baseline="0" dirty="0">
-                <a:ln>
-                  <a:noFill/>
-                </a:ln>
-                <a:solidFill>
-                  <a:schemeClr val="tx1"/>
-                </a:solidFill>
-                <a:effectLst/>
-                <a:latin typeface="Inter SemiBold" panose="020B0604020202020204" charset="0"/>
-                <a:ea typeface="Inter SemiBold" panose="020B0604020202020204" charset="0"/>
-              </a:rPr>
-              <a:t> FD001 to FD004, representing different engine operating scenarios and fault types.</a:t>
-            </a:r>
-          </a:p>
-          <a:p>
-            <a:pPr marL="0" marR="0" lvl="0" indent="0" algn="l" defTabSz="914400" rtl="0" eaLnBrk="0" fontAlgn="base" latinLnBrk="0" hangingPunct="0">
-              <a:lnSpc>
-                <a:spcPct val="100000"/>
-              </a:lnSpc>
-              <a:spcBef>
-                <a:spcPct val="0"/>
-              </a:spcBef>
-              <a:spcAft>
-                <a:spcPct val="0"/>
-              </a:spcAft>
-              <a:buClrTx/>
-              <a:buSzTx/>
-              <a:buFontTx/>
-              <a:buChar char="•"/>
-              <a:tabLst/>
-            </a:pPr>
-            <a:r>
-              <a:rPr kumimoji="0" lang="en-US" altLang="en-US" sz="2800" b="1" i="0" u="none" strike="noStrike" cap="none" normalizeH="0" baseline="0" dirty="0">
-                <a:ln>
-                  <a:noFill/>
-                </a:ln>
-                <a:solidFill>
-                  <a:schemeClr val="tx1"/>
-                </a:solidFill>
-                <a:effectLst/>
-                <a:latin typeface="Inter SemiBold" panose="020B0604020202020204" charset="0"/>
-                <a:ea typeface="Inter SemiBold" panose="020B0604020202020204" charset="0"/>
-              </a:rPr>
-              <a:t>Data Files:</a:t>
-            </a:r>
-            <a:r>
-              <a:rPr kumimoji="0" lang="en-US" altLang="en-US" sz="2800" b="0" i="0" u="none" strike="noStrike" cap="none" normalizeH="0" baseline="0" dirty="0">
-                <a:ln>
-                  <a:noFill/>
-                </a:ln>
-                <a:solidFill>
-                  <a:schemeClr val="tx1"/>
-                </a:solidFill>
-                <a:effectLst/>
-                <a:latin typeface="Inter SemiBold" panose="020B0604020202020204" charset="0"/>
-                <a:ea typeface="Inter SemiBold" panose="020B0604020202020204" charset="0"/>
-              </a:rPr>
-              <a:t> Training and test data with RUL labels provided separately.</a:t>
-            </a:r>
-          </a:p>
-        </p:txBody>
-      </p:sp>
-    </p:spTree>
-    <p:extLst>
-      <p:ext uri="{BB962C8B-B14F-4D97-AF65-F5344CB8AC3E}">
-        <p14:creationId xmlns:p14="http://schemas.microsoft.com/office/powerpoint/2010/main" val="647403228"/>
-      </p:ext>
-    </p:extLst>
-  </p:cSld>
-  <p:clrMapOvr>
-    <a:masterClrMapping/>
-  </p:clrMapOvr>
-</p:sld>
-</file>
-
-<file path=ppt/slides/slide4.xml><?xml version="1.0" encoding="utf-8"?>
 <p:sld xmlns:a="http://schemas.openxmlformats.org/drawingml/2006/main" xmlns:r="http://schemas.openxmlformats.org/officeDocument/2006/relationships" xmlns:p="http://schemas.openxmlformats.org/presentationml/2006/main">
   <p:cSld>
     <p:bg>
@@ -9959,6 +9094,572 @@
         </p:spPr>
       </p:pic>
     </p:spTree>
+  </p:cSld>
+  <p:clrMapOvr>
+    <a:masterClrMapping/>
+  </p:clrMapOvr>
+</p:sld>
+</file>
+
+<file path=ppt/slides/slide4.xml><?xml version="1.0" encoding="utf-8"?>
+<p:sld xmlns:a="http://schemas.openxmlformats.org/drawingml/2006/main" xmlns:r="http://schemas.openxmlformats.org/officeDocument/2006/relationships" xmlns:p="http://schemas.openxmlformats.org/presentationml/2006/main">
+  <p:cSld>
+    <p:bg>
+      <p:bgPr>
+        <a:solidFill>
+          <a:srgbClr val="F8EFE5"/>
+        </a:solidFill>
+        <a:effectLst/>
+      </p:bgPr>
+    </p:bg>
+    <p:spTree>
+      <p:nvGrpSpPr>
+        <p:cNvPr id="1" name="Shape 171">
+          <a:extLst>
+            <a:ext uri="{FF2B5EF4-FFF2-40B4-BE49-F238E27FC236}">
+              <a16:creationId xmlns:a16="http://schemas.microsoft.com/office/drawing/2014/main" id="{B70658FF-1408-093F-D813-F59F7BD5198C}"/>
+            </a:ext>
+          </a:extLst>
+        </p:cNvPr>
+        <p:cNvGrpSpPr/>
+        <p:nvPr/>
+      </p:nvGrpSpPr>
+      <p:grpSpPr>
+        <a:xfrm>
+          <a:off x="0" y="0"/>
+          <a:ext cx="0" cy="0"/>
+          <a:chOff x="0" y="0"/>
+          <a:chExt cx="0" cy="0"/>
+        </a:xfrm>
+      </p:grpSpPr>
+      <p:sp>
+        <p:nvSpPr>
+          <p:cNvPr id="175" name="Google Shape;175;p14">
+            <a:extLst>
+              <a:ext uri="{FF2B5EF4-FFF2-40B4-BE49-F238E27FC236}">
+                <a16:creationId xmlns:a16="http://schemas.microsoft.com/office/drawing/2014/main" id="{7A9909F1-C763-1A46-2DEA-0DE1B79059AF}"/>
+              </a:ext>
+            </a:extLst>
+          </p:cNvPr>
+          <p:cNvSpPr txBox="1"/>
+          <p:nvPr/>
+        </p:nvSpPr>
+        <p:spPr>
+          <a:xfrm>
+            <a:off x="514350" y="1120093"/>
+            <a:ext cx="16230600" cy="1107996"/>
+          </a:xfrm>
+          <a:prstGeom prst="rect">
+            <a:avLst/>
+          </a:prstGeom>
+          <a:noFill/>
+          <a:ln>
+            <a:noFill/>
+          </a:ln>
+        </p:spPr>
+        <p:txBody>
+          <a:bodyPr spcFirstLastPara="1" wrap="square" lIns="0" tIns="0" rIns="0" bIns="0" anchor="t" anchorCtr="0">
+            <a:spAutoFit/>
+          </a:bodyPr>
+          <a:lstStyle/>
+          <a:p>
+            <a:pPr marL="0" marR="0" lvl="0" indent="0" algn="ctr" rtl="0">
+              <a:lnSpc>
+                <a:spcPct val="100000"/>
+              </a:lnSpc>
+              <a:spcBef>
+                <a:spcPts val="0"/>
+              </a:spcBef>
+              <a:spcAft>
+                <a:spcPts val="0"/>
+              </a:spcAft>
+              <a:buNone/>
+            </a:pPr>
+            <a:r>
+              <a:rPr lang="en-US" sz="7200" dirty="0">
+                <a:solidFill>
+                  <a:srgbClr val="253278"/>
+                </a:solidFill>
+                <a:latin typeface="Inter ExtraBold"/>
+                <a:ea typeface="Inter ExtraBold"/>
+                <a:cs typeface="Inter ExtraBold"/>
+                <a:sym typeface="Inter ExtraBold"/>
+              </a:rPr>
+              <a:t>Dataset Description</a:t>
+            </a:r>
+            <a:endParaRPr dirty="0">
+              <a:latin typeface="Inter ExtraBold"/>
+              <a:ea typeface="Inter ExtraBold"/>
+              <a:cs typeface="Inter ExtraBold"/>
+              <a:sym typeface="Inter ExtraBold"/>
+            </a:endParaRPr>
+          </a:p>
+        </p:txBody>
+      </p:sp>
+      <p:sp>
+        <p:nvSpPr>
+          <p:cNvPr id="3" name="Rectangle 2">
+            <a:extLst>
+              <a:ext uri="{FF2B5EF4-FFF2-40B4-BE49-F238E27FC236}">
+                <a16:creationId xmlns:a16="http://schemas.microsoft.com/office/drawing/2014/main" id="{4E98A919-0B47-047B-D025-696AA85A81B1}"/>
+              </a:ext>
+            </a:extLst>
+          </p:cNvPr>
+          <p:cNvSpPr>
+            <a:spLocks noChangeArrowheads="1"/>
+          </p:cNvSpPr>
+          <p:nvPr/>
+        </p:nvSpPr>
+        <p:spPr bwMode="auto">
+          <a:xfrm>
+            <a:off x="1271587" y="3388374"/>
+            <a:ext cx="15001876" cy="4893647"/>
+          </a:xfrm>
+          <a:prstGeom prst="rect">
+            <a:avLst/>
+          </a:prstGeom>
+          <a:noFill/>
+          <a:ln>
+            <a:noFill/>
+          </a:ln>
+          <a:effectLst/>
+          <a:extLst>
+            <a:ext uri="{909E8E84-426E-40DD-AFC4-6F175D3DCCD1}">
+              <a14:hiddenFill xmlns:a14="http://schemas.microsoft.com/office/drawing/2010/main">
+                <a:solidFill>
+                  <a:schemeClr val="accent1"/>
+                </a:solidFill>
+              </a14:hiddenFill>
+            </a:ext>
+            <a:ext uri="{91240B29-F687-4F45-9708-019B960494DF}">
+              <a14:hiddenLine xmlns:a14="http://schemas.microsoft.com/office/drawing/2010/main" w="9525">
+                <a:solidFill>
+                  <a:schemeClr val="tx1"/>
+                </a:solidFill>
+                <a:miter lim="800000"/>
+                <a:headEnd/>
+                <a:tailEnd/>
+              </a14:hiddenLine>
+            </a:ext>
+            <a:ext uri="{AF507438-7753-43E0-B8FC-AC1667EBCBE1}">
+              <a14:hiddenEffects xmlns:a14="http://schemas.microsoft.com/office/drawing/2010/main">
+                <a:effectLst>
+                  <a:outerShdw dist="35921" dir="2700000" algn="ctr" rotWithShape="0">
+                    <a:schemeClr val="bg2"/>
+                  </a:outerShdw>
+                </a:effectLst>
+              </a14:hiddenEffects>
+            </a:ext>
+          </a:extLst>
+        </p:spPr>
+        <p:txBody>
+          <a:bodyPr vert="horz" wrap="square" lIns="91440" tIns="45720" rIns="91440" bIns="45720" numCol="1" anchor="ctr" anchorCtr="0" compatLnSpc="1">
+            <a:prstTxWarp prst="textNoShape">
+              <a:avLst/>
+            </a:prstTxWarp>
+            <a:spAutoFit/>
+          </a:bodyPr>
+          <a:lstStyle/>
+          <a:p>
+            <a:pPr marL="0" marR="0" lvl="0" indent="0" algn="l" defTabSz="914400" rtl="0" eaLnBrk="0" fontAlgn="base" latinLnBrk="0" hangingPunct="0">
+              <a:lnSpc>
+                <a:spcPct val="100000"/>
+              </a:lnSpc>
+              <a:spcBef>
+                <a:spcPct val="0"/>
+              </a:spcBef>
+              <a:spcAft>
+                <a:spcPct val="0"/>
+              </a:spcAft>
+              <a:buClrTx/>
+              <a:buSzTx/>
+              <a:buFontTx/>
+              <a:buChar char="•"/>
+              <a:tabLst/>
+            </a:pPr>
+            <a:r>
+              <a:rPr kumimoji="0" lang="en-US" altLang="en-US" sz="2800" b="1" i="0" u="none" strike="noStrike" cap="none" normalizeH="0" baseline="0" dirty="0">
+                <a:ln>
+                  <a:noFill/>
+                </a:ln>
+                <a:solidFill>
+                  <a:schemeClr val="tx1"/>
+                </a:solidFill>
+                <a:effectLst/>
+                <a:latin typeface="Inter SemiBold" panose="020B0604020202020204" charset="0"/>
+                <a:ea typeface="Inter SemiBold" panose="020B0604020202020204" charset="0"/>
+              </a:rPr>
+              <a:t>Purpose:</a:t>
+            </a:r>
+            <a:r>
+              <a:rPr kumimoji="0" lang="en-US" altLang="en-US" sz="2800" b="0" i="0" u="none" strike="noStrike" cap="none" normalizeH="0" baseline="0" dirty="0">
+                <a:ln>
+                  <a:noFill/>
+                </a:ln>
+                <a:solidFill>
+                  <a:schemeClr val="tx1"/>
+                </a:solidFill>
+                <a:effectLst/>
+                <a:latin typeface="Inter SemiBold" panose="020B0604020202020204" charset="0"/>
+                <a:ea typeface="Inter SemiBold" panose="020B0604020202020204" charset="0"/>
+              </a:rPr>
+              <a:t> Predictive maintenance for aircraft engines, estimating Remaining Useful Life (RUL).</a:t>
+            </a:r>
+          </a:p>
+          <a:p>
+            <a:pPr marL="0" marR="0" lvl="0" indent="0" algn="l" defTabSz="914400" rtl="0" eaLnBrk="0" fontAlgn="base" latinLnBrk="0" hangingPunct="0">
+              <a:lnSpc>
+                <a:spcPct val="100000"/>
+              </a:lnSpc>
+              <a:spcBef>
+                <a:spcPct val="0"/>
+              </a:spcBef>
+              <a:spcAft>
+                <a:spcPct val="0"/>
+              </a:spcAft>
+              <a:buClrTx/>
+              <a:buSzTx/>
+              <a:buFontTx/>
+              <a:buChar char="•"/>
+              <a:tabLst/>
+            </a:pPr>
+            <a:r>
+              <a:rPr kumimoji="0" lang="en-US" altLang="en-US" sz="2800" b="1" i="0" u="none" strike="noStrike" cap="none" normalizeH="0" baseline="0" dirty="0">
+                <a:ln>
+                  <a:noFill/>
+                </a:ln>
+                <a:solidFill>
+                  <a:schemeClr val="tx1"/>
+                </a:solidFill>
+                <a:effectLst/>
+                <a:latin typeface="Inter SemiBold" panose="020B0604020202020204" charset="0"/>
+                <a:ea typeface="Inter SemiBold" panose="020B0604020202020204" charset="0"/>
+              </a:rPr>
+              <a:t>Dataset Composition:</a:t>
+            </a:r>
+            <a:r>
+              <a:rPr kumimoji="0" lang="en-US" altLang="en-US" sz="2800" b="0" i="0" u="none" strike="noStrike" cap="none" normalizeH="0" baseline="0" dirty="0">
+                <a:ln>
+                  <a:noFill/>
+                </a:ln>
+                <a:solidFill>
+                  <a:schemeClr val="tx1"/>
+                </a:solidFill>
+                <a:effectLst/>
+                <a:latin typeface="Inter SemiBold" panose="020B0604020202020204" charset="0"/>
+                <a:ea typeface="Inter SemiBold" panose="020B0604020202020204" charset="0"/>
+              </a:rPr>
+              <a:t> Multi-unit engine time-series data under various operational conditions.</a:t>
+            </a:r>
+          </a:p>
+          <a:p>
+            <a:pPr marL="0" marR="0" lvl="0" indent="0" algn="l" defTabSz="914400" rtl="0" eaLnBrk="0" fontAlgn="base" latinLnBrk="0" hangingPunct="0">
+              <a:lnSpc>
+                <a:spcPct val="100000"/>
+              </a:lnSpc>
+              <a:spcBef>
+                <a:spcPct val="0"/>
+              </a:spcBef>
+              <a:spcAft>
+                <a:spcPct val="0"/>
+              </a:spcAft>
+              <a:buClrTx/>
+              <a:buSzTx/>
+              <a:buFontTx/>
+              <a:buChar char="•"/>
+              <a:tabLst/>
+            </a:pPr>
+            <a:r>
+              <a:rPr kumimoji="0" lang="en-US" altLang="en-US" sz="2800" b="1" i="0" u="none" strike="noStrike" cap="none" normalizeH="0" baseline="0" dirty="0">
+                <a:ln>
+                  <a:noFill/>
+                </a:ln>
+                <a:solidFill>
+                  <a:schemeClr val="tx1"/>
+                </a:solidFill>
+                <a:effectLst/>
+                <a:latin typeface="Inter SemiBold" panose="020B0604020202020204" charset="0"/>
+                <a:ea typeface="Inter SemiBold" panose="020B0604020202020204" charset="0"/>
+              </a:rPr>
+              <a:t>Columns / Features:</a:t>
+            </a:r>
+            <a:endParaRPr lang="en-US" altLang="en-US" sz="2800" dirty="0">
+              <a:solidFill>
+                <a:schemeClr val="tx1"/>
+              </a:solidFill>
+              <a:latin typeface="Inter SemiBold" panose="020B0604020202020204" charset="0"/>
+              <a:ea typeface="Inter SemiBold" panose="020B0604020202020204" charset="0"/>
+            </a:endParaRPr>
+          </a:p>
+          <a:p>
+            <a:pPr marL="0" marR="0" lvl="0" indent="0" algn="l" defTabSz="914400" rtl="0" eaLnBrk="0" fontAlgn="base" latinLnBrk="0" hangingPunct="0">
+              <a:lnSpc>
+                <a:spcPct val="100000"/>
+              </a:lnSpc>
+              <a:spcBef>
+                <a:spcPct val="0"/>
+              </a:spcBef>
+              <a:spcAft>
+                <a:spcPct val="0"/>
+              </a:spcAft>
+              <a:buClrTx/>
+              <a:buSzTx/>
+              <a:buFontTx/>
+              <a:buChar char="•"/>
+              <a:tabLst/>
+            </a:pPr>
+            <a:r>
+              <a:rPr kumimoji="0" lang="en-US" altLang="en-US" sz="2800" b="0" i="0" u="none" strike="noStrike" cap="none" normalizeH="0" baseline="0" dirty="0">
+                <a:ln>
+                  <a:noFill/>
+                </a:ln>
+                <a:solidFill>
+                  <a:schemeClr val="tx1"/>
+                </a:solidFill>
+                <a:effectLst/>
+                <a:latin typeface="Inter SemiBold" panose="020B0604020202020204" charset="0"/>
+                <a:ea typeface="Inter SemiBold" panose="020B0604020202020204" charset="0"/>
+              </a:rPr>
+              <a:t>Unit_id,time_cycles</a:t>
+            </a:r>
+            <a:r>
+              <a:rPr lang="en-US" altLang="en-US" sz="1800" dirty="0">
+                <a:solidFill>
+                  <a:schemeClr val="tx1"/>
+                </a:solidFill>
+                <a:latin typeface="Inter SemiBold" panose="020B0604020202020204" charset="0"/>
+                <a:ea typeface="Inter SemiBold" panose="020B0604020202020204" charset="0"/>
+              </a:rPr>
+              <a:t> – </a:t>
+            </a:r>
+            <a:r>
+              <a:rPr lang="en-US" altLang="en-US" sz="2800" dirty="0">
+                <a:solidFill>
+                  <a:schemeClr val="tx1"/>
+                </a:solidFill>
+                <a:latin typeface="Inter SemiBold" panose="020B0604020202020204" charset="0"/>
+                <a:ea typeface="Inter SemiBold" panose="020B0604020202020204" charset="0"/>
+              </a:rPr>
+              <a:t>engine identifier and timestep</a:t>
+            </a:r>
+            <a:endParaRPr kumimoji="0" lang="en-US" altLang="en-US" sz="2800" b="0" i="0" u="none" strike="noStrike" cap="none" normalizeH="0" baseline="0" dirty="0">
+              <a:ln>
+                <a:noFill/>
+              </a:ln>
+              <a:solidFill>
+                <a:schemeClr val="tx1"/>
+              </a:solidFill>
+              <a:effectLst/>
+              <a:latin typeface="Inter SemiBold" panose="020B0604020202020204" charset="0"/>
+              <a:ea typeface="Inter SemiBold" panose="020B0604020202020204" charset="0"/>
+            </a:endParaRPr>
+          </a:p>
+          <a:p>
+            <a:pPr marL="0" marR="0" lvl="0" indent="0" algn="l" defTabSz="914400" rtl="0" eaLnBrk="0" fontAlgn="base" latinLnBrk="0" hangingPunct="0">
+              <a:lnSpc>
+                <a:spcPct val="100000"/>
+              </a:lnSpc>
+              <a:spcBef>
+                <a:spcPct val="0"/>
+              </a:spcBef>
+              <a:spcAft>
+                <a:spcPct val="0"/>
+              </a:spcAft>
+              <a:buClrTx/>
+              <a:buSzTx/>
+              <a:buFontTx/>
+              <a:buChar char="•"/>
+              <a:tabLst/>
+            </a:pPr>
+            <a:r>
+              <a:rPr kumimoji="0" lang="en-US" altLang="en-US" sz="2800" b="0" i="0" u="none" strike="noStrike" cap="none" normalizeH="0" baseline="0" dirty="0">
+                <a:ln>
+                  <a:noFill/>
+                </a:ln>
+                <a:solidFill>
+                  <a:schemeClr val="tx1"/>
+                </a:solidFill>
+                <a:effectLst/>
+                <a:latin typeface="Inter SemiBold" panose="020B0604020202020204" charset="0"/>
+                <a:ea typeface="Inter SemiBold" panose="020B0604020202020204" charset="0"/>
+              </a:rPr>
+              <a:t>Operational settings: </a:t>
+            </a:r>
+            <a:r>
+              <a:rPr lang="en-US" altLang="en-US" sz="2800" dirty="0">
+                <a:solidFill>
+                  <a:schemeClr val="tx1"/>
+                </a:solidFill>
+                <a:latin typeface="Inter SemiBold" panose="020B0604020202020204" charset="0"/>
+                <a:ea typeface="Inter SemiBold" panose="020B0604020202020204" charset="0"/>
+              </a:rPr>
+              <a:t>setting_1,setting_2,setting_3</a:t>
+            </a:r>
+            <a:endParaRPr kumimoji="0" lang="en-US" altLang="en-US" sz="1800" b="0" i="0" u="none" strike="noStrike" cap="none" normalizeH="0" baseline="0" dirty="0">
+              <a:ln>
+                <a:noFill/>
+              </a:ln>
+              <a:solidFill>
+                <a:schemeClr val="tx1"/>
+              </a:solidFill>
+              <a:effectLst/>
+              <a:latin typeface="Inter SemiBold" panose="020B0604020202020204" charset="0"/>
+              <a:ea typeface="Inter SemiBold" panose="020B0604020202020204" charset="0"/>
+            </a:endParaRPr>
+          </a:p>
+          <a:p>
+            <a:pPr marL="0" marR="0" lvl="0" indent="0" algn="l" defTabSz="914400" rtl="0" eaLnBrk="0" fontAlgn="base" latinLnBrk="0" hangingPunct="0">
+              <a:lnSpc>
+                <a:spcPct val="100000"/>
+              </a:lnSpc>
+              <a:spcBef>
+                <a:spcPct val="0"/>
+              </a:spcBef>
+              <a:spcAft>
+                <a:spcPct val="0"/>
+              </a:spcAft>
+              <a:buClrTx/>
+              <a:buSzTx/>
+              <a:buFontTx/>
+              <a:buChar char="•"/>
+              <a:tabLst/>
+            </a:pPr>
+            <a:r>
+              <a:rPr kumimoji="0" lang="en-US" altLang="en-US" sz="2800" b="0" i="0" u="none" strike="noStrike" cap="none" normalizeH="0" baseline="0" dirty="0">
+                <a:ln>
+                  <a:noFill/>
+                </a:ln>
+                <a:solidFill>
+                  <a:schemeClr val="tx1"/>
+                </a:solidFill>
+                <a:effectLst/>
+                <a:latin typeface="Inter SemiBold" panose="020B0604020202020204" charset="0"/>
+                <a:ea typeface="Inter SemiBold" panose="020B0604020202020204" charset="0"/>
+              </a:rPr>
+              <a:t>Sensor measurements: </a:t>
+            </a:r>
+            <a:r>
+              <a:rPr lang="en-US" altLang="en-US" sz="3200" dirty="0">
+                <a:solidFill>
+                  <a:schemeClr val="tx1"/>
+                </a:solidFill>
+                <a:latin typeface="Inter SemiBold" panose="020B0604020202020204" charset="0"/>
+                <a:ea typeface="Inter SemiBold" panose="020B0604020202020204" charset="0"/>
+              </a:rPr>
+              <a:t>s_1 to s_24</a:t>
+            </a:r>
+            <a:endParaRPr kumimoji="0" lang="en-US" altLang="en-US" sz="1800" b="0" i="0" u="none" strike="noStrike" cap="none" normalizeH="0" baseline="0" dirty="0">
+              <a:ln>
+                <a:noFill/>
+              </a:ln>
+              <a:solidFill>
+                <a:schemeClr val="tx1"/>
+              </a:solidFill>
+              <a:effectLst/>
+              <a:latin typeface="Inter SemiBold" panose="020B0604020202020204" charset="0"/>
+              <a:ea typeface="Inter SemiBold" panose="020B0604020202020204" charset="0"/>
+            </a:endParaRPr>
+          </a:p>
+          <a:p>
+            <a:pPr marL="0" marR="0" lvl="0" indent="0" algn="l" defTabSz="914400" rtl="0" eaLnBrk="0" fontAlgn="base" latinLnBrk="0" hangingPunct="0">
+              <a:lnSpc>
+                <a:spcPct val="100000"/>
+              </a:lnSpc>
+              <a:spcBef>
+                <a:spcPct val="0"/>
+              </a:spcBef>
+              <a:spcAft>
+                <a:spcPct val="0"/>
+              </a:spcAft>
+              <a:buClrTx/>
+              <a:buSzTx/>
+              <a:buFontTx/>
+              <a:buChar char="•"/>
+              <a:tabLst/>
+            </a:pPr>
+            <a:r>
+              <a:rPr kumimoji="0" lang="en-US" altLang="en-US" sz="2800" b="1" i="0" u="none" strike="noStrike" cap="none" normalizeH="0" baseline="0" dirty="0">
+                <a:ln>
+                  <a:noFill/>
+                </a:ln>
+                <a:solidFill>
+                  <a:schemeClr val="tx1"/>
+                </a:solidFill>
+                <a:effectLst/>
+                <a:latin typeface="Inter SemiBold" panose="020B0604020202020204" charset="0"/>
+                <a:ea typeface="Inter SemiBold" panose="020B0604020202020204" charset="0"/>
+              </a:rPr>
+              <a:t>Data Subsets:</a:t>
+            </a:r>
+            <a:r>
+              <a:rPr kumimoji="0" lang="en-US" altLang="en-US" sz="2800" b="0" i="0" u="none" strike="noStrike" cap="none" normalizeH="0" baseline="0" dirty="0">
+                <a:ln>
+                  <a:noFill/>
+                </a:ln>
+                <a:solidFill>
+                  <a:schemeClr val="tx1"/>
+                </a:solidFill>
+                <a:effectLst/>
+                <a:latin typeface="Inter SemiBold" panose="020B0604020202020204" charset="0"/>
+                <a:ea typeface="Inter SemiBold" panose="020B0604020202020204" charset="0"/>
+              </a:rPr>
+              <a:t> FD001 to FD004, representing different engine operating scenarios and fault types.</a:t>
+            </a:r>
+          </a:p>
+          <a:p>
+            <a:pPr marL="0" marR="0" lvl="0" indent="0" algn="l" defTabSz="914400" rtl="0" eaLnBrk="0" fontAlgn="base" latinLnBrk="0" hangingPunct="0">
+              <a:lnSpc>
+                <a:spcPct val="100000"/>
+              </a:lnSpc>
+              <a:spcBef>
+                <a:spcPct val="0"/>
+              </a:spcBef>
+              <a:spcAft>
+                <a:spcPct val="0"/>
+              </a:spcAft>
+              <a:buClrTx/>
+              <a:buSzTx/>
+              <a:buFontTx/>
+              <a:buChar char="•"/>
+              <a:tabLst/>
+            </a:pPr>
+            <a:r>
+              <a:rPr kumimoji="0" lang="en-US" altLang="en-US" sz="2800" b="1" i="0" u="none" strike="noStrike" cap="none" normalizeH="0" baseline="0" dirty="0">
+                <a:ln>
+                  <a:noFill/>
+                </a:ln>
+                <a:solidFill>
+                  <a:schemeClr val="tx1"/>
+                </a:solidFill>
+                <a:effectLst/>
+                <a:latin typeface="Inter SemiBold" panose="020B0604020202020204" charset="0"/>
+                <a:ea typeface="Inter SemiBold" panose="020B0604020202020204" charset="0"/>
+              </a:rPr>
+              <a:t>Data Files:</a:t>
+            </a:r>
+            <a:r>
+              <a:rPr kumimoji="0" lang="en-US" altLang="en-US" sz="2800" b="0" i="0" u="none" strike="noStrike" cap="none" normalizeH="0" baseline="0" dirty="0">
+                <a:ln>
+                  <a:noFill/>
+                </a:ln>
+                <a:solidFill>
+                  <a:schemeClr val="tx1"/>
+                </a:solidFill>
+                <a:effectLst/>
+                <a:latin typeface="Inter SemiBold" panose="020B0604020202020204" charset="0"/>
+                <a:ea typeface="Inter SemiBold" panose="020B0604020202020204" charset="0"/>
+              </a:rPr>
+              <a:t> Training and test data with RUL labels provided separately.</a:t>
+            </a:r>
+          </a:p>
+        </p:txBody>
+      </p:sp>
+    </p:spTree>
+    <p:extLst>
+      <p:ext uri="{BB962C8B-B14F-4D97-AF65-F5344CB8AC3E}">
+        <p14:creationId xmlns:p14="http://schemas.microsoft.com/office/powerpoint/2010/main" val="647403228"/>
+      </p:ext>
+    </p:extLst>
   </p:cSld>
   <p:clrMapOvr>
     <a:masterClrMapping/>
